--- a/Diagramme/Arrays.pptx
+++ b/Diagramme/Arrays.pptx
@@ -5,10 +5,13 @@
     <p:sldMasterId id="2147483648" r:id="rId1"/>
   </p:sldMasterIdLst>
   <p:sldIdLst>
-    <p:sldId id="256" r:id="rId2"/>
-    <p:sldId id="257" r:id="rId3"/>
-    <p:sldId id="258" r:id="rId4"/>
-    <p:sldId id="259" r:id="rId5"/>
+    <p:sldId id="260" r:id="rId2"/>
+    <p:sldId id="256" r:id="rId3"/>
+    <p:sldId id="257" r:id="rId4"/>
+    <p:sldId id="258" r:id="rId5"/>
+    <p:sldId id="259" r:id="rId6"/>
+    <p:sldId id="261" r:id="rId7"/>
+    <p:sldId id="262" r:id="rId8"/>
   </p:sldIdLst>
   <p:sldSz cx="12192000" cy="6858000"/>
   <p:notesSz cx="6858000" cy="9144000"/>
@@ -107,6 +110,11 @@
       </a:defRPr>
     </a:lvl9pPr>
   </p:defaultTextStyle>
+  <p:extLst>
+    <p:ext uri="{EFAFB233-063F-42B5-8137-9DF3F51BA10A}">
+      <p15:sldGuideLst xmlns:p15="http://schemas.microsoft.com/office/powerpoint/2012/main"/>
+    </p:ext>
+  </p:extLst>
 </p:presentation>
 </file>
 
@@ -2969,490 +2977,50 @@
       </p:grpSpPr>
       <p:sp>
         <p:nvSpPr>
-          <p:cNvPr id="4" name="Textfeld 3"/>
-          <p:cNvSpPr txBox="1"/>
-          <p:nvPr/>
-        </p:nvSpPr>
-        <p:spPr>
-          <a:xfrm>
-            <a:off x="7540831" y="427512"/>
-            <a:ext cx="3405099" cy="3416320"/>
-          </a:xfrm>
-          <a:prstGeom prst="rect">
-            <a:avLst/>
-          </a:prstGeom>
-          <a:noFill/>
-        </p:spPr>
-        <p:txBody>
-          <a:bodyPr wrap="none" rtlCol="0">
-            <a:spAutoFit/>
-          </a:bodyPr>
-          <a:lstStyle/>
-          <a:p>
-            <a:r>
-              <a:rPr lang="de-DE" smtClean="0"/>
-              <a:t>class Rechteck {</a:t>
-            </a:r>
-          </a:p>
-          <a:p>
-            <a:r>
-              <a:rPr lang="de-DE" smtClean="0"/>
-              <a:t>    int breite;</a:t>
-            </a:r>
-          </a:p>
-          <a:p>
-            <a:r>
-              <a:rPr lang="de-DE"/>
-              <a:t> </a:t>
-            </a:r>
-            <a:r>
-              <a:rPr lang="de-DE" smtClean="0"/>
-              <a:t>   int hoehe;</a:t>
-            </a:r>
-            <a:endParaRPr lang="de-DE"/>
-          </a:p>
-          <a:p>
-            <a:r>
-              <a:rPr lang="de-DE" smtClean="0"/>
-              <a:t>}</a:t>
-            </a:r>
-          </a:p>
-          <a:p>
-            <a:endParaRPr lang="de-DE"/>
-          </a:p>
-          <a:p>
-            <a:endParaRPr lang="de-DE" smtClean="0"/>
-          </a:p>
-          <a:p>
-            <a:r>
-              <a:rPr lang="de-DE" smtClean="0"/>
-              <a:t>... main... {</a:t>
-            </a:r>
-          </a:p>
-          <a:p>
-            <a:r>
-              <a:rPr lang="de-DE" smtClean="0"/>
-              <a:t>       </a:t>
-            </a:r>
-            <a:r>
-              <a:rPr lang="de-DE" b="1" smtClean="0"/>
-              <a:t>Rechteck r1 = new Rechteck();</a:t>
-            </a:r>
-          </a:p>
-          <a:p>
-            <a:r>
-              <a:rPr lang="de-DE"/>
-              <a:t> </a:t>
-            </a:r>
-            <a:r>
-              <a:rPr lang="de-DE" smtClean="0"/>
-              <a:t>      System.out.println( r1.breite );</a:t>
-            </a:r>
-          </a:p>
-          <a:p>
-            <a:r>
-              <a:rPr lang="de-DE"/>
-              <a:t> </a:t>
-            </a:r>
-            <a:r>
-              <a:rPr lang="de-DE" smtClean="0"/>
-              <a:t>      r1.breite = 3;</a:t>
-            </a:r>
-          </a:p>
-          <a:p>
-            <a:r>
-              <a:rPr lang="de-DE" smtClean="0"/>
-              <a:t>       System.out.println( r1.breite );</a:t>
-            </a:r>
-            <a:endParaRPr lang="de-DE"/>
-          </a:p>
-          <a:p>
-            <a:r>
-              <a:rPr lang="de-DE" smtClean="0"/>
-              <a:t>}</a:t>
-            </a:r>
-            <a:endParaRPr lang="de-DE"/>
-          </a:p>
-        </p:txBody>
-      </p:sp>
-      <p:cxnSp>
-        <p:nvCxnSpPr>
-          <p:cNvPr id="6" name="Gerader Verbinder 5"/>
-          <p:cNvCxnSpPr/>
-          <p:nvPr/>
-        </p:nvCxnSpPr>
-        <p:spPr>
-          <a:xfrm flipH="1">
-            <a:off x="2125683" y="201881"/>
-            <a:ext cx="95003" cy="6436425"/>
-          </a:xfrm>
-          <a:prstGeom prst="line">
-            <a:avLst/>
-          </a:prstGeom>
-        </p:spPr>
-        <p:style>
-          <a:lnRef idx="1">
-            <a:schemeClr val="accent1"/>
-          </a:lnRef>
-          <a:fillRef idx="0">
-            <a:schemeClr val="accent1"/>
-          </a:fillRef>
-          <a:effectRef idx="0">
-            <a:schemeClr val="accent1"/>
-          </a:effectRef>
-          <a:fontRef idx="minor">
-            <a:schemeClr val="tx1"/>
-          </a:fontRef>
-        </p:style>
-      </p:cxnSp>
-      <p:sp>
-        <p:nvSpPr>
-          <p:cNvPr id="7" name="Textfeld 6"/>
-          <p:cNvSpPr txBox="1"/>
-          <p:nvPr/>
-        </p:nvSpPr>
-        <p:spPr>
-          <a:xfrm>
-            <a:off x="576727" y="5705495"/>
-            <a:ext cx="381836" cy="369332"/>
-          </a:xfrm>
-          <a:prstGeom prst="rect">
-            <a:avLst/>
-          </a:prstGeom>
-          <a:noFill/>
-        </p:spPr>
-        <p:txBody>
-          <a:bodyPr wrap="none" rtlCol="0">
-            <a:spAutoFit/>
-          </a:bodyPr>
-          <a:lstStyle/>
-          <a:p>
-            <a:r>
-              <a:rPr lang="de-DE" smtClean="0"/>
-              <a:t>r1</a:t>
-            </a:r>
-            <a:endParaRPr lang="de-DE"/>
-          </a:p>
-        </p:txBody>
-      </p:sp>
-      <p:sp>
-        <p:nvSpPr>
-          <p:cNvPr id="8" name="Rechteck 7"/>
-          <p:cNvSpPr/>
-          <p:nvPr/>
-        </p:nvSpPr>
-        <p:spPr>
-          <a:xfrm>
-            <a:off x="3966358" y="4690753"/>
-            <a:ext cx="1900052" cy="1199408"/>
-          </a:xfrm>
-          <a:prstGeom prst="rect">
-            <a:avLst/>
-          </a:prstGeom>
-        </p:spPr>
-        <p:style>
-          <a:lnRef idx="2">
-            <a:schemeClr val="accent1">
-              <a:shade val="50000"/>
-            </a:schemeClr>
-          </a:lnRef>
-          <a:fillRef idx="1">
-            <a:schemeClr val="accent1"/>
-          </a:fillRef>
-          <a:effectRef idx="0">
-            <a:schemeClr val="accent1"/>
-          </a:effectRef>
-          <a:fontRef idx="minor">
-            <a:schemeClr val="lt1"/>
-          </a:fontRef>
-        </p:style>
-        <p:txBody>
-          <a:bodyPr rtlCol="0" anchor="ctr"/>
-          <a:lstStyle/>
-          <a:p>
-            <a:pPr algn="ctr"/>
-            <a:endParaRPr lang="de-DE"/>
-          </a:p>
-        </p:txBody>
-      </p:sp>
-      <p:sp>
-        <p:nvSpPr>
-          <p:cNvPr id="9" name="Textfeld 8"/>
-          <p:cNvSpPr txBox="1"/>
-          <p:nvPr/>
-        </p:nvSpPr>
-        <p:spPr>
-          <a:xfrm>
-            <a:off x="5225143" y="4322618"/>
-            <a:ext cx="1030410" cy="369332"/>
-          </a:xfrm>
-          <a:prstGeom prst="rect">
-            <a:avLst/>
-          </a:prstGeom>
-          <a:noFill/>
-        </p:spPr>
-        <p:txBody>
-          <a:bodyPr wrap="none" rtlCol="0">
-            <a:spAutoFit/>
-          </a:bodyPr>
-          <a:lstStyle/>
-          <a:p>
-            <a:r>
-              <a:rPr lang="de-DE" smtClean="0"/>
-              <a:t>Rechteck</a:t>
-            </a:r>
-            <a:endParaRPr lang="de-DE"/>
-          </a:p>
-        </p:txBody>
-      </p:sp>
-      <p:sp>
-        <p:nvSpPr>
-          <p:cNvPr id="10" name="Rechteck 9"/>
-          <p:cNvSpPr/>
-          <p:nvPr/>
-        </p:nvSpPr>
-        <p:spPr>
-          <a:xfrm>
-            <a:off x="4061361" y="4821382"/>
-            <a:ext cx="1662545" cy="415636"/>
-          </a:xfrm>
-          <a:prstGeom prst="rect">
-            <a:avLst/>
-          </a:prstGeom>
-        </p:spPr>
-        <p:style>
-          <a:lnRef idx="2">
-            <a:schemeClr val="accent1">
-              <a:shade val="50000"/>
-            </a:schemeClr>
-          </a:lnRef>
-          <a:fillRef idx="1">
-            <a:schemeClr val="accent1"/>
-          </a:fillRef>
-          <a:effectRef idx="0">
-            <a:schemeClr val="accent1"/>
-          </a:effectRef>
-          <a:fontRef idx="minor">
-            <a:schemeClr val="lt1"/>
-          </a:fontRef>
-        </p:style>
-        <p:txBody>
-          <a:bodyPr rtlCol="0" anchor="ctr"/>
-          <a:lstStyle/>
-          <a:p>
-            <a:pPr algn="ctr"/>
-            <a:r>
-              <a:rPr lang="de-DE" smtClean="0"/>
-              <a:t>0</a:t>
-            </a:r>
-            <a:endParaRPr lang="de-DE"/>
-          </a:p>
-        </p:txBody>
-      </p:sp>
-      <p:sp>
-        <p:nvSpPr>
-          <p:cNvPr id="11" name="Rechteck 10"/>
-          <p:cNvSpPr/>
-          <p:nvPr/>
-        </p:nvSpPr>
-        <p:spPr>
-          <a:xfrm>
-            <a:off x="4061361" y="5237018"/>
-            <a:ext cx="1662545" cy="415636"/>
-          </a:xfrm>
-          <a:prstGeom prst="rect">
-            <a:avLst/>
-          </a:prstGeom>
-        </p:spPr>
-        <p:style>
-          <a:lnRef idx="2">
-            <a:schemeClr val="accent1">
-              <a:shade val="50000"/>
-            </a:schemeClr>
-          </a:lnRef>
-          <a:fillRef idx="1">
-            <a:schemeClr val="accent1"/>
-          </a:fillRef>
-          <a:effectRef idx="0">
-            <a:schemeClr val="accent1"/>
-          </a:effectRef>
-          <a:fontRef idx="minor">
-            <a:schemeClr val="lt1"/>
-          </a:fontRef>
-        </p:style>
-        <p:txBody>
-          <a:bodyPr rtlCol="0" anchor="ctr"/>
-          <a:lstStyle/>
-          <a:p>
-            <a:pPr algn="ctr"/>
-            <a:r>
-              <a:rPr lang="de-DE" smtClean="0"/>
-              <a:t>0</a:t>
-            </a:r>
-            <a:endParaRPr lang="de-DE"/>
-          </a:p>
-        </p:txBody>
-      </p:sp>
-      <p:sp>
-        <p:nvSpPr>
-          <p:cNvPr id="12" name="Textfeld 11"/>
-          <p:cNvSpPr txBox="1"/>
-          <p:nvPr/>
-        </p:nvSpPr>
-        <p:spPr>
-          <a:xfrm>
-            <a:off x="3701746" y="4826721"/>
-            <a:ext cx="434221" cy="369332"/>
-          </a:xfrm>
-          <a:prstGeom prst="rect">
-            <a:avLst/>
-          </a:prstGeom>
-          <a:noFill/>
-        </p:spPr>
-        <p:txBody>
-          <a:bodyPr wrap="none" rtlCol="0">
-            <a:spAutoFit/>
-          </a:bodyPr>
-          <a:lstStyle/>
-          <a:p>
-            <a:r>
-              <a:rPr lang="de-DE" smtClean="0"/>
-              <a:t>int</a:t>
-            </a:r>
-            <a:endParaRPr lang="de-DE"/>
-          </a:p>
-        </p:txBody>
-      </p:sp>
-      <p:sp>
-        <p:nvSpPr>
-          <p:cNvPr id="13" name="Textfeld 12"/>
-          <p:cNvSpPr txBox="1"/>
-          <p:nvPr/>
-        </p:nvSpPr>
-        <p:spPr>
-          <a:xfrm>
-            <a:off x="3711945" y="5194856"/>
-            <a:ext cx="434221" cy="369332"/>
-          </a:xfrm>
-          <a:prstGeom prst="rect">
-            <a:avLst/>
-          </a:prstGeom>
-          <a:noFill/>
-        </p:spPr>
-        <p:txBody>
-          <a:bodyPr wrap="none" rtlCol="0">
-            <a:spAutoFit/>
-          </a:bodyPr>
-          <a:lstStyle/>
-          <a:p>
-            <a:r>
-              <a:rPr lang="de-DE" smtClean="0"/>
-              <a:t>int</a:t>
-            </a:r>
-            <a:endParaRPr lang="de-DE"/>
-          </a:p>
-        </p:txBody>
-      </p:sp>
-      <p:sp>
-        <p:nvSpPr>
-          <p:cNvPr id="14" name="Textfeld 13"/>
-          <p:cNvSpPr txBox="1"/>
-          <p:nvPr/>
-        </p:nvSpPr>
-        <p:spPr>
-          <a:xfrm>
-            <a:off x="5723906" y="4821382"/>
-            <a:ext cx="741806" cy="369332"/>
-          </a:xfrm>
-          <a:prstGeom prst="rect">
-            <a:avLst/>
-          </a:prstGeom>
-          <a:noFill/>
-        </p:spPr>
-        <p:txBody>
-          <a:bodyPr wrap="none" rtlCol="0">
-            <a:spAutoFit/>
-          </a:bodyPr>
-          <a:lstStyle/>
-          <a:p>
-            <a:r>
-              <a:rPr lang="de-DE" smtClean="0"/>
-              <a:t>breite</a:t>
-            </a:r>
-            <a:endParaRPr lang="de-DE"/>
-          </a:p>
-        </p:txBody>
-      </p:sp>
-      <p:sp>
-        <p:nvSpPr>
-          <p:cNvPr id="15" name="Textfeld 14"/>
-          <p:cNvSpPr txBox="1"/>
-          <p:nvPr/>
-        </p:nvSpPr>
-        <p:spPr>
-          <a:xfrm>
-            <a:off x="5723906" y="5235821"/>
-            <a:ext cx="780983" cy="369332"/>
-          </a:xfrm>
-          <a:prstGeom prst="rect">
-            <a:avLst/>
-          </a:prstGeom>
-          <a:noFill/>
-        </p:spPr>
-        <p:txBody>
-          <a:bodyPr wrap="none" rtlCol="0">
-            <a:spAutoFit/>
-          </a:bodyPr>
-          <a:lstStyle/>
-          <a:p>
-            <a:r>
-              <a:rPr lang="de-DE" smtClean="0"/>
-              <a:t>hoehe</a:t>
-            </a:r>
-            <a:endParaRPr lang="de-DE"/>
-          </a:p>
-        </p:txBody>
-      </p:sp>
-      <p:cxnSp>
-        <p:nvCxnSpPr>
-          <p:cNvPr id="17" name="Gerade Verbindung mit Pfeil 16"/>
-          <p:cNvCxnSpPr>
-            <a:stCxn id="7" idx="3"/>
-            <a:endCxn id="12" idx="0"/>
-          </p:cNvCxnSpPr>
-          <p:nvPr/>
-        </p:nvCxnSpPr>
-        <p:spPr>
-          <a:xfrm flipV="1">
-            <a:off x="958563" y="4826721"/>
-            <a:ext cx="2960294" cy="1063440"/>
-          </a:xfrm>
-          <a:prstGeom prst="straightConnector1">
-            <a:avLst/>
-          </a:prstGeom>
-          <a:ln>
-            <a:tailEnd type="triangle"/>
-          </a:ln>
-        </p:spPr>
-        <p:style>
-          <a:lnRef idx="1">
-            <a:schemeClr val="accent1"/>
-          </a:lnRef>
-          <a:fillRef idx="0">
-            <a:schemeClr val="accent1"/>
-          </a:fillRef>
-          <a:effectRef idx="0">
-            <a:schemeClr val="accent1"/>
-          </a:effectRef>
-          <a:fontRef idx="minor">
-            <a:schemeClr val="tx1"/>
-          </a:fontRef>
-        </p:style>
-      </p:cxnSp>
+          <p:cNvPr id="2" name="Titel 1"/>
+          <p:cNvSpPr>
+            <a:spLocks noGrp="1"/>
+          </p:cNvSpPr>
+          <p:nvPr>
+            <p:ph type="title"/>
+          </p:nvPr>
+        </p:nvSpPr>
+        <p:spPr/>
+        <p:txBody>
+          <a:bodyPr/>
+          <a:lstStyle/>
+          <a:p>
+            <a:r>
+              <a:rPr lang="de-DE" smtClean="0"/>
+              <a:t>Arrays mit primitiven Elementen</a:t>
+            </a:r>
+            <a:endParaRPr lang="de-DE"/>
+          </a:p>
+        </p:txBody>
+      </p:sp>
+      <p:sp>
+        <p:nvSpPr>
+          <p:cNvPr id="3" name="Inhaltsplatzhalter 2"/>
+          <p:cNvSpPr>
+            <a:spLocks noGrp="1"/>
+          </p:cNvSpPr>
+          <p:nvPr>
+            <p:ph idx="1"/>
+          </p:nvPr>
+        </p:nvSpPr>
+        <p:spPr/>
+        <p:txBody>
+          <a:bodyPr/>
+          <a:lstStyle/>
+          <a:p>
+            <a:endParaRPr lang="de-DE"/>
+          </a:p>
+        </p:txBody>
+      </p:sp>
     </p:spTree>
     <p:extLst>
       <p:ext uri="{BB962C8B-B14F-4D97-AF65-F5344CB8AC3E}">
-        <p14:creationId xmlns:p14="http://schemas.microsoft.com/office/powerpoint/2010/main" val="170221848"/>
+        <p14:creationId xmlns:p14="http://schemas.microsoft.com/office/powerpoint/2010/main" val="4009946334"/>
       </p:ext>
     </p:extLst>
   </p:cSld>
@@ -3514,42 +3082,41 @@
           </a:p>
           <a:p>
             <a:r>
-              <a:rPr lang="de-DE" smtClean="0"/>
-              <a:t>    int hoehe;</a:t>
-            </a:r>
-          </a:p>
-          <a:p>
-            <a:r>
-              <a:rPr lang="de-DE" smtClean="0"/>
-              <a:t>}</a:t>
-            </a:r>
-          </a:p>
-          <a:p>
-            <a:endParaRPr lang="de-DE"/>
-          </a:p>
-          <a:p>
-            <a:endParaRPr lang="de-DE" smtClean="0"/>
-          </a:p>
-          <a:p>
-            <a:r>
-              <a:rPr lang="de-DE" smtClean="0"/>
-              <a:t>... main... {</a:t>
-            </a:r>
-          </a:p>
-          <a:p>
-            <a:r>
-              <a:rPr lang="de-DE" smtClean="0"/>
-              <a:t>       Rechteck r1 = new Rechteck();</a:t>
-            </a:r>
-          </a:p>
-          <a:p>
-            <a:r>
               <a:rPr lang="de-DE"/>
               <a:t> </a:t>
             </a:r>
             <a:r>
               <a:rPr lang="de-DE" smtClean="0"/>
-              <a:t>      System.out.println( r1.breite );</a:t>
+              <a:t>   int hoehe;</a:t>
+            </a:r>
+            <a:endParaRPr lang="de-DE"/>
+          </a:p>
+          <a:p>
+            <a:r>
+              <a:rPr lang="de-DE" smtClean="0"/>
+              <a:t>}</a:t>
+            </a:r>
+          </a:p>
+          <a:p>
+            <a:endParaRPr lang="de-DE"/>
+          </a:p>
+          <a:p>
+            <a:endParaRPr lang="de-DE" smtClean="0"/>
+          </a:p>
+          <a:p>
+            <a:r>
+              <a:rPr lang="de-DE" smtClean="0"/>
+              <a:t>... main... {</a:t>
+            </a:r>
+          </a:p>
+          <a:p>
+            <a:r>
+              <a:rPr lang="de-DE" smtClean="0"/>
+              <a:t>       </a:t>
+            </a:r>
+            <a:r>
+              <a:rPr lang="de-DE" b="1" smtClean="0"/>
+              <a:t>Rechteck r1 = new Rechteck();</a:t>
             </a:r>
           </a:p>
           <a:p>
@@ -3559,11 +3126,17 @@
             </a:r>
             <a:r>
               <a:rPr lang="de-DE" smtClean="0"/>
-              <a:t>     </a:t>
-            </a:r>
-            <a:r>
-              <a:rPr lang="de-DE" b="1" smtClean="0"/>
-              <a:t> r1.breite = 3;</a:t>
+              <a:t>      System.out.println( r1.breite );</a:t>
+            </a:r>
+          </a:p>
+          <a:p>
+            <a:r>
+              <a:rPr lang="de-DE"/>
+              <a:t> </a:t>
+            </a:r>
+            <a:r>
+              <a:rPr lang="de-DE" smtClean="0"/>
+              <a:t>      r1.breite = 3;</a:t>
             </a:r>
           </a:p>
           <a:p>
@@ -3749,9 +3322,10 @@
           <a:p>
             <a:pPr algn="ctr"/>
             <a:r>
-              <a:rPr lang="de-DE"/>
-              <a:t>3</a:t>
-            </a:r>
+              <a:rPr lang="de-DE" smtClean="0"/>
+              <a:t>0</a:t>
+            </a:r>
+            <a:endParaRPr lang="de-DE"/>
           </a:p>
         </p:txBody>
       </p:sp>
@@ -3958,7 +3532,7 @@
     </p:spTree>
     <p:extLst>
       <p:ext uri="{BB962C8B-B14F-4D97-AF65-F5344CB8AC3E}">
-        <p14:creationId xmlns:p14="http://schemas.microsoft.com/office/powerpoint/2010/main" val="3994492085"/>
+        <p14:creationId xmlns:p14="http://schemas.microsoft.com/office/powerpoint/2010/main" val="170221848"/>
       </p:ext>
     </p:extLst>
   </p:cSld>
@@ -3994,7 +3568,7 @@
         <p:spPr>
           <a:xfrm>
             <a:off x="7540831" y="427512"/>
-            <a:ext cx="3472874" cy="3416320"/>
+            <a:ext cx="3405099" cy="3416320"/>
           </a:xfrm>
           <a:prstGeom prst="rect">
             <a:avLst/>
@@ -4007,21 +3581,36 @@
           </a:bodyPr>
           <a:lstStyle/>
           <a:p>
+            <a:r>
+              <a:rPr lang="de-DE" smtClean="0"/>
+              <a:t>class Rechteck {</a:t>
+            </a:r>
+          </a:p>
+          <a:p>
+            <a:r>
+              <a:rPr lang="de-DE" smtClean="0"/>
+              <a:t>    int breite;</a:t>
+            </a:r>
+          </a:p>
+          <a:p>
+            <a:r>
+              <a:rPr lang="de-DE" smtClean="0"/>
+              <a:t>    int hoehe;</a:t>
+            </a:r>
+          </a:p>
+          <a:p>
+            <a:r>
+              <a:rPr lang="de-DE" smtClean="0"/>
+              <a:t>}</a:t>
+            </a:r>
+          </a:p>
+          <a:p>
+            <a:endParaRPr lang="de-DE"/>
+          </a:p>
+          <a:p>
             <a:endParaRPr lang="de-DE" smtClean="0"/>
           </a:p>
           <a:p>
-            <a:endParaRPr lang="de-DE"/>
-          </a:p>
-          <a:p>
-            <a:endParaRPr lang="de-DE" smtClean="0"/>
-          </a:p>
-          <a:p>
-            <a:endParaRPr lang="de-DE"/>
-          </a:p>
-          <a:p>
-            <a:endParaRPr lang="de-DE" smtClean="0"/>
-          </a:p>
-          <a:p>
             <a:r>
               <a:rPr lang="de-DE" smtClean="0"/>
               <a:t>... main... {</a:t>
@@ -4030,11 +3619,7 @@
           <a:p>
             <a:r>
               <a:rPr lang="de-DE" smtClean="0"/>
-              <a:t>       </a:t>
-            </a:r>
-            <a:r>
-              <a:rPr lang="de-DE" b="1" smtClean="0"/>
-              <a:t>int[] a1 = new int[2];</a:t>
+              <a:t>       Rechteck r1 = new Rechteck();</a:t>
             </a:r>
           </a:p>
           <a:p>
@@ -4044,7 +3629,7 @@
             </a:r>
             <a:r>
               <a:rPr lang="de-DE" smtClean="0"/>
-              <a:t>      System.out.println( a1[0] );</a:t>
+              <a:t>      System.out.println( r1.breite );</a:t>
             </a:r>
           </a:p>
           <a:p>
@@ -4054,19 +3639,17 @@
             </a:r>
             <a:r>
               <a:rPr lang="de-DE" smtClean="0"/>
-              <a:t>      a1[0] = 3;</a:t>
-            </a:r>
-          </a:p>
-          <a:p>
-            <a:r>
-              <a:rPr lang="de-DE" smtClean="0"/>
-              <a:t>       System.out.println( a1[0] );</a:t>
-            </a:r>
-          </a:p>
-          <a:p>
-            <a:r>
-              <a:rPr lang="de-DE" smtClean="0"/>
-              <a:t>       System.out.println( a1.length );</a:t>
+              <a:t>     </a:t>
+            </a:r>
+            <a:r>
+              <a:rPr lang="de-DE" b="1" smtClean="0"/>
+              <a:t> r1.breite = 3;</a:t>
+            </a:r>
+          </a:p>
+          <a:p>
+            <a:r>
+              <a:rPr lang="de-DE" smtClean="0"/>
+              <a:t>       System.out.println( r1.breite );</a:t>
             </a:r>
             <a:endParaRPr lang="de-DE"/>
           </a:p>
@@ -4118,7 +3701,7 @@
         <p:spPr>
           <a:xfrm>
             <a:off x="576727" y="5705495"/>
-            <a:ext cx="412292" cy="369332"/>
+            <a:ext cx="381836" cy="369332"/>
           </a:xfrm>
           <a:prstGeom prst="rect">
             <a:avLst/>
@@ -4132,12 +3715,8 @@
           <a:lstStyle/>
           <a:p>
             <a:r>
-              <a:rPr lang="de-DE"/>
-              <a:t>a</a:t>
-            </a:r>
-            <a:r>
-              <a:rPr lang="de-DE" smtClean="0"/>
-              <a:t>1</a:t>
+              <a:rPr lang="de-DE" smtClean="0"/>
+              <a:t>r1</a:t>
             </a:r>
             <a:endParaRPr lang="de-DE"/>
           </a:p>
@@ -4151,8 +3730,8 @@
         </p:nvSpPr>
         <p:spPr>
           <a:xfrm>
-            <a:off x="3966358" y="4690752"/>
-            <a:ext cx="1900052" cy="1472541"/>
+            <a:off x="3966358" y="4690753"/>
+            <a:ext cx="1900052" cy="1199408"/>
           </a:xfrm>
           <a:prstGeom prst="rect">
             <a:avLst/>
@@ -4192,7 +3771,7 @@
         <p:spPr>
           <a:xfrm>
             <a:off x="5225143" y="4322618"/>
-            <a:ext cx="575286" cy="369332"/>
+            <a:ext cx="1030410" cy="369332"/>
           </a:xfrm>
           <a:prstGeom prst="rect">
             <a:avLst/>
@@ -4207,7 +3786,7 @@
           <a:p>
             <a:r>
               <a:rPr lang="de-DE" smtClean="0"/>
-              <a:t>int[]</a:t>
+              <a:t>Rechteck</a:t>
             </a:r>
             <a:endParaRPr lang="de-DE"/>
           </a:p>
@@ -4250,10 +3829,9 @@
           <a:p>
             <a:pPr algn="ctr"/>
             <a:r>
-              <a:rPr lang="de-DE" smtClean="0"/>
-              <a:t>0</a:t>
-            </a:r>
-            <a:endParaRPr lang="de-DE"/>
+              <a:rPr lang="de-DE"/>
+              <a:t>3</a:t>
+            </a:r>
           </a:p>
         </p:txBody>
       </p:sp>
@@ -4370,7 +3948,7 @@
         <p:spPr>
           <a:xfrm>
             <a:off x="5723906" y="4821382"/>
-            <a:ext cx="301686" cy="369332"/>
+            <a:ext cx="741806" cy="369332"/>
           </a:xfrm>
           <a:prstGeom prst="rect">
             <a:avLst/>
@@ -4385,7 +3963,7 @@
           <a:p>
             <a:r>
               <a:rPr lang="de-DE" smtClean="0"/>
-              <a:t>0</a:t>
+              <a:t>breite</a:t>
             </a:r>
             <a:endParaRPr lang="de-DE"/>
           </a:p>
@@ -4400,7 +3978,7 @@
         <p:spPr>
           <a:xfrm>
             <a:off x="5723906" y="5235821"/>
-            <a:ext cx="301686" cy="369332"/>
+            <a:ext cx="780983" cy="369332"/>
           </a:xfrm>
           <a:prstGeom prst="rect">
             <a:avLst/>
@@ -4415,7 +3993,7 @@
           <a:p>
             <a:r>
               <a:rPr lang="de-DE" smtClean="0"/>
-              <a:t>1</a:t>
+              <a:t>hoehe</a:t>
             </a:r>
             <a:endParaRPr lang="de-DE"/>
           </a:p>
@@ -4457,113 +4035,10 @@
           </a:fontRef>
         </p:style>
       </p:cxnSp>
-      <p:sp>
-        <p:nvSpPr>
-          <p:cNvPr id="16" name="Rechteck 15"/>
-          <p:cNvSpPr/>
-          <p:nvPr/>
-        </p:nvSpPr>
-        <p:spPr>
-          <a:xfrm>
-            <a:off x="4061361" y="5700155"/>
-            <a:ext cx="1662545" cy="415636"/>
-          </a:xfrm>
-          <a:prstGeom prst="rect">
-            <a:avLst/>
-          </a:prstGeom>
-        </p:spPr>
-        <p:style>
-          <a:lnRef idx="2">
-            <a:schemeClr val="accent1">
-              <a:shade val="50000"/>
-            </a:schemeClr>
-          </a:lnRef>
-          <a:fillRef idx="1">
-            <a:schemeClr val="accent1"/>
-          </a:fillRef>
-          <a:effectRef idx="0">
-            <a:schemeClr val="accent1"/>
-          </a:effectRef>
-          <a:fontRef idx="minor">
-            <a:schemeClr val="lt1"/>
-          </a:fontRef>
-        </p:style>
-        <p:txBody>
-          <a:bodyPr rtlCol="0" anchor="ctr"/>
-          <a:lstStyle/>
-          <a:p>
-            <a:pPr algn="ctr"/>
-            <a:r>
-              <a:rPr lang="de-DE"/>
-              <a:t>2</a:t>
-            </a:r>
-          </a:p>
-        </p:txBody>
-      </p:sp>
-      <p:sp>
-        <p:nvSpPr>
-          <p:cNvPr id="18" name="Textfeld 17"/>
-          <p:cNvSpPr txBox="1"/>
-          <p:nvPr/>
-        </p:nvSpPr>
-        <p:spPr>
-          <a:xfrm>
-            <a:off x="3711945" y="5729246"/>
-            <a:ext cx="434221" cy="369332"/>
-          </a:xfrm>
-          <a:prstGeom prst="rect">
-            <a:avLst/>
-          </a:prstGeom>
-          <a:noFill/>
-        </p:spPr>
-        <p:txBody>
-          <a:bodyPr wrap="none" rtlCol="0">
-            <a:spAutoFit/>
-          </a:bodyPr>
-          <a:lstStyle/>
-          <a:p>
-            <a:r>
-              <a:rPr lang="de-DE" smtClean="0"/>
-              <a:t>int</a:t>
-            </a:r>
-            <a:endParaRPr lang="de-DE"/>
-          </a:p>
-        </p:txBody>
-      </p:sp>
-      <p:sp>
-        <p:nvSpPr>
-          <p:cNvPr id="19" name="Textfeld 18"/>
-          <p:cNvSpPr txBox="1"/>
-          <p:nvPr/>
-        </p:nvSpPr>
-        <p:spPr>
-          <a:xfrm>
-            <a:off x="5747658" y="5723307"/>
-            <a:ext cx="779124" cy="369332"/>
-          </a:xfrm>
-          <a:prstGeom prst="rect">
-            <a:avLst/>
-          </a:prstGeom>
-          <a:noFill/>
-        </p:spPr>
-        <p:txBody>
-          <a:bodyPr wrap="none" rtlCol="0">
-            <a:spAutoFit/>
-          </a:bodyPr>
-          <a:lstStyle/>
-          <a:p>
-            <a:r>
-              <a:rPr lang="de-DE" smtClean="0"/>
-              <a:t>length</a:t>
-            </a:r>
-            <a:endParaRPr lang="de-DE"/>
-          </a:p>
-        </p:txBody>
-      </p:sp>
     </p:spTree>
     <p:extLst>
       <p:ext uri="{BB962C8B-B14F-4D97-AF65-F5344CB8AC3E}">
-        <p14:creationId xmlns:p14="http://schemas.microsoft.com/office/powerpoint/2010/main" val="2747086714"/>
+        <p14:creationId xmlns:p14="http://schemas.microsoft.com/office/powerpoint/2010/main" val="3994492085"/>
       </p:ext>
     </p:extLst>
   </p:cSld>
@@ -4635,7 +4110,11 @@
           <a:p>
             <a:r>
               <a:rPr lang="de-DE" smtClean="0"/>
-              <a:t>       int[] a1 = new int[2];</a:t>
+              <a:t>       </a:t>
+            </a:r>
+            <a:r>
+              <a:rPr lang="de-DE" b="1" smtClean="0"/>
+              <a:t>int[] a1 = new int[2];</a:t>
             </a:r>
           </a:p>
           <a:p>
@@ -4650,11 +4129,11 @@
           </a:p>
           <a:p>
             <a:r>
-              <a:rPr lang="de-DE" b="1"/>
+              <a:rPr lang="de-DE"/>
               <a:t> </a:t>
             </a:r>
             <a:r>
-              <a:rPr lang="de-DE" b="1" smtClean="0"/>
+              <a:rPr lang="de-DE" smtClean="0"/>
               <a:t>      a1[0] = 3;</a:t>
             </a:r>
           </a:p>
@@ -4851,9 +4330,10 @@
           <a:p>
             <a:pPr algn="ctr"/>
             <a:r>
-              <a:rPr lang="de-DE"/>
-              <a:t>3</a:t>
-            </a:r>
+              <a:rPr lang="de-DE" smtClean="0"/>
+              <a:t>0</a:t>
+            </a:r>
+            <a:endParaRPr lang="de-DE"/>
           </a:p>
         </p:txBody>
       </p:sp>
@@ -5163,7 +4643,1656 @@
     </p:spTree>
     <p:extLst>
       <p:ext uri="{BB962C8B-B14F-4D97-AF65-F5344CB8AC3E}">
+        <p14:creationId xmlns:p14="http://schemas.microsoft.com/office/powerpoint/2010/main" val="2747086714"/>
+      </p:ext>
+    </p:extLst>
+  </p:cSld>
+  <p:clrMapOvr>
+    <a:masterClrMapping/>
+  </p:clrMapOvr>
+</p:sld>
+</file>
+
+<file path=ppt/slides/slide5.xml><?xml version="1.0" encoding="utf-8"?>
+<p:sld xmlns:a="http://schemas.openxmlformats.org/drawingml/2006/main" xmlns:r="http://schemas.openxmlformats.org/officeDocument/2006/relationships" xmlns:p="http://schemas.openxmlformats.org/presentationml/2006/main">
+  <p:cSld>
+    <p:spTree>
+      <p:nvGrpSpPr>
+        <p:cNvPr id="1" name=""/>
+        <p:cNvGrpSpPr/>
+        <p:nvPr/>
+      </p:nvGrpSpPr>
+      <p:grpSpPr>
+        <a:xfrm>
+          <a:off x="0" y="0"/>
+          <a:ext cx="0" cy="0"/>
+          <a:chOff x="0" y="0"/>
+          <a:chExt cx="0" cy="0"/>
+        </a:xfrm>
+      </p:grpSpPr>
+      <p:sp>
+        <p:nvSpPr>
+          <p:cNvPr id="4" name="Textfeld 3"/>
+          <p:cNvSpPr txBox="1"/>
+          <p:nvPr/>
+        </p:nvSpPr>
+        <p:spPr>
+          <a:xfrm>
+            <a:off x="7540831" y="427512"/>
+            <a:ext cx="3472874" cy="3416320"/>
+          </a:xfrm>
+          <a:prstGeom prst="rect">
+            <a:avLst/>
+          </a:prstGeom>
+          <a:noFill/>
+        </p:spPr>
+        <p:txBody>
+          <a:bodyPr wrap="none" rtlCol="0">
+            <a:spAutoFit/>
+          </a:bodyPr>
+          <a:lstStyle/>
+          <a:p>
+            <a:endParaRPr lang="de-DE" smtClean="0"/>
+          </a:p>
+          <a:p>
+            <a:endParaRPr lang="de-DE"/>
+          </a:p>
+          <a:p>
+            <a:endParaRPr lang="de-DE" smtClean="0"/>
+          </a:p>
+          <a:p>
+            <a:endParaRPr lang="de-DE"/>
+          </a:p>
+          <a:p>
+            <a:endParaRPr lang="de-DE" smtClean="0"/>
+          </a:p>
+          <a:p>
+            <a:r>
+              <a:rPr lang="de-DE" smtClean="0"/>
+              <a:t>... main... {</a:t>
+            </a:r>
+          </a:p>
+          <a:p>
+            <a:r>
+              <a:rPr lang="de-DE" smtClean="0"/>
+              <a:t>       int[] a1 = new int[2];</a:t>
+            </a:r>
+          </a:p>
+          <a:p>
+            <a:r>
+              <a:rPr lang="de-DE"/>
+              <a:t> </a:t>
+            </a:r>
+            <a:r>
+              <a:rPr lang="de-DE" smtClean="0"/>
+              <a:t>      System.out.println( a1[0] );</a:t>
+            </a:r>
+          </a:p>
+          <a:p>
+            <a:r>
+              <a:rPr lang="de-DE" b="1"/>
+              <a:t> </a:t>
+            </a:r>
+            <a:r>
+              <a:rPr lang="de-DE" b="1" smtClean="0"/>
+              <a:t>      a1[0] = 3;</a:t>
+            </a:r>
+          </a:p>
+          <a:p>
+            <a:r>
+              <a:rPr lang="de-DE" smtClean="0"/>
+              <a:t>       System.out.println( a1[0] );</a:t>
+            </a:r>
+          </a:p>
+          <a:p>
+            <a:r>
+              <a:rPr lang="de-DE" smtClean="0"/>
+              <a:t>       System.out.println( a1.length );</a:t>
+            </a:r>
+            <a:endParaRPr lang="de-DE"/>
+          </a:p>
+          <a:p>
+            <a:r>
+              <a:rPr lang="de-DE" smtClean="0"/>
+              <a:t>}</a:t>
+            </a:r>
+            <a:endParaRPr lang="de-DE"/>
+          </a:p>
+        </p:txBody>
+      </p:sp>
+      <p:cxnSp>
+        <p:nvCxnSpPr>
+          <p:cNvPr id="6" name="Gerader Verbinder 5"/>
+          <p:cNvCxnSpPr/>
+          <p:nvPr/>
+        </p:nvCxnSpPr>
+        <p:spPr>
+          <a:xfrm flipH="1">
+            <a:off x="2125683" y="201881"/>
+            <a:ext cx="95003" cy="6436425"/>
+          </a:xfrm>
+          <a:prstGeom prst="line">
+            <a:avLst/>
+          </a:prstGeom>
+        </p:spPr>
+        <p:style>
+          <a:lnRef idx="1">
+            <a:schemeClr val="accent1"/>
+          </a:lnRef>
+          <a:fillRef idx="0">
+            <a:schemeClr val="accent1"/>
+          </a:fillRef>
+          <a:effectRef idx="0">
+            <a:schemeClr val="accent1"/>
+          </a:effectRef>
+          <a:fontRef idx="minor">
+            <a:schemeClr val="tx1"/>
+          </a:fontRef>
+        </p:style>
+      </p:cxnSp>
+      <p:sp>
+        <p:nvSpPr>
+          <p:cNvPr id="7" name="Textfeld 6"/>
+          <p:cNvSpPr txBox="1"/>
+          <p:nvPr/>
+        </p:nvSpPr>
+        <p:spPr>
+          <a:xfrm>
+            <a:off x="576727" y="5705495"/>
+            <a:ext cx="412292" cy="369332"/>
+          </a:xfrm>
+          <a:prstGeom prst="rect">
+            <a:avLst/>
+          </a:prstGeom>
+          <a:noFill/>
+        </p:spPr>
+        <p:txBody>
+          <a:bodyPr wrap="none" rtlCol="0">
+            <a:spAutoFit/>
+          </a:bodyPr>
+          <a:lstStyle/>
+          <a:p>
+            <a:r>
+              <a:rPr lang="de-DE"/>
+              <a:t>a</a:t>
+            </a:r>
+            <a:r>
+              <a:rPr lang="de-DE" smtClean="0"/>
+              <a:t>1</a:t>
+            </a:r>
+            <a:endParaRPr lang="de-DE"/>
+          </a:p>
+        </p:txBody>
+      </p:sp>
+      <p:sp>
+        <p:nvSpPr>
+          <p:cNvPr id="8" name="Rechteck 7"/>
+          <p:cNvSpPr/>
+          <p:nvPr/>
+        </p:nvSpPr>
+        <p:spPr>
+          <a:xfrm>
+            <a:off x="3966358" y="4690752"/>
+            <a:ext cx="1900052" cy="1472541"/>
+          </a:xfrm>
+          <a:prstGeom prst="rect">
+            <a:avLst/>
+          </a:prstGeom>
+        </p:spPr>
+        <p:style>
+          <a:lnRef idx="2">
+            <a:schemeClr val="accent1">
+              <a:shade val="50000"/>
+            </a:schemeClr>
+          </a:lnRef>
+          <a:fillRef idx="1">
+            <a:schemeClr val="accent1"/>
+          </a:fillRef>
+          <a:effectRef idx="0">
+            <a:schemeClr val="accent1"/>
+          </a:effectRef>
+          <a:fontRef idx="minor">
+            <a:schemeClr val="lt1"/>
+          </a:fontRef>
+        </p:style>
+        <p:txBody>
+          <a:bodyPr rtlCol="0" anchor="ctr"/>
+          <a:lstStyle/>
+          <a:p>
+            <a:pPr algn="ctr"/>
+            <a:endParaRPr lang="de-DE"/>
+          </a:p>
+        </p:txBody>
+      </p:sp>
+      <p:sp>
+        <p:nvSpPr>
+          <p:cNvPr id="9" name="Textfeld 8"/>
+          <p:cNvSpPr txBox="1"/>
+          <p:nvPr/>
+        </p:nvSpPr>
+        <p:spPr>
+          <a:xfrm>
+            <a:off x="5225143" y="4322618"/>
+            <a:ext cx="575286" cy="369332"/>
+          </a:xfrm>
+          <a:prstGeom prst="rect">
+            <a:avLst/>
+          </a:prstGeom>
+          <a:noFill/>
+        </p:spPr>
+        <p:txBody>
+          <a:bodyPr wrap="none" rtlCol="0">
+            <a:spAutoFit/>
+          </a:bodyPr>
+          <a:lstStyle/>
+          <a:p>
+            <a:r>
+              <a:rPr lang="de-DE" smtClean="0"/>
+              <a:t>int[]</a:t>
+            </a:r>
+            <a:endParaRPr lang="de-DE"/>
+          </a:p>
+        </p:txBody>
+      </p:sp>
+      <p:sp>
+        <p:nvSpPr>
+          <p:cNvPr id="10" name="Rechteck 9"/>
+          <p:cNvSpPr/>
+          <p:nvPr/>
+        </p:nvSpPr>
+        <p:spPr>
+          <a:xfrm>
+            <a:off x="4061361" y="4821382"/>
+            <a:ext cx="1662545" cy="415636"/>
+          </a:xfrm>
+          <a:prstGeom prst="rect">
+            <a:avLst/>
+          </a:prstGeom>
+        </p:spPr>
+        <p:style>
+          <a:lnRef idx="2">
+            <a:schemeClr val="accent1">
+              <a:shade val="50000"/>
+            </a:schemeClr>
+          </a:lnRef>
+          <a:fillRef idx="1">
+            <a:schemeClr val="accent1"/>
+          </a:fillRef>
+          <a:effectRef idx="0">
+            <a:schemeClr val="accent1"/>
+          </a:effectRef>
+          <a:fontRef idx="minor">
+            <a:schemeClr val="lt1"/>
+          </a:fontRef>
+        </p:style>
+        <p:txBody>
+          <a:bodyPr rtlCol="0" anchor="ctr"/>
+          <a:lstStyle/>
+          <a:p>
+            <a:pPr algn="ctr"/>
+            <a:r>
+              <a:rPr lang="de-DE"/>
+              <a:t>3</a:t>
+            </a:r>
+          </a:p>
+        </p:txBody>
+      </p:sp>
+      <p:sp>
+        <p:nvSpPr>
+          <p:cNvPr id="11" name="Rechteck 10"/>
+          <p:cNvSpPr/>
+          <p:nvPr/>
+        </p:nvSpPr>
+        <p:spPr>
+          <a:xfrm>
+            <a:off x="4061361" y="5237018"/>
+            <a:ext cx="1662545" cy="415636"/>
+          </a:xfrm>
+          <a:prstGeom prst="rect">
+            <a:avLst/>
+          </a:prstGeom>
+        </p:spPr>
+        <p:style>
+          <a:lnRef idx="2">
+            <a:schemeClr val="accent1">
+              <a:shade val="50000"/>
+            </a:schemeClr>
+          </a:lnRef>
+          <a:fillRef idx="1">
+            <a:schemeClr val="accent1"/>
+          </a:fillRef>
+          <a:effectRef idx="0">
+            <a:schemeClr val="accent1"/>
+          </a:effectRef>
+          <a:fontRef idx="minor">
+            <a:schemeClr val="lt1"/>
+          </a:fontRef>
+        </p:style>
+        <p:txBody>
+          <a:bodyPr rtlCol="0" anchor="ctr"/>
+          <a:lstStyle/>
+          <a:p>
+            <a:pPr algn="ctr"/>
+            <a:r>
+              <a:rPr lang="de-DE" smtClean="0"/>
+              <a:t>0</a:t>
+            </a:r>
+            <a:endParaRPr lang="de-DE"/>
+          </a:p>
+        </p:txBody>
+      </p:sp>
+      <p:sp>
+        <p:nvSpPr>
+          <p:cNvPr id="12" name="Textfeld 11"/>
+          <p:cNvSpPr txBox="1"/>
+          <p:nvPr/>
+        </p:nvSpPr>
+        <p:spPr>
+          <a:xfrm>
+            <a:off x="3701746" y="4826721"/>
+            <a:ext cx="434221" cy="369332"/>
+          </a:xfrm>
+          <a:prstGeom prst="rect">
+            <a:avLst/>
+          </a:prstGeom>
+          <a:noFill/>
+        </p:spPr>
+        <p:txBody>
+          <a:bodyPr wrap="none" rtlCol="0">
+            <a:spAutoFit/>
+          </a:bodyPr>
+          <a:lstStyle/>
+          <a:p>
+            <a:r>
+              <a:rPr lang="de-DE" smtClean="0"/>
+              <a:t>int</a:t>
+            </a:r>
+            <a:endParaRPr lang="de-DE"/>
+          </a:p>
+        </p:txBody>
+      </p:sp>
+      <p:sp>
+        <p:nvSpPr>
+          <p:cNvPr id="13" name="Textfeld 12"/>
+          <p:cNvSpPr txBox="1"/>
+          <p:nvPr/>
+        </p:nvSpPr>
+        <p:spPr>
+          <a:xfrm>
+            <a:off x="3711945" y="5194856"/>
+            <a:ext cx="434221" cy="369332"/>
+          </a:xfrm>
+          <a:prstGeom prst="rect">
+            <a:avLst/>
+          </a:prstGeom>
+          <a:noFill/>
+        </p:spPr>
+        <p:txBody>
+          <a:bodyPr wrap="none" rtlCol="0">
+            <a:spAutoFit/>
+          </a:bodyPr>
+          <a:lstStyle/>
+          <a:p>
+            <a:r>
+              <a:rPr lang="de-DE" smtClean="0"/>
+              <a:t>int</a:t>
+            </a:r>
+            <a:endParaRPr lang="de-DE"/>
+          </a:p>
+        </p:txBody>
+      </p:sp>
+      <p:sp>
+        <p:nvSpPr>
+          <p:cNvPr id="14" name="Textfeld 13"/>
+          <p:cNvSpPr txBox="1"/>
+          <p:nvPr/>
+        </p:nvSpPr>
+        <p:spPr>
+          <a:xfrm>
+            <a:off x="5723906" y="4821382"/>
+            <a:ext cx="301686" cy="369332"/>
+          </a:xfrm>
+          <a:prstGeom prst="rect">
+            <a:avLst/>
+          </a:prstGeom>
+          <a:noFill/>
+        </p:spPr>
+        <p:txBody>
+          <a:bodyPr wrap="none" rtlCol="0">
+            <a:spAutoFit/>
+          </a:bodyPr>
+          <a:lstStyle/>
+          <a:p>
+            <a:r>
+              <a:rPr lang="de-DE" smtClean="0"/>
+              <a:t>0</a:t>
+            </a:r>
+            <a:endParaRPr lang="de-DE"/>
+          </a:p>
+        </p:txBody>
+      </p:sp>
+      <p:sp>
+        <p:nvSpPr>
+          <p:cNvPr id="15" name="Textfeld 14"/>
+          <p:cNvSpPr txBox="1"/>
+          <p:nvPr/>
+        </p:nvSpPr>
+        <p:spPr>
+          <a:xfrm>
+            <a:off x="5723906" y="5235821"/>
+            <a:ext cx="301686" cy="369332"/>
+          </a:xfrm>
+          <a:prstGeom prst="rect">
+            <a:avLst/>
+          </a:prstGeom>
+          <a:noFill/>
+        </p:spPr>
+        <p:txBody>
+          <a:bodyPr wrap="none" rtlCol="0">
+            <a:spAutoFit/>
+          </a:bodyPr>
+          <a:lstStyle/>
+          <a:p>
+            <a:r>
+              <a:rPr lang="de-DE" smtClean="0"/>
+              <a:t>1</a:t>
+            </a:r>
+            <a:endParaRPr lang="de-DE"/>
+          </a:p>
+        </p:txBody>
+      </p:sp>
+      <p:cxnSp>
+        <p:nvCxnSpPr>
+          <p:cNvPr id="17" name="Gerade Verbindung mit Pfeil 16"/>
+          <p:cNvCxnSpPr>
+            <a:stCxn id="7" idx="3"/>
+            <a:endCxn id="12" idx="0"/>
+          </p:cNvCxnSpPr>
+          <p:nvPr/>
+        </p:nvCxnSpPr>
+        <p:spPr>
+          <a:xfrm flipV="1">
+            <a:off x="958563" y="4826721"/>
+            <a:ext cx="2960294" cy="1063440"/>
+          </a:xfrm>
+          <a:prstGeom prst="straightConnector1">
+            <a:avLst/>
+          </a:prstGeom>
+          <a:ln>
+            <a:tailEnd type="triangle"/>
+          </a:ln>
+        </p:spPr>
+        <p:style>
+          <a:lnRef idx="1">
+            <a:schemeClr val="accent1"/>
+          </a:lnRef>
+          <a:fillRef idx="0">
+            <a:schemeClr val="accent1"/>
+          </a:fillRef>
+          <a:effectRef idx="0">
+            <a:schemeClr val="accent1"/>
+          </a:effectRef>
+          <a:fontRef idx="minor">
+            <a:schemeClr val="tx1"/>
+          </a:fontRef>
+        </p:style>
+      </p:cxnSp>
+      <p:sp>
+        <p:nvSpPr>
+          <p:cNvPr id="16" name="Rechteck 15"/>
+          <p:cNvSpPr/>
+          <p:nvPr/>
+        </p:nvSpPr>
+        <p:spPr>
+          <a:xfrm>
+            <a:off x="4061361" y="5700155"/>
+            <a:ext cx="1662545" cy="415636"/>
+          </a:xfrm>
+          <a:prstGeom prst="rect">
+            <a:avLst/>
+          </a:prstGeom>
+        </p:spPr>
+        <p:style>
+          <a:lnRef idx="2">
+            <a:schemeClr val="accent1">
+              <a:shade val="50000"/>
+            </a:schemeClr>
+          </a:lnRef>
+          <a:fillRef idx="1">
+            <a:schemeClr val="accent1"/>
+          </a:fillRef>
+          <a:effectRef idx="0">
+            <a:schemeClr val="accent1"/>
+          </a:effectRef>
+          <a:fontRef idx="minor">
+            <a:schemeClr val="lt1"/>
+          </a:fontRef>
+        </p:style>
+        <p:txBody>
+          <a:bodyPr rtlCol="0" anchor="ctr"/>
+          <a:lstStyle/>
+          <a:p>
+            <a:pPr algn="ctr"/>
+            <a:r>
+              <a:rPr lang="de-DE"/>
+              <a:t>2</a:t>
+            </a:r>
+          </a:p>
+        </p:txBody>
+      </p:sp>
+      <p:sp>
+        <p:nvSpPr>
+          <p:cNvPr id="18" name="Textfeld 17"/>
+          <p:cNvSpPr txBox="1"/>
+          <p:nvPr/>
+        </p:nvSpPr>
+        <p:spPr>
+          <a:xfrm>
+            <a:off x="3711945" y="5729246"/>
+            <a:ext cx="434221" cy="369332"/>
+          </a:xfrm>
+          <a:prstGeom prst="rect">
+            <a:avLst/>
+          </a:prstGeom>
+          <a:noFill/>
+        </p:spPr>
+        <p:txBody>
+          <a:bodyPr wrap="none" rtlCol="0">
+            <a:spAutoFit/>
+          </a:bodyPr>
+          <a:lstStyle/>
+          <a:p>
+            <a:r>
+              <a:rPr lang="de-DE" smtClean="0"/>
+              <a:t>int</a:t>
+            </a:r>
+            <a:endParaRPr lang="de-DE"/>
+          </a:p>
+        </p:txBody>
+      </p:sp>
+      <p:sp>
+        <p:nvSpPr>
+          <p:cNvPr id="19" name="Textfeld 18"/>
+          <p:cNvSpPr txBox="1"/>
+          <p:nvPr/>
+        </p:nvSpPr>
+        <p:spPr>
+          <a:xfrm>
+            <a:off x="5747658" y="5723307"/>
+            <a:ext cx="779124" cy="369332"/>
+          </a:xfrm>
+          <a:prstGeom prst="rect">
+            <a:avLst/>
+          </a:prstGeom>
+          <a:noFill/>
+        </p:spPr>
+        <p:txBody>
+          <a:bodyPr wrap="none" rtlCol="0">
+            <a:spAutoFit/>
+          </a:bodyPr>
+          <a:lstStyle/>
+          <a:p>
+            <a:r>
+              <a:rPr lang="de-DE" smtClean="0"/>
+              <a:t>length</a:t>
+            </a:r>
+            <a:endParaRPr lang="de-DE"/>
+          </a:p>
+        </p:txBody>
+      </p:sp>
+    </p:spTree>
+    <p:extLst>
+      <p:ext uri="{BB962C8B-B14F-4D97-AF65-F5344CB8AC3E}">
         <p14:creationId xmlns:p14="http://schemas.microsoft.com/office/powerpoint/2010/main" val="2252727293"/>
+      </p:ext>
+    </p:extLst>
+  </p:cSld>
+  <p:clrMapOvr>
+    <a:masterClrMapping/>
+  </p:clrMapOvr>
+</p:sld>
+</file>
+
+<file path=ppt/slides/slide6.xml><?xml version="1.0" encoding="utf-8"?>
+<p:sld xmlns:a="http://schemas.openxmlformats.org/drawingml/2006/main" xmlns:r="http://schemas.openxmlformats.org/officeDocument/2006/relationships" xmlns:p="http://schemas.openxmlformats.org/presentationml/2006/main">
+  <p:cSld>
+    <p:spTree>
+      <p:nvGrpSpPr>
+        <p:cNvPr id="1" name=""/>
+        <p:cNvGrpSpPr/>
+        <p:nvPr/>
+      </p:nvGrpSpPr>
+      <p:grpSpPr>
+        <a:xfrm>
+          <a:off x="0" y="0"/>
+          <a:ext cx="0" cy="0"/>
+          <a:chOff x="0" y="0"/>
+          <a:chExt cx="0" cy="0"/>
+        </a:xfrm>
+      </p:grpSpPr>
+      <p:sp>
+        <p:nvSpPr>
+          <p:cNvPr id="2" name="Titel 1"/>
+          <p:cNvSpPr>
+            <a:spLocks noGrp="1"/>
+          </p:cNvSpPr>
+          <p:nvPr>
+            <p:ph type="title"/>
+          </p:nvPr>
+        </p:nvSpPr>
+        <p:spPr/>
+        <p:txBody>
+          <a:bodyPr/>
+          <a:lstStyle/>
+          <a:p>
+            <a:r>
+              <a:rPr lang="de-DE" smtClean="0"/>
+              <a:t>Arrays mit Referenzen</a:t>
+            </a:r>
+            <a:endParaRPr lang="de-DE"/>
+          </a:p>
+        </p:txBody>
+      </p:sp>
+      <p:sp>
+        <p:nvSpPr>
+          <p:cNvPr id="3" name="Inhaltsplatzhalter 2"/>
+          <p:cNvSpPr>
+            <a:spLocks noGrp="1"/>
+          </p:cNvSpPr>
+          <p:nvPr>
+            <p:ph idx="1"/>
+          </p:nvPr>
+        </p:nvSpPr>
+        <p:spPr/>
+        <p:txBody>
+          <a:bodyPr/>
+          <a:lstStyle/>
+          <a:p>
+            <a:endParaRPr lang="de-DE"/>
+          </a:p>
+        </p:txBody>
+      </p:sp>
+    </p:spTree>
+    <p:extLst>
+      <p:ext uri="{BB962C8B-B14F-4D97-AF65-F5344CB8AC3E}">
+        <p14:creationId xmlns:p14="http://schemas.microsoft.com/office/powerpoint/2010/main" val="2703309572"/>
+      </p:ext>
+    </p:extLst>
+  </p:cSld>
+  <p:clrMapOvr>
+    <a:masterClrMapping/>
+  </p:clrMapOvr>
+</p:sld>
+</file>
+
+<file path=ppt/slides/slide7.xml><?xml version="1.0" encoding="utf-8"?>
+<p:sld xmlns:a="http://schemas.openxmlformats.org/drawingml/2006/main" xmlns:r="http://schemas.openxmlformats.org/officeDocument/2006/relationships" xmlns:p="http://schemas.openxmlformats.org/presentationml/2006/main">
+  <p:cSld>
+    <p:spTree>
+      <p:nvGrpSpPr>
+        <p:cNvPr id="1" name=""/>
+        <p:cNvGrpSpPr/>
+        <p:nvPr/>
+      </p:nvGrpSpPr>
+      <p:grpSpPr>
+        <a:xfrm>
+          <a:off x="0" y="0"/>
+          <a:ext cx="0" cy="0"/>
+          <a:chOff x="0" y="0"/>
+          <a:chExt cx="0" cy="0"/>
+        </a:xfrm>
+      </p:grpSpPr>
+      <p:sp>
+        <p:nvSpPr>
+          <p:cNvPr id="4" name="Textfeld 3"/>
+          <p:cNvSpPr txBox="1"/>
+          <p:nvPr/>
+        </p:nvSpPr>
+        <p:spPr>
+          <a:xfrm>
+            <a:off x="7908966" y="486888"/>
+            <a:ext cx="3550908" cy="3416320"/>
+          </a:xfrm>
+          <a:prstGeom prst="rect">
+            <a:avLst/>
+          </a:prstGeom>
+          <a:noFill/>
+        </p:spPr>
+        <p:txBody>
+          <a:bodyPr wrap="none" rtlCol="0">
+            <a:spAutoFit/>
+          </a:bodyPr>
+          <a:lstStyle/>
+          <a:p>
+            <a:r>
+              <a:rPr lang="de-DE"/>
+              <a:t>class Dozent {</a:t>
+            </a:r>
+          </a:p>
+          <a:p>
+            <a:r>
+              <a:rPr lang="de-DE" smtClean="0"/>
+              <a:t>     String </a:t>
+            </a:r>
+            <a:r>
+              <a:rPr lang="de-DE"/>
+              <a:t>vorname;</a:t>
+            </a:r>
+          </a:p>
+          <a:p>
+            <a:r>
+              <a:rPr lang="de-DE" smtClean="0"/>
+              <a:t>     String </a:t>
+            </a:r>
+            <a:r>
+              <a:rPr lang="de-DE"/>
+              <a:t>nachname;</a:t>
+            </a:r>
+          </a:p>
+          <a:p>
+            <a:r>
+              <a:rPr lang="de-DE" smtClean="0"/>
+              <a:t>}</a:t>
+            </a:r>
+          </a:p>
+          <a:p>
+            <a:endParaRPr lang="de-DE"/>
+          </a:p>
+          <a:p>
+            <a:r>
+              <a:rPr lang="de-DE" smtClean="0"/>
+              <a:t>... main ... {</a:t>
+            </a:r>
+          </a:p>
+          <a:p>
+            <a:r>
+              <a:rPr lang="de-DE" smtClean="0"/>
+              <a:t>    </a:t>
+            </a:r>
+            <a:r>
+              <a:rPr lang="de-DE"/>
+              <a:t>Dozent d1 = new Dozent</a:t>
+            </a:r>
+            <a:r>
+              <a:rPr lang="de-DE"/>
+              <a:t>(); </a:t>
+            </a:r>
+            <a:endParaRPr lang="de-DE" smtClean="0"/>
+          </a:p>
+          <a:p>
+            <a:r>
+              <a:rPr lang="de-DE"/>
+              <a:t> </a:t>
+            </a:r>
+            <a:r>
+              <a:rPr lang="de-DE" smtClean="0"/>
+              <a:t>    </a:t>
+            </a:r>
+            <a:r>
+              <a:rPr lang="de-DE"/>
+              <a:t>System.out.println(d1.vorname</a:t>
+            </a:r>
+            <a:r>
+              <a:rPr lang="de-DE" smtClean="0"/>
+              <a:t>);</a:t>
+            </a:r>
+          </a:p>
+          <a:p>
+            <a:endParaRPr lang="de-DE"/>
+          </a:p>
+          <a:p>
+            <a:r>
+              <a:rPr lang="de-DE" smtClean="0"/>
+              <a:t>    String</a:t>
+            </a:r>
+            <a:r>
+              <a:rPr lang="de-DE"/>
+              <a:t>[] a1 = new String[2];</a:t>
+            </a:r>
+          </a:p>
+          <a:p>
+            <a:r>
+              <a:rPr lang="de-DE" smtClean="0"/>
+              <a:t>    System.out.println(a1[0]);</a:t>
+            </a:r>
+          </a:p>
+          <a:p>
+            <a:r>
+              <a:rPr lang="de-DE" smtClean="0"/>
+              <a:t>}</a:t>
+            </a:r>
+            <a:endParaRPr lang="de-DE"/>
+          </a:p>
+        </p:txBody>
+      </p:sp>
+      <p:cxnSp>
+        <p:nvCxnSpPr>
+          <p:cNvPr id="6" name="Gerader Verbinder 5"/>
+          <p:cNvCxnSpPr/>
+          <p:nvPr/>
+        </p:nvCxnSpPr>
+        <p:spPr>
+          <a:xfrm>
+            <a:off x="1911927" y="486888"/>
+            <a:ext cx="59377" cy="6210795"/>
+          </a:xfrm>
+          <a:prstGeom prst="line">
+            <a:avLst/>
+          </a:prstGeom>
+        </p:spPr>
+        <p:style>
+          <a:lnRef idx="1">
+            <a:schemeClr val="accent1"/>
+          </a:lnRef>
+          <a:fillRef idx="0">
+            <a:schemeClr val="accent1"/>
+          </a:fillRef>
+          <a:effectRef idx="0">
+            <a:schemeClr val="accent1"/>
+          </a:effectRef>
+          <a:fontRef idx="minor">
+            <a:schemeClr val="tx1"/>
+          </a:fontRef>
+        </p:style>
+      </p:cxnSp>
+      <p:sp>
+        <p:nvSpPr>
+          <p:cNvPr id="7" name="Textfeld 6"/>
+          <p:cNvSpPr txBox="1"/>
+          <p:nvPr/>
+        </p:nvSpPr>
+        <p:spPr>
+          <a:xfrm>
+            <a:off x="771896" y="6317673"/>
+            <a:ext cx="423514" cy="369332"/>
+          </a:xfrm>
+          <a:prstGeom prst="rect">
+            <a:avLst/>
+          </a:prstGeom>
+          <a:noFill/>
+        </p:spPr>
+        <p:txBody>
+          <a:bodyPr wrap="none" rtlCol="0">
+            <a:spAutoFit/>
+          </a:bodyPr>
+          <a:lstStyle/>
+          <a:p>
+            <a:r>
+              <a:rPr lang="de-DE" smtClean="0"/>
+              <a:t>d1</a:t>
+            </a:r>
+            <a:endParaRPr lang="de-DE"/>
+          </a:p>
+        </p:txBody>
+      </p:sp>
+      <p:sp>
+        <p:nvSpPr>
+          <p:cNvPr id="8" name="Rechteck 7"/>
+          <p:cNvSpPr/>
+          <p:nvPr/>
+        </p:nvSpPr>
+        <p:spPr>
+          <a:xfrm>
+            <a:off x="3966358" y="4690753"/>
+            <a:ext cx="1900052" cy="1199408"/>
+          </a:xfrm>
+          <a:prstGeom prst="rect">
+            <a:avLst/>
+          </a:prstGeom>
+        </p:spPr>
+        <p:style>
+          <a:lnRef idx="2">
+            <a:schemeClr val="accent1">
+              <a:shade val="50000"/>
+            </a:schemeClr>
+          </a:lnRef>
+          <a:fillRef idx="1">
+            <a:schemeClr val="accent1"/>
+          </a:fillRef>
+          <a:effectRef idx="0">
+            <a:schemeClr val="accent1"/>
+          </a:effectRef>
+          <a:fontRef idx="minor">
+            <a:schemeClr val="lt1"/>
+          </a:fontRef>
+        </p:style>
+        <p:txBody>
+          <a:bodyPr rtlCol="0" anchor="ctr"/>
+          <a:lstStyle/>
+          <a:p>
+            <a:pPr algn="ctr"/>
+            <a:endParaRPr lang="de-DE"/>
+          </a:p>
+        </p:txBody>
+      </p:sp>
+      <p:sp>
+        <p:nvSpPr>
+          <p:cNvPr id="9" name="Textfeld 8"/>
+          <p:cNvSpPr txBox="1"/>
+          <p:nvPr/>
+        </p:nvSpPr>
+        <p:spPr>
+          <a:xfrm>
+            <a:off x="5225143" y="4322618"/>
+            <a:ext cx="844398" cy="369332"/>
+          </a:xfrm>
+          <a:prstGeom prst="rect">
+            <a:avLst/>
+          </a:prstGeom>
+          <a:noFill/>
+        </p:spPr>
+        <p:txBody>
+          <a:bodyPr wrap="none" rtlCol="0">
+            <a:spAutoFit/>
+          </a:bodyPr>
+          <a:lstStyle/>
+          <a:p>
+            <a:r>
+              <a:rPr lang="de-DE" smtClean="0"/>
+              <a:t>Dozent</a:t>
+            </a:r>
+            <a:endParaRPr lang="de-DE"/>
+          </a:p>
+        </p:txBody>
+      </p:sp>
+      <p:sp>
+        <p:nvSpPr>
+          <p:cNvPr id="10" name="Rechteck 9"/>
+          <p:cNvSpPr/>
+          <p:nvPr/>
+        </p:nvSpPr>
+        <p:spPr>
+          <a:xfrm>
+            <a:off x="4061361" y="4821382"/>
+            <a:ext cx="1662545" cy="415636"/>
+          </a:xfrm>
+          <a:prstGeom prst="rect">
+            <a:avLst/>
+          </a:prstGeom>
+        </p:spPr>
+        <p:style>
+          <a:lnRef idx="2">
+            <a:schemeClr val="accent1">
+              <a:shade val="50000"/>
+            </a:schemeClr>
+          </a:lnRef>
+          <a:fillRef idx="1">
+            <a:schemeClr val="accent1"/>
+          </a:fillRef>
+          <a:effectRef idx="0">
+            <a:schemeClr val="accent1"/>
+          </a:effectRef>
+          <a:fontRef idx="minor">
+            <a:schemeClr val="lt1"/>
+          </a:fontRef>
+        </p:style>
+        <p:txBody>
+          <a:bodyPr rtlCol="0" anchor="ctr"/>
+          <a:lstStyle/>
+          <a:p>
+            <a:pPr algn="ctr"/>
+            <a:r>
+              <a:rPr lang="de-DE" smtClean="0"/>
+              <a:t>null</a:t>
+            </a:r>
+            <a:endParaRPr lang="de-DE"/>
+          </a:p>
+        </p:txBody>
+      </p:sp>
+      <p:sp>
+        <p:nvSpPr>
+          <p:cNvPr id="11" name="Rechteck 10"/>
+          <p:cNvSpPr/>
+          <p:nvPr/>
+        </p:nvSpPr>
+        <p:spPr>
+          <a:xfrm>
+            <a:off x="4061361" y="5237018"/>
+            <a:ext cx="1662545" cy="415636"/>
+          </a:xfrm>
+          <a:prstGeom prst="rect">
+            <a:avLst/>
+          </a:prstGeom>
+        </p:spPr>
+        <p:style>
+          <a:lnRef idx="2">
+            <a:schemeClr val="accent1">
+              <a:shade val="50000"/>
+            </a:schemeClr>
+          </a:lnRef>
+          <a:fillRef idx="1">
+            <a:schemeClr val="accent1"/>
+          </a:fillRef>
+          <a:effectRef idx="0">
+            <a:schemeClr val="accent1"/>
+          </a:effectRef>
+          <a:fontRef idx="minor">
+            <a:schemeClr val="lt1"/>
+          </a:fontRef>
+        </p:style>
+        <p:txBody>
+          <a:bodyPr rtlCol="0" anchor="ctr"/>
+          <a:lstStyle/>
+          <a:p>
+            <a:pPr algn="ctr"/>
+            <a:r>
+              <a:rPr lang="de-DE" smtClean="0"/>
+              <a:t>null</a:t>
+            </a:r>
+            <a:endParaRPr lang="de-DE"/>
+          </a:p>
+        </p:txBody>
+      </p:sp>
+      <p:sp>
+        <p:nvSpPr>
+          <p:cNvPr id="12" name="Textfeld 11"/>
+          <p:cNvSpPr txBox="1"/>
+          <p:nvPr/>
+        </p:nvSpPr>
+        <p:spPr>
+          <a:xfrm>
+            <a:off x="3397582" y="4802372"/>
+            <a:ext cx="731290" cy="369332"/>
+          </a:xfrm>
+          <a:prstGeom prst="rect">
+            <a:avLst/>
+          </a:prstGeom>
+          <a:noFill/>
+        </p:spPr>
+        <p:txBody>
+          <a:bodyPr wrap="none" rtlCol="0">
+            <a:spAutoFit/>
+          </a:bodyPr>
+          <a:lstStyle/>
+          <a:p>
+            <a:r>
+              <a:rPr lang="de-DE" smtClean="0"/>
+              <a:t>String</a:t>
+            </a:r>
+            <a:endParaRPr lang="de-DE"/>
+          </a:p>
+        </p:txBody>
+      </p:sp>
+      <p:sp>
+        <p:nvSpPr>
+          <p:cNvPr id="14" name="Textfeld 13"/>
+          <p:cNvSpPr txBox="1"/>
+          <p:nvPr/>
+        </p:nvSpPr>
+        <p:spPr>
+          <a:xfrm>
+            <a:off x="5723906" y="4821382"/>
+            <a:ext cx="1020921" cy="369332"/>
+          </a:xfrm>
+          <a:prstGeom prst="rect">
+            <a:avLst/>
+          </a:prstGeom>
+          <a:noFill/>
+        </p:spPr>
+        <p:txBody>
+          <a:bodyPr wrap="none" rtlCol="0">
+            <a:spAutoFit/>
+          </a:bodyPr>
+          <a:lstStyle/>
+          <a:p>
+            <a:r>
+              <a:rPr lang="de-DE" smtClean="0"/>
+              <a:t>vorname</a:t>
+            </a:r>
+            <a:endParaRPr lang="de-DE"/>
+          </a:p>
+        </p:txBody>
+      </p:sp>
+      <p:sp>
+        <p:nvSpPr>
+          <p:cNvPr id="15" name="Textfeld 14"/>
+          <p:cNvSpPr txBox="1"/>
+          <p:nvPr/>
+        </p:nvSpPr>
+        <p:spPr>
+          <a:xfrm>
+            <a:off x="5723906" y="5235821"/>
+            <a:ext cx="1168910" cy="369332"/>
+          </a:xfrm>
+          <a:prstGeom prst="rect">
+            <a:avLst/>
+          </a:prstGeom>
+          <a:noFill/>
+        </p:spPr>
+        <p:txBody>
+          <a:bodyPr wrap="none" rtlCol="0">
+            <a:spAutoFit/>
+          </a:bodyPr>
+          <a:lstStyle/>
+          <a:p>
+            <a:r>
+              <a:rPr lang="de-DE" smtClean="0"/>
+              <a:t>nachname</a:t>
+            </a:r>
+            <a:endParaRPr lang="de-DE"/>
+          </a:p>
+        </p:txBody>
+      </p:sp>
+      <p:sp>
+        <p:nvSpPr>
+          <p:cNvPr id="16" name="Textfeld 15"/>
+          <p:cNvSpPr txBox="1"/>
+          <p:nvPr/>
+        </p:nvSpPr>
+        <p:spPr>
+          <a:xfrm>
+            <a:off x="3397582" y="5226340"/>
+            <a:ext cx="731290" cy="369332"/>
+          </a:xfrm>
+          <a:prstGeom prst="rect">
+            <a:avLst/>
+          </a:prstGeom>
+          <a:noFill/>
+        </p:spPr>
+        <p:txBody>
+          <a:bodyPr wrap="none" rtlCol="0">
+            <a:spAutoFit/>
+          </a:bodyPr>
+          <a:lstStyle/>
+          <a:p>
+            <a:r>
+              <a:rPr lang="de-DE" smtClean="0"/>
+              <a:t>String</a:t>
+            </a:r>
+            <a:endParaRPr lang="de-DE"/>
+          </a:p>
+        </p:txBody>
+      </p:sp>
+      <p:cxnSp>
+        <p:nvCxnSpPr>
+          <p:cNvPr id="18" name="Gerade Verbindung mit Pfeil 17"/>
+          <p:cNvCxnSpPr>
+            <a:stCxn id="7" idx="3"/>
+          </p:cNvCxnSpPr>
+          <p:nvPr/>
+        </p:nvCxnSpPr>
+        <p:spPr>
+          <a:xfrm flipV="1">
+            <a:off x="1195410" y="4802372"/>
+            <a:ext cx="2770948" cy="1699967"/>
+          </a:xfrm>
+          <a:prstGeom prst="straightConnector1">
+            <a:avLst/>
+          </a:prstGeom>
+          <a:ln>
+            <a:tailEnd type="triangle"/>
+          </a:ln>
+        </p:spPr>
+        <p:style>
+          <a:lnRef idx="1">
+            <a:schemeClr val="accent1"/>
+          </a:lnRef>
+          <a:fillRef idx="0">
+            <a:schemeClr val="accent1"/>
+          </a:fillRef>
+          <a:effectRef idx="0">
+            <a:schemeClr val="accent1"/>
+          </a:effectRef>
+          <a:fontRef idx="minor">
+            <a:schemeClr val="tx1"/>
+          </a:fontRef>
+        </p:style>
+      </p:cxnSp>
+      <p:sp>
+        <p:nvSpPr>
+          <p:cNvPr id="19" name="Textfeld 18"/>
+          <p:cNvSpPr txBox="1"/>
+          <p:nvPr/>
+        </p:nvSpPr>
+        <p:spPr>
+          <a:xfrm>
+            <a:off x="676893" y="3642133"/>
+            <a:ext cx="412292" cy="369332"/>
+          </a:xfrm>
+          <a:prstGeom prst="rect">
+            <a:avLst/>
+          </a:prstGeom>
+          <a:noFill/>
+        </p:spPr>
+        <p:txBody>
+          <a:bodyPr wrap="none" rtlCol="0">
+            <a:spAutoFit/>
+          </a:bodyPr>
+          <a:lstStyle/>
+          <a:p>
+            <a:r>
+              <a:rPr lang="de-DE"/>
+              <a:t>a</a:t>
+            </a:r>
+            <a:r>
+              <a:rPr lang="de-DE" smtClean="0"/>
+              <a:t>1</a:t>
+            </a:r>
+            <a:endParaRPr lang="de-DE"/>
+          </a:p>
+        </p:txBody>
+      </p:sp>
+      <p:sp>
+        <p:nvSpPr>
+          <p:cNvPr id="20" name="Rechteck 19"/>
+          <p:cNvSpPr/>
+          <p:nvPr/>
+        </p:nvSpPr>
+        <p:spPr>
+          <a:xfrm>
+            <a:off x="3871355" y="2015213"/>
+            <a:ext cx="1900052" cy="1626920"/>
+          </a:xfrm>
+          <a:prstGeom prst="rect">
+            <a:avLst/>
+          </a:prstGeom>
+        </p:spPr>
+        <p:style>
+          <a:lnRef idx="2">
+            <a:schemeClr val="accent1">
+              <a:shade val="50000"/>
+            </a:schemeClr>
+          </a:lnRef>
+          <a:fillRef idx="1">
+            <a:schemeClr val="accent1"/>
+          </a:fillRef>
+          <a:effectRef idx="0">
+            <a:schemeClr val="accent1"/>
+          </a:effectRef>
+          <a:fontRef idx="minor">
+            <a:schemeClr val="lt1"/>
+          </a:fontRef>
+        </p:style>
+        <p:txBody>
+          <a:bodyPr rtlCol="0" anchor="ctr"/>
+          <a:lstStyle/>
+          <a:p>
+            <a:pPr algn="ctr"/>
+            <a:endParaRPr lang="de-DE"/>
+          </a:p>
+        </p:txBody>
+      </p:sp>
+      <p:sp>
+        <p:nvSpPr>
+          <p:cNvPr id="21" name="Textfeld 20"/>
+          <p:cNvSpPr txBox="1"/>
+          <p:nvPr/>
+        </p:nvSpPr>
+        <p:spPr>
+          <a:xfrm>
+            <a:off x="5130140" y="1647078"/>
+            <a:ext cx="872355" cy="369332"/>
+          </a:xfrm>
+          <a:prstGeom prst="rect">
+            <a:avLst/>
+          </a:prstGeom>
+          <a:noFill/>
+        </p:spPr>
+        <p:txBody>
+          <a:bodyPr wrap="none" rtlCol="0">
+            <a:spAutoFit/>
+          </a:bodyPr>
+          <a:lstStyle/>
+          <a:p>
+            <a:r>
+              <a:rPr lang="de-DE" smtClean="0"/>
+              <a:t>String[]</a:t>
+            </a:r>
+            <a:endParaRPr lang="de-DE"/>
+          </a:p>
+        </p:txBody>
+      </p:sp>
+      <p:sp>
+        <p:nvSpPr>
+          <p:cNvPr id="22" name="Rechteck 21"/>
+          <p:cNvSpPr/>
+          <p:nvPr/>
+        </p:nvSpPr>
+        <p:spPr>
+          <a:xfrm>
+            <a:off x="3966358" y="2145842"/>
+            <a:ext cx="1662545" cy="415636"/>
+          </a:xfrm>
+          <a:prstGeom prst="rect">
+            <a:avLst/>
+          </a:prstGeom>
+        </p:spPr>
+        <p:style>
+          <a:lnRef idx="2">
+            <a:schemeClr val="accent1">
+              <a:shade val="50000"/>
+            </a:schemeClr>
+          </a:lnRef>
+          <a:fillRef idx="1">
+            <a:schemeClr val="accent1"/>
+          </a:fillRef>
+          <a:effectRef idx="0">
+            <a:schemeClr val="accent1"/>
+          </a:effectRef>
+          <a:fontRef idx="minor">
+            <a:schemeClr val="lt1"/>
+          </a:fontRef>
+        </p:style>
+        <p:txBody>
+          <a:bodyPr rtlCol="0" anchor="ctr"/>
+          <a:lstStyle/>
+          <a:p>
+            <a:pPr algn="ctr"/>
+            <a:r>
+              <a:rPr lang="de-DE" smtClean="0"/>
+              <a:t>null</a:t>
+            </a:r>
+            <a:endParaRPr lang="de-DE"/>
+          </a:p>
+        </p:txBody>
+      </p:sp>
+      <p:sp>
+        <p:nvSpPr>
+          <p:cNvPr id="23" name="Rechteck 22"/>
+          <p:cNvSpPr/>
+          <p:nvPr/>
+        </p:nvSpPr>
+        <p:spPr>
+          <a:xfrm>
+            <a:off x="3966358" y="2561478"/>
+            <a:ext cx="1662545" cy="415636"/>
+          </a:xfrm>
+          <a:prstGeom prst="rect">
+            <a:avLst/>
+          </a:prstGeom>
+        </p:spPr>
+        <p:style>
+          <a:lnRef idx="2">
+            <a:schemeClr val="accent1">
+              <a:shade val="50000"/>
+            </a:schemeClr>
+          </a:lnRef>
+          <a:fillRef idx="1">
+            <a:schemeClr val="accent1"/>
+          </a:fillRef>
+          <a:effectRef idx="0">
+            <a:schemeClr val="accent1"/>
+          </a:effectRef>
+          <a:fontRef idx="minor">
+            <a:schemeClr val="lt1"/>
+          </a:fontRef>
+        </p:style>
+        <p:txBody>
+          <a:bodyPr rtlCol="0" anchor="ctr"/>
+          <a:lstStyle/>
+          <a:p>
+            <a:pPr algn="ctr"/>
+            <a:r>
+              <a:rPr lang="de-DE" smtClean="0"/>
+              <a:t>null</a:t>
+            </a:r>
+            <a:endParaRPr lang="de-DE"/>
+          </a:p>
+        </p:txBody>
+      </p:sp>
+      <p:sp>
+        <p:nvSpPr>
+          <p:cNvPr id="24" name="Textfeld 23"/>
+          <p:cNvSpPr txBox="1"/>
+          <p:nvPr/>
+        </p:nvSpPr>
+        <p:spPr>
+          <a:xfrm>
+            <a:off x="3302579" y="2126832"/>
+            <a:ext cx="731290" cy="369332"/>
+          </a:xfrm>
+          <a:prstGeom prst="rect">
+            <a:avLst/>
+          </a:prstGeom>
+          <a:noFill/>
+        </p:spPr>
+        <p:txBody>
+          <a:bodyPr wrap="none" rtlCol="0">
+            <a:spAutoFit/>
+          </a:bodyPr>
+          <a:lstStyle/>
+          <a:p>
+            <a:r>
+              <a:rPr lang="de-DE" smtClean="0"/>
+              <a:t>String</a:t>
+            </a:r>
+            <a:endParaRPr lang="de-DE"/>
+          </a:p>
+        </p:txBody>
+      </p:sp>
+      <p:sp>
+        <p:nvSpPr>
+          <p:cNvPr id="25" name="Textfeld 24"/>
+          <p:cNvSpPr txBox="1"/>
+          <p:nvPr/>
+        </p:nvSpPr>
+        <p:spPr>
+          <a:xfrm>
+            <a:off x="5628903" y="2145842"/>
+            <a:ext cx="301686" cy="369332"/>
+          </a:xfrm>
+          <a:prstGeom prst="rect">
+            <a:avLst/>
+          </a:prstGeom>
+          <a:noFill/>
+        </p:spPr>
+        <p:txBody>
+          <a:bodyPr wrap="none" rtlCol="0">
+            <a:spAutoFit/>
+          </a:bodyPr>
+          <a:lstStyle/>
+          <a:p>
+            <a:r>
+              <a:rPr lang="de-DE" smtClean="0"/>
+              <a:t>0</a:t>
+            </a:r>
+            <a:endParaRPr lang="de-DE"/>
+          </a:p>
+        </p:txBody>
+      </p:sp>
+      <p:sp>
+        <p:nvSpPr>
+          <p:cNvPr id="26" name="Textfeld 25"/>
+          <p:cNvSpPr txBox="1"/>
+          <p:nvPr/>
+        </p:nvSpPr>
+        <p:spPr>
+          <a:xfrm>
+            <a:off x="5628903" y="2560281"/>
+            <a:ext cx="301686" cy="369332"/>
+          </a:xfrm>
+          <a:prstGeom prst="rect">
+            <a:avLst/>
+          </a:prstGeom>
+          <a:noFill/>
+        </p:spPr>
+        <p:txBody>
+          <a:bodyPr wrap="none" rtlCol="0">
+            <a:spAutoFit/>
+          </a:bodyPr>
+          <a:lstStyle/>
+          <a:p>
+            <a:r>
+              <a:rPr lang="de-DE" smtClean="0"/>
+              <a:t>1</a:t>
+            </a:r>
+            <a:endParaRPr lang="de-DE"/>
+          </a:p>
+        </p:txBody>
+      </p:sp>
+      <p:sp>
+        <p:nvSpPr>
+          <p:cNvPr id="27" name="Textfeld 26"/>
+          <p:cNvSpPr txBox="1"/>
+          <p:nvPr/>
+        </p:nvSpPr>
+        <p:spPr>
+          <a:xfrm>
+            <a:off x="3302579" y="2550800"/>
+            <a:ext cx="731290" cy="369332"/>
+          </a:xfrm>
+          <a:prstGeom prst="rect">
+            <a:avLst/>
+          </a:prstGeom>
+          <a:noFill/>
+        </p:spPr>
+        <p:txBody>
+          <a:bodyPr wrap="none" rtlCol="0">
+            <a:spAutoFit/>
+          </a:bodyPr>
+          <a:lstStyle/>
+          <a:p>
+            <a:r>
+              <a:rPr lang="de-DE" smtClean="0"/>
+              <a:t>String</a:t>
+            </a:r>
+            <a:endParaRPr lang="de-DE"/>
+          </a:p>
+        </p:txBody>
+      </p:sp>
+      <p:cxnSp>
+        <p:nvCxnSpPr>
+          <p:cNvPr id="28" name="Gerade Verbindung mit Pfeil 27"/>
+          <p:cNvCxnSpPr>
+            <a:stCxn id="19" idx="3"/>
+          </p:cNvCxnSpPr>
+          <p:nvPr/>
+        </p:nvCxnSpPr>
+        <p:spPr>
+          <a:xfrm flipV="1">
+            <a:off x="1089185" y="2126833"/>
+            <a:ext cx="2782170" cy="1699966"/>
+          </a:xfrm>
+          <a:prstGeom prst="straightConnector1">
+            <a:avLst/>
+          </a:prstGeom>
+          <a:ln>
+            <a:tailEnd type="triangle"/>
+          </a:ln>
+        </p:spPr>
+        <p:style>
+          <a:lnRef idx="1">
+            <a:schemeClr val="accent1"/>
+          </a:lnRef>
+          <a:fillRef idx="0">
+            <a:schemeClr val="accent1"/>
+          </a:fillRef>
+          <a:effectRef idx="0">
+            <a:schemeClr val="accent1"/>
+          </a:effectRef>
+          <a:fontRef idx="minor">
+            <a:schemeClr val="tx1"/>
+          </a:fontRef>
+        </p:style>
+      </p:cxnSp>
+      <p:sp>
+        <p:nvSpPr>
+          <p:cNvPr id="29" name="Rechteck 28"/>
+          <p:cNvSpPr/>
+          <p:nvPr/>
+        </p:nvSpPr>
+        <p:spPr>
+          <a:xfrm>
+            <a:off x="3984797" y="3075111"/>
+            <a:ext cx="1662545" cy="415636"/>
+          </a:xfrm>
+          <a:prstGeom prst="rect">
+            <a:avLst/>
+          </a:prstGeom>
+        </p:spPr>
+        <p:style>
+          <a:lnRef idx="2">
+            <a:schemeClr val="accent1">
+              <a:shade val="50000"/>
+            </a:schemeClr>
+          </a:lnRef>
+          <a:fillRef idx="1">
+            <a:schemeClr val="accent1"/>
+          </a:fillRef>
+          <a:effectRef idx="0">
+            <a:schemeClr val="accent1"/>
+          </a:effectRef>
+          <a:fontRef idx="minor">
+            <a:schemeClr val="lt1"/>
+          </a:fontRef>
+        </p:style>
+        <p:txBody>
+          <a:bodyPr rtlCol="0" anchor="ctr"/>
+          <a:lstStyle/>
+          <a:p>
+            <a:pPr algn="ctr"/>
+            <a:r>
+              <a:rPr lang="de-DE" smtClean="0"/>
+              <a:t>2</a:t>
+            </a:r>
+            <a:endParaRPr lang="de-DE"/>
+          </a:p>
+        </p:txBody>
+      </p:sp>
+      <p:sp>
+        <p:nvSpPr>
+          <p:cNvPr id="30" name="Textfeld 29"/>
+          <p:cNvSpPr txBox="1"/>
+          <p:nvPr/>
+        </p:nvSpPr>
+        <p:spPr>
+          <a:xfrm>
+            <a:off x="5628903" y="3098263"/>
+            <a:ext cx="779124" cy="369332"/>
+          </a:xfrm>
+          <a:prstGeom prst="rect">
+            <a:avLst/>
+          </a:prstGeom>
+          <a:noFill/>
+        </p:spPr>
+        <p:txBody>
+          <a:bodyPr wrap="none" rtlCol="0">
+            <a:spAutoFit/>
+          </a:bodyPr>
+          <a:lstStyle/>
+          <a:p>
+            <a:r>
+              <a:rPr lang="de-DE" smtClean="0"/>
+              <a:t>length</a:t>
+            </a:r>
+            <a:endParaRPr lang="de-DE"/>
+          </a:p>
+        </p:txBody>
+      </p:sp>
+      <p:sp>
+        <p:nvSpPr>
+          <p:cNvPr id="31" name="Textfeld 30"/>
+          <p:cNvSpPr txBox="1"/>
+          <p:nvPr/>
+        </p:nvSpPr>
+        <p:spPr>
+          <a:xfrm>
+            <a:off x="3412864" y="3113058"/>
+            <a:ext cx="434221" cy="369332"/>
+          </a:xfrm>
+          <a:prstGeom prst="rect">
+            <a:avLst/>
+          </a:prstGeom>
+          <a:noFill/>
+        </p:spPr>
+        <p:txBody>
+          <a:bodyPr wrap="none" rtlCol="0">
+            <a:spAutoFit/>
+          </a:bodyPr>
+          <a:lstStyle/>
+          <a:p>
+            <a:r>
+              <a:rPr lang="de-DE" smtClean="0"/>
+              <a:t>int</a:t>
+            </a:r>
+            <a:endParaRPr lang="de-DE"/>
+          </a:p>
+        </p:txBody>
+      </p:sp>
+    </p:spTree>
+    <p:extLst>
+      <p:ext uri="{BB962C8B-B14F-4D97-AF65-F5344CB8AC3E}">
+        <p14:creationId xmlns:p14="http://schemas.microsoft.com/office/powerpoint/2010/main" val="156851778"/>
       </p:ext>
     </p:extLst>
   </p:cSld>

--- a/Diagramme/Arrays.pptx
+++ b/Diagramme/Arrays.pptx
@@ -12,6 +12,12 @@
     <p:sldId id="259" r:id="rId6"/>
     <p:sldId id="261" r:id="rId7"/>
     <p:sldId id="262" r:id="rId8"/>
+    <p:sldId id="263" r:id="rId9"/>
+    <p:sldId id="264" r:id="rId10"/>
+    <p:sldId id="265" r:id="rId11"/>
+    <p:sldId id="266" r:id="rId12"/>
+    <p:sldId id="267" r:id="rId13"/>
+    <p:sldId id="268" r:id="rId14"/>
   </p:sldIdLst>
   <p:sldSz cx="12192000" cy="6858000"/>
   <p:notesSz cx="6858000" cy="9144000"/>
@@ -249,7 +255,7 @@
           <a:p>
             <a:fld id="{59C28289-8BAD-421F-980E-A047A1E4FCE0}" type="datetimeFigureOut">
               <a:rPr lang="de-DE" smtClean="0"/>
-              <a:t>26.09.2019</a:t>
+              <a:t>27.09.2019</a:t>
             </a:fld>
             <a:endParaRPr lang="de-DE"/>
           </a:p>
@@ -419,7 +425,7 @@
           <a:p>
             <a:fld id="{59C28289-8BAD-421F-980E-A047A1E4FCE0}" type="datetimeFigureOut">
               <a:rPr lang="de-DE" smtClean="0"/>
-              <a:t>26.09.2019</a:t>
+              <a:t>27.09.2019</a:t>
             </a:fld>
             <a:endParaRPr lang="de-DE"/>
           </a:p>
@@ -599,7 +605,7 @@
           <a:p>
             <a:fld id="{59C28289-8BAD-421F-980E-A047A1E4FCE0}" type="datetimeFigureOut">
               <a:rPr lang="de-DE" smtClean="0"/>
-              <a:t>26.09.2019</a:t>
+              <a:t>27.09.2019</a:t>
             </a:fld>
             <a:endParaRPr lang="de-DE"/>
           </a:p>
@@ -769,7 +775,7 @@
           <a:p>
             <a:fld id="{59C28289-8BAD-421F-980E-A047A1E4FCE0}" type="datetimeFigureOut">
               <a:rPr lang="de-DE" smtClean="0"/>
-              <a:t>26.09.2019</a:t>
+              <a:t>27.09.2019</a:t>
             </a:fld>
             <a:endParaRPr lang="de-DE"/>
           </a:p>
@@ -1015,7 +1021,7 @@
           <a:p>
             <a:fld id="{59C28289-8BAD-421F-980E-A047A1E4FCE0}" type="datetimeFigureOut">
               <a:rPr lang="de-DE" smtClean="0"/>
-              <a:t>26.09.2019</a:t>
+              <a:t>27.09.2019</a:t>
             </a:fld>
             <a:endParaRPr lang="de-DE"/>
           </a:p>
@@ -1247,7 +1253,7 @@
           <a:p>
             <a:fld id="{59C28289-8BAD-421F-980E-A047A1E4FCE0}" type="datetimeFigureOut">
               <a:rPr lang="de-DE" smtClean="0"/>
-              <a:t>26.09.2019</a:t>
+              <a:t>27.09.2019</a:t>
             </a:fld>
             <a:endParaRPr lang="de-DE"/>
           </a:p>
@@ -1614,7 +1620,7 @@
           <a:p>
             <a:fld id="{59C28289-8BAD-421F-980E-A047A1E4FCE0}" type="datetimeFigureOut">
               <a:rPr lang="de-DE" smtClean="0"/>
-              <a:t>26.09.2019</a:t>
+              <a:t>27.09.2019</a:t>
             </a:fld>
             <a:endParaRPr lang="de-DE"/>
           </a:p>
@@ -1732,7 +1738,7 @@
           <a:p>
             <a:fld id="{59C28289-8BAD-421F-980E-A047A1E4FCE0}" type="datetimeFigureOut">
               <a:rPr lang="de-DE" smtClean="0"/>
-              <a:t>26.09.2019</a:t>
+              <a:t>27.09.2019</a:t>
             </a:fld>
             <a:endParaRPr lang="de-DE"/>
           </a:p>
@@ -1827,7 +1833,7 @@
           <a:p>
             <a:fld id="{59C28289-8BAD-421F-980E-A047A1E4FCE0}" type="datetimeFigureOut">
               <a:rPr lang="de-DE" smtClean="0"/>
-              <a:t>26.09.2019</a:t>
+              <a:t>27.09.2019</a:t>
             </a:fld>
             <a:endParaRPr lang="de-DE"/>
           </a:p>
@@ -2104,7 +2110,7 @@
           <a:p>
             <a:fld id="{59C28289-8BAD-421F-980E-A047A1E4FCE0}" type="datetimeFigureOut">
               <a:rPr lang="de-DE" smtClean="0"/>
-              <a:t>26.09.2019</a:t>
+              <a:t>27.09.2019</a:t>
             </a:fld>
             <a:endParaRPr lang="de-DE"/>
           </a:p>
@@ -2357,7 +2363,7 @@
           <a:p>
             <a:fld id="{59C28289-8BAD-421F-980E-A047A1E4FCE0}" type="datetimeFigureOut">
               <a:rPr lang="de-DE" smtClean="0"/>
-              <a:t>26.09.2019</a:t>
+              <a:t>27.09.2019</a:t>
             </a:fld>
             <a:endParaRPr lang="de-DE"/>
           </a:p>
@@ -2570,7 +2576,7 @@
           <a:p>
             <a:fld id="{59C28289-8BAD-421F-980E-A047A1E4FCE0}" type="datetimeFigureOut">
               <a:rPr lang="de-DE" smtClean="0"/>
-              <a:t>26.09.2019</a:t>
+              <a:t>27.09.2019</a:t>
             </a:fld>
             <a:endParaRPr lang="de-DE"/>
           </a:p>
@@ -3030,6 +3036,6786 @@
 </p:sld>
 </file>
 
+<file path=ppt/slides/slide10.xml><?xml version="1.0" encoding="utf-8"?>
+<p:sld xmlns:a="http://schemas.openxmlformats.org/drawingml/2006/main" xmlns:r="http://schemas.openxmlformats.org/officeDocument/2006/relationships" xmlns:p="http://schemas.openxmlformats.org/presentationml/2006/main">
+  <p:cSld>
+    <p:spTree>
+      <p:nvGrpSpPr>
+        <p:cNvPr id="1" name=""/>
+        <p:cNvGrpSpPr/>
+        <p:nvPr/>
+      </p:nvGrpSpPr>
+      <p:grpSpPr>
+        <a:xfrm>
+          <a:off x="0" y="0"/>
+          <a:ext cx="0" cy="0"/>
+          <a:chOff x="0" y="0"/>
+          <a:chExt cx="0" cy="0"/>
+        </a:xfrm>
+      </p:grpSpPr>
+      <p:cxnSp>
+        <p:nvCxnSpPr>
+          <p:cNvPr id="5" name="Gerader Verbinder 4"/>
+          <p:cNvCxnSpPr/>
+          <p:nvPr/>
+        </p:nvCxnSpPr>
+        <p:spPr>
+          <a:xfrm>
+            <a:off x="1757548" y="368135"/>
+            <a:ext cx="0" cy="6210795"/>
+          </a:xfrm>
+          <a:prstGeom prst="line">
+            <a:avLst/>
+          </a:prstGeom>
+        </p:spPr>
+        <p:style>
+          <a:lnRef idx="1">
+            <a:schemeClr val="accent1"/>
+          </a:lnRef>
+          <a:fillRef idx="0">
+            <a:schemeClr val="accent1"/>
+          </a:fillRef>
+          <a:effectRef idx="0">
+            <a:schemeClr val="accent1"/>
+          </a:effectRef>
+          <a:fontRef idx="minor">
+            <a:schemeClr val="tx1"/>
+          </a:fontRef>
+        </p:style>
+      </p:cxnSp>
+      <p:sp>
+        <p:nvSpPr>
+          <p:cNvPr id="6" name="Textfeld 5"/>
+          <p:cNvSpPr txBox="1"/>
+          <p:nvPr/>
+        </p:nvSpPr>
+        <p:spPr>
+          <a:xfrm>
+            <a:off x="9417132" y="368135"/>
+            <a:ext cx="2497222" cy="2031325"/>
+          </a:xfrm>
+          <a:prstGeom prst="rect">
+            <a:avLst/>
+          </a:prstGeom>
+          <a:noFill/>
+        </p:spPr>
+        <p:txBody>
+          <a:bodyPr wrap="none" rtlCol="0">
+            <a:spAutoFit/>
+          </a:bodyPr>
+          <a:lstStyle/>
+          <a:p>
+            <a:r>
+              <a:rPr lang="de-DE" smtClean="0"/>
+              <a:t>int[][] arr = new int[2][];</a:t>
+            </a:r>
+          </a:p>
+          <a:p>
+            <a:endParaRPr lang="de-DE" smtClean="0"/>
+          </a:p>
+          <a:p>
+            <a:r>
+              <a:rPr lang="de-DE" b="1" smtClean="0"/>
+              <a:t>arr[0] = new int[3];</a:t>
+            </a:r>
+          </a:p>
+          <a:p>
+            <a:endParaRPr lang="de-DE"/>
+          </a:p>
+          <a:p>
+            <a:r>
+              <a:rPr lang="de-DE" smtClean="0"/>
+              <a:t>int[] tmp = new int[5];</a:t>
+            </a:r>
+          </a:p>
+          <a:p>
+            <a:endParaRPr lang="de-DE" smtClean="0"/>
+          </a:p>
+          <a:p>
+            <a:r>
+              <a:rPr lang="de-DE" smtClean="0"/>
+              <a:t>arr[1] = tmp;</a:t>
+            </a:r>
+            <a:endParaRPr lang="de-DE"/>
+          </a:p>
+        </p:txBody>
+      </p:sp>
+      <p:sp>
+        <p:nvSpPr>
+          <p:cNvPr id="7" name="Textfeld 6"/>
+          <p:cNvSpPr txBox="1"/>
+          <p:nvPr/>
+        </p:nvSpPr>
+        <p:spPr>
+          <a:xfrm>
+            <a:off x="209176" y="4754270"/>
+            <a:ext cx="455574" cy="369332"/>
+          </a:xfrm>
+          <a:prstGeom prst="rect">
+            <a:avLst/>
+          </a:prstGeom>
+          <a:noFill/>
+        </p:spPr>
+        <p:txBody>
+          <a:bodyPr wrap="none" rtlCol="0">
+            <a:spAutoFit/>
+          </a:bodyPr>
+          <a:lstStyle/>
+          <a:p>
+            <a:r>
+              <a:rPr lang="de-DE" smtClean="0"/>
+              <a:t>arr</a:t>
+            </a:r>
+            <a:endParaRPr lang="de-DE"/>
+          </a:p>
+        </p:txBody>
+      </p:sp>
+      <p:sp>
+        <p:nvSpPr>
+          <p:cNvPr id="8" name="Rechteck 7"/>
+          <p:cNvSpPr/>
+          <p:nvPr/>
+        </p:nvSpPr>
+        <p:spPr>
+          <a:xfrm>
+            <a:off x="2399963" y="3728851"/>
+            <a:ext cx="1199408" cy="1281335"/>
+          </a:xfrm>
+          <a:prstGeom prst="rect">
+            <a:avLst/>
+          </a:prstGeom>
+        </p:spPr>
+        <p:style>
+          <a:lnRef idx="2">
+            <a:schemeClr val="accent1">
+              <a:shade val="50000"/>
+            </a:schemeClr>
+          </a:lnRef>
+          <a:fillRef idx="1">
+            <a:schemeClr val="accent1"/>
+          </a:fillRef>
+          <a:effectRef idx="0">
+            <a:schemeClr val="accent1"/>
+          </a:effectRef>
+          <a:fontRef idx="minor">
+            <a:schemeClr val="lt1"/>
+          </a:fontRef>
+        </p:style>
+        <p:txBody>
+          <a:bodyPr rtlCol="0" anchor="ctr"/>
+          <a:lstStyle/>
+          <a:p>
+            <a:pPr algn="ctr"/>
+            <a:endParaRPr lang="de-DE"/>
+          </a:p>
+        </p:txBody>
+      </p:sp>
+      <p:sp>
+        <p:nvSpPr>
+          <p:cNvPr id="9" name="Textfeld 8"/>
+          <p:cNvSpPr txBox="1"/>
+          <p:nvPr/>
+        </p:nvSpPr>
+        <p:spPr>
+          <a:xfrm>
+            <a:off x="2999667" y="3359519"/>
+            <a:ext cx="716350" cy="369332"/>
+          </a:xfrm>
+          <a:prstGeom prst="rect">
+            <a:avLst/>
+          </a:prstGeom>
+          <a:noFill/>
+        </p:spPr>
+        <p:txBody>
+          <a:bodyPr wrap="none" rtlCol="0">
+            <a:spAutoFit/>
+          </a:bodyPr>
+          <a:lstStyle/>
+          <a:p>
+            <a:r>
+              <a:rPr lang="de-DE" smtClean="0"/>
+              <a:t>int[][]</a:t>
+            </a:r>
+            <a:endParaRPr lang="de-DE"/>
+          </a:p>
+        </p:txBody>
+      </p:sp>
+      <p:sp>
+        <p:nvSpPr>
+          <p:cNvPr id="10" name="Rechteck 9"/>
+          <p:cNvSpPr/>
+          <p:nvPr/>
+        </p:nvSpPr>
+        <p:spPr>
+          <a:xfrm>
+            <a:off x="2505694" y="3859481"/>
+            <a:ext cx="950025" cy="308758"/>
+          </a:xfrm>
+          <a:prstGeom prst="rect">
+            <a:avLst/>
+          </a:prstGeom>
+        </p:spPr>
+        <p:style>
+          <a:lnRef idx="2">
+            <a:schemeClr val="accent1">
+              <a:shade val="50000"/>
+            </a:schemeClr>
+          </a:lnRef>
+          <a:fillRef idx="1">
+            <a:schemeClr val="accent1"/>
+          </a:fillRef>
+          <a:effectRef idx="0">
+            <a:schemeClr val="accent1"/>
+          </a:effectRef>
+          <a:fontRef idx="minor">
+            <a:schemeClr val="lt1"/>
+          </a:fontRef>
+        </p:style>
+        <p:txBody>
+          <a:bodyPr rtlCol="0" anchor="ctr"/>
+          <a:lstStyle/>
+          <a:p>
+            <a:pPr algn="ctr"/>
+            <a:endParaRPr lang="de-DE" sz="1400"/>
+          </a:p>
+        </p:txBody>
+      </p:sp>
+      <p:sp>
+        <p:nvSpPr>
+          <p:cNvPr id="11" name="Rechteck 10"/>
+          <p:cNvSpPr/>
+          <p:nvPr/>
+        </p:nvSpPr>
+        <p:spPr>
+          <a:xfrm>
+            <a:off x="2505693" y="4193188"/>
+            <a:ext cx="950025" cy="308758"/>
+          </a:xfrm>
+          <a:prstGeom prst="rect">
+            <a:avLst/>
+          </a:prstGeom>
+        </p:spPr>
+        <p:style>
+          <a:lnRef idx="2">
+            <a:schemeClr val="accent1">
+              <a:shade val="50000"/>
+            </a:schemeClr>
+          </a:lnRef>
+          <a:fillRef idx="1">
+            <a:schemeClr val="accent1"/>
+          </a:fillRef>
+          <a:effectRef idx="0">
+            <a:schemeClr val="accent1"/>
+          </a:effectRef>
+          <a:fontRef idx="minor">
+            <a:schemeClr val="lt1"/>
+          </a:fontRef>
+        </p:style>
+        <p:txBody>
+          <a:bodyPr rtlCol="0" anchor="ctr"/>
+          <a:lstStyle/>
+          <a:p>
+            <a:pPr algn="ctr"/>
+            <a:r>
+              <a:rPr lang="de-DE" sz="1400" smtClean="0"/>
+              <a:t>null</a:t>
+            </a:r>
+            <a:endParaRPr lang="de-DE" sz="1400"/>
+          </a:p>
+        </p:txBody>
+      </p:sp>
+      <p:sp>
+        <p:nvSpPr>
+          <p:cNvPr id="12" name="Textfeld 11"/>
+          <p:cNvSpPr txBox="1"/>
+          <p:nvPr/>
+        </p:nvSpPr>
+        <p:spPr>
+          <a:xfrm>
+            <a:off x="1972930" y="3798907"/>
+            <a:ext cx="489173" cy="307777"/>
+          </a:xfrm>
+          <a:prstGeom prst="rect">
+            <a:avLst/>
+          </a:prstGeom>
+          <a:noFill/>
+        </p:spPr>
+        <p:txBody>
+          <a:bodyPr wrap="none" rtlCol="0">
+            <a:spAutoFit/>
+          </a:bodyPr>
+          <a:lstStyle/>
+          <a:p>
+            <a:r>
+              <a:rPr lang="de-DE" sz="1400" smtClean="0"/>
+              <a:t>int[]</a:t>
+            </a:r>
+            <a:endParaRPr lang="de-DE" sz="1400"/>
+          </a:p>
+        </p:txBody>
+      </p:sp>
+      <p:sp>
+        <p:nvSpPr>
+          <p:cNvPr id="13" name="Textfeld 12"/>
+          <p:cNvSpPr txBox="1"/>
+          <p:nvPr/>
+        </p:nvSpPr>
+        <p:spPr>
+          <a:xfrm>
+            <a:off x="1972930" y="4107066"/>
+            <a:ext cx="489173" cy="307777"/>
+          </a:xfrm>
+          <a:prstGeom prst="rect">
+            <a:avLst/>
+          </a:prstGeom>
+          <a:noFill/>
+        </p:spPr>
+        <p:txBody>
+          <a:bodyPr wrap="none" rtlCol="0">
+            <a:spAutoFit/>
+          </a:bodyPr>
+          <a:lstStyle/>
+          <a:p>
+            <a:r>
+              <a:rPr lang="de-DE" sz="1400" smtClean="0"/>
+              <a:t>int[]</a:t>
+            </a:r>
+            <a:endParaRPr lang="de-DE" sz="1400"/>
+          </a:p>
+        </p:txBody>
+      </p:sp>
+      <p:sp>
+        <p:nvSpPr>
+          <p:cNvPr id="14" name="Rechteck 13"/>
+          <p:cNvSpPr/>
+          <p:nvPr/>
+        </p:nvSpPr>
+        <p:spPr>
+          <a:xfrm>
+            <a:off x="2505692" y="4630178"/>
+            <a:ext cx="950025" cy="308758"/>
+          </a:xfrm>
+          <a:prstGeom prst="rect">
+            <a:avLst/>
+          </a:prstGeom>
+        </p:spPr>
+        <p:style>
+          <a:lnRef idx="2">
+            <a:schemeClr val="accent1">
+              <a:shade val="50000"/>
+            </a:schemeClr>
+          </a:lnRef>
+          <a:fillRef idx="1">
+            <a:schemeClr val="accent1"/>
+          </a:fillRef>
+          <a:effectRef idx="0">
+            <a:schemeClr val="accent1"/>
+          </a:effectRef>
+          <a:fontRef idx="minor">
+            <a:schemeClr val="lt1"/>
+          </a:fontRef>
+        </p:style>
+        <p:txBody>
+          <a:bodyPr rtlCol="0" anchor="ctr"/>
+          <a:lstStyle/>
+          <a:p>
+            <a:pPr algn="ctr"/>
+            <a:r>
+              <a:rPr lang="de-DE" sz="1400" smtClean="0"/>
+              <a:t>2</a:t>
+            </a:r>
+            <a:endParaRPr lang="de-DE" sz="1400"/>
+          </a:p>
+        </p:txBody>
+      </p:sp>
+      <p:sp>
+        <p:nvSpPr>
+          <p:cNvPr id="15" name="Textfeld 14"/>
+          <p:cNvSpPr txBox="1"/>
+          <p:nvPr/>
+        </p:nvSpPr>
+        <p:spPr>
+          <a:xfrm>
+            <a:off x="2004533" y="4569604"/>
+            <a:ext cx="380169" cy="307777"/>
+          </a:xfrm>
+          <a:prstGeom prst="rect">
+            <a:avLst/>
+          </a:prstGeom>
+          <a:noFill/>
+        </p:spPr>
+        <p:txBody>
+          <a:bodyPr wrap="none" rtlCol="0">
+            <a:spAutoFit/>
+          </a:bodyPr>
+          <a:lstStyle/>
+          <a:p>
+            <a:r>
+              <a:rPr lang="de-DE" sz="1400" smtClean="0"/>
+              <a:t>int</a:t>
+            </a:r>
+            <a:endParaRPr lang="de-DE" sz="1400"/>
+          </a:p>
+        </p:txBody>
+      </p:sp>
+      <p:sp>
+        <p:nvSpPr>
+          <p:cNvPr id="16" name="Textfeld 15"/>
+          <p:cNvSpPr txBox="1"/>
+          <p:nvPr/>
+        </p:nvSpPr>
+        <p:spPr>
+          <a:xfrm>
+            <a:off x="3462661" y="4640854"/>
+            <a:ext cx="648447" cy="307777"/>
+          </a:xfrm>
+          <a:prstGeom prst="rect">
+            <a:avLst/>
+          </a:prstGeom>
+          <a:noFill/>
+        </p:spPr>
+        <p:txBody>
+          <a:bodyPr wrap="none" rtlCol="0">
+            <a:spAutoFit/>
+          </a:bodyPr>
+          <a:lstStyle/>
+          <a:p>
+            <a:r>
+              <a:rPr lang="de-DE" sz="1400" smtClean="0"/>
+              <a:t>length</a:t>
+            </a:r>
+            <a:endParaRPr lang="de-DE" sz="1400"/>
+          </a:p>
+        </p:txBody>
+      </p:sp>
+      <p:cxnSp>
+        <p:nvCxnSpPr>
+          <p:cNvPr id="18" name="Gerade Verbindung mit Pfeil 17"/>
+          <p:cNvCxnSpPr>
+            <a:stCxn id="7" idx="3"/>
+          </p:cNvCxnSpPr>
+          <p:nvPr/>
+        </p:nvCxnSpPr>
+        <p:spPr>
+          <a:xfrm flipV="1">
+            <a:off x="664750" y="4501946"/>
+            <a:ext cx="1719952" cy="436990"/>
+          </a:xfrm>
+          <a:prstGeom prst="straightConnector1">
+            <a:avLst/>
+          </a:prstGeom>
+          <a:ln>
+            <a:tailEnd type="triangle"/>
+          </a:ln>
+        </p:spPr>
+        <p:style>
+          <a:lnRef idx="1">
+            <a:schemeClr val="accent1"/>
+          </a:lnRef>
+          <a:fillRef idx="0">
+            <a:schemeClr val="accent1"/>
+          </a:fillRef>
+          <a:effectRef idx="0">
+            <a:schemeClr val="accent1"/>
+          </a:effectRef>
+          <a:fontRef idx="minor">
+            <a:schemeClr val="tx1"/>
+          </a:fontRef>
+        </p:style>
+      </p:cxnSp>
+      <p:sp>
+        <p:nvSpPr>
+          <p:cNvPr id="20" name="Textfeld 19"/>
+          <p:cNvSpPr txBox="1"/>
+          <p:nvPr/>
+        </p:nvSpPr>
+        <p:spPr>
+          <a:xfrm>
+            <a:off x="3438003" y="3854634"/>
+            <a:ext cx="276038" cy="307777"/>
+          </a:xfrm>
+          <a:prstGeom prst="rect">
+            <a:avLst/>
+          </a:prstGeom>
+          <a:noFill/>
+        </p:spPr>
+        <p:txBody>
+          <a:bodyPr wrap="none" rtlCol="0">
+            <a:spAutoFit/>
+          </a:bodyPr>
+          <a:lstStyle/>
+          <a:p>
+            <a:r>
+              <a:rPr lang="de-DE" sz="1400" smtClean="0"/>
+              <a:t>0</a:t>
+            </a:r>
+            <a:endParaRPr lang="de-DE" sz="1400"/>
+          </a:p>
+        </p:txBody>
+      </p:sp>
+      <p:sp>
+        <p:nvSpPr>
+          <p:cNvPr id="21" name="Textfeld 20"/>
+          <p:cNvSpPr txBox="1"/>
+          <p:nvPr/>
+        </p:nvSpPr>
+        <p:spPr>
+          <a:xfrm>
+            <a:off x="3438003" y="4194169"/>
+            <a:ext cx="276038" cy="307777"/>
+          </a:xfrm>
+          <a:prstGeom prst="rect">
+            <a:avLst/>
+          </a:prstGeom>
+          <a:noFill/>
+        </p:spPr>
+        <p:txBody>
+          <a:bodyPr wrap="none" rtlCol="0">
+            <a:spAutoFit/>
+          </a:bodyPr>
+          <a:lstStyle/>
+          <a:p>
+            <a:r>
+              <a:rPr lang="de-DE" sz="1400" smtClean="0"/>
+              <a:t>1</a:t>
+            </a:r>
+            <a:endParaRPr lang="de-DE" sz="1400"/>
+          </a:p>
+        </p:txBody>
+      </p:sp>
+      <p:sp>
+        <p:nvSpPr>
+          <p:cNvPr id="17" name="Rechteck 16"/>
+          <p:cNvSpPr/>
+          <p:nvPr/>
+        </p:nvSpPr>
+        <p:spPr>
+          <a:xfrm>
+            <a:off x="6390072" y="2076985"/>
+            <a:ext cx="1199408" cy="1721922"/>
+          </a:xfrm>
+          <a:prstGeom prst="rect">
+            <a:avLst/>
+          </a:prstGeom>
+        </p:spPr>
+        <p:style>
+          <a:lnRef idx="2">
+            <a:schemeClr val="accent1">
+              <a:shade val="50000"/>
+            </a:schemeClr>
+          </a:lnRef>
+          <a:fillRef idx="1">
+            <a:schemeClr val="accent1"/>
+          </a:fillRef>
+          <a:effectRef idx="0">
+            <a:schemeClr val="accent1"/>
+          </a:effectRef>
+          <a:fontRef idx="minor">
+            <a:schemeClr val="lt1"/>
+          </a:fontRef>
+        </p:style>
+        <p:txBody>
+          <a:bodyPr rtlCol="0" anchor="ctr"/>
+          <a:lstStyle/>
+          <a:p>
+            <a:pPr algn="ctr"/>
+            <a:endParaRPr lang="de-DE"/>
+          </a:p>
+        </p:txBody>
+      </p:sp>
+      <p:sp>
+        <p:nvSpPr>
+          <p:cNvPr id="19" name="Textfeld 18"/>
+          <p:cNvSpPr txBox="1"/>
+          <p:nvPr/>
+        </p:nvSpPr>
+        <p:spPr>
+          <a:xfrm>
+            <a:off x="6989776" y="1707653"/>
+            <a:ext cx="575286" cy="369332"/>
+          </a:xfrm>
+          <a:prstGeom prst="rect">
+            <a:avLst/>
+          </a:prstGeom>
+          <a:noFill/>
+        </p:spPr>
+        <p:txBody>
+          <a:bodyPr wrap="none" rtlCol="0">
+            <a:spAutoFit/>
+          </a:bodyPr>
+          <a:lstStyle/>
+          <a:p>
+            <a:r>
+              <a:rPr lang="de-DE" smtClean="0"/>
+              <a:t>int[]</a:t>
+            </a:r>
+            <a:endParaRPr lang="de-DE"/>
+          </a:p>
+        </p:txBody>
+      </p:sp>
+      <p:sp>
+        <p:nvSpPr>
+          <p:cNvPr id="22" name="Rechteck 21"/>
+          <p:cNvSpPr/>
+          <p:nvPr/>
+        </p:nvSpPr>
+        <p:spPr>
+          <a:xfrm>
+            <a:off x="6495803" y="2207615"/>
+            <a:ext cx="950025" cy="308758"/>
+          </a:xfrm>
+          <a:prstGeom prst="rect">
+            <a:avLst/>
+          </a:prstGeom>
+        </p:spPr>
+        <p:style>
+          <a:lnRef idx="2">
+            <a:schemeClr val="accent1">
+              <a:shade val="50000"/>
+            </a:schemeClr>
+          </a:lnRef>
+          <a:fillRef idx="1">
+            <a:schemeClr val="accent1"/>
+          </a:fillRef>
+          <a:effectRef idx="0">
+            <a:schemeClr val="accent1"/>
+          </a:effectRef>
+          <a:fontRef idx="minor">
+            <a:schemeClr val="lt1"/>
+          </a:fontRef>
+        </p:style>
+        <p:txBody>
+          <a:bodyPr rtlCol="0" anchor="ctr"/>
+          <a:lstStyle/>
+          <a:p>
+            <a:pPr algn="ctr"/>
+            <a:r>
+              <a:rPr lang="de-DE" sz="1400" smtClean="0"/>
+              <a:t>0</a:t>
+            </a:r>
+            <a:endParaRPr lang="de-DE" sz="1400"/>
+          </a:p>
+        </p:txBody>
+      </p:sp>
+      <p:sp>
+        <p:nvSpPr>
+          <p:cNvPr id="23" name="Rechteck 22"/>
+          <p:cNvSpPr/>
+          <p:nvPr/>
+        </p:nvSpPr>
+        <p:spPr>
+          <a:xfrm>
+            <a:off x="6495802" y="2541322"/>
+            <a:ext cx="950025" cy="308758"/>
+          </a:xfrm>
+          <a:prstGeom prst="rect">
+            <a:avLst/>
+          </a:prstGeom>
+        </p:spPr>
+        <p:style>
+          <a:lnRef idx="2">
+            <a:schemeClr val="accent1">
+              <a:shade val="50000"/>
+            </a:schemeClr>
+          </a:lnRef>
+          <a:fillRef idx="1">
+            <a:schemeClr val="accent1"/>
+          </a:fillRef>
+          <a:effectRef idx="0">
+            <a:schemeClr val="accent1"/>
+          </a:effectRef>
+          <a:fontRef idx="minor">
+            <a:schemeClr val="lt1"/>
+          </a:fontRef>
+        </p:style>
+        <p:txBody>
+          <a:bodyPr rtlCol="0" anchor="ctr"/>
+          <a:lstStyle/>
+          <a:p>
+            <a:pPr algn="ctr"/>
+            <a:r>
+              <a:rPr lang="de-DE" sz="1400" smtClean="0"/>
+              <a:t>0</a:t>
+            </a:r>
+            <a:endParaRPr lang="de-DE" sz="1400"/>
+          </a:p>
+        </p:txBody>
+      </p:sp>
+      <p:sp>
+        <p:nvSpPr>
+          <p:cNvPr id="24" name="Textfeld 23"/>
+          <p:cNvSpPr txBox="1"/>
+          <p:nvPr/>
+        </p:nvSpPr>
+        <p:spPr>
+          <a:xfrm>
+            <a:off x="5963039" y="2147041"/>
+            <a:ext cx="380169" cy="307777"/>
+          </a:xfrm>
+          <a:prstGeom prst="rect">
+            <a:avLst/>
+          </a:prstGeom>
+          <a:noFill/>
+        </p:spPr>
+        <p:txBody>
+          <a:bodyPr wrap="none" rtlCol="0">
+            <a:spAutoFit/>
+          </a:bodyPr>
+          <a:lstStyle/>
+          <a:p>
+            <a:r>
+              <a:rPr lang="de-DE" sz="1400" smtClean="0"/>
+              <a:t>int</a:t>
+            </a:r>
+            <a:endParaRPr lang="de-DE" sz="1400"/>
+          </a:p>
+        </p:txBody>
+      </p:sp>
+      <p:sp>
+        <p:nvSpPr>
+          <p:cNvPr id="25" name="Textfeld 24"/>
+          <p:cNvSpPr txBox="1"/>
+          <p:nvPr/>
+        </p:nvSpPr>
+        <p:spPr>
+          <a:xfrm>
+            <a:off x="5963039" y="2455200"/>
+            <a:ext cx="380169" cy="307777"/>
+          </a:xfrm>
+          <a:prstGeom prst="rect">
+            <a:avLst/>
+          </a:prstGeom>
+          <a:noFill/>
+        </p:spPr>
+        <p:txBody>
+          <a:bodyPr wrap="none" rtlCol="0">
+            <a:spAutoFit/>
+          </a:bodyPr>
+          <a:lstStyle/>
+          <a:p>
+            <a:r>
+              <a:rPr lang="de-DE" sz="1400" smtClean="0"/>
+              <a:t>int</a:t>
+            </a:r>
+            <a:endParaRPr lang="de-DE" sz="1400"/>
+          </a:p>
+        </p:txBody>
+      </p:sp>
+      <p:sp>
+        <p:nvSpPr>
+          <p:cNvPr id="26" name="Rechteck 25"/>
+          <p:cNvSpPr/>
+          <p:nvPr/>
+        </p:nvSpPr>
+        <p:spPr>
+          <a:xfrm>
+            <a:off x="6495801" y="3298944"/>
+            <a:ext cx="950025" cy="308758"/>
+          </a:xfrm>
+          <a:prstGeom prst="rect">
+            <a:avLst/>
+          </a:prstGeom>
+        </p:spPr>
+        <p:style>
+          <a:lnRef idx="2">
+            <a:schemeClr val="accent1">
+              <a:shade val="50000"/>
+            </a:schemeClr>
+          </a:lnRef>
+          <a:fillRef idx="1">
+            <a:schemeClr val="accent1"/>
+          </a:fillRef>
+          <a:effectRef idx="0">
+            <a:schemeClr val="accent1"/>
+          </a:effectRef>
+          <a:fontRef idx="minor">
+            <a:schemeClr val="lt1"/>
+          </a:fontRef>
+        </p:style>
+        <p:txBody>
+          <a:bodyPr rtlCol="0" anchor="ctr"/>
+          <a:lstStyle/>
+          <a:p>
+            <a:pPr algn="ctr"/>
+            <a:r>
+              <a:rPr lang="de-DE" sz="1400"/>
+              <a:t>3</a:t>
+            </a:r>
+          </a:p>
+        </p:txBody>
+      </p:sp>
+      <p:sp>
+        <p:nvSpPr>
+          <p:cNvPr id="27" name="Textfeld 26"/>
+          <p:cNvSpPr txBox="1"/>
+          <p:nvPr/>
+        </p:nvSpPr>
+        <p:spPr>
+          <a:xfrm>
+            <a:off x="5994642" y="3238370"/>
+            <a:ext cx="380169" cy="307777"/>
+          </a:xfrm>
+          <a:prstGeom prst="rect">
+            <a:avLst/>
+          </a:prstGeom>
+          <a:noFill/>
+        </p:spPr>
+        <p:txBody>
+          <a:bodyPr wrap="none" rtlCol="0">
+            <a:spAutoFit/>
+          </a:bodyPr>
+          <a:lstStyle/>
+          <a:p>
+            <a:r>
+              <a:rPr lang="de-DE" sz="1400" smtClean="0"/>
+              <a:t>int</a:t>
+            </a:r>
+            <a:endParaRPr lang="de-DE" sz="1400"/>
+          </a:p>
+        </p:txBody>
+      </p:sp>
+      <p:sp>
+        <p:nvSpPr>
+          <p:cNvPr id="28" name="Textfeld 27"/>
+          <p:cNvSpPr txBox="1"/>
+          <p:nvPr/>
+        </p:nvSpPr>
+        <p:spPr>
+          <a:xfrm>
+            <a:off x="7452770" y="3309620"/>
+            <a:ext cx="648447" cy="307777"/>
+          </a:xfrm>
+          <a:prstGeom prst="rect">
+            <a:avLst/>
+          </a:prstGeom>
+          <a:noFill/>
+        </p:spPr>
+        <p:txBody>
+          <a:bodyPr wrap="none" rtlCol="0">
+            <a:spAutoFit/>
+          </a:bodyPr>
+          <a:lstStyle/>
+          <a:p>
+            <a:r>
+              <a:rPr lang="de-DE" sz="1400" smtClean="0"/>
+              <a:t>length</a:t>
+            </a:r>
+            <a:endParaRPr lang="de-DE" sz="1400"/>
+          </a:p>
+        </p:txBody>
+      </p:sp>
+      <p:sp>
+        <p:nvSpPr>
+          <p:cNvPr id="29" name="Textfeld 28"/>
+          <p:cNvSpPr txBox="1"/>
+          <p:nvPr/>
+        </p:nvSpPr>
+        <p:spPr>
+          <a:xfrm>
+            <a:off x="7428112" y="2202768"/>
+            <a:ext cx="276038" cy="307777"/>
+          </a:xfrm>
+          <a:prstGeom prst="rect">
+            <a:avLst/>
+          </a:prstGeom>
+          <a:noFill/>
+        </p:spPr>
+        <p:txBody>
+          <a:bodyPr wrap="none" rtlCol="0">
+            <a:spAutoFit/>
+          </a:bodyPr>
+          <a:lstStyle/>
+          <a:p>
+            <a:r>
+              <a:rPr lang="de-DE" sz="1400" smtClean="0"/>
+              <a:t>0</a:t>
+            </a:r>
+            <a:endParaRPr lang="de-DE" sz="1400"/>
+          </a:p>
+        </p:txBody>
+      </p:sp>
+      <p:sp>
+        <p:nvSpPr>
+          <p:cNvPr id="30" name="Textfeld 29"/>
+          <p:cNvSpPr txBox="1"/>
+          <p:nvPr/>
+        </p:nvSpPr>
+        <p:spPr>
+          <a:xfrm>
+            <a:off x="7428112" y="2542303"/>
+            <a:ext cx="276038" cy="307777"/>
+          </a:xfrm>
+          <a:prstGeom prst="rect">
+            <a:avLst/>
+          </a:prstGeom>
+          <a:noFill/>
+        </p:spPr>
+        <p:txBody>
+          <a:bodyPr wrap="none" rtlCol="0">
+            <a:spAutoFit/>
+          </a:bodyPr>
+          <a:lstStyle/>
+          <a:p>
+            <a:r>
+              <a:rPr lang="de-DE" sz="1400" smtClean="0"/>
+              <a:t>1</a:t>
+            </a:r>
+            <a:endParaRPr lang="de-DE" sz="1400"/>
+          </a:p>
+        </p:txBody>
+      </p:sp>
+      <p:sp>
+        <p:nvSpPr>
+          <p:cNvPr id="31" name="Rechteck 30"/>
+          <p:cNvSpPr/>
+          <p:nvPr/>
+        </p:nvSpPr>
+        <p:spPr>
+          <a:xfrm>
+            <a:off x="6502745" y="2910654"/>
+            <a:ext cx="950025" cy="308758"/>
+          </a:xfrm>
+          <a:prstGeom prst="rect">
+            <a:avLst/>
+          </a:prstGeom>
+        </p:spPr>
+        <p:style>
+          <a:lnRef idx="2">
+            <a:schemeClr val="accent1">
+              <a:shade val="50000"/>
+            </a:schemeClr>
+          </a:lnRef>
+          <a:fillRef idx="1">
+            <a:schemeClr val="accent1"/>
+          </a:fillRef>
+          <a:effectRef idx="0">
+            <a:schemeClr val="accent1"/>
+          </a:effectRef>
+          <a:fontRef idx="minor">
+            <a:schemeClr val="lt1"/>
+          </a:fontRef>
+        </p:style>
+        <p:txBody>
+          <a:bodyPr rtlCol="0" anchor="ctr"/>
+          <a:lstStyle/>
+          <a:p>
+            <a:pPr algn="ctr"/>
+            <a:r>
+              <a:rPr lang="de-DE" sz="1400" smtClean="0"/>
+              <a:t>0</a:t>
+            </a:r>
+            <a:endParaRPr lang="de-DE" sz="1400"/>
+          </a:p>
+        </p:txBody>
+      </p:sp>
+      <p:sp>
+        <p:nvSpPr>
+          <p:cNvPr id="32" name="Textfeld 31"/>
+          <p:cNvSpPr txBox="1"/>
+          <p:nvPr/>
+        </p:nvSpPr>
+        <p:spPr>
+          <a:xfrm>
+            <a:off x="5969982" y="2824532"/>
+            <a:ext cx="380169" cy="307777"/>
+          </a:xfrm>
+          <a:prstGeom prst="rect">
+            <a:avLst/>
+          </a:prstGeom>
+          <a:noFill/>
+        </p:spPr>
+        <p:txBody>
+          <a:bodyPr wrap="none" rtlCol="0">
+            <a:spAutoFit/>
+          </a:bodyPr>
+          <a:lstStyle/>
+          <a:p>
+            <a:r>
+              <a:rPr lang="de-DE" sz="1400" smtClean="0"/>
+              <a:t>int</a:t>
+            </a:r>
+            <a:endParaRPr lang="de-DE" sz="1400"/>
+          </a:p>
+        </p:txBody>
+      </p:sp>
+      <p:sp>
+        <p:nvSpPr>
+          <p:cNvPr id="33" name="Textfeld 32"/>
+          <p:cNvSpPr txBox="1"/>
+          <p:nvPr/>
+        </p:nvSpPr>
+        <p:spPr>
+          <a:xfrm>
+            <a:off x="7435055" y="2911635"/>
+            <a:ext cx="276038" cy="307777"/>
+          </a:xfrm>
+          <a:prstGeom prst="rect">
+            <a:avLst/>
+          </a:prstGeom>
+          <a:noFill/>
+        </p:spPr>
+        <p:txBody>
+          <a:bodyPr wrap="none" rtlCol="0">
+            <a:spAutoFit/>
+          </a:bodyPr>
+          <a:lstStyle/>
+          <a:p>
+            <a:r>
+              <a:rPr lang="de-DE" sz="1400" smtClean="0"/>
+              <a:t>2</a:t>
+            </a:r>
+            <a:endParaRPr lang="de-DE" sz="1400"/>
+          </a:p>
+        </p:txBody>
+      </p:sp>
+      <p:cxnSp>
+        <p:nvCxnSpPr>
+          <p:cNvPr id="34" name="Gerade Verbindung mit Pfeil 33"/>
+          <p:cNvCxnSpPr/>
+          <p:nvPr/>
+        </p:nvCxnSpPr>
+        <p:spPr>
+          <a:xfrm flipV="1">
+            <a:off x="3018731" y="2821537"/>
+            <a:ext cx="3371341" cy="1180342"/>
+          </a:xfrm>
+          <a:prstGeom prst="straightConnector1">
+            <a:avLst/>
+          </a:prstGeom>
+          <a:ln>
+            <a:solidFill>
+              <a:srgbClr val="FF0000"/>
+            </a:solidFill>
+            <a:tailEnd type="triangle"/>
+          </a:ln>
+        </p:spPr>
+        <p:style>
+          <a:lnRef idx="1">
+            <a:schemeClr val="accent1"/>
+          </a:lnRef>
+          <a:fillRef idx="0">
+            <a:schemeClr val="accent1"/>
+          </a:fillRef>
+          <a:effectRef idx="0">
+            <a:schemeClr val="accent1"/>
+          </a:effectRef>
+          <a:fontRef idx="minor">
+            <a:schemeClr val="tx1"/>
+          </a:fontRef>
+        </p:style>
+      </p:cxnSp>
+    </p:spTree>
+    <p:extLst>
+      <p:ext uri="{BB962C8B-B14F-4D97-AF65-F5344CB8AC3E}">
+        <p14:creationId xmlns:p14="http://schemas.microsoft.com/office/powerpoint/2010/main" val="3296403848"/>
+      </p:ext>
+    </p:extLst>
+  </p:cSld>
+  <p:clrMapOvr>
+    <a:masterClrMapping/>
+  </p:clrMapOvr>
+</p:sld>
+</file>
+
+<file path=ppt/slides/slide11.xml><?xml version="1.0" encoding="utf-8"?>
+<p:sld xmlns:a="http://schemas.openxmlformats.org/drawingml/2006/main" xmlns:r="http://schemas.openxmlformats.org/officeDocument/2006/relationships" xmlns:p="http://schemas.openxmlformats.org/presentationml/2006/main">
+  <p:cSld>
+    <p:spTree>
+      <p:nvGrpSpPr>
+        <p:cNvPr id="1" name=""/>
+        <p:cNvGrpSpPr/>
+        <p:nvPr/>
+      </p:nvGrpSpPr>
+      <p:grpSpPr>
+        <a:xfrm>
+          <a:off x="0" y="0"/>
+          <a:ext cx="0" cy="0"/>
+          <a:chOff x="0" y="0"/>
+          <a:chExt cx="0" cy="0"/>
+        </a:xfrm>
+      </p:grpSpPr>
+      <p:cxnSp>
+        <p:nvCxnSpPr>
+          <p:cNvPr id="5" name="Gerader Verbinder 4"/>
+          <p:cNvCxnSpPr/>
+          <p:nvPr/>
+        </p:nvCxnSpPr>
+        <p:spPr>
+          <a:xfrm>
+            <a:off x="1757548" y="368135"/>
+            <a:ext cx="0" cy="6210795"/>
+          </a:xfrm>
+          <a:prstGeom prst="line">
+            <a:avLst/>
+          </a:prstGeom>
+        </p:spPr>
+        <p:style>
+          <a:lnRef idx="1">
+            <a:schemeClr val="accent1"/>
+          </a:lnRef>
+          <a:fillRef idx="0">
+            <a:schemeClr val="accent1"/>
+          </a:fillRef>
+          <a:effectRef idx="0">
+            <a:schemeClr val="accent1"/>
+          </a:effectRef>
+          <a:fontRef idx="minor">
+            <a:schemeClr val="tx1"/>
+          </a:fontRef>
+        </p:style>
+      </p:cxnSp>
+      <p:sp>
+        <p:nvSpPr>
+          <p:cNvPr id="6" name="Textfeld 5"/>
+          <p:cNvSpPr txBox="1"/>
+          <p:nvPr/>
+        </p:nvSpPr>
+        <p:spPr>
+          <a:xfrm>
+            <a:off x="9417132" y="368135"/>
+            <a:ext cx="2497222" cy="2031325"/>
+          </a:xfrm>
+          <a:prstGeom prst="rect">
+            <a:avLst/>
+          </a:prstGeom>
+          <a:noFill/>
+        </p:spPr>
+        <p:txBody>
+          <a:bodyPr wrap="none" rtlCol="0">
+            <a:spAutoFit/>
+          </a:bodyPr>
+          <a:lstStyle/>
+          <a:p>
+            <a:r>
+              <a:rPr lang="de-DE" smtClean="0"/>
+              <a:t>int[][] arr = new int[2][];</a:t>
+            </a:r>
+          </a:p>
+          <a:p>
+            <a:endParaRPr lang="de-DE" smtClean="0"/>
+          </a:p>
+          <a:p>
+            <a:r>
+              <a:rPr lang="de-DE" smtClean="0"/>
+              <a:t>arr[0] = new int[3];</a:t>
+            </a:r>
+          </a:p>
+          <a:p>
+            <a:endParaRPr lang="de-DE"/>
+          </a:p>
+          <a:p>
+            <a:r>
+              <a:rPr lang="de-DE" b="1" smtClean="0"/>
+              <a:t>int[] tmp = new int[5];</a:t>
+            </a:r>
+          </a:p>
+          <a:p>
+            <a:endParaRPr lang="de-DE" smtClean="0"/>
+          </a:p>
+          <a:p>
+            <a:r>
+              <a:rPr lang="de-DE" smtClean="0"/>
+              <a:t>arr[1] = tmp;</a:t>
+            </a:r>
+            <a:endParaRPr lang="de-DE"/>
+          </a:p>
+        </p:txBody>
+      </p:sp>
+      <p:sp>
+        <p:nvSpPr>
+          <p:cNvPr id="7" name="Textfeld 6"/>
+          <p:cNvSpPr txBox="1"/>
+          <p:nvPr/>
+        </p:nvSpPr>
+        <p:spPr>
+          <a:xfrm>
+            <a:off x="209176" y="4754270"/>
+            <a:ext cx="455574" cy="369332"/>
+          </a:xfrm>
+          <a:prstGeom prst="rect">
+            <a:avLst/>
+          </a:prstGeom>
+          <a:noFill/>
+        </p:spPr>
+        <p:txBody>
+          <a:bodyPr wrap="none" rtlCol="0">
+            <a:spAutoFit/>
+          </a:bodyPr>
+          <a:lstStyle/>
+          <a:p>
+            <a:r>
+              <a:rPr lang="de-DE" smtClean="0"/>
+              <a:t>arr</a:t>
+            </a:r>
+            <a:endParaRPr lang="de-DE"/>
+          </a:p>
+        </p:txBody>
+      </p:sp>
+      <p:sp>
+        <p:nvSpPr>
+          <p:cNvPr id="8" name="Rechteck 7"/>
+          <p:cNvSpPr/>
+          <p:nvPr/>
+        </p:nvSpPr>
+        <p:spPr>
+          <a:xfrm>
+            <a:off x="2399963" y="3728851"/>
+            <a:ext cx="1199408" cy="1281335"/>
+          </a:xfrm>
+          <a:prstGeom prst="rect">
+            <a:avLst/>
+          </a:prstGeom>
+        </p:spPr>
+        <p:style>
+          <a:lnRef idx="2">
+            <a:schemeClr val="accent1">
+              <a:shade val="50000"/>
+            </a:schemeClr>
+          </a:lnRef>
+          <a:fillRef idx="1">
+            <a:schemeClr val="accent1"/>
+          </a:fillRef>
+          <a:effectRef idx="0">
+            <a:schemeClr val="accent1"/>
+          </a:effectRef>
+          <a:fontRef idx="minor">
+            <a:schemeClr val="lt1"/>
+          </a:fontRef>
+        </p:style>
+        <p:txBody>
+          <a:bodyPr rtlCol="0" anchor="ctr"/>
+          <a:lstStyle/>
+          <a:p>
+            <a:pPr algn="ctr"/>
+            <a:endParaRPr lang="de-DE"/>
+          </a:p>
+        </p:txBody>
+      </p:sp>
+      <p:sp>
+        <p:nvSpPr>
+          <p:cNvPr id="9" name="Textfeld 8"/>
+          <p:cNvSpPr txBox="1"/>
+          <p:nvPr/>
+        </p:nvSpPr>
+        <p:spPr>
+          <a:xfrm>
+            <a:off x="2999667" y="3359519"/>
+            <a:ext cx="716350" cy="369332"/>
+          </a:xfrm>
+          <a:prstGeom prst="rect">
+            <a:avLst/>
+          </a:prstGeom>
+          <a:noFill/>
+        </p:spPr>
+        <p:txBody>
+          <a:bodyPr wrap="none" rtlCol="0">
+            <a:spAutoFit/>
+          </a:bodyPr>
+          <a:lstStyle/>
+          <a:p>
+            <a:r>
+              <a:rPr lang="de-DE" smtClean="0"/>
+              <a:t>int[][]</a:t>
+            </a:r>
+            <a:endParaRPr lang="de-DE"/>
+          </a:p>
+        </p:txBody>
+      </p:sp>
+      <p:sp>
+        <p:nvSpPr>
+          <p:cNvPr id="10" name="Rechteck 9"/>
+          <p:cNvSpPr/>
+          <p:nvPr/>
+        </p:nvSpPr>
+        <p:spPr>
+          <a:xfrm>
+            <a:off x="2505694" y="3859481"/>
+            <a:ext cx="950025" cy="308758"/>
+          </a:xfrm>
+          <a:prstGeom prst="rect">
+            <a:avLst/>
+          </a:prstGeom>
+        </p:spPr>
+        <p:style>
+          <a:lnRef idx="2">
+            <a:schemeClr val="accent1">
+              <a:shade val="50000"/>
+            </a:schemeClr>
+          </a:lnRef>
+          <a:fillRef idx="1">
+            <a:schemeClr val="accent1"/>
+          </a:fillRef>
+          <a:effectRef idx="0">
+            <a:schemeClr val="accent1"/>
+          </a:effectRef>
+          <a:fontRef idx="minor">
+            <a:schemeClr val="lt1"/>
+          </a:fontRef>
+        </p:style>
+        <p:txBody>
+          <a:bodyPr rtlCol="0" anchor="ctr"/>
+          <a:lstStyle/>
+          <a:p>
+            <a:pPr algn="ctr"/>
+            <a:endParaRPr lang="de-DE" sz="1400"/>
+          </a:p>
+        </p:txBody>
+      </p:sp>
+      <p:sp>
+        <p:nvSpPr>
+          <p:cNvPr id="11" name="Rechteck 10"/>
+          <p:cNvSpPr/>
+          <p:nvPr/>
+        </p:nvSpPr>
+        <p:spPr>
+          <a:xfrm>
+            <a:off x="2505693" y="4193188"/>
+            <a:ext cx="950025" cy="308758"/>
+          </a:xfrm>
+          <a:prstGeom prst="rect">
+            <a:avLst/>
+          </a:prstGeom>
+        </p:spPr>
+        <p:style>
+          <a:lnRef idx="2">
+            <a:schemeClr val="accent1">
+              <a:shade val="50000"/>
+            </a:schemeClr>
+          </a:lnRef>
+          <a:fillRef idx="1">
+            <a:schemeClr val="accent1"/>
+          </a:fillRef>
+          <a:effectRef idx="0">
+            <a:schemeClr val="accent1"/>
+          </a:effectRef>
+          <a:fontRef idx="minor">
+            <a:schemeClr val="lt1"/>
+          </a:fontRef>
+        </p:style>
+        <p:txBody>
+          <a:bodyPr rtlCol="0" anchor="ctr"/>
+          <a:lstStyle/>
+          <a:p>
+            <a:pPr algn="ctr"/>
+            <a:r>
+              <a:rPr lang="de-DE" sz="1400" smtClean="0"/>
+              <a:t>null</a:t>
+            </a:r>
+            <a:endParaRPr lang="de-DE" sz="1400"/>
+          </a:p>
+        </p:txBody>
+      </p:sp>
+      <p:sp>
+        <p:nvSpPr>
+          <p:cNvPr id="12" name="Textfeld 11"/>
+          <p:cNvSpPr txBox="1"/>
+          <p:nvPr/>
+        </p:nvSpPr>
+        <p:spPr>
+          <a:xfrm>
+            <a:off x="1972930" y="3798907"/>
+            <a:ext cx="489173" cy="307777"/>
+          </a:xfrm>
+          <a:prstGeom prst="rect">
+            <a:avLst/>
+          </a:prstGeom>
+          <a:noFill/>
+        </p:spPr>
+        <p:txBody>
+          <a:bodyPr wrap="none" rtlCol="0">
+            <a:spAutoFit/>
+          </a:bodyPr>
+          <a:lstStyle/>
+          <a:p>
+            <a:r>
+              <a:rPr lang="de-DE" sz="1400" smtClean="0"/>
+              <a:t>int[]</a:t>
+            </a:r>
+            <a:endParaRPr lang="de-DE" sz="1400"/>
+          </a:p>
+        </p:txBody>
+      </p:sp>
+      <p:sp>
+        <p:nvSpPr>
+          <p:cNvPr id="13" name="Textfeld 12"/>
+          <p:cNvSpPr txBox="1"/>
+          <p:nvPr/>
+        </p:nvSpPr>
+        <p:spPr>
+          <a:xfrm>
+            <a:off x="1972930" y="4107066"/>
+            <a:ext cx="489173" cy="307777"/>
+          </a:xfrm>
+          <a:prstGeom prst="rect">
+            <a:avLst/>
+          </a:prstGeom>
+          <a:noFill/>
+        </p:spPr>
+        <p:txBody>
+          <a:bodyPr wrap="none" rtlCol="0">
+            <a:spAutoFit/>
+          </a:bodyPr>
+          <a:lstStyle/>
+          <a:p>
+            <a:r>
+              <a:rPr lang="de-DE" sz="1400" smtClean="0"/>
+              <a:t>int[]</a:t>
+            </a:r>
+            <a:endParaRPr lang="de-DE" sz="1400"/>
+          </a:p>
+        </p:txBody>
+      </p:sp>
+      <p:sp>
+        <p:nvSpPr>
+          <p:cNvPr id="14" name="Rechteck 13"/>
+          <p:cNvSpPr/>
+          <p:nvPr/>
+        </p:nvSpPr>
+        <p:spPr>
+          <a:xfrm>
+            <a:off x="2505692" y="4630178"/>
+            <a:ext cx="950025" cy="308758"/>
+          </a:xfrm>
+          <a:prstGeom prst="rect">
+            <a:avLst/>
+          </a:prstGeom>
+        </p:spPr>
+        <p:style>
+          <a:lnRef idx="2">
+            <a:schemeClr val="accent1">
+              <a:shade val="50000"/>
+            </a:schemeClr>
+          </a:lnRef>
+          <a:fillRef idx="1">
+            <a:schemeClr val="accent1"/>
+          </a:fillRef>
+          <a:effectRef idx="0">
+            <a:schemeClr val="accent1"/>
+          </a:effectRef>
+          <a:fontRef idx="minor">
+            <a:schemeClr val="lt1"/>
+          </a:fontRef>
+        </p:style>
+        <p:txBody>
+          <a:bodyPr rtlCol="0" anchor="ctr"/>
+          <a:lstStyle/>
+          <a:p>
+            <a:pPr algn="ctr"/>
+            <a:r>
+              <a:rPr lang="de-DE" sz="1400" smtClean="0"/>
+              <a:t>2</a:t>
+            </a:r>
+            <a:endParaRPr lang="de-DE" sz="1400"/>
+          </a:p>
+        </p:txBody>
+      </p:sp>
+      <p:sp>
+        <p:nvSpPr>
+          <p:cNvPr id="15" name="Textfeld 14"/>
+          <p:cNvSpPr txBox="1"/>
+          <p:nvPr/>
+        </p:nvSpPr>
+        <p:spPr>
+          <a:xfrm>
+            <a:off x="2004533" y="4569604"/>
+            <a:ext cx="380169" cy="307777"/>
+          </a:xfrm>
+          <a:prstGeom prst="rect">
+            <a:avLst/>
+          </a:prstGeom>
+          <a:noFill/>
+        </p:spPr>
+        <p:txBody>
+          <a:bodyPr wrap="none" rtlCol="0">
+            <a:spAutoFit/>
+          </a:bodyPr>
+          <a:lstStyle/>
+          <a:p>
+            <a:r>
+              <a:rPr lang="de-DE" sz="1400" smtClean="0"/>
+              <a:t>int</a:t>
+            </a:r>
+            <a:endParaRPr lang="de-DE" sz="1400"/>
+          </a:p>
+        </p:txBody>
+      </p:sp>
+      <p:sp>
+        <p:nvSpPr>
+          <p:cNvPr id="16" name="Textfeld 15"/>
+          <p:cNvSpPr txBox="1"/>
+          <p:nvPr/>
+        </p:nvSpPr>
+        <p:spPr>
+          <a:xfrm>
+            <a:off x="3462661" y="4640854"/>
+            <a:ext cx="648447" cy="307777"/>
+          </a:xfrm>
+          <a:prstGeom prst="rect">
+            <a:avLst/>
+          </a:prstGeom>
+          <a:noFill/>
+        </p:spPr>
+        <p:txBody>
+          <a:bodyPr wrap="none" rtlCol="0">
+            <a:spAutoFit/>
+          </a:bodyPr>
+          <a:lstStyle/>
+          <a:p>
+            <a:r>
+              <a:rPr lang="de-DE" sz="1400" smtClean="0"/>
+              <a:t>length</a:t>
+            </a:r>
+            <a:endParaRPr lang="de-DE" sz="1400"/>
+          </a:p>
+        </p:txBody>
+      </p:sp>
+      <p:cxnSp>
+        <p:nvCxnSpPr>
+          <p:cNvPr id="18" name="Gerade Verbindung mit Pfeil 17"/>
+          <p:cNvCxnSpPr>
+            <a:stCxn id="7" idx="3"/>
+          </p:cNvCxnSpPr>
+          <p:nvPr/>
+        </p:nvCxnSpPr>
+        <p:spPr>
+          <a:xfrm flipV="1">
+            <a:off x="664750" y="4501946"/>
+            <a:ext cx="1719952" cy="436990"/>
+          </a:xfrm>
+          <a:prstGeom prst="straightConnector1">
+            <a:avLst/>
+          </a:prstGeom>
+          <a:ln>
+            <a:tailEnd type="triangle"/>
+          </a:ln>
+        </p:spPr>
+        <p:style>
+          <a:lnRef idx="1">
+            <a:schemeClr val="accent1"/>
+          </a:lnRef>
+          <a:fillRef idx="0">
+            <a:schemeClr val="accent1"/>
+          </a:fillRef>
+          <a:effectRef idx="0">
+            <a:schemeClr val="accent1"/>
+          </a:effectRef>
+          <a:fontRef idx="minor">
+            <a:schemeClr val="tx1"/>
+          </a:fontRef>
+        </p:style>
+      </p:cxnSp>
+      <p:sp>
+        <p:nvSpPr>
+          <p:cNvPr id="20" name="Textfeld 19"/>
+          <p:cNvSpPr txBox="1"/>
+          <p:nvPr/>
+        </p:nvSpPr>
+        <p:spPr>
+          <a:xfrm>
+            <a:off x="3438003" y="3854634"/>
+            <a:ext cx="276038" cy="307777"/>
+          </a:xfrm>
+          <a:prstGeom prst="rect">
+            <a:avLst/>
+          </a:prstGeom>
+          <a:noFill/>
+        </p:spPr>
+        <p:txBody>
+          <a:bodyPr wrap="none" rtlCol="0">
+            <a:spAutoFit/>
+          </a:bodyPr>
+          <a:lstStyle/>
+          <a:p>
+            <a:r>
+              <a:rPr lang="de-DE" sz="1400" smtClean="0"/>
+              <a:t>0</a:t>
+            </a:r>
+            <a:endParaRPr lang="de-DE" sz="1400"/>
+          </a:p>
+        </p:txBody>
+      </p:sp>
+      <p:sp>
+        <p:nvSpPr>
+          <p:cNvPr id="21" name="Textfeld 20"/>
+          <p:cNvSpPr txBox="1"/>
+          <p:nvPr/>
+        </p:nvSpPr>
+        <p:spPr>
+          <a:xfrm>
+            <a:off x="3438003" y="4194169"/>
+            <a:ext cx="276038" cy="307777"/>
+          </a:xfrm>
+          <a:prstGeom prst="rect">
+            <a:avLst/>
+          </a:prstGeom>
+          <a:noFill/>
+        </p:spPr>
+        <p:txBody>
+          <a:bodyPr wrap="none" rtlCol="0">
+            <a:spAutoFit/>
+          </a:bodyPr>
+          <a:lstStyle/>
+          <a:p>
+            <a:r>
+              <a:rPr lang="de-DE" sz="1400" smtClean="0"/>
+              <a:t>1</a:t>
+            </a:r>
+            <a:endParaRPr lang="de-DE" sz="1400"/>
+          </a:p>
+        </p:txBody>
+      </p:sp>
+      <p:sp>
+        <p:nvSpPr>
+          <p:cNvPr id="17" name="Rechteck 16"/>
+          <p:cNvSpPr/>
+          <p:nvPr/>
+        </p:nvSpPr>
+        <p:spPr>
+          <a:xfrm>
+            <a:off x="6390072" y="2076985"/>
+            <a:ext cx="1199408" cy="1721922"/>
+          </a:xfrm>
+          <a:prstGeom prst="rect">
+            <a:avLst/>
+          </a:prstGeom>
+        </p:spPr>
+        <p:style>
+          <a:lnRef idx="2">
+            <a:schemeClr val="accent1">
+              <a:shade val="50000"/>
+            </a:schemeClr>
+          </a:lnRef>
+          <a:fillRef idx="1">
+            <a:schemeClr val="accent1"/>
+          </a:fillRef>
+          <a:effectRef idx="0">
+            <a:schemeClr val="accent1"/>
+          </a:effectRef>
+          <a:fontRef idx="minor">
+            <a:schemeClr val="lt1"/>
+          </a:fontRef>
+        </p:style>
+        <p:txBody>
+          <a:bodyPr rtlCol="0" anchor="ctr"/>
+          <a:lstStyle/>
+          <a:p>
+            <a:pPr algn="ctr"/>
+            <a:endParaRPr lang="de-DE"/>
+          </a:p>
+        </p:txBody>
+      </p:sp>
+      <p:sp>
+        <p:nvSpPr>
+          <p:cNvPr id="19" name="Textfeld 18"/>
+          <p:cNvSpPr txBox="1"/>
+          <p:nvPr/>
+        </p:nvSpPr>
+        <p:spPr>
+          <a:xfrm>
+            <a:off x="6989776" y="1707653"/>
+            <a:ext cx="575286" cy="369332"/>
+          </a:xfrm>
+          <a:prstGeom prst="rect">
+            <a:avLst/>
+          </a:prstGeom>
+          <a:noFill/>
+        </p:spPr>
+        <p:txBody>
+          <a:bodyPr wrap="none" rtlCol="0">
+            <a:spAutoFit/>
+          </a:bodyPr>
+          <a:lstStyle/>
+          <a:p>
+            <a:r>
+              <a:rPr lang="de-DE" smtClean="0"/>
+              <a:t>int[]</a:t>
+            </a:r>
+            <a:endParaRPr lang="de-DE"/>
+          </a:p>
+        </p:txBody>
+      </p:sp>
+      <p:sp>
+        <p:nvSpPr>
+          <p:cNvPr id="22" name="Rechteck 21"/>
+          <p:cNvSpPr/>
+          <p:nvPr/>
+        </p:nvSpPr>
+        <p:spPr>
+          <a:xfrm>
+            <a:off x="6495803" y="2207615"/>
+            <a:ext cx="950025" cy="308758"/>
+          </a:xfrm>
+          <a:prstGeom prst="rect">
+            <a:avLst/>
+          </a:prstGeom>
+        </p:spPr>
+        <p:style>
+          <a:lnRef idx="2">
+            <a:schemeClr val="accent1">
+              <a:shade val="50000"/>
+            </a:schemeClr>
+          </a:lnRef>
+          <a:fillRef idx="1">
+            <a:schemeClr val="accent1"/>
+          </a:fillRef>
+          <a:effectRef idx="0">
+            <a:schemeClr val="accent1"/>
+          </a:effectRef>
+          <a:fontRef idx="minor">
+            <a:schemeClr val="lt1"/>
+          </a:fontRef>
+        </p:style>
+        <p:txBody>
+          <a:bodyPr rtlCol="0" anchor="ctr"/>
+          <a:lstStyle/>
+          <a:p>
+            <a:pPr algn="ctr"/>
+            <a:r>
+              <a:rPr lang="de-DE" sz="1400" smtClean="0"/>
+              <a:t>0</a:t>
+            </a:r>
+            <a:endParaRPr lang="de-DE" sz="1400"/>
+          </a:p>
+        </p:txBody>
+      </p:sp>
+      <p:sp>
+        <p:nvSpPr>
+          <p:cNvPr id="23" name="Rechteck 22"/>
+          <p:cNvSpPr/>
+          <p:nvPr/>
+        </p:nvSpPr>
+        <p:spPr>
+          <a:xfrm>
+            <a:off x="6495802" y="2541322"/>
+            <a:ext cx="950025" cy="308758"/>
+          </a:xfrm>
+          <a:prstGeom prst="rect">
+            <a:avLst/>
+          </a:prstGeom>
+        </p:spPr>
+        <p:style>
+          <a:lnRef idx="2">
+            <a:schemeClr val="accent1">
+              <a:shade val="50000"/>
+            </a:schemeClr>
+          </a:lnRef>
+          <a:fillRef idx="1">
+            <a:schemeClr val="accent1"/>
+          </a:fillRef>
+          <a:effectRef idx="0">
+            <a:schemeClr val="accent1"/>
+          </a:effectRef>
+          <a:fontRef idx="minor">
+            <a:schemeClr val="lt1"/>
+          </a:fontRef>
+        </p:style>
+        <p:txBody>
+          <a:bodyPr rtlCol="0" anchor="ctr"/>
+          <a:lstStyle/>
+          <a:p>
+            <a:pPr algn="ctr"/>
+            <a:r>
+              <a:rPr lang="de-DE" sz="1400" smtClean="0"/>
+              <a:t>0</a:t>
+            </a:r>
+            <a:endParaRPr lang="de-DE" sz="1400"/>
+          </a:p>
+        </p:txBody>
+      </p:sp>
+      <p:sp>
+        <p:nvSpPr>
+          <p:cNvPr id="24" name="Textfeld 23"/>
+          <p:cNvSpPr txBox="1"/>
+          <p:nvPr/>
+        </p:nvSpPr>
+        <p:spPr>
+          <a:xfrm>
+            <a:off x="5963039" y="2147041"/>
+            <a:ext cx="380169" cy="307777"/>
+          </a:xfrm>
+          <a:prstGeom prst="rect">
+            <a:avLst/>
+          </a:prstGeom>
+          <a:noFill/>
+        </p:spPr>
+        <p:txBody>
+          <a:bodyPr wrap="none" rtlCol="0">
+            <a:spAutoFit/>
+          </a:bodyPr>
+          <a:lstStyle/>
+          <a:p>
+            <a:r>
+              <a:rPr lang="de-DE" sz="1400" smtClean="0"/>
+              <a:t>int</a:t>
+            </a:r>
+            <a:endParaRPr lang="de-DE" sz="1400"/>
+          </a:p>
+        </p:txBody>
+      </p:sp>
+      <p:sp>
+        <p:nvSpPr>
+          <p:cNvPr id="25" name="Textfeld 24"/>
+          <p:cNvSpPr txBox="1"/>
+          <p:nvPr/>
+        </p:nvSpPr>
+        <p:spPr>
+          <a:xfrm>
+            <a:off x="5963039" y="2455200"/>
+            <a:ext cx="380169" cy="307777"/>
+          </a:xfrm>
+          <a:prstGeom prst="rect">
+            <a:avLst/>
+          </a:prstGeom>
+          <a:noFill/>
+        </p:spPr>
+        <p:txBody>
+          <a:bodyPr wrap="none" rtlCol="0">
+            <a:spAutoFit/>
+          </a:bodyPr>
+          <a:lstStyle/>
+          <a:p>
+            <a:r>
+              <a:rPr lang="de-DE" sz="1400" smtClean="0"/>
+              <a:t>int</a:t>
+            </a:r>
+            <a:endParaRPr lang="de-DE" sz="1400"/>
+          </a:p>
+        </p:txBody>
+      </p:sp>
+      <p:sp>
+        <p:nvSpPr>
+          <p:cNvPr id="26" name="Rechteck 25"/>
+          <p:cNvSpPr/>
+          <p:nvPr/>
+        </p:nvSpPr>
+        <p:spPr>
+          <a:xfrm>
+            <a:off x="6495801" y="3298944"/>
+            <a:ext cx="950025" cy="308758"/>
+          </a:xfrm>
+          <a:prstGeom prst="rect">
+            <a:avLst/>
+          </a:prstGeom>
+        </p:spPr>
+        <p:style>
+          <a:lnRef idx="2">
+            <a:schemeClr val="accent1">
+              <a:shade val="50000"/>
+            </a:schemeClr>
+          </a:lnRef>
+          <a:fillRef idx="1">
+            <a:schemeClr val="accent1"/>
+          </a:fillRef>
+          <a:effectRef idx="0">
+            <a:schemeClr val="accent1"/>
+          </a:effectRef>
+          <a:fontRef idx="minor">
+            <a:schemeClr val="lt1"/>
+          </a:fontRef>
+        </p:style>
+        <p:txBody>
+          <a:bodyPr rtlCol="0" anchor="ctr"/>
+          <a:lstStyle/>
+          <a:p>
+            <a:pPr algn="ctr"/>
+            <a:r>
+              <a:rPr lang="de-DE" sz="1400"/>
+              <a:t>3</a:t>
+            </a:r>
+          </a:p>
+        </p:txBody>
+      </p:sp>
+      <p:sp>
+        <p:nvSpPr>
+          <p:cNvPr id="27" name="Textfeld 26"/>
+          <p:cNvSpPr txBox="1"/>
+          <p:nvPr/>
+        </p:nvSpPr>
+        <p:spPr>
+          <a:xfrm>
+            <a:off x="5994642" y="3238370"/>
+            <a:ext cx="380169" cy="307777"/>
+          </a:xfrm>
+          <a:prstGeom prst="rect">
+            <a:avLst/>
+          </a:prstGeom>
+          <a:noFill/>
+        </p:spPr>
+        <p:txBody>
+          <a:bodyPr wrap="none" rtlCol="0">
+            <a:spAutoFit/>
+          </a:bodyPr>
+          <a:lstStyle/>
+          <a:p>
+            <a:r>
+              <a:rPr lang="de-DE" sz="1400" smtClean="0"/>
+              <a:t>int</a:t>
+            </a:r>
+            <a:endParaRPr lang="de-DE" sz="1400"/>
+          </a:p>
+        </p:txBody>
+      </p:sp>
+      <p:sp>
+        <p:nvSpPr>
+          <p:cNvPr id="28" name="Textfeld 27"/>
+          <p:cNvSpPr txBox="1"/>
+          <p:nvPr/>
+        </p:nvSpPr>
+        <p:spPr>
+          <a:xfrm>
+            <a:off x="7452770" y="3309620"/>
+            <a:ext cx="648447" cy="307777"/>
+          </a:xfrm>
+          <a:prstGeom prst="rect">
+            <a:avLst/>
+          </a:prstGeom>
+          <a:noFill/>
+        </p:spPr>
+        <p:txBody>
+          <a:bodyPr wrap="none" rtlCol="0">
+            <a:spAutoFit/>
+          </a:bodyPr>
+          <a:lstStyle/>
+          <a:p>
+            <a:r>
+              <a:rPr lang="de-DE" sz="1400" smtClean="0"/>
+              <a:t>length</a:t>
+            </a:r>
+            <a:endParaRPr lang="de-DE" sz="1400"/>
+          </a:p>
+        </p:txBody>
+      </p:sp>
+      <p:sp>
+        <p:nvSpPr>
+          <p:cNvPr id="29" name="Textfeld 28"/>
+          <p:cNvSpPr txBox="1"/>
+          <p:nvPr/>
+        </p:nvSpPr>
+        <p:spPr>
+          <a:xfrm>
+            <a:off x="7428112" y="2202768"/>
+            <a:ext cx="276038" cy="307777"/>
+          </a:xfrm>
+          <a:prstGeom prst="rect">
+            <a:avLst/>
+          </a:prstGeom>
+          <a:noFill/>
+        </p:spPr>
+        <p:txBody>
+          <a:bodyPr wrap="none" rtlCol="0">
+            <a:spAutoFit/>
+          </a:bodyPr>
+          <a:lstStyle/>
+          <a:p>
+            <a:r>
+              <a:rPr lang="de-DE" sz="1400" smtClean="0"/>
+              <a:t>0</a:t>
+            </a:r>
+            <a:endParaRPr lang="de-DE" sz="1400"/>
+          </a:p>
+        </p:txBody>
+      </p:sp>
+      <p:sp>
+        <p:nvSpPr>
+          <p:cNvPr id="30" name="Textfeld 29"/>
+          <p:cNvSpPr txBox="1"/>
+          <p:nvPr/>
+        </p:nvSpPr>
+        <p:spPr>
+          <a:xfrm>
+            <a:off x="7428112" y="2542303"/>
+            <a:ext cx="276038" cy="307777"/>
+          </a:xfrm>
+          <a:prstGeom prst="rect">
+            <a:avLst/>
+          </a:prstGeom>
+          <a:noFill/>
+        </p:spPr>
+        <p:txBody>
+          <a:bodyPr wrap="none" rtlCol="0">
+            <a:spAutoFit/>
+          </a:bodyPr>
+          <a:lstStyle/>
+          <a:p>
+            <a:r>
+              <a:rPr lang="de-DE" sz="1400" smtClean="0"/>
+              <a:t>1</a:t>
+            </a:r>
+            <a:endParaRPr lang="de-DE" sz="1400"/>
+          </a:p>
+        </p:txBody>
+      </p:sp>
+      <p:sp>
+        <p:nvSpPr>
+          <p:cNvPr id="31" name="Rechteck 30"/>
+          <p:cNvSpPr/>
+          <p:nvPr/>
+        </p:nvSpPr>
+        <p:spPr>
+          <a:xfrm>
+            <a:off x="6502745" y="2910654"/>
+            <a:ext cx="950025" cy="308758"/>
+          </a:xfrm>
+          <a:prstGeom prst="rect">
+            <a:avLst/>
+          </a:prstGeom>
+        </p:spPr>
+        <p:style>
+          <a:lnRef idx="2">
+            <a:schemeClr val="accent1">
+              <a:shade val="50000"/>
+            </a:schemeClr>
+          </a:lnRef>
+          <a:fillRef idx="1">
+            <a:schemeClr val="accent1"/>
+          </a:fillRef>
+          <a:effectRef idx="0">
+            <a:schemeClr val="accent1"/>
+          </a:effectRef>
+          <a:fontRef idx="minor">
+            <a:schemeClr val="lt1"/>
+          </a:fontRef>
+        </p:style>
+        <p:txBody>
+          <a:bodyPr rtlCol="0" anchor="ctr"/>
+          <a:lstStyle/>
+          <a:p>
+            <a:pPr algn="ctr"/>
+            <a:r>
+              <a:rPr lang="de-DE" sz="1400" smtClean="0"/>
+              <a:t>0</a:t>
+            </a:r>
+            <a:endParaRPr lang="de-DE" sz="1400"/>
+          </a:p>
+        </p:txBody>
+      </p:sp>
+      <p:sp>
+        <p:nvSpPr>
+          <p:cNvPr id="32" name="Textfeld 31"/>
+          <p:cNvSpPr txBox="1"/>
+          <p:nvPr/>
+        </p:nvSpPr>
+        <p:spPr>
+          <a:xfrm>
+            <a:off x="5969982" y="2824532"/>
+            <a:ext cx="380169" cy="307777"/>
+          </a:xfrm>
+          <a:prstGeom prst="rect">
+            <a:avLst/>
+          </a:prstGeom>
+          <a:noFill/>
+        </p:spPr>
+        <p:txBody>
+          <a:bodyPr wrap="none" rtlCol="0">
+            <a:spAutoFit/>
+          </a:bodyPr>
+          <a:lstStyle/>
+          <a:p>
+            <a:r>
+              <a:rPr lang="de-DE" sz="1400" smtClean="0"/>
+              <a:t>int</a:t>
+            </a:r>
+            <a:endParaRPr lang="de-DE" sz="1400"/>
+          </a:p>
+        </p:txBody>
+      </p:sp>
+      <p:sp>
+        <p:nvSpPr>
+          <p:cNvPr id="33" name="Textfeld 32"/>
+          <p:cNvSpPr txBox="1"/>
+          <p:nvPr/>
+        </p:nvSpPr>
+        <p:spPr>
+          <a:xfrm>
+            <a:off x="7435055" y="2911635"/>
+            <a:ext cx="276038" cy="307777"/>
+          </a:xfrm>
+          <a:prstGeom prst="rect">
+            <a:avLst/>
+          </a:prstGeom>
+          <a:noFill/>
+        </p:spPr>
+        <p:txBody>
+          <a:bodyPr wrap="none" rtlCol="0">
+            <a:spAutoFit/>
+          </a:bodyPr>
+          <a:lstStyle/>
+          <a:p>
+            <a:r>
+              <a:rPr lang="de-DE" sz="1400" smtClean="0"/>
+              <a:t>2</a:t>
+            </a:r>
+            <a:endParaRPr lang="de-DE" sz="1400"/>
+          </a:p>
+        </p:txBody>
+      </p:sp>
+      <p:cxnSp>
+        <p:nvCxnSpPr>
+          <p:cNvPr id="34" name="Gerade Verbindung mit Pfeil 33"/>
+          <p:cNvCxnSpPr/>
+          <p:nvPr/>
+        </p:nvCxnSpPr>
+        <p:spPr>
+          <a:xfrm flipV="1">
+            <a:off x="3018731" y="2821537"/>
+            <a:ext cx="3371341" cy="1180342"/>
+          </a:xfrm>
+          <a:prstGeom prst="straightConnector1">
+            <a:avLst/>
+          </a:prstGeom>
+          <a:ln>
+            <a:solidFill>
+              <a:srgbClr val="FF0000"/>
+            </a:solidFill>
+            <a:tailEnd type="triangle"/>
+          </a:ln>
+        </p:spPr>
+        <p:style>
+          <a:lnRef idx="1">
+            <a:schemeClr val="accent1"/>
+          </a:lnRef>
+          <a:fillRef idx="0">
+            <a:schemeClr val="accent1"/>
+          </a:fillRef>
+          <a:effectRef idx="0">
+            <a:schemeClr val="accent1"/>
+          </a:effectRef>
+          <a:fontRef idx="minor">
+            <a:schemeClr val="tx1"/>
+          </a:fontRef>
+        </p:style>
+      </p:cxnSp>
+      <p:sp>
+        <p:nvSpPr>
+          <p:cNvPr id="35" name="Rechteck 34"/>
+          <p:cNvSpPr/>
+          <p:nvPr/>
+        </p:nvSpPr>
+        <p:spPr>
+          <a:xfrm>
+            <a:off x="3865036" y="407304"/>
+            <a:ext cx="1199408" cy="2352678"/>
+          </a:xfrm>
+          <a:prstGeom prst="rect">
+            <a:avLst/>
+          </a:prstGeom>
+        </p:spPr>
+        <p:style>
+          <a:lnRef idx="2">
+            <a:schemeClr val="accent1">
+              <a:shade val="50000"/>
+            </a:schemeClr>
+          </a:lnRef>
+          <a:fillRef idx="1">
+            <a:schemeClr val="accent1"/>
+          </a:fillRef>
+          <a:effectRef idx="0">
+            <a:schemeClr val="accent1"/>
+          </a:effectRef>
+          <a:fontRef idx="minor">
+            <a:schemeClr val="lt1"/>
+          </a:fontRef>
+        </p:style>
+        <p:txBody>
+          <a:bodyPr rtlCol="0" anchor="ctr"/>
+          <a:lstStyle/>
+          <a:p>
+            <a:pPr algn="ctr"/>
+            <a:endParaRPr lang="de-DE"/>
+          </a:p>
+        </p:txBody>
+      </p:sp>
+      <p:sp>
+        <p:nvSpPr>
+          <p:cNvPr id="36" name="Textfeld 35"/>
+          <p:cNvSpPr txBox="1"/>
+          <p:nvPr/>
+        </p:nvSpPr>
+        <p:spPr>
+          <a:xfrm>
+            <a:off x="4464740" y="37972"/>
+            <a:ext cx="575286" cy="369332"/>
+          </a:xfrm>
+          <a:prstGeom prst="rect">
+            <a:avLst/>
+          </a:prstGeom>
+          <a:noFill/>
+        </p:spPr>
+        <p:txBody>
+          <a:bodyPr wrap="none" rtlCol="0">
+            <a:spAutoFit/>
+          </a:bodyPr>
+          <a:lstStyle/>
+          <a:p>
+            <a:r>
+              <a:rPr lang="de-DE" smtClean="0"/>
+              <a:t>int[]</a:t>
+            </a:r>
+            <a:endParaRPr lang="de-DE"/>
+          </a:p>
+        </p:txBody>
+      </p:sp>
+      <p:sp>
+        <p:nvSpPr>
+          <p:cNvPr id="37" name="Rechteck 36"/>
+          <p:cNvSpPr/>
+          <p:nvPr/>
+        </p:nvSpPr>
+        <p:spPr>
+          <a:xfrm>
+            <a:off x="3970767" y="537934"/>
+            <a:ext cx="950025" cy="308758"/>
+          </a:xfrm>
+          <a:prstGeom prst="rect">
+            <a:avLst/>
+          </a:prstGeom>
+        </p:spPr>
+        <p:style>
+          <a:lnRef idx="2">
+            <a:schemeClr val="accent1">
+              <a:shade val="50000"/>
+            </a:schemeClr>
+          </a:lnRef>
+          <a:fillRef idx="1">
+            <a:schemeClr val="accent1"/>
+          </a:fillRef>
+          <a:effectRef idx="0">
+            <a:schemeClr val="accent1"/>
+          </a:effectRef>
+          <a:fontRef idx="minor">
+            <a:schemeClr val="lt1"/>
+          </a:fontRef>
+        </p:style>
+        <p:txBody>
+          <a:bodyPr rtlCol="0" anchor="ctr"/>
+          <a:lstStyle/>
+          <a:p>
+            <a:pPr algn="ctr"/>
+            <a:r>
+              <a:rPr lang="de-DE" sz="1400" smtClean="0"/>
+              <a:t>0</a:t>
+            </a:r>
+            <a:endParaRPr lang="de-DE" sz="1400"/>
+          </a:p>
+        </p:txBody>
+      </p:sp>
+      <p:sp>
+        <p:nvSpPr>
+          <p:cNvPr id="38" name="Rechteck 37"/>
+          <p:cNvSpPr/>
+          <p:nvPr/>
+        </p:nvSpPr>
+        <p:spPr>
+          <a:xfrm>
+            <a:off x="3970766" y="871641"/>
+            <a:ext cx="950025" cy="308758"/>
+          </a:xfrm>
+          <a:prstGeom prst="rect">
+            <a:avLst/>
+          </a:prstGeom>
+        </p:spPr>
+        <p:style>
+          <a:lnRef idx="2">
+            <a:schemeClr val="accent1">
+              <a:shade val="50000"/>
+            </a:schemeClr>
+          </a:lnRef>
+          <a:fillRef idx="1">
+            <a:schemeClr val="accent1"/>
+          </a:fillRef>
+          <a:effectRef idx="0">
+            <a:schemeClr val="accent1"/>
+          </a:effectRef>
+          <a:fontRef idx="minor">
+            <a:schemeClr val="lt1"/>
+          </a:fontRef>
+        </p:style>
+        <p:txBody>
+          <a:bodyPr rtlCol="0" anchor="ctr"/>
+          <a:lstStyle/>
+          <a:p>
+            <a:pPr algn="ctr"/>
+            <a:r>
+              <a:rPr lang="de-DE" sz="1400" smtClean="0"/>
+              <a:t>0</a:t>
+            </a:r>
+            <a:endParaRPr lang="de-DE" sz="1400"/>
+          </a:p>
+        </p:txBody>
+      </p:sp>
+      <p:sp>
+        <p:nvSpPr>
+          <p:cNvPr id="39" name="Textfeld 38"/>
+          <p:cNvSpPr txBox="1"/>
+          <p:nvPr/>
+        </p:nvSpPr>
+        <p:spPr>
+          <a:xfrm>
+            <a:off x="3438003" y="477360"/>
+            <a:ext cx="380169" cy="307777"/>
+          </a:xfrm>
+          <a:prstGeom prst="rect">
+            <a:avLst/>
+          </a:prstGeom>
+          <a:noFill/>
+        </p:spPr>
+        <p:txBody>
+          <a:bodyPr wrap="none" rtlCol="0">
+            <a:spAutoFit/>
+          </a:bodyPr>
+          <a:lstStyle/>
+          <a:p>
+            <a:r>
+              <a:rPr lang="de-DE" sz="1400" smtClean="0"/>
+              <a:t>int</a:t>
+            </a:r>
+            <a:endParaRPr lang="de-DE" sz="1400"/>
+          </a:p>
+        </p:txBody>
+      </p:sp>
+      <p:sp>
+        <p:nvSpPr>
+          <p:cNvPr id="40" name="Textfeld 39"/>
+          <p:cNvSpPr txBox="1"/>
+          <p:nvPr/>
+        </p:nvSpPr>
+        <p:spPr>
+          <a:xfrm>
+            <a:off x="3438003" y="785519"/>
+            <a:ext cx="380169" cy="307777"/>
+          </a:xfrm>
+          <a:prstGeom prst="rect">
+            <a:avLst/>
+          </a:prstGeom>
+          <a:noFill/>
+        </p:spPr>
+        <p:txBody>
+          <a:bodyPr wrap="none" rtlCol="0">
+            <a:spAutoFit/>
+          </a:bodyPr>
+          <a:lstStyle/>
+          <a:p>
+            <a:r>
+              <a:rPr lang="de-DE" sz="1400" smtClean="0"/>
+              <a:t>int</a:t>
+            </a:r>
+            <a:endParaRPr lang="de-DE" sz="1400"/>
+          </a:p>
+        </p:txBody>
+      </p:sp>
+      <p:sp>
+        <p:nvSpPr>
+          <p:cNvPr id="41" name="Rechteck 40"/>
+          <p:cNvSpPr/>
+          <p:nvPr/>
+        </p:nvSpPr>
+        <p:spPr>
+          <a:xfrm>
+            <a:off x="4005281" y="2307387"/>
+            <a:ext cx="950025" cy="308758"/>
+          </a:xfrm>
+          <a:prstGeom prst="rect">
+            <a:avLst/>
+          </a:prstGeom>
+        </p:spPr>
+        <p:style>
+          <a:lnRef idx="2">
+            <a:schemeClr val="accent1">
+              <a:shade val="50000"/>
+            </a:schemeClr>
+          </a:lnRef>
+          <a:fillRef idx="1">
+            <a:schemeClr val="accent1"/>
+          </a:fillRef>
+          <a:effectRef idx="0">
+            <a:schemeClr val="accent1"/>
+          </a:effectRef>
+          <a:fontRef idx="minor">
+            <a:schemeClr val="lt1"/>
+          </a:fontRef>
+        </p:style>
+        <p:txBody>
+          <a:bodyPr rtlCol="0" anchor="ctr"/>
+          <a:lstStyle/>
+          <a:p>
+            <a:pPr algn="ctr"/>
+            <a:r>
+              <a:rPr lang="de-DE" sz="1400" smtClean="0"/>
+              <a:t>5</a:t>
+            </a:r>
+            <a:endParaRPr lang="de-DE" sz="1400"/>
+          </a:p>
+        </p:txBody>
+      </p:sp>
+      <p:sp>
+        <p:nvSpPr>
+          <p:cNvPr id="42" name="Textfeld 41"/>
+          <p:cNvSpPr txBox="1"/>
+          <p:nvPr/>
+        </p:nvSpPr>
+        <p:spPr>
+          <a:xfrm>
+            <a:off x="3504122" y="2246813"/>
+            <a:ext cx="380169" cy="307777"/>
+          </a:xfrm>
+          <a:prstGeom prst="rect">
+            <a:avLst/>
+          </a:prstGeom>
+          <a:noFill/>
+        </p:spPr>
+        <p:txBody>
+          <a:bodyPr wrap="none" rtlCol="0">
+            <a:spAutoFit/>
+          </a:bodyPr>
+          <a:lstStyle/>
+          <a:p>
+            <a:r>
+              <a:rPr lang="de-DE" sz="1400" smtClean="0"/>
+              <a:t>int</a:t>
+            </a:r>
+            <a:endParaRPr lang="de-DE" sz="1400"/>
+          </a:p>
+        </p:txBody>
+      </p:sp>
+      <p:sp>
+        <p:nvSpPr>
+          <p:cNvPr id="43" name="Textfeld 42"/>
+          <p:cNvSpPr txBox="1"/>
+          <p:nvPr/>
+        </p:nvSpPr>
+        <p:spPr>
+          <a:xfrm>
+            <a:off x="4962250" y="2318063"/>
+            <a:ext cx="648447" cy="307777"/>
+          </a:xfrm>
+          <a:prstGeom prst="rect">
+            <a:avLst/>
+          </a:prstGeom>
+          <a:noFill/>
+        </p:spPr>
+        <p:txBody>
+          <a:bodyPr wrap="none" rtlCol="0">
+            <a:spAutoFit/>
+          </a:bodyPr>
+          <a:lstStyle/>
+          <a:p>
+            <a:r>
+              <a:rPr lang="de-DE" sz="1400" smtClean="0"/>
+              <a:t>length</a:t>
+            </a:r>
+            <a:endParaRPr lang="de-DE" sz="1400"/>
+          </a:p>
+        </p:txBody>
+      </p:sp>
+      <p:sp>
+        <p:nvSpPr>
+          <p:cNvPr id="44" name="Textfeld 43"/>
+          <p:cNvSpPr txBox="1"/>
+          <p:nvPr/>
+        </p:nvSpPr>
+        <p:spPr>
+          <a:xfrm>
+            <a:off x="4903076" y="533087"/>
+            <a:ext cx="276038" cy="307777"/>
+          </a:xfrm>
+          <a:prstGeom prst="rect">
+            <a:avLst/>
+          </a:prstGeom>
+          <a:noFill/>
+        </p:spPr>
+        <p:txBody>
+          <a:bodyPr wrap="none" rtlCol="0">
+            <a:spAutoFit/>
+          </a:bodyPr>
+          <a:lstStyle/>
+          <a:p>
+            <a:r>
+              <a:rPr lang="de-DE" sz="1400" smtClean="0"/>
+              <a:t>0</a:t>
+            </a:r>
+            <a:endParaRPr lang="de-DE" sz="1400"/>
+          </a:p>
+        </p:txBody>
+      </p:sp>
+      <p:sp>
+        <p:nvSpPr>
+          <p:cNvPr id="45" name="Textfeld 44"/>
+          <p:cNvSpPr txBox="1"/>
+          <p:nvPr/>
+        </p:nvSpPr>
+        <p:spPr>
+          <a:xfrm>
+            <a:off x="4903076" y="872622"/>
+            <a:ext cx="276038" cy="307777"/>
+          </a:xfrm>
+          <a:prstGeom prst="rect">
+            <a:avLst/>
+          </a:prstGeom>
+          <a:noFill/>
+        </p:spPr>
+        <p:txBody>
+          <a:bodyPr wrap="none" rtlCol="0">
+            <a:spAutoFit/>
+          </a:bodyPr>
+          <a:lstStyle/>
+          <a:p>
+            <a:r>
+              <a:rPr lang="de-DE" sz="1400" smtClean="0"/>
+              <a:t>1</a:t>
+            </a:r>
+            <a:endParaRPr lang="de-DE" sz="1400"/>
+          </a:p>
+        </p:txBody>
+      </p:sp>
+      <p:sp>
+        <p:nvSpPr>
+          <p:cNvPr id="46" name="Rechteck 45"/>
+          <p:cNvSpPr/>
+          <p:nvPr/>
+        </p:nvSpPr>
+        <p:spPr>
+          <a:xfrm>
+            <a:off x="3977709" y="1240973"/>
+            <a:ext cx="950025" cy="308758"/>
+          </a:xfrm>
+          <a:prstGeom prst="rect">
+            <a:avLst/>
+          </a:prstGeom>
+        </p:spPr>
+        <p:style>
+          <a:lnRef idx="2">
+            <a:schemeClr val="accent1">
+              <a:shade val="50000"/>
+            </a:schemeClr>
+          </a:lnRef>
+          <a:fillRef idx="1">
+            <a:schemeClr val="accent1"/>
+          </a:fillRef>
+          <a:effectRef idx="0">
+            <a:schemeClr val="accent1"/>
+          </a:effectRef>
+          <a:fontRef idx="minor">
+            <a:schemeClr val="lt1"/>
+          </a:fontRef>
+        </p:style>
+        <p:txBody>
+          <a:bodyPr rtlCol="0" anchor="ctr"/>
+          <a:lstStyle/>
+          <a:p>
+            <a:pPr algn="ctr"/>
+            <a:r>
+              <a:rPr lang="de-DE" sz="1400" smtClean="0"/>
+              <a:t>0</a:t>
+            </a:r>
+            <a:endParaRPr lang="de-DE" sz="1400"/>
+          </a:p>
+        </p:txBody>
+      </p:sp>
+      <p:sp>
+        <p:nvSpPr>
+          <p:cNvPr id="47" name="Textfeld 46"/>
+          <p:cNvSpPr txBox="1"/>
+          <p:nvPr/>
+        </p:nvSpPr>
+        <p:spPr>
+          <a:xfrm>
+            <a:off x="3444946" y="1154851"/>
+            <a:ext cx="380169" cy="307777"/>
+          </a:xfrm>
+          <a:prstGeom prst="rect">
+            <a:avLst/>
+          </a:prstGeom>
+          <a:noFill/>
+        </p:spPr>
+        <p:txBody>
+          <a:bodyPr wrap="none" rtlCol="0">
+            <a:spAutoFit/>
+          </a:bodyPr>
+          <a:lstStyle/>
+          <a:p>
+            <a:r>
+              <a:rPr lang="de-DE" sz="1400" smtClean="0"/>
+              <a:t>int</a:t>
+            </a:r>
+            <a:endParaRPr lang="de-DE" sz="1400"/>
+          </a:p>
+        </p:txBody>
+      </p:sp>
+      <p:sp>
+        <p:nvSpPr>
+          <p:cNvPr id="48" name="Textfeld 47"/>
+          <p:cNvSpPr txBox="1"/>
+          <p:nvPr/>
+        </p:nvSpPr>
+        <p:spPr>
+          <a:xfrm>
+            <a:off x="4910019" y="1241954"/>
+            <a:ext cx="276038" cy="307777"/>
+          </a:xfrm>
+          <a:prstGeom prst="rect">
+            <a:avLst/>
+          </a:prstGeom>
+          <a:noFill/>
+        </p:spPr>
+        <p:txBody>
+          <a:bodyPr wrap="none" rtlCol="0">
+            <a:spAutoFit/>
+          </a:bodyPr>
+          <a:lstStyle/>
+          <a:p>
+            <a:r>
+              <a:rPr lang="de-DE" sz="1400" smtClean="0"/>
+              <a:t>2</a:t>
+            </a:r>
+            <a:endParaRPr lang="de-DE" sz="1400"/>
+          </a:p>
+        </p:txBody>
+      </p:sp>
+      <p:sp>
+        <p:nvSpPr>
+          <p:cNvPr id="49" name="Rechteck 48"/>
+          <p:cNvSpPr/>
+          <p:nvPr/>
+        </p:nvSpPr>
+        <p:spPr>
+          <a:xfrm>
+            <a:off x="3953051" y="1607142"/>
+            <a:ext cx="950025" cy="308758"/>
+          </a:xfrm>
+          <a:prstGeom prst="rect">
+            <a:avLst/>
+          </a:prstGeom>
+        </p:spPr>
+        <p:style>
+          <a:lnRef idx="2">
+            <a:schemeClr val="accent1">
+              <a:shade val="50000"/>
+            </a:schemeClr>
+          </a:lnRef>
+          <a:fillRef idx="1">
+            <a:schemeClr val="accent1"/>
+          </a:fillRef>
+          <a:effectRef idx="0">
+            <a:schemeClr val="accent1"/>
+          </a:effectRef>
+          <a:fontRef idx="minor">
+            <a:schemeClr val="lt1"/>
+          </a:fontRef>
+        </p:style>
+        <p:txBody>
+          <a:bodyPr rtlCol="0" anchor="ctr"/>
+          <a:lstStyle/>
+          <a:p>
+            <a:pPr algn="ctr"/>
+            <a:r>
+              <a:rPr lang="de-DE" sz="1400" smtClean="0"/>
+              <a:t>0</a:t>
+            </a:r>
+            <a:endParaRPr lang="de-DE" sz="1400"/>
+          </a:p>
+        </p:txBody>
+      </p:sp>
+      <p:sp>
+        <p:nvSpPr>
+          <p:cNvPr id="50" name="Textfeld 49"/>
+          <p:cNvSpPr txBox="1"/>
+          <p:nvPr/>
+        </p:nvSpPr>
+        <p:spPr>
+          <a:xfrm>
+            <a:off x="3420288" y="1521020"/>
+            <a:ext cx="380169" cy="307777"/>
+          </a:xfrm>
+          <a:prstGeom prst="rect">
+            <a:avLst/>
+          </a:prstGeom>
+          <a:noFill/>
+        </p:spPr>
+        <p:txBody>
+          <a:bodyPr wrap="none" rtlCol="0">
+            <a:spAutoFit/>
+          </a:bodyPr>
+          <a:lstStyle/>
+          <a:p>
+            <a:r>
+              <a:rPr lang="de-DE" sz="1400" smtClean="0"/>
+              <a:t>int</a:t>
+            </a:r>
+            <a:endParaRPr lang="de-DE" sz="1400"/>
+          </a:p>
+        </p:txBody>
+      </p:sp>
+      <p:sp>
+        <p:nvSpPr>
+          <p:cNvPr id="51" name="Textfeld 50"/>
+          <p:cNvSpPr txBox="1"/>
+          <p:nvPr/>
+        </p:nvSpPr>
+        <p:spPr>
+          <a:xfrm>
+            <a:off x="4885361" y="1608123"/>
+            <a:ext cx="276038" cy="307777"/>
+          </a:xfrm>
+          <a:prstGeom prst="rect">
+            <a:avLst/>
+          </a:prstGeom>
+          <a:noFill/>
+        </p:spPr>
+        <p:txBody>
+          <a:bodyPr wrap="none" rtlCol="0">
+            <a:spAutoFit/>
+          </a:bodyPr>
+          <a:lstStyle/>
+          <a:p>
+            <a:r>
+              <a:rPr lang="de-DE" sz="1400" smtClean="0"/>
+              <a:t>3</a:t>
+            </a:r>
+            <a:endParaRPr lang="de-DE" sz="1400"/>
+          </a:p>
+        </p:txBody>
+      </p:sp>
+      <p:sp>
+        <p:nvSpPr>
+          <p:cNvPr id="52" name="Rechteck 51"/>
+          <p:cNvSpPr/>
+          <p:nvPr/>
+        </p:nvSpPr>
+        <p:spPr>
+          <a:xfrm>
+            <a:off x="3953051" y="1915900"/>
+            <a:ext cx="950025" cy="308758"/>
+          </a:xfrm>
+          <a:prstGeom prst="rect">
+            <a:avLst/>
+          </a:prstGeom>
+        </p:spPr>
+        <p:style>
+          <a:lnRef idx="2">
+            <a:schemeClr val="accent1">
+              <a:shade val="50000"/>
+            </a:schemeClr>
+          </a:lnRef>
+          <a:fillRef idx="1">
+            <a:schemeClr val="accent1"/>
+          </a:fillRef>
+          <a:effectRef idx="0">
+            <a:schemeClr val="accent1"/>
+          </a:effectRef>
+          <a:fontRef idx="minor">
+            <a:schemeClr val="lt1"/>
+          </a:fontRef>
+        </p:style>
+        <p:txBody>
+          <a:bodyPr rtlCol="0" anchor="ctr"/>
+          <a:lstStyle/>
+          <a:p>
+            <a:pPr algn="ctr"/>
+            <a:r>
+              <a:rPr lang="de-DE" sz="1400" smtClean="0"/>
+              <a:t>0</a:t>
+            </a:r>
+            <a:endParaRPr lang="de-DE" sz="1400"/>
+          </a:p>
+        </p:txBody>
+      </p:sp>
+      <p:sp>
+        <p:nvSpPr>
+          <p:cNvPr id="53" name="Textfeld 52"/>
+          <p:cNvSpPr txBox="1"/>
+          <p:nvPr/>
+        </p:nvSpPr>
+        <p:spPr>
+          <a:xfrm>
+            <a:off x="3420288" y="1829778"/>
+            <a:ext cx="380169" cy="307777"/>
+          </a:xfrm>
+          <a:prstGeom prst="rect">
+            <a:avLst/>
+          </a:prstGeom>
+          <a:noFill/>
+        </p:spPr>
+        <p:txBody>
+          <a:bodyPr wrap="none" rtlCol="0">
+            <a:spAutoFit/>
+          </a:bodyPr>
+          <a:lstStyle/>
+          <a:p>
+            <a:r>
+              <a:rPr lang="de-DE" sz="1400" smtClean="0"/>
+              <a:t>int</a:t>
+            </a:r>
+            <a:endParaRPr lang="de-DE" sz="1400"/>
+          </a:p>
+        </p:txBody>
+      </p:sp>
+      <p:sp>
+        <p:nvSpPr>
+          <p:cNvPr id="54" name="Textfeld 53"/>
+          <p:cNvSpPr txBox="1"/>
+          <p:nvPr/>
+        </p:nvSpPr>
+        <p:spPr>
+          <a:xfrm>
+            <a:off x="4885361" y="1916881"/>
+            <a:ext cx="276038" cy="307777"/>
+          </a:xfrm>
+          <a:prstGeom prst="rect">
+            <a:avLst/>
+          </a:prstGeom>
+          <a:noFill/>
+        </p:spPr>
+        <p:txBody>
+          <a:bodyPr wrap="none" rtlCol="0">
+            <a:spAutoFit/>
+          </a:bodyPr>
+          <a:lstStyle/>
+          <a:p>
+            <a:r>
+              <a:rPr lang="de-DE" sz="1400" smtClean="0"/>
+              <a:t>4</a:t>
+            </a:r>
+            <a:endParaRPr lang="de-DE" sz="1400"/>
+          </a:p>
+        </p:txBody>
+      </p:sp>
+      <p:sp>
+        <p:nvSpPr>
+          <p:cNvPr id="2" name="Textfeld 1"/>
+          <p:cNvSpPr txBox="1"/>
+          <p:nvPr/>
+        </p:nvSpPr>
+        <p:spPr>
+          <a:xfrm>
+            <a:off x="368135" y="1462628"/>
+            <a:ext cx="567784" cy="369332"/>
+          </a:xfrm>
+          <a:prstGeom prst="rect">
+            <a:avLst/>
+          </a:prstGeom>
+          <a:noFill/>
+        </p:spPr>
+        <p:txBody>
+          <a:bodyPr wrap="none" rtlCol="0">
+            <a:spAutoFit/>
+          </a:bodyPr>
+          <a:lstStyle/>
+          <a:p>
+            <a:r>
+              <a:rPr lang="de-DE" smtClean="0"/>
+              <a:t>tmp</a:t>
+            </a:r>
+            <a:endParaRPr lang="de-DE"/>
+          </a:p>
+        </p:txBody>
+      </p:sp>
+      <p:cxnSp>
+        <p:nvCxnSpPr>
+          <p:cNvPr id="55" name="Gerade Verbindung mit Pfeil 54"/>
+          <p:cNvCxnSpPr/>
+          <p:nvPr/>
+        </p:nvCxnSpPr>
+        <p:spPr>
+          <a:xfrm flipV="1">
+            <a:off x="886051" y="1090245"/>
+            <a:ext cx="2954948" cy="501596"/>
+          </a:xfrm>
+          <a:prstGeom prst="straightConnector1">
+            <a:avLst/>
+          </a:prstGeom>
+          <a:ln>
+            <a:tailEnd type="triangle"/>
+          </a:ln>
+        </p:spPr>
+        <p:style>
+          <a:lnRef idx="1">
+            <a:schemeClr val="accent1"/>
+          </a:lnRef>
+          <a:fillRef idx="0">
+            <a:schemeClr val="accent1"/>
+          </a:fillRef>
+          <a:effectRef idx="0">
+            <a:schemeClr val="accent1"/>
+          </a:effectRef>
+          <a:fontRef idx="minor">
+            <a:schemeClr val="tx1"/>
+          </a:fontRef>
+        </p:style>
+      </p:cxnSp>
+    </p:spTree>
+    <p:extLst>
+      <p:ext uri="{BB962C8B-B14F-4D97-AF65-F5344CB8AC3E}">
+        <p14:creationId xmlns:p14="http://schemas.microsoft.com/office/powerpoint/2010/main" val="4113119381"/>
+      </p:ext>
+    </p:extLst>
+  </p:cSld>
+  <p:clrMapOvr>
+    <a:masterClrMapping/>
+  </p:clrMapOvr>
+</p:sld>
+</file>
+
+<file path=ppt/slides/slide12.xml><?xml version="1.0" encoding="utf-8"?>
+<p:sld xmlns:a="http://schemas.openxmlformats.org/drawingml/2006/main" xmlns:r="http://schemas.openxmlformats.org/officeDocument/2006/relationships" xmlns:p="http://schemas.openxmlformats.org/presentationml/2006/main">
+  <p:cSld>
+    <p:spTree>
+      <p:nvGrpSpPr>
+        <p:cNvPr id="1" name=""/>
+        <p:cNvGrpSpPr/>
+        <p:nvPr/>
+      </p:nvGrpSpPr>
+      <p:grpSpPr>
+        <a:xfrm>
+          <a:off x="0" y="0"/>
+          <a:ext cx="0" cy="0"/>
+          <a:chOff x="0" y="0"/>
+          <a:chExt cx="0" cy="0"/>
+        </a:xfrm>
+      </p:grpSpPr>
+      <p:cxnSp>
+        <p:nvCxnSpPr>
+          <p:cNvPr id="5" name="Gerader Verbinder 4"/>
+          <p:cNvCxnSpPr/>
+          <p:nvPr/>
+        </p:nvCxnSpPr>
+        <p:spPr>
+          <a:xfrm>
+            <a:off x="1757548" y="368135"/>
+            <a:ext cx="0" cy="6210795"/>
+          </a:xfrm>
+          <a:prstGeom prst="line">
+            <a:avLst/>
+          </a:prstGeom>
+        </p:spPr>
+        <p:style>
+          <a:lnRef idx="1">
+            <a:schemeClr val="accent1"/>
+          </a:lnRef>
+          <a:fillRef idx="0">
+            <a:schemeClr val="accent1"/>
+          </a:fillRef>
+          <a:effectRef idx="0">
+            <a:schemeClr val="accent1"/>
+          </a:effectRef>
+          <a:fontRef idx="minor">
+            <a:schemeClr val="tx1"/>
+          </a:fontRef>
+        </p:style>
+      </p:cxnSp>
+      <p:sp>
+        <p:nvSpPr>
+          <p:cNvPr id="6" name="Textfeld 5"/>
+          <p:cNvSpPr txBox="1"/>
+          <p:nvPr/>
+        </p:nvSpPr>
+        <p:spPr>
+          <a:xfrm>
+            <a:off x="9417132" y="368135"/>
+            <a:ext cx="2426690" cy="2585323"/>
+          </a:xfrm>
+          <a:prstGeom prst="rect">
+            <a:avLst/>
+          </a:prstGeom>
+          <a:noFill/>
+        </p:spPr>
+        <p:txBody>
+          <a:bodyPr wrap="none" rtlCol="0">
+            <a:spAutoFit/>
+          </a:bodyPr>
+          <a:lstStyle/>
+          <a:p>
+            <a:r>
+              <a:rPr lang="de-DE" smtClean="0"/>
+              <a:t>int[][] arr = new int[2][];</a:t>
+            </a:r>
+          </a:p>
+          <a:p>
+            <a:endParaRPr lang="de-DE" smtClean="0"/>
+          </a:p>
+          <a:p>
+            <a:r>
+              <a:rPr lang="de-DE" smtClean="0"/>
+              <a:t>arr[0] = new int[3];</a:t>
+            </a:r>
+          </a:p>
+          <a:p>
+            <a:endParaRPr lang="de-DE"/>
+          </a:p>
+          <a:p>
+            <a:r>
+              <a:rPr lang="de-DE" smtClean="0"/>
+              <a:t>int[] tmp = new int[5];</a:t>
+            </a:r>
+          </a:p>
+          <a:p>
+            <a:endParaRPr lang="de-DE" smtClean="0"/>
+          </a:p>
+          <a:p>
+            <a:r>
+              <a:rPr lang="de-DE" b="1" smtClean="0"/>
+              <a:t>arr[1] = tmp;</a:t>
+            </a:r>
+          </a:p>
+          <a:p>
+            <a:endParaRPr lang="de-DE"/>
+          </a:p>
+          <a:p>
+            <a:endParaRPr lang="de-DE"/>
+          </a:p>
+        </p:txBody>
+      </p:sp>
+      <p:sp>
+        <p:nvSpPr>
+          <p:cNvPr id="7" name="Textfeld 6"/>
+          <p:cNvSpPr txBox="1"/>
+          <p:nvPr/>
+        </p:nvSpPr>
+        <p:spPr>
+          <a:xfrm>
+            <a:off x="209176" y="4754270"/>
+            <a:ext cx="455574" cy="369332"/>
+          </a:xfrm>
+          <a:prstGeom prst="rect">
+            <a:avLst/>
+          </a:prstGeom>
+          <a:noFill/>
+        </p:spPr>
+        <p:txBody>
+          <a:bodyPr wrap="none" rtlCol="0">
+            <a:spAutoFit/>
+          </a:bodyPr>
+          <a:lstStyle/>
+          <a:p>
+            <a:r>
+              <a:rPr lang="de-DE" smtClean="0"/>
+              <a:t>arr</a:t>
+            </a:r>
+            <a:endParaRPr lang="de-DE"/>
+          </a:p>
+        </p:txBody>
+      </p:sp>
+      <p:sp>
+        <p:nvSpPr>
+          <p:cNvPr id="8" name="Rechteck 7"/>
+          <p:cNvSpPr/>
+          <p:nvPr/>
+        </p:nvSpPr>
+        <p:spPr>
+          <a:xfrm>
+            <a:off x="2399963" y="3728851"/>
+            <a:ext cx="1199408" cy="1281335"/>
+          </a:xfrm>
+          <a:prstGeom prst="rect">
+            <a:avLst/>
+          </a:prstGeom>
+        </p:spPr>
+        <p:style>
+          <a:lnRef idx="2">
+            <a:schemeClr val="accent1">
+              <a:shade val="50000"/>
+            </a:schemeClr>
+          </a:lnRef>
+          <a:fillRef idx="1">
+            <a:schemeClr val="accent1"/>
+          </a:fillRef>
+          <a:effectRef idx="0">
+            <a:schemeClr val="accent1"/>
+          </a:effectRef>
+          <a:fontRef idx="minor">
+            <a:schemeClr val="lt1"/>
+          </a:fontRef>
+        </p:style>
+        <p:txBody>
+          <a:bodyPr rtlCol="0" anchor="ctr"/>
+          <a:lstStyle/>
+          <a:p>
+            <a:pPr algn="ctr"/>
+            <a:endParaRPr lang="de-DE"/>
+          </a:p>
+        </p:txBody>
+      </p:sp>
+      <p:sp>
+        <p:nvSpPr>
+          <p:cNvPr id="9" name="Textfeld 8"/>
+          <p:cNvSpPr txBox="1"/>
+          <p:nvPr/>
+        </p:nvSpPr>
+        <p:spPr>
+          <a:xfrm>
+            <a:off x="2999667" y="3359519"/>
+            <a:ext cx="716350" cy="369332"/>
+          </a:xfrm>
+          <a:prstGeom prst="rect">
+            <a:avLst/>
+          </a:prstGeom>
+          <a:noFill/>
+        </p:spPr>
+        <p:txBody>
+          <a:bodyPr wrap="none" rtlCol="0">
+            <a:spAutoFit/>
+          </a:bodyPr>
+          <a:lstStyle/>
+          <a:p>
+            <a:r>
+              <a:rPr lang="de-DE" smtClean="0"/>
+              <a:t>int[][]</a:t>
+            </a:r>
+            <a:endParaRPr lang="de-DE"/>
+          </a:p>
+        </p:txBody>
+      </p:sp>
+      <p:sp>
+        <p:nvSpPr>
+          <p:cNvPr id="10" name="Rechteck 9"/>
+          <p:cNvSpPr/>
+          <p:nvPr/>
+        </p:nvSpPr>
+        <p:spPr>
+          <a:xfrm>
+            <a:off x="2505694" y="3859481"/>
+            <a:ext cx="950025" cy="308758"/>
+          </a:xfrm>
+          <a:prstGeom prst="rect">
+            <a:avLst/>
+          </a:prstGeom>
+        </p:spPr>
+        <p:style>
+          <a:lnRef idx="2">
+            <a:schemeClr val="accent1">
+              <a:shade val="50000"/>
+            </a:schemeClr>
+          </a:lnRef>
+          <a:fillRef idx="1">
+            <a:schemeClr val="accent1"/>
+          </a:fillRef>
+          <a:effectRef idx="0">
+            <a:schemeClr val="accent1"/>
+          </a:effectRef>
+          <a:fontRef idx="minor">
+            <a:schemeClr val="lt1"/>
+          </a:fontRef>
+        </p:style>
+        <p:txBody>
+          <a:bodyPr rtlCol="0" anchor="ctr"/>
+          <a:lstStyle/>
+          <a:p>
+            <a:pPr algn="ctr"/>
+            <a:endParaRPr lang="de-DE" sz="1400"/>
+          </a:p>
+        </p:txBody>
+      </p:sp>
+      <p:sp>
+        <p:nvSpPr>
+          <p:cNvPr id="11" name="Rechteck 10"/>
+          <p:cNvSpPr/>
+          <p:nvPr/>
+        </p:nvSpPr>
+        <p:spPr>
+          <a:xfrm>
+            <a:off x="2505693" y="4193188"/>
+            <a:ext cx="950025" cy="308758"/>
+          </a:xfrm>
+          <a:prstGeom prst="rect">
+            <a:avLst/>
+          </a:prstGeom>
+        </p:spPr>
+        <p:style>
+          <a:lnRef idx="2">
+            <a:schemeClr val="accent1">
+              <a:shade val="50000"/>
+            </a:schemeClr>
+          </a:lnRef>
+          <a:fillRef idx="1">
+            <a:schemeClr val="accent1"/>
+          </a:fillRef>
+          <a:effectRef idx="0">
+            <a:schemeClr val="accent1"/>
+          </a:effectRef>
+          <a:fontRef idx="minor">
+            <a:schemeClr val="lt1"/>
+          </a:fontRef>
+        </p:style>
+        <p:txBody>
+          <a:bodyPr rtlCol="0" anchor="ctr"/>
+          <a:lstStyle/>
+          <a:p>
+            <a:pPr algn="ctr"/>
+            <a:endParaRPr lang="de-DE" sz="1400"/>
+          </a:p>
+        </p:txBody>
+      </p:sp>
+      <p:sp>
+        <p:nvSpPr>
+          <p:cNvPr id="12" name="Textfeld 11"/>
+          <p:cNvSpPr txBox="1"/>
+          <p:nvPr/>
+        </p:nvSpPr>
+        <p:spPr>
+          <a:xfrm>
+            <a:off x="1972930" y="3798907"/>
+            <a:ext cx="489173" cy="307777"/>
+          </a:xfrm>
+          <a:prstGeom prst="rect">
+            <a:avLst/>
+          </a:prstGeom>
+          <a:noFill/>
+        </p:spPr>
+        <p:txBody>
+          <a:bodyPr wrap="none" rtlCol="0">
+            <a:spAutoFit/>
+          </a:bodyPr>
+          <a:lstStyle/>
+          <a:p>
+            <a:r>
+              <a:rPr lang="de-DE" sz="1400" smtClean="0"/>
+              <a:t>int[]</a:t>
+            </a:r>
+            <a:endParaRPr lang="de-DE" sz="1400"/>
+          </a:p>
+        </p:txBody>
+      </p:sp>
+      <p:sp>
+        <p:nvSpPr>
+          <p:cNvPr id="13" name="Textfeld 12"/>
+          <p:cNvSpPr txBox="1"/>
+          <p:nvPr/>
+        </p:nvSpPr>
+        <p:spPr>
+          <a:xfrm>
+            <a:off x="1972930" y="4107066"/>
+            <a:ext cx="489173" cy="307777"/>
+          </a:xfrm>
+          <a:prstGeom prst="rect">
+            <a:avLst/>
+          </a:prstGeom>
+          <a:noFill/>
+        </p:spPr>
+        <p:txBody>
+          <a:bodyPr wrap="none" rtlCol="0">
+            <a:spAutoFit/>
+          </a:bodyPr>
+          <a:lstStyle/>
+          <a:p>
+            <a:r>
+              <a:rPr lang="de-DE" sz="1400" smtClean="0"/>
+              <a:t>int[]</a:t>
+            </a:r>
+            <a:endParaRPr lang="de-DE" sz="1400"/>
+          </a:p>
+        </p:txBody>
+      </p:sp>
+      <p:sp>
+        <p:nvSpPr>
+          <p:cNvPr id="14" name="Rechteck 13"/>
+          <p:cNvSpPr/>
+          <p:nvPr/>
+        </p:nvSpPr>
+        <p:spPr>
+          <a:xfrm>
+            <a:off x="2505692" y="4630178"/>
+            <a:ext cx="950025" cy="308758"/>
+          </a:xfrm>
+          <a:prstGeom prst="rect">
+            <a:avLst/>
+          </a:prstGeom>
+        </p:spPr>
+        <p:style>
+          <a:lnRef idx="2">
+            <a:schemeClr val="accent1">
+              <a:shade val="50000"/>
+            </a:schemeClr>
+          </a:lnRef>
+          <a:fillRef idx="1">
+            <a:schemeClr val="accent1"/>
+          </a:fillRef>
+          <a:effectRef idx="0">
+            <a:schemeClr val="accent1"/>
+          </a:effectRef>
+          <a:fontRef idx="minor">
+            <a:schemeClr val="lt1"/>
+          </a:fontRef>
+        </p:style>
+        <p:txBody>
+          <a:bodyPr rtlCol="0" anchor="ctr"/>
+          <a:lstStyle/>
+          <a:p>
+            <a:pPr algn="ctr"/>
+            <a:r>
+              <a:rPr lang="de-DE" sz="1400" smtClean="0"/>
+              <a:t>2</a:t>
+            </a:r>
+            <a:endParaRPr lang="de-DE" sz="1400"/>
+          </a:p>
+        </p:txBody>
+      </p:sp>
+      <p:sp>
+        <p:nvSpPr>
+          <p:cNvPr id="15" name="Textfeld 14"/>
+          <p:cNvSpPr txBox="1"/>
+          <p:nvPr/>
+        </p:nvSpPr>
+        <p:spPr>
+          <a:xfrm>
+            <a:off x="2004533" y="4569604"/>
+            <a:ext cx="380169" cy="307777"/>
+          </a:xfrm>
+          <a:prstGeom prst="rect">
+            <a:avLst/>
+          </a:prstGeom>
+          <a:noFill/>
+        </p:spPr>
+        <p:txBody>
+          <a:bodyPr wrap="none" rtlCol="0">
+            <a:spAutoFit/>
+          </a:bodyPr>
+          <a:lstStyle/>
+          <a:p>
+            <a:r>
+              <a:rPr lang="de-DE" sz="1400" smtClean="0"/>
+              <a:t>int</a:t>
+            </a:r>
+            <a:endParaRPr lang="de-DE" sz="1400"/>
+          </a:p>
+        </p:txBody>
+      </p:sp>
+      <p:sp>
+        <p:nvSpPr>
+          <p:cNvPr id="16" name="Textfeld 15"/>
+          <p:cNvSpPr txBox="1"/>
+          <p:nvPr/>
+        </p:nvSpPr>
+        <p:spPr>
+          <a:xfrm>
+            <a:off x="3462661" y="4640854"/>
+            <a:ext cx="648447" cy="307777"/>
+          </a:xfrm>
+          <a:prstGeom prst="rect">
+            <a:avLst/>
+          </a:prstGeom>
+          <a:noFill/>
+        </p:spPr>
+        <p:txBody>
+          <a:bodyPr wrap="none" rtlCol="0">
+            <a:spAutoFit/>
+          </a:bodyPr>
+          <a:lstStyle/>
+          <a:p>
+            <a:r>
+              <a:rPr lang="de-DE" sz="1400" smtClean="0"/>
+              <a:t>length</a:t>
+            </a:r>
+            <a:endParaRPr lang="de-DE" sz="1400"/>
+          </a:p>
+        </p:txBody>
+      </p:sp>
+      <p:cxnSp>
+        <p:nvCxnSpPr>
+          <p:cNvPr id="18" name="Gerade Verbindung mit Pfeil 17"/>
+          <p:cNvCxnSpPr>
+            <a:stCxn id="7" idx="3"/>
+          </p:cNvCxnSpPr>
+          <p:nvPr/>
+        </p:nvCxnSpPr>
+        <p:spPr>
+          <a:xfrm flipV="1">
+            <a:off x="664750" y="4501946"/>
+            <a:ext cx="1719952" cy="436990"/>
+          </a:xfrm>
+          <a:prstGeom prst="straightConnector1">
+            <a:avLst/>
+          </a:prstGeom>
+          <a:ln>
+            <a:tailEnd type="triangle"/>
+          </a:ln>
+        </p:spPr>
+        <p:style>
+          <a:lnRef idx="1">
+            <a:schemeClr val="accent1"/>
+          </a:lnRef>
+          <a:fillRef idx="0">
+            <a:schemeClr val="accent1"/>
+          </a:fillRef>
+          <a:effectRef idx="0">
+            <a:schemeClr val="accent1"/>
+          </a:effectRef>
+          <a:fontRef idx="minor">
+            <a:schemeClr val="tx1"/>
+          </a:fontRef>
+        </p:style>
+      </p:cxnSp>
+      <p:sp>
+        <p:nvSpPr>
+          <p:cNvPr id="20" name="Textfeld 19"/>
+          <p:cNvSpPr txBox="1"/>
+          <p:nvPr/>
+        </p:nvSpPr>
+        <p:spPr>
+          <a:xfrm>
+            <a:off x="3438003" y="3854634"/>
+            <a:ext cx="276038" cy="307777"/>
+          </a:xfrm>
+          <a:prstGeom prst="rect">
+            <a:avLst/>
+          </a:prstGeom>
+          <a:noFill/>
+        </p:spPr>
+        <p:txBody>
+          <a:bodyPr wrap="none" rtlCol="0">
+            <a:spAutoFit/>
+          </a:bodyPr>
+          <a:lstStyle/>
+          <a:p>
+            <a:r>
+              <a:rPr lang="de-DE" sz="1400" smtClean="0"/>
+              <a:t>0</a:t>
+            </a:r>
+            <a:endParaRPr lang="de-DE" sz="1400"/>
+          </a:p>
+        </p:txBody>
+      </p:sp>
+      <p:sp>
+        <p:nvSpPr>
+          <p:cNvPr id="21" name="Textfeld 20"/>
+          <p:cNvSpPr txBox="1"/>
+          <p:nvPr/>
+        </p:nvSpPr>
+        <p:spPr>
+          <a:xfrm>
+            <a:off x="3438003" y="4194169"/>
+            <a:ext cx="276038" cy="307777"/>
+          </a:xfrm>
+          <a:prstGeom prst="rect">
+            <a:avLst/>
+          </a:prstGeom>
+          <a:noFill/>
+        </p:spPr>
+        <p:txBody>
+          <a:bodyPr wrap="none" rtlCol="0">
+            <a:spAutoFit/>
+          </a:bodyPr>
+          <a:lstStyle/>
+          <a:p>
+            <a:r>
+              <a:rPr lang="de-DE" sz="1400" smtClean="0"/>
+              <a:t>1</a:t>
+            </a:r>
+            <a:endParaRPr lang="de-DE" sz="1400"/>
+          </a:p>
+        </p:txBody>
+      </p:sp>
+      <p:sp>
+        <p:nvSpPr>
+          <p:cNvPr id="17" name="Rechteck 16"/>
+          <p:cNvSpPr/>
+          <p:nvPr/>
+        </p:nvSpPr>
+        <p:spPr>
+          <a:xfrm>
+            <a:off x="6390072" y="2076985"/>
+            <a:ext cx="1199408" cy="1721922"/>
+          </a:xfrm>
+          <a:prstGeom prst="rect">
+            <a:avLst/>
+          </a:prstGeom>
+        </p:spPr>
+        <p:style>
+          <a:lnRef idx="2">
+            <a:schemeClr val="accent1">
+              <a:shade val="50000"/>
+            </a:schemeClr>
+          </a:lnRef>
+          <a:fillRef idx="1">
+            <a:schemeClr val="accent1"/>
+          </a:fillRef>
+          <a:effectRef idx="0">
+            <a:schemeClr val="accent1"/>
+          </a:effectRef>
+          <a:fontRef idx="minor">
+            <a:schemeClr val="lt1"/>
+          </a:fontRef>
+        </p:style>
+        <p:txBody>
+          <a:bodyPr rtlCol="0" anchor="ctr"/>
+          <a:lstStyle/>
+          <a:p>
+            <a:pPr algn="ctr"/>
+            <a:endParaRPr lang="de-DE"/>
+          </a:p>
+        </p:txBody>
+      </p:sp>
+      <p:sp>
+        <p:nvSpPr>
+          <p:cNvPr id="19" name="Textfeld 18"/>
+          <p:cNvSpPr txBox="1"/>
+          <p:nvPr/>
+        </p:nvSpPr>
+        <p:spPr>
+          <a:xfrm>
+            <a:off x="6989776" y="1707653"/>
+            <a:ext cx="575286" cy="369332"/>
+          </a:xfrm>
+          <a:prstGeom prst="rect">
+            <a:avLst/>
+          </a:prstGeom>
+          <a:noFill/>
+        </p:spPr>
+        <p:txBody>
+          <a:bodyPr wrap="none" rtlCol="0">
+            <a:spAutoFit/>
+          </a:bodyPr>
+          <a:lstStyle/>
+          <a:p>
+            <a:r>
+              <a:rPr lang="de-DE" smtClean="0"/>
+              <a:t>int[]</a:t>
+            </a:r>
+            <a:endParaRPr lang="de-DE"/>
+          </a:p>
+        </p:txBody>
+      </p:sp>
+      <p:sp>
+        <p:nvSpPr>
+          <p:cNvPr id="22" name="Rechteck 21"/>
+          <p:cNvSpPr/>
+          <p:nvPr/>
+        </p:nvSpPr>
+        <p:spPr>
+          <a:xfrm>
+            <a:off x="6495803" y="2207615"/>
+            <a:ext cx="950025" cy="308758"/>
+          </a:xfrm>
+          <a:prstGeom prst="rect">
+            <a:avLst/>
+          </a:prstGeom>
+        </p:spPr>
+        <p:style>
+          <a:lnRef idx="2">
+            <a:schemeClr val="accent1">
+              <a:shade val="50000"/>
+            </a:schemeClr>
+          </a:lnRef>
+          <a:fillRef idx="1">
+            <a:schemeClr val="accent1"/>
+          </a:fillRef>
+          <a:effectRef idx="0">
+            <a:schemeClr val="accent1"/>
+          </a:effectRef>
+          <a:fontRef idx="minor">
+            <a:schemeClr val="lt1"/>
+          </a:fontRef>
+        </p:style>
+        <p:txBody>
+          <a:bodyPr rtlCol="0" anchor="ctr"/>
+          <a:lstStyle/>
+          <a:p>
+            <a:pPr algn="ctr"/>
+            <a:r>
+              <a:rPr lang="de-DE" sz="1400" smtClean="0"/>
+              <a:t>0</a:t>
+            </a:r>
+            <a:endParaRPr lang="de-DE" sz="1400"/>
+          </a:p>
+        </p:txBody>
+      </p:sp>
+      <p:sp>
+        <p:nvSpPr>
+          <p:cNvPr id="23" name="Rechteck 22"/>
+          <p:cNvSpPr/>
+          <p:nvPr/>
+        </p:nvSpPr>
+        <p:spPr>
+          <a:xfrm>
+            <a:off x="6495802" y="2541322"/>
+            <a:ext cx="950025" cy="308758"/>
+          </a:xfrm>
+          <a:prstGeom prst="rect">
+            <a:avLst/>
+          </a:prstGeom>
+        </p:spPr>
+        <p:style>
+          <a:lnRef idx="2">
+            <a:schemeClr val="accent1">
+              <a:shade val="50000"/>
+            </a:schemeClr>
+          </a:lnRef>
+          <a:fillRef idx="1">
+            <a:schemeClr val="accent1"/>
+          </a:fillRef>
+          <a:effectRef idx="0">
+            <a:schemeClr val="accent1"/>
+          </a:effectRef>
+          <a:fontRef idx="minor">
+            <a:schemeClr val="lt1"/>
+          </a:fontRef>
+        </p:style>
+        <p:txBody>
+          <a:bodyPr rtlCol="0" anchor="ctr"/>
+          <a:lstStyle/>
+          <a:p>
+            <a:pPr algn="ctr"/>
+            <a:r>
+              <a:rPr lang="de-DE" sz="1400" smtClean="0"/>
+              <a:t>0</a:t>
+            </a:r>
+            <a:endParaRPr lang="de-DE" sz="1400"/>
+          </a:p>
+        </p:txBody>
+      </p:sp>
+      <p:sp>
+        <p:nvSpPr>
+          <p:cNvPr id="24" name="Textfeld 23"/>
+          <p:cNvSpPr txBox="1"/>
+          <p:nvPr/>
+        </p:nvSpPr>
+        <p:spPr>
+          <a:xfrm>
+            <a:off x="5963039" y="2147041"/>
+            <a:ext cx="380169" cy="307777"/>
+          </a:xfrm>
+          <a:prstGeom prst="rect">
+            <a:avLst/>
+          </a:prstGeom>
+          <a:noFill/>
+        </p:spPr>
+        <p:txBody>
+          <a:bodyPr wrap="none" rtlCol="0">
+            <a:spAutoFit/>
+          </a:bodyPr>
+          <a:lstStyle/>
+          <a:p>
+            <a:r>
+              <a:rPr lang="de-DE" sz="1400" smtClean="0"/>
+              <a:t>int</a:t>
+            </a:r>
+            <a:endParaRPr lang="de-DE" sz="1400"/>
+          </a:p>
+        </p:txBody>
+      </p:sp>
+      <p:sp>
+        <p:nvSpPr>
+          <p:cNvPr id="25" name="Textfeld 24"/>
+          <p:cNvSpPr txBox="1"/>
+          <p:nvPr/>
+        </p:nvSpPr>
+        <p:spPr>
+          <a:xfrm>
+            <a:off x="5963039" y="2455200"/>
+            <a:ext cx="380169" cy="307777"/>
+          </a:xfrm>
+          <a:prstGeom prst="rect">
+            <a:avLst/>
+          </a:prstGeom>
+          <a:noFill/>
+        </p:spPr>
+        <p:txBody>
+          <a:bodyPr wrap="none" rtlCol="0">
+            <a:spAutoFit/>
+          </a:bodyPr>
+          <a:lstStyle/>
+          <a:p>
+            <a:r>
+              <a:rPr lang="de-DE" sz="1400" smtClean="0"/>
+              <a:t>int</a:t>
+            </a:r>
+            <a:endParaRPr lang="de-DE" sz="1400"/>
+          </a:p>
+        </p:txBody>
+      </p:sp>
+      <p:sp>
+        <p:nvSpPr>
+          <p:cNvPr id="26" name="Rechteck 25"/>
+          <p:cNvSpPr/>
+          <p:nvPr/>
+        </p:nvSpPr>
+        <p:spPr>
+          <a:xfrm>
+            <a:off x="6495801" y="3298944"/>
+            <a:ext cx="950025" cy="308758"/>
+          </a:xfrm>
+          <a:prstGeom prst="rect">
+            <a:avLst/>
+          </a:prstGeom>
+        </p:spPr>
+        <p:style>
+          <a:lnRef idx="2">
+            <a:schemeClr val="accent1">
+              <a:shade val="50000"/>
+            </a:schemeClr>
+          </a:lnRef>
+          <a:fillRef idx="1">
+            <a:schemeClr val="accent1"/>
+          </a:fillRef>
+          <a:effectRef idx="0">
+            <a:schemeClr val="accent1"/>
+          </a:effectRef>
+          <a:fontRef idx="minor">
+            <a:schemeClr val="lt1"/>
+          </a:fontRef>
+        </p:style>
+        <p:txBody>
+          <a:bodyPr rtlCol="0" anchor="ctr"/>
+          <a:lstStyle/>
+          <a:p>
+            <a:pPr algn="ctr"/>
+            <a:r>
+              <a:rPr lang="de-DE" sz="1400"/>
+              <a:t>3</a:t>
+            </a:r>
+          </a:p>
+        </p:txBody>
+      </p:sp>
+      <p:sp>
+        <p:nvSpPr>
+          <p:cNvPr id="27" name="Textfeld 26"/>
+          <p:cNvSpPr txBox="1"/>
+          <p:nvPr/>
+        </p:nvSpPr>
+        <p:spPr>
+          <a:xfrm>
+            <a:off x="5994642" y="3238370"/>
+            <a:ext cx="380169" cy="307777"/>
+          </a:xfrm>
+          <a:prstGeom prst="rect">
+            <a:avLst/>
+          </a:prstGeom>
+          <a:noFill/>
+        </p:spPr>
+        <p:txBody>
+          <a:bodyPr wrap="none" rtlCol="0">
+            <a:spAutoFit/>
+          </a:bodyPr>
+          <a:lstStyle/>
+          <a:p>
+            <a:r>
+              <a:rPr lang="de-DE" sz="1400" smtClean="0"/>
+              <a:t>int</a:t>
+            </a:r>
+            <a:endParaRPr lang="de-DE" sz="1400"/>
+          </a:p>
+        </p:txBody>
+      </p:sp>
+      <p:sp>
+        <p:nvSpPr>
+          <p:cNvPr id="28" name="Textfeld 27"/>
+          <p:cNvSpPr txBox="1"/>
+          <p:nvPr/>
+        </p:nvSpPr>
+        <p:spPr>
+          <a:xfrm>
+            <a:off x="7452770" y="3309620"/>
+            <a:ext cx="648447" cy="307777"/>
+          </a:xfrm>
+          <a:prstGeom prst="rect">
+            <a:avLst/>
+          </a:prstGeom>
+          <a:noFill/>
+        </p:spPr>
+        <p:txBody>
+          <a:bodyPr wrap="none" rtlCol="0">
+            <a:spAutoFit/>
+          </a:bodyPr>
+          <a:lstStyle/>
+          <a:p>
+            <a:r>
+              <a:rPr lang="de-DE" sz="1400" smtClean="0"/>
+              <a:t>length</a:t>
+            </a:r>
+            <a:endParaRPr lang="de-DE" sz="1400"/>
+          </a:p>
+        </p:txBody>
+      </p:sp>
+      <p:sp>
+        <p:nvSpPr>
+          <p:cNvPr id="29" name="Textfeld 28"/>
+          <p:cNvSpPr txBox="1"/>
+          <p:nvPr/>
+        </p:nvSpPr>
+        <p:spPr>
+          <a:xfrm>
+            <a:off x="7428112" y="2202768"/>
+            <a:ext cx="276038" cy="307777"/>
+          </a:xfrm>
+          <a:prstGeom prst="rect">
+            <a:avLst/>
+          </a:prstGeom>
+          <a:noFill/>
+        </p:spPr>
+        <p:txBody>
+          <a:bodyPr wrap="none" rtlCol="0">
+            <a:spAutoFit/>
+          </a:bodyPr>
+          <a:lstStyle/>
+          <a:p>
+            <a:r>
+              <a:rPr lang="de-DE" sz="1400" smtClean="0"/>
+              <a:t>0</a:t>
+            </a:r>
+            <a:endParaRPr lang="de-DE" sz="1400"/>
+          </a:p>
+        </p:txBody>
+      </p:sp>
+      <p:sp>
+        <p:nvSpPr>
+          <p:cNvPr id="30" name="Textfeld 29"/>
+          <p:cNvSpPr txBox="1"/>
+          <p:nvPr/>
+        </p:nvSpPr>
+        <p:spPr>
+          <a:xfrm>
+            <a:off x="7428112" y="2542303"/>
+            <a:ext cx="276038" cy="307777"/>
+          </a:xfrm>
+          <a:prstGeom prst="rect">
+            <a:avLst/>
+          </a:prstGeom>
+          <a:noFill/>
+        </p:spPr>
+        <p:txBody>
+          <a:bodyPr wrap="none" rtlCol="0">
+            <a:spAutoFit/>
+          </a:bodyPr>
+          <a:lstStyle/>
+          <a:p>
+            <a:r>
+              <a:rPr lang="de-DE" sz="1400" smtClean="0"/>
+              <a:t>1</a:t>
+            </a:r>
+            <a:endParaRPr lang="de-DE" sz="1400"/>
+          </a:p>
+        </p:txBody>
+      </p:sp>
+      <p:sp>
+        <p:nvSpPr>
+          <p:cNvPr id="31" name="Rechteck 30"/>
+          <p:cNvSpPr/>
+          <p:nvPr/>
+        </p:nvSpPr>
+        <p:spPr>
+          <a:xfrm>
+            <a:off x="6502745" y="2910654"/>
+            <a:ext cx="950025" cy="308758"/>
+          </a:xfrm>
+          <a:prstGeom prst="rect">
+            <a:avLst/>
+          </a:prstGeom>
+        </p:spPr>
+        <p:style>
+          <a:lnRef idx="2">
+            <a:schemeClr val="accent1">
+              <a:shade val="50000"/>
+            </a:schemeClr>
+          </a:lnRef>
+          <a:fillRef idx="1">
+            <a:schemeClr val="accent1"/>
+          </a:fillRef>
+          <a:effectRef idx="0">
+            <a:schemeClr val="accent1"/>
+          </a:effectRef>
+          <a:fontRef idx="minor">
+            <a:schemeClr val="lt1"/>
+          </a:fontRef>
+        </p:style>
+        <p:txBody>
+          <a:bodyPr rtlCol="0" anchor="ctr"/>
+          <a:lstStyle/>
+          <a:p>
+            <a:pPr algn="ctr"/>
+            <a:r>
+              <a:rPr lang="de-DE" sz="1400" smtClean="0"/>
+              <a:t>0</a:t>
+            </a:r>
+            <a:endParaRPr lang="de-DE" sz="1400"/>
+          </a:p>
+        </p:txBody>
+      </p:sp>
+      <p:sp>
+        <p:nvSpPr>
+          <p:cNvPr id="32" name="Textfeld 31"/>
+          <p:cNvSpPr txBox="1"/>
+          <p:nvPr/>
+        </p:nvSpPr>
+        <p:spPr>
+          <a:xfrm>
+            <a:off x="5969982" y="2824532"/>
+            <a:ext cx="380169" cy="307777"/>
+          </a:xfrm>
+          <a:prstGeom prst="rect">
+            <a:avLst/>
+          </a:prstGeom>
+          <a:noFill/>
+        </p:spPr>
+        <p:txBody>
+          <a:bodyPr wrap="none" rtlCol="0">
+            <a:spAutoFit/>
+          </a:bodyPr>
+          <a:lstStyle/>
+          <a:p>
+            <a:r>
+              <a:rPr lang="de-DE" sz="1400" smtClean="0"/>
+              <a:t>int</a:t>
+            </a:r>
+            <a:endParaRPr lang="de-DE" sz="1400"/>
+          </a:p>
+        </p:txBody>
+      </p:sp>
+      <p:sp>
+        <p:nvSpPr>
+          <p:cNvPr id="33" name="Textfeld 32"/>
+          <p:cNvSpPr txBox="1"/>
+          <p:nvPr/>
+        </p:nvSpPr>
+        <p:spPr>
+          <a:xfrm>
+            <a:off x="7435055" y="2911635"/>
+            <a:ext cx="276038" cy="307777"/>
+          </a:xfrm>
+          <a:prstGeom prst="rect">
+            <a:avLst/>
+          </a:prstGeom>
+          <a:noFill/>
+        </p:spPr>
+        <p:txBody>
+          <a:bodyPr wrap="none" rtlCol="0">
+            <a:spAutoFit/>
+          </a:bodyPr>
+          <a:lstStyle/>
+          <a:p>
+            <a:r>
+              <a:rPr lang="de-DE" sz="1400" smtClean="0"/>
+              <a:t>2</a:t>
+            </a:r>
+            <a:endParaRPr lang="de-DE" sz="1400"/>
+          </a:p>
+        </p:txBody>
+      </p:sp>
+      <p:cxnSp>
+        <p:nvCxnSpPr>
+          <p:cNvPr id="34" name="Gerade Verbindung mit Pfeil 33"/>
+          <p:cNvCxnSpPr/>
+          <p:nvPr/>
+        </p:nvCxnSpPr>
+        <p:spPr>
+          <a:xfrm flipV="1">
+            <a:off x="3018731" y="2821537"/>
+            <a:ext cx="3371341" cy="1180342"/>
+          </a:xfrm>
+          <a:prstGeom prst="straightConnector1">
+            <a:avLst/>
+          </a:prstGeom>
+          <a:ln>
+            <a:solidFill>
+              <a:srgbClr val="FF0000"/>
+            </a:solidFill>
+            <a:tailEnd type="triangle"/>
+          </a:ln>
+        </p:spPr>
+        <p:style>
+          <a:lnRef idx="1">
+            <a:schemeClr val="accent1"/>
+          </a:lnRef>
+          <a:fillRef idx="0">
+            <a:schemeClr val="accent1"/>
+          </a:fillRef>
+          <a:effectRef idx="0">
+            <a:schemeClr val="accent1"/>
+          </a:effectRef>
+          <a:fontRef idx="minor">
+            <a:schemeClr val="tx1"/>
+          </a:fontRef>
+        </p:style>
+      </p:cxnSp>
+      <p:sp>
+        <p:nvSpPr>
+          <p:cNvPr id="35" name="Rechteck 34"/>
+          <p:cNvSpPr/>
+          <p:nvPr/>
+        </p:nvSpPr>
+        <p:spPr>
+          <a:xfrm>
+            <a:off x="3865036" y="407304"/>
+            <a:ext cx="1199408" cy="2352678"/>
+          </a:xfrm>
+          <a:prstGeom prst="rect">
+            <a:avLst/>
+          </a:prstGeom>
+        </p:spPr>
+        <p:style>
+          <a:lnRef idx="2">
+            <a:schemeClr val="accent1">
+              <a:shade val="50000"/>
+            </a:schemeClr>
+          </a:lnRef>
+          <a:fillRef idx="1">
+            <a:schemeClr val="accent1"/>
+          </a:fillRef>
+          <a:effectRef idx="0">
+            <a:schemeClr val="accent1"/>
+          </a:effectRef>
+          <a:fontRef idx="minor">
+            <a:schemeClr val="lt1"/>
+          </a:fontRef>
+        </p:style>
+        <p:txBody>
+          <a:bodyPr rtlCol="0" anchor="ctr"/>
+          <a:lstStyle/>
+          <a:p>
+            <a:pPr algn="ctr"/>
+            <a:endParaRPr lang="de-DE"/>
+          </a:p>
+        </p:txBody>
+      </p:sp>
+      <p:sp>
+        <p:nvSpPr>
+          <p:cNvPr id="36" name="Textfeld 35"/>
+          <p:cNvSpPr txBox="1"/>
+          <p:nvPr/>
+        </p:nvSpPr>
+        <p:spPr>
+          <a:xfrm>
+            <a:off x="4464740" y="37972"/>
+            <a:ext cx="575286" cy="369332"/>
+          </a:xfrm>
+          <a:prstGeom prst="rect">
+            <a:avLst/>
+          </a:prstGeom>
+          <a:noFill/>
+        </p:spPr>
+        <p:txBody>
+          <a:bodyPr wrap="none" rtlCol="0">
+            <a:spAutoFit/>
+          </a:bodyPr>
+          <a:lstStyle/>
+          <a:p>
+            <a:r>
+              <a:rPr lang="de-DE" smtClean="0"/>
+              <a:t>int[]</a:t>
+            </a:r>
+            <a:endParaRPr lang="de-DE"/>
+          </a:p>
+        </p:txBody>
+      </p:sp>
+      <p:sp>
+        <p:nvSpPr>
+          <p:cNvPr id="37" name="Rechteck 36"/>
+          <p:cNvSpPr/>
+          <p:nvPr/>
+        </p:nvSpPr>
+        <p:spPr>
+          <a:xfrm>
+            <a:off x="3970767" y="537934"/>
+            <a:ext cx="950025" cy="308758"/>
+          </a:xfrm>
+          <a:prstGeom prst="rect">
+            <a:avLst/>
+          </a:prstGeom>
+        </p:spPr>
+        <p:style>
+          <a:lnRef idx="2">
+            <a:schemeClr val="accent1">
+              <a:shade val="50000"/>
+            </a:schemeClr>
+          </a:lnRef>
+          <a:fillRef idx="1">
+            <a:schemeClr val="accent1"/>
+          </a:fillRef>
+          <a:effectRef idx="0">
+            <a:schemeClr val="accent1"/>
+          </a:effectRef>
+          <a:fontRef idx="minor">
+            <a:schemeClr val="lt1"/>
+          </a:fontRef>
+        </p:style>
+        <p:txBody>
+          <a:bodyPr rtlCol="0" anchor="ctr"/>
+          <a:lstStyle/>
+          <a:p>
+            <a:pPr algn="ctr"/>
+            <a:r>
+              <a:rPr lang="de-DE" sz="1400" smtClean="0"/>
+              <a:t>0</a:t>
+            </a:r>
+            <a:endParaRPr lang="de-DE" sz="1400"/>
+          </a:p>
+        </p:txBody>
+      </p:sp>
+      <p:sp>
+        <p:nvSpPr>
+          <p:cNvPr id="38" name="Rechteck 37"/>
+          <p:cNvSpPr/>
+          <p:nvPr/>
+        </p:nvSpPr>
+        <p:spPr>
+          <a:xfrm>
+            <a:off x="3970766" y="871641"/>
+            <a:ext cx="950025" cy="308758"/>
+          </a:xfrm>
+          <a:prstGeom prst="rect">
+            <a:avLst/>
+          </a:prstGeom>
+        </p:spPr>
+        <p:style>
+          <a:lnRef idx="2">
+            <a:schemeClr val="accent1">
+              <a:shade val="50000"/>
+            </a:schemeClr>
+          </a:lnRef>
+          <a:fillRef idx="1">
+            <a:schemeClr val="accent1"/>
+          </a:fillRef>
+          <a:effectRef idx="0">
+            <a:schemeClr val="accent1"/>
+          </a:effectRef>
+          <a:fontRef idx="minor">
+            <a:schemeClr val="lt1"/>
+          </a:fontRef>
+        </p:style>
+        <p:txBody>
+          <a:bodyPr rtlCol="0" anchor="ctr"/>
+          <a:lstStyle/>
+          <a:p>
+            <a:pPr algn="ctr"/>
+            <a:r>
+              <a:rPr lang="de-DE" sz="1400" smtClean="0"/>
+              <a:t>0</a:t>
+            </a:r>
+            <a:endParaRPr lang="de-DE" sz="1400"/>
+          </a:p>
+        </p:txBody>
+      </p:sp>
+      <p:sp>
+        <p:nvSpPr>
+          <p:cNvPr id="39" name="Textfeld 38"/>
+          <p:cNvSpPr txBox="1"/>
+          <p:nvPr/>
+        </p:nvSpPr>
+        <p:spPr>
+          <a:xfrm>
+            <a:off x="3438003" y="477360"/>
+            <a:ext cx="380169" cy="307777"/>
+          </a:xfrm>
+          <a:prstGeom prst="rect">
+            <a:avLst/>
+          </a:prstGeom>
+          <a:noFill/>
+        </p:spPr>
+        <p:txBody>
+          <a:bodyPr wrap="none" rtlCol="0">
+            <a:spAutoFit/>
+          </a:bodyPr>
+          <a:lstStyle/>
+          <a:p>
+            <a:r>
+              <a:rPr lang="de-DE" sz="1400" smtClean="0"/>
+              <a:t>int</a:t>
+            </a:r>
+            <a:endParaRPr lang="de-DE" sz="1400"/>
+          </a:p>
+        </p:txBody>
+      </p:sp>
+      <p:sp>
+        <p:nvSpPr>
+          <p:cNvPr id="40" name="Textfeld 39"/>
+          <p:cNvSpPr txBox="1"/>
+          <p:nvPr/>
+        </p:nvSpPr>
+        <p:spPr>
+          <a:xfrm>
+            <a:off x="3438003" y="785519"/>
+            <a:ext cx="380169" cy="307777"/>
+          </a:xfrm>
+          <a:prstGeom prst="rect">
+            <a:avLst/>
+          </a:prstGeom>
+          <a:noFill/>
+        </p:spPr>
+        <p:txBody>
+          <a:bodyPr wrap="none" rtlCol="0">
+            <a:spAutoFit/>
+          </a:bodyPr>
+          <a:lstStyle/>
+          <a:p>
+            <a:r>
+              <a:rPr lang="de-DE" sz="1400" smtClean="0"/>
+              <a:t>int</a:t>
+            </a:r>
+            <a:endParaRPr lang="de-DE" sz="1400"/>
+          </a:p>
+        </p:txBody>
+      </p:sp>
+      <p:sp>
+        <p:nvSpPr>
+          <p:cNvPr id="41" name="Rechteck 40"/>
+          <p:cNvSpPr/>
+          <p:nvPr/>
+        </p:nvSpPr>
+        <p:spPr>
+          <a:xfrm>
+            <a:off x="4005281" y="2307387"/>
+            <a:ext cx="950025" cy="308758"/>
+          </a:xfrm>
+          <a:prstGeom prst="rect">
+            <a:avLst/>
+          </a:prstGeom>
+        </p:spPr>
+        <p:style>
+          <a:lnRef idx="2">
+            <a:schemeClr val="accent1">
+              <a:shade val="50000"/>
+            </a:schemeClr>
+          </a:lnRef>
+          <a:fillRef idx="1">
+            <a:schemeClr val="accent1"/>
+          </a:fillRef>
+          <a:effectRef idx="0">
+            <a:schemeClr val="accent1"/>
+          </a:effectRef>
+          <a:fontRef idx="minor">
+            <a:schemeClr val="lt1"/>
+          </a:fontRef>
+        </p:style>
+        <p:txBody>
+          <a:bodyPr rtlCol="0" anchor="ctr"/>
+          <a:lstStyle/>
+          <a:p>
+            <a:pPr algn="ctr"/>
+            <a:r>
+              <a:rPr lang="de-DE" sz="1400" smtClean="0"/>
+              <a:t>5</a:t>
+            </a:r>
+            <a:endParaRPr lang="de-DE" sz="1400"/>
+          </a:p>
+        </p:txBody>
+      </p:sp>
+      <p:sp>
+        <p:nvSpPr>
+          <p:cNvPr id="42" name="Textfeld 41"/>
+          <p:cNvSpPr txBox="1"/>
+          <p:nvPr/>
+        </p:nvSpPr>
+        <p:spPr>
+          <a:xfrm>
+            <a:off x="3504122" y="2246813"/>
+            <a:ext cx="380169" cy="307777"/>
+          </a:xfrm>
+          <a:prstGeom prst="rect">
+            <a:avLst/>
+          </a:prstGeom>
+          <a:noFill/>
+        </p:spPr>
+        <p:txBody>
+          <a:bodyPr wrap="none" rtlCol="0">
+            <a:spAutoFit/>
+          </a:bodyPr>
+          <a:lstStyle/>
+          <a:p>
+            <a:r>
+              <a:rPr lang="de-DE" sz="1400" smtClean="0"/>
+              <a:t>int</a:t>
+            </a:r>
+            <a:endParaRPr lang="de-DE" sz="1400"/>
+          </a:p>
+        </p:txBody>
+      </p:sp>
+      <p:sp>
+        <p:nvSpPr>
+          <p:cNvPr id="43" name="Textfeld 42"/>
+          <p:cNvSpPr txBox="1"/>
+          <p:nvPr/>
+        </p:nvSpPr>
+        <p:spPr>
+          <a:xfrm>
+            <a:off x="4962250" y="2318063"/>
+            <a:ext cx="648447" cy="307777"/>
+          </a:xfrm>
+          <a:prstGeom prst="rect">
+            <a:avLst/>
+          </a:prstGeom>
+          <a:noFill/>
+        </p:spPr>
+        <p:txBody>
+          <a:bodyPr wrap="none" rtlCol="0">
+            <a:spAutoFit/>
+          </a:bodyPr>
+          <a:lstStyle/>
+          <a:p>
+            <a:r>
+              <a:rPr lang="de-DE" sz="1400" smtClean="0"/>
+              <a:t>length</a:t>
+            </a:r>
+            <a:endParaRPr lang="de-DE" sz="1400"/>
+          </a:p>
+        </p:txBody>
+      </p:sp>
+      <p:sp>
+        <p:nvSpPr>
+          <p:cNvPr id="44" name="Textfeld 43"/>
+          <p:cNvSpPr txBox="1"/>
+          <p:nvPr/>
+        </p:nvSpPr>
+        <p:spPr>
+          <a:xfrm>
+            <a:off x="4903076" y="533087"/>
+            <a:ext cx="276038" cy="307777"/>
+          </a:xfrm>
+          <a:prstGeom prst="rect">
+            <a:avLst/>
+          </a:prstGeom>
+          <a:noFill/>
+        </p:spPr>
+        <p:txBody>
+          <a:bodyPr wrap="none" rtlCol="0">
+            <a:spAutoFit/>
+          </a:bodyPr>
+          <a:lstStyle/>
+          <a:p>
+            <a:r>
+              <a:rPr lang="de-DE" sz="1400" smtClean="0"/>
+              <a:t>0</a:t>
+            </a:r>
+            <a:endParaRPr lang="de-DE" sz="1400"/>
+          </a:p>
+        </p:txBody>
+      </p:sp>
+      <p:sp>
+        <p:nvSpPr>
+          <p:cNvPr id="45" name="Textfeld 44"/>
+          <p:cNvSpPr txBox="1"/>
+          <p:nvPr/>
+        </p:nvSpPr>
+        <p:spPr>
+          <a:xfrm>
+            <a:off x="4903076" y="872622"/>
+            <a:ext cx="276038" cy="307777"/>
+          </a:xfrm>
+          <a:prstGeom prst="rect">
+            <a:avLst/>
+          </a:prstGeom>
+          <a:noFill/>
+        </p:spPr>
+        <p:txBody>
+          <a:bodyPr wrap="none" rtlCol="0">
+            <a:spAutoFit/>
+          </a:bodyPr>
+          <a:lstStyle/>
+          <a:p>
+            <a:r>
+              <a:rPr lang="de-DE" sz="1400" smtClean="0"/>
+              <a:t>1</a:t>
+            </a:r>
+            <a:endParaRPr lang="de-DE" sz="1400"/>
+          </a:p>
+        </p:txBody>
+      </p:sp>
+      <p:sp>
+        <p:nvSpPr>
+          <p:cNvPr id="46" name="Rechteck 45"/>
+          <p:cNvSpPr/>
+          <p:nvPr/>
+        </p:nvSpPr>
+        <p:spPr>
+          <a:xfrm>
+            <a:off x="3977709" y="1240973"/>
+            <a:ext cx="950025" cy="308758"/>
+          </a:xfrm>
+          <a:prstGeom prst="rect">
+            <a:avLst/>
+          </a:prstGeom>
+        </p:spPr>
+        <p:style>
+          <a:lnRef idx="2">
+            <a:schemeClr val="accent1">
+              <a:shade val="50000"/>
+            </a:schemeClr>
+          </a:lnRef>
+          <a:fillRef idx="1">
+            <a:schemeClr val="accent1"/>
+          </a:fillRef>
+          <a:effectRef idx="0">
+            <a:schemeClr val="accent1"/>
+          </a:effectRef>
+          <a:fontRef idx="minor">
+            <a:schemeClr val="lt1"/>
+          </a:fontRef>
+        </p:style>
+        <p:txBody>
+          <a:bodyPr rtlCol="0" anchor="ctr"/>
+          <a:lstStyle/>
+          <a:p>
+            <a:pPr algn="ctr"/>
+            <a:r>
+              <a:rPr lang="de-DE" sz="1400" smtClean="0"/>
+              <a:t>0</a:t>
+            </a:r>
+            <a:endParaRPr lang="de-DE" sz="1400"/>
+          </a:p>
+        </p:txBody>
+      </p:sp>
+      <p:sp>
+        <p:nvSpPr>
+          <p:cNvPr id="47" name="Textfeld 46"/>
+          <p:cNvSpPr txBox="1"/>
+          <p:nvPr/>
+        </p:nvSpPr>
+        <p:spPr>
+          <a:xfrm>
+            <a:off x="3444946" y="1154851"/>
+            <a:ext cx="380169" cy="307777"/>
+          </a:xfrm>
+          <a:prstGeom prst="rect">
+            <a:avLst/>
+          </a:prstGeom>
+          <a:noFill/>
+        </p:spPr>
+        <p:txBody>
+          <a:bodyPr wrap="none" rtlCol="0">
+            <a:spAutoFit/>
+          </a:bodyPr>
+          <a:lstStyle/>
+          <a:p>
+            <a:r>
+              <a:rPr lang="de-DE" sz="1400" smtClean="0"/>
+              <a:t>int</a:t>
+            </a:r>
+            <a:endParaRPr lang="de-DE" sz="1400"/>
+          </a:p>
+        </p:txBody>
+      </p:sp>
+      <p:sp>
+        <p:nvSpPr>
+          <p:cNvPr id="48" name="Textfeld 47"/>
+          <p:cNvSpPr txBox="1"/>
+          <p:nvPr/>
+        </p:nvSpPr>
+        <p:spPr>
+          <a:xfrm>
+            <a:off x="4910019" y="1241954"/>
+            <a:ext cx="276038" cy="307777"/>
+          </a:xfrm>
+          <a:prstGeom prst="rect">
+            <a:avLst/>
+          </a:prstGeom>
+          <a:noFill/>
+        </p:spPr>
+        <p:txBody>
+          <a:bodyPr wrap="none" rtlCol="0">
+            <a:spAutoFit/>
+          </a:bodyPr>
+          <a:lstStyle/>
+          <a:p>
+            <a:r>
+              <a:rPr lang="de-DE" sz="1400" smtClean="0"/>
+              <a:t>2</a:t>
+            </a:r>
+            <a:endParaRPr lang="de-DE" sz="1400"/>
+          </a:p>
+        </p:txBody>
+      </p:sp>
+      <p:sp>
+        <p:nvSpPr>
+          <p:cNvPr id="49" name="Rechteck 48"/>
+          <p:cNvSpPr/>
+          <p:nvPr/>
+        </p:nvSpPr>
+        <p:spPr>
+          <a:xfrm>
+            <a:off x="3953051" y="1607142"/>
+            <a:ext cx="950025" cy="308758"/>
+          </a:xfrm>
+          <a:prstGeom prst="rect">
+            <a:avLst/>
+          </a:prstGeom>
+        </p:spPr>
+        <p:style>
+          <a:lnRef idx="2">
+            <a:schemeClr val="accent1">
+              <a:shade val="50000"/>
+            </a:schemeClr>
+          </a:lnRef>
+          <a:fillRef idx="1">
+            <a:schemeClr val="accent1"/>
+          </a:fillRef>
+          <a:effectRef idx="0">
+            <a:schemeClr val="accent1"/>
+          </a:effectRef>
+          <a:fontRef idx="minor">
+            <a:schemeClr val="lt1"/>
+          </a:fontRef>
+        </p:style>
+        <p:txBody>
+          <a:bodyPr rtlCol="0" anchor="ctr"/>
+          <a:lstStyle/>
+          <a:p>
+            <a:pPr algn="ctr"/>
+            <a:r>
+              <a:rPr lang="de-DE" sz="1400" smtClean="0"/>
+              <a:t>0</a:t>
+            </a:r>
+            <a:endParaRPr lang="de-DE" sz="1400"/>
+          </a:p>
+        </p:txBody>
+      </p:sp>
+      <p:sp>
+        <p:nvSpPr>
+          <p:cNvPr id="50" name="Textfeld 49"/>
+          <p:cNvSpPr txBox="1"/>
+          <p:nvPr/>
+        </p:nvSpPr>
+        <p:spPr>
+          <a:xfrm>
+            <a:off x="3420288" y="1521020"/>
+            <a:ext cx="380169" cy="307777"/>
+          </a:xfrm>
+          <a:prstGeom prst="rect">
+            <a:avLst/>
+          </a:prstGeom>
+          <a:noFill/>
+        </p:spPr>
+        <p:txBody>
+          <a:bodyPr wrap="none" rtlCol="0">
+            <a:spAutoFit/>
+          </a:bodyPr>
+          <a:lstStyle/>
+          <a:p>
+            <a:r>
+              <a:rPr lang="de-DE" sz="1400" smtClean="0"/>
+              <a:t>int</a:t>
+            </a:r>
+            <a:endParaRPr lang="de-DE" sz="1400"/>
+          </a:p>
+        </p:txBody>
+      </p:sp>
+      <p:sp>
+        <p:nvSpPr>
+          <p:cNvPr id="51" name="Textfeld 50"/>
+          <p:cNvSpPr txBox="1"/>
+          <p:nvPr/>
+        </p:nvSpPr>
+        <p:spPr>
+          <a:xfrm>
+            <a:off x="4885361" y="1608123"/>
+            <a:ext cx="276038" cy="307777"/>
+          </a:xfrm>
+          <a:prstGeom prst="rect">
+            <a:avLst/>
+          </a:prstGeom>
+          <a:noFill/>
+        </p:spPr>
+        <p:txBody>
+          <a:bodyPr wrap="none" rtlCol="0">
+            <a:spAutoFit/>
+          </a:bodyPr>
+          <a:lstStyle/>
+          <a:p>
+            <a:r>
+              <a:rPr lang="de-DE" sz="1400" smtClean="0"/>
+              <a:t>3</a:t>
+            </a:r>
+            <a:endParaRPr lang="de-DE" sz="1400"/>
+          </a:p>
+        </p:txBody>
+      </p:sp>
+      <p:sp>
+        <p:nvSpPr>
+          <p:cNvPr id="52" name="Rechteck 51"/>
+          <p:cNvSpPr/>
+          <p:nvPr/>
+        </p:nvSpPr>
+        <p:spPr>
+          <a:xfrm>
+            <a:off x="3953051" y="1915900"/>
+            <a:ext cx="950025" cy="308758"/>
+          </a:xfrm>
+          <a:prstGeom prst="rect">
+            <a:avLst/>
+          </a:prstGeom>
+        </p:spPr>
+        <p:style>
+          <a:lnRef idx="2">
+            <a:schemeClr val="accent1">
+              <a:shade val="50000"/>
+            </a:schemeClr>
+          </a:lnRef>
+          <a:fillRef idx="1">
+            <a:schemeClr val="accent1"/>
+          </a:fillRef>
+          <a:effectRef idx="0">
+            <a:schemeClr val="accent1"/>
+          </a:effectRef>
+          <a:fontRef idx="minor">
+            <a:schemeClr val="lt1"/>
+          </a:fontRef>
+        </p:style>
+        <p:txBody>
+          <a:bodyPr rtlCol="0" anchor="ctr"/>
+          <a:lstStyle/>
+          <a:p>
+            <a:pPr algn="ctr"/>
+            <a:r>
+              <a:rPr lang="de-DE" sz="1400" smtClean="0"/>
+              <a:t>0</a:t>
+            </a:r>
+            <a:endParaRPr lang="de-DE" sz="1400"/>
+          </a:p>
+        </p:txBody>
+      </p:sp>
+      <p:sp>
+        <p:nvSpPr>
+          <p:cNvPr id="53" name="Textfeld 52"/>
+          <p:cNvSpPr txBox="1"/>
+          <p:nvPr/>
+        </p:nvSpPr>
+        <p:spPr>
+          <a:xfrm>
+            <a:off x="3420288" y="1829778"/>
+            <a:ext cx="380169" cy="307777"/>
+          </a:xfrm>
+          <a:prstGeom prst="rect">
+            <a:avLst/>
+          </a:prstGeom>
+          <a:noFill/>
+        </p:spPr>
+        <p:txBody>
+          <a:bodyPr wrap="none" rtlCol="0">
+            <a:spAutoFit/>
+          </a:bodyPr>
+          <a:lstStyle/>
+          <a:p>
+            <a:r>
+              <a:rPr lang="de-DE" sz="1400" smtClean="0"/>
+              <a:t>int</a:t>
+            </a:r>
+            <a:endParaRPr lang="de-DE" sz="1400"/>
+          </a:p>
+        </p:txBody>
+      </p:sp>
+      <p:sp>
+        <p:nvSpPr>
+          <p:cNvPr id="54" name="Textfeld 53"/>
+          <p:cNvSpPr txBox="1"/>
+          <p:nvPr/>
+        </p:nvSpPr>
+        <p:spPr>
+          <a:xfrm>
+            <a:off x="4885361" y="1916881"/>
+            <a:ext cx="276038" cy="307777"/>
+          </a:xfrm>
+          <a:prstGeom prst="rect">
+            <a:avLst/>
+          </a:prstGeom>
+          <a:noFill/>
+        </p:spPr>
+        <p:txBody>
+          <a:bodyPr wrap="none" rtlCol="0">
+            <a:spAutoFit/>
+          </a:bodyPr>
+          <a:lstStyle/>
+          <a:p>
+            <a:r>
+              <a:rPr lang="de-DE" sz="1400" smtClean="0"/>
+              <a:t>4</a:t>
+            </a:r>
+            <a:endParaRPr lang="de-DE" sz="1400"/>
+          </a:p>
+        </p:txBody>
+      </p:sp>
+      <p:sp>
+        <p:nvSpPr>
+          <p:cNvPr id="2" name="Textfeld 1"/>
+          <p:cNvSpPr txBox="1"/>
+          <p:nvPr/>
+        </p:nvSpPr>
+        <p:spPr>
+          <a:xfrm>
+            <a:off x="368135" y="1462628"/>
+            <a:ext cx="567784" cy="369332"/>
+          </a:xfrm>
+          <a:prstGeom prst="rect">
+            <a:avLst/>
+          </a:prstGeom>
+          <a:noFill/>
+        </p:spPr>
+        <p:txBody>
+          <a:bodyPr wrap="none" rtlCol="0">
+            <a:spAutoFit/>
+          </a:bodyPr>
+          <a:lstStyle/>
+          <a:p>
+            <a:r>
+              <a:rPr lang="de-DE" smtClean="0"/>
+              <a:t>tmp</a:t>
+            </a:r>
+            <a:endParaRPr lang="de-DE"/>
+          </a:p>
+        </p:txBody>
+      </p:sp>
+      <p:cxnSp>
+        <p:nvCxnSpPr>
+          <p:cNvPr id="55" name="Gerade Verbindung mit Pfeil 54"/>
+          <p:cNvCxnSpPr/>
+          <p:nvPr/>
+        </p:nvCxnSpPr>
+        <p:spPr>
+          <a:xfrm flipV="1">
+            <a:off x="886051" y="1090245"/>
+            <a:ext cx="2954948" cy="501596"/>
+          </a:xfrm>
+          <a:prstGeom prst="straightConnector1">
+            <a:avLst/>
+          </a:prstGeom>
+          <a:ln>
+            <a:tailEnd type="triangle"/>
+          </a:ln>
+        </p:spPr>
+        <p:style>
+          <a:lnRef idx="1">
+            <a:schemeClr val="accent1"/>
+          </a:lnRef>
+          <a:fillRef idx="0">
+            <a:schemeClr val="accent1"/>
+          </a:fillRef>
+          <a:effectRef idx="0">
+            <a:schemeClr val="accent1"/>
+          </a:effectRef>
+          <a:fontRef idx="minor">
+            <a:schemeClr val="tx1"/>
+          </a:fontRef>
+        </p:style>
+      </p:cxnSp>
+      <p:cxnSp>
+        <p:nvCxnSpPr>
+          <p:cNvPr id="57" name="Gerade Verbindung mit Pfeil 56"/>
+          <p:cNvCxnSpPr/>
+          <p:nvPr/>
+        </p:nvCxnSpPr>
+        <p:spPr>
+          <a:xfrm flipV="1">
+            <a:off x="3068022" y="2730124"/>
+            <a:ext cx="993965" cy="1630627"/>
+          </a:xfrm>
+          <a:prstGeom prst="straightConnector1">
+            <a:avLst/>
+          </a:prstGeom>
+          <a:ln>
+            <a:solidFill>
+              <a:srgbClr val="FF0000"/>
+            </a:solidFill>
+            <a:tailEnd type="triangle"/>
+          </a:ln>
+        </p:spPr>
+        <p:style>
+          <a:lnRef idx="1">
+            <a:schemeClr val="accent1"/>
+          </a:lnRef>
+          <a:fillRef idx="0">
+            <a:schemeClr val="accent1"/>
+          </a:fillRef>
+          <a:effectRef idx="0">
+            <a:schemeClr val="accent1"/>
+          </a:effectRef>
+          <a:fontRef idx="minor">
+            <a:schemeClr val="tx1"/>
+          </a:fontRef>
+        </p:style>
+      </p:cxnSp>
+    </p:spTree>
+    <p:extLst>
+      <p:ext uri="{BB962C8B-B14F-4D97-AF65-F5344CB8AC3E}">
+        <p14:creationId xmlns:p14="http://schemas.microsoft.com/office/powerpoint/2010/main" val="310180130"/>
+      </p:ext>
+    </p:extLst>
+  </p:cSld>
+  <p:clrMapOvr>
+    <a:masterClrMapping/>
+  </p:clrMapOvr>
+</p:sld>
+</file>
+
+<file path=ppt/slides/slide13.xml><?xml version="1.0" encoding="utf-8"?>
+<p:sld xmlns:a="http://schemas.openxmlformats.org/drawingml/2006/main" xmlns:r="http://schemas.openxmlformats.org/officeDocument/2006/relationships" xmlns:p="http://schemas.openxmlformats.org/presentationml/2006/main">
+  <p:cSld>
+    <p:spTree>
+      <p:nvGrpSpPr>
+        <p:cNvPr id="1" name=""/>
+        <p:cNvGrpSpPr/>
+        <p:nvPr/>
+      </p:nvGrpSpPr>
+      <p:grpSpPr>
+        <a:xfrm>
+          <a:off x="0" y="0"/>
+          <a:ext cx="0" cy="0"/>
+          <a:chOff x="0" y="0"/>
+          <a:chExt cx="0" cy="0"/>
+        </a:xfrm>
+      </p:grpSpPr>
+      <p:cxnSp>
+        <p:nvCxnSpPr>
+          <p:cNvPr id="5" name="Gerader Verbinder 4"/>
+          <p:cNvCxnSpPr/>
+          <p:nvPr/>
+        </p:nvCxnSpPr>
+        <p:spPr>
+          <a:xfrm>
+            <a:off x="1757548" y="368135"/>
+            <a:ext cx="0" cy="6210795"/>
+          </a:xfrm>
+          <a:prstGeom prst="line">
+            <a:avLst/>
+          </a:prstGeom>
+        </p:spPr>
+        <p:style>
+          <a:lnRef idx="1">
+            <a:schemeClr val="accent1"/>
+          </a:lnRef>
+          <a:fillRef idx="0">
+            <a:schemeClr val="accent1"/>
+          </a:fillRef>
+          <a:effectRef idx="0">
+            <a:schemeClr val="accent1"/>
+          </a:effectRef>
+          <a:fontRef idx="minor">
+            <a:schemeClr val="tx1"/>
+          </a:fontRef>
+        </p:style>
+      </p:cxnSp>
+      <p:sp>
+        <p:nvSpPr>
+          <p:cNvPr id="6" name="Textfeld 5"/>
+          <p:cNvSpPr txBox="1"/>
+          <p:nvPr/>
+        </p:nvSpPr>
+        <p:spPr>
+          <a:xfrm>
+            <a:off x="9417132" y="368135"/>
+            <a:ext cx="2426690" cy="2585323"/>
+          </a:xfrm>
+          <a:prstGeom prst="rect">
+            <a:avLst/>
+          </a:prstGeom>
+          <a:noFill/>
+        </p:spPr>
+        <p:txBody>
+          <a:bodyPr wrap="none" rtlCol="0">
+            <a:spAutoFit/>
+          </a:bodyPr>
+          <a:lstStyle/>
+          <a:p>
+            <a:r>
+              <a:rPr lang="de-DE" smtClean="0"/>
+              <a:t>int[][] arr = new int[2][];</a:t>
+            </a:r>
+          </a:p>
+          <a:p>
+            <a:endParaRPr lang="de-DE" smtClean="0"/>
+          </a:p>
+          <a:p>
+            <a:r>
+              <a:rPr lang="de-DE" smtClean="0"/>
+              <a:t>arr[0] = new int[3];</a:t>
+            </a:r>
+          </a:p>
+          <a:p>
+            <a:endParaRPr lang="de-DE"/>
+          </a:p>
+          <a:p>
+            <a:r>
+              <a:rPr lang="de-DE" smtClean="0"/>
+              <a:t>int[] tmp = new int[5];</a:t>
+            </a:r>
+          </a:p>
+          <a:p>
+            <a:endParaRPr lang="de-DE" smtClean="0"/>
+          </a:p>
+          <a:p>
+            <a:r>
+              <a:rPr lang="de-DE" smtClean="0"/>
+              <a:t>arr[1] = tmp;</a:t>
+            </a:r>
+          </a:p>
+          <a:p>
+            <a:endParaRPr lang="de-DE"/>
+          </a:p>
+          <a:p>
+            <a:endParaRPr lang="de-DE"/>
+          </a:p>
+        </p:txBody>
+      </p:sp>
+      <p:sp>
+        <p:nvSpPr>
+          <p:cNvPr id="7" name="Textfeld 6"/>
+          <p:cNvSpPr txBox="1"/>
+          <p:nvPr/>
+        </p:nvSpPr>
+        <p:spPr>
+          <a:xfrm>
+            <a:off x="209176" y="4754270"/>
+            <a:ext cx="455574" cy="369332"/>
+          </a:xfrm>
+          <a:prstGeom prst="rect">
+            <a:avLst/>
+          </a:prstGeom>
+          <a:noFill/>
+        </p:spPr>
+        <p:txBody>
+          <a:bodyPr wrap="none" rtlCol="0">
+            <a:spAutoFit/>
+          </a:bodyPr>
+          <a:lstStyle/>
+          <a:p>
+            <a:r>
+              <a:rPr lang="de-DE" smtClean="0"/>
+              <a:t>arr</a:t>
+            </a:r>
+            <a:endParaRPr lang="de-DE"/>
+          </a:p>
+        </p:txBody>
+      </p:sp>
+      <p:sp>
+        <p:nvSpPr>
+          <p:cNvPr id="8" name="Rechteck 7"/>
+          <p:cNvSpPr/>
+          <p:nvPr/>
+        </p:nvSpPr>
+        <p:spPr>
+          <a:xfrm>
+            <a:off x="2399963" y="3728851"/>
+            <a:ext cx="1199408" cy="1281335"/>
+          </a:xfrm>
+          <a:prstGeom prst="rect">
+            <a:avLst/>
+          </a:prstGeom>
+        </p:spPr>
+        <p:style>
+          <a:lnRef idx="2">
+            <a:schemeClr val="accent1">
+              <a:shade val="50000"/>
+            </a:schemeClr>
+          </a:lnRef>
+          <a:fillRef idx="1">
+            <a:schemeClr val="accent1"/>
+          </a:fillRef>
+          <a:effectRef idx="0">
+            <a:schemeClr val="accent1"/>
+          </a:effectRef>
+          <a:fontRef idx="minor">
+            <a:schemeClr val="lt1"/>
+          </a:fontRef>
+        </p:style>
+        <p:txBody>
+          <a:bodyPr rtlCol="0" anchor="ctr"/>
+          <a:lstStyle/>
+          <a:p>
+            <a:pPr algn="ctr"/>
+            <a:endParaRPr lang="de-DE"/>
+          </a:p>
+        </p:txBody>
+      </p:sp>
+      <p:sp>
+        <p:nvSpPr>
+          <p:cNvPr id="9" name="Textfeld 8"/>
+          <p:cNvSpPr txBox="1"/>
+          <p:nvPr/>
+        </p:nvSpPr>
+        <p:spPr>
+          <a:xfrm>
+            <a:off x="2999667" y="3359519"/>
+            <a:ext cx="716350" cy="369332"/>
+          </a:xfrm>
+          <a:prstGeom prst="rect">
+            <a:avLst/>
+          </a:prstGeom>
+          <a:noFill/>
+        </p:spPr>
+        <p:txBody>
+          <a:bodyPr wrap="none" rtlCol="0">
+            <a:spAutoFit/>
+          </a:bodyPr>
+          <a:lstStyle/>
+          <a:p>
+            <a:r>
+              <a:rPr lang="de-DE" smtClean="0"/>
+              <a:t>int[][]</a:t>
+            </a:r>
+            <a:endParaRPr lang="de-DE"/>
+          </a:p>
+        </p:txBody>
+      </p:sp>
+      <p:sp>
+        <p:nvSpPr>
+          <p:cNvPr id="10" name="Rechteck 9"/>
+          <p:cNvSpPr/>
+          <p:nvPr/>
+        </p:nvSpPr>
+        <p:spPr>
+          <a:xfrm>
+            <a:off x="2505694" y="3859481"/>
+            <a:ext cx="950025" cy="308758"/>
+          </a:xfrm>
+          <a:prstGeom prst="rect">
+            <a:avLst/>
+          </a:prstGeom>
+        </p:spPr>
+        <p:style>
+          <a:lnRef idx="2">
+            <a:schemeClr val="accent1">
+              <a:shade val="50000"/>
+            </a:schemeClr>
+          </a:lnRef>
+          <a:fillRef idx="1">
+            <a:schemeClr val="accent1"/>
+          </a:fillRef>
+          <a:effectRef idx="0">
+            <a:schemeClr val="accent1"/>
+          </a:effectRef>
+          <a:fontRef idx="minor">
+            <a:schemeClr val="lt1"/>
+          </a:fontRef>
+        </p:style>
+        <p:txBody>
+          <a:bodyPr rtlCol="0" anchor="ctr"/>
+          <a:lstStyle/>
+          <a:p>
+            <a:pPr algn="ctr"/>
+            <a:endParaRPr lang="de-DE" sz="1400"/>
+          </a:p>
+        </p:txBody>
+      </p:sp>
+      <p:sp>
+        <p:nvSpPr>
+          <p:cNvPr id="11" name="Rechteck 10"/>
+          <p:cNvSpPr/>
+          <p:nvPr/>
+        </p:nvSpPr>
+        <p:spPr>
+          <a:xfrm>
+            <a:off x="2505693" y="4193188"/>
+            <a:ext cx="950025" cy="308758"/>
+          </a:xfrm>
+          <a:prstGeom prst="rect">
+            <a:avLst/>
+          </a:prstGeom>
+        </p:spPr>
+        <p:style>
+          <a:lnRef idx="2">
+            <a:schemeClr val="accent1">
+              <a:shade val="50000"/>
+            </a:schemeClr>
+          </a:lnRef>
+          <a:fillRef idx="1">
+            <a:schemeClr val="accent1"/>
+          </a:fillRef>
+          <a:effectRef idx="0">
+            <a:schemeClr val="accent1"/>
+          </a:effectRef>
+          <a:fontRef idx="minor">
+            <a:schemeClr val="lt1"/>
+          </a:fontRef>
+        </p:style>
+        <p:txBody>
+          <a:bodyPr rtlCol="0" anchor="ctr"/>
+          <a:lstStyle/>
+          <a:p>
+            <a:pPr algn="ctr"/>
+            <a:endParaRPr lang="de-DE" sz="1400"/>
+          </a:p>
+        </p:txBody>
+      </p:sp>
+      <p:sp>
+        <p:nvSpPr>
+          <p:cNvPr id="12" name="Textfeld 11"/>
+          <p:cNvSpPr txBox="1"/>
+          <p:nvPr/>
+        </p:nvSpPr>
+        <p:spPr>
+          <a:xfrm>
+            <a:off x="1972930" y="3798907"/>
+            <a:ext cx="489173" cy="307777"/>
+          </a:xfrm>
+          <a:prstGeom prst="rect">
+            <a:avLst/>
+          </a:prstGeom>
+          <a:noFill/>
+        </p:spPr>
+        <p:txBody>
+          <a:bodyPr wrap="none" rtlCol="0">
+            <a:spAutoFit/>
+          </a:bodyPr>
+          <a:lstStyle/>
+          <a:p>
+            <a:r>
+              <a:rPr lang="de-DE" sz="1400" smtClean="0"/>
+              <a:t>int[]</a:t>
+            </a:r>
+            <a:endParaRPr lang="de-DE" sz="1400"/>
+          </a:p>
+        </p:txBody>
+      </p:sp>
+      <p:sp>
+        <p:nvSpPr>
+          <p:cNvPr id="13" name="Textfeld 12"/>
+          <p:cNvSpPr txBox="1"/>
+          <p:nvPr/>
+        </p:nvSpPr>
+        <p:spPr>
+          <a:xfrm>
+            <a:off x="1972930" y="4107066"/>
+            <a:ext cx="489173" cy="307777"/>
+          </a:xfrm>
+          <a:prstGeom prst="rect">
+            <a:avLst/>
+          </a:prstGeom>
+          <a:noFill/>
+        </p:spPr>
+        <p:txBody>
+          <a:bodyPr wrap="none" rtlCol="0">
+            <a:spAutoFit/>
+          </a:bodyPr>
+          <a:lstStyle/>
+          <a:p>
+            <a:r>
+              <a:rPr lang="de-DE" sz="1400" smtClean="0"/>
+              <a:t>int[]</a:t>
+            </a:r>
+            <a:endParaRPr lang="de-DE" sz="1400"/>
+          </a:p>
+        </p:txBody>
+      </p:sp>
+      <p:sp>
+        <p:nvSpPr>
+          <p:cNvPr id="14" name="Rechteck 13"/>
+          <p:cNvSpPr/>
+          <p:nvPr/>
+        </p:nvSpPr>
+        <p:spPr>
+          <a:xfrm>
+            <a:off x="2505692" y="4630178"/>
+            <a:ext cx="950025" cy="308758"/>
+          </a:xfrm>
+          <a:prstGeom prst="rect">
+            <a:avLst/>
+          </a:prstGeom>
+        </p:spPr>
+        <p:style>
+          <a:lnRef idx="2">
+            <a:schemeClr val="accent1">
+              <a:shade val="50000"/>
+            </a:schemeClr>
+          </a:lnRef>
+          <a:fillRef idx="1">
+            <a:schemeClr val="accent1"/>
+          </a:fillRef>
+          <a:effectRef idx="0">
+            <a:schemeClr val="accent1"/>
+          </a:effectRef>
+          <a:fontRef idx="minor">
+            <a:schemeClr val="lt1"/>
+          </a:fontRef>
+        </p:style>
+        <p:txBody>
+          <a:bodyPr rtlCol="0" anchor="ctr"/>
+          <a:lstStyle/>
+          <a:p>
+            <a:pPr algn="ctr"/>
+            <a:r>
+              <a:rPr lang="de-DE" sz="1400" smtClean="0"/>
+              <a:t>2</a:t>
+            </a:r>
+            <a:endParaRPr lang="de-DE" sz="1400"/>
+          </a:p>
+        </p:txBody>
+      </p:sp>
+      <p:sp>
+        <p:nvSpPr>
+          <p:cNvPr id="15" name="Textfeld 14"/>
+          <p:cNvSpPr txBox="1"/>
+          <p:nvPr/>
+        </p:nvSpPr>
+        <p:spPr>
+          <a:xfrm>
+            <a:off x="2004533" y="4569604"/>
+            <a:ext cx="380169" cy="307777"/>
+          </a:xfrm>
+          <a:prstGeom prst="rect">
+            <a:avLst/>
+          </a:prstGeom>
+          <a:noFill/>
+        </p:spPr>
+        <p:txBody>
+          <a:bodyPr wrap="none" rtlCol="0">
+            <a:spAutoFit/>
+          </a:bodyPr>
+          <a:lstStyle/>
+          <a:p>
+            <a:r>
+              <a:rPr lang="de-DE" sz="1400" smtClean="0"/>
+              <a:t>int</a:t>
+            </a:r>
+            <a:endParaRPr lang="de-DE" sz="1400"/>
+          </a:p>
+        </p:txBody>
+      </p:sp>
+      <p:sp>
+        <p:nvSpPr>
+          <p:cNvPr id="16" name="Textfeld 15"/>
+          <p:cNvSpPr txBox="1"/>
+          <p:nvPr/>
+        </p:nvSpPr>
+        <p:spPr>
+          <a:xfrm>
+            <a:off x="3462661" y="4640854"/>
+            <a:ext cx="648447" cy="307777"/>
+          </a:xfrm>
+          <a:prstGeom prst="rect">
+            <a:avLst/>
+          </a:prstGeom>
+          <a:noFill/>
+        </p:spPr>
+        <p:txBody>
+          <a:bodyPr wrap="none" rtlCol="0">
+            <a:spAutoFit/>
+          </a:bodyPr>
+          <a:lstStyle/>
+          <a:p>
+            <a:r>
+              <a:rPr lang="de-DE" sz="1400" smtClean="0"/>
+              <a:t>length</a:t>
+            </a:r>
+            <a:endParaRPr lang="de-DE" sz="1400"/>
+          </a:p>
+        </p:txBody>
+      </p:sp>
+      <p:cxnSp>
+        <p:nvCxnSpPr>
+          <p:cNvPr id="18" name="Gerade Verbindung mit Pfeil 17"/>
+          <p:cNvCxnSpPr>
+            <a:stCxn id="7" idx="3"/>
+          </p:cNvCxnSpPr>
+          <p:nvPr/>
+        </p:nvCxnSpPr>
+        <p:spPr>
+          <a:xfrm flipV="1">
+            <a:off x="664750" y="4501946"/>
+            <a:ext cx="1719952" cy="436990"/>
+          </a:xfrm>
+          <a:prstGeom prst="straightConnector1">
+            <a:avLst/>
+          </a:prstGeom>
+          <a:ln>
+            <a:tailEnd type="triangle"/>
+          </a:ln>
+        </p:spPr>
+        <p:style>
+          <a:lnRef idx="1">
+            <a:schemeClr val="accent1"/>
+          </a:lnRef>
+          <a:fillRef idx="0">
+            <a:schemeClr val="accent1"/>
+          </a:fillRef>
+          <a:effectRef idx="0">
+            <a:schemeClr val="accent1"/>
+          </a:effectRef>
+          <a:fontRef idx="minor">
+            <a:schemeClr val="tx1"/>
+          </a:fontRef>
+        </p:style>
+      </p:cxnSp>
+      <p:sp>
+        <p:nvSpPr>
+          <p:cNvPr id="20" name="Textfeld 19"/>
+          <p:cNvSpPr txBox="1"/>
+          <p:nvPr/>
+        </p:nvSpPr>
+        <p:spPr>
+          <a:xfrm>
+            <a:off x="3438003" y="3854634"/>
+            <a:ext cx="276038" cy="307777"/>
+          </a:xfrm>
+          <a:prstGeom prst="rect">
+            <a:avLst/>
+          </a:prstGeom>
+          <a:noFill/>
+        </p:spPr>
+        <p:txBody>
+          <a:bodyPr wrap="none" rtlCol="0">
+            <a:spAutoFit/>
+          </a:bodyPr>
+          <a:lstStyle/>
+          <a:p>
+            <a:r>
+              <a:rPr lang="de-DE" sz="1400" smtClean="0"/>
+              <a:t>0</a:t>
+            </a:r>
+            <a:endParaRPr lang="de-DE" sz="1400"/>
+          </a:p>
+        </p:txBody>
+      </p:sp>
+      <p:sp>
+        <p:nvSpPr>
+          <p:cNvPr id="21" name="Textfeld 20"/>
+          <p:cNvSpPr txBox="1"/>
+          <p:nvPr/>
+        </p:nvSpPr>
+        <p:spPr>
+          <a:xfrm>
+            <a:off x="3438003" y="4194169"/>
+            <a:ext cx="276038" cy="307777"/>
+          </a:xfrm>
+          <a:prstGeom prst="rect">
+            <a:avLst/>
+          </a:prstGeom>
+          <a:noFill/>
+        </p:spPr>
+        <p:txBody>
+          <a:bodyPr wrap="none" rtlCol="0">
+            <a:spAutoFit/>
+          </a:bodyPr>
+          <a:lstStyle/>
+          <a:p>
+            <a:r>
+              <a:rPr lang="de-DE" sz="1400" smtClean="0"/>
+              <a:t>1</a:t>
+            </a:r>
+            <a:endParaRPr lang="de-DE" sz="1400"/>
+          </a:p>
+        </p:txBody>
+      </p:sp>
+      <p:sp>
+        <p:nvSpPr>
+          <p:cNvPr id="17" name="Rechteck 16"/>
+          <p:cNvSpPr/>
+          <p:nvPr/>
+        </p:nvSpPr>
+        <p:spPr>
+          <a:xfrm>
+            <a:off x="6390072" y="2076985"/>
+            <a:ext cx="1199408" cy="1721922"/>
+          </a:xfrm>
+          <a:prstGeom prst="rect">
+            <a:avLst/>
+          </a:prstGeom>
+        </p:spPr>
+        <p:style>
+          <a:lnRef idx="2">
+            <a:schemeClr val="accent1">
+              <a:shade val="50000"/>
+            </a:schemeClr>
+          </a:lnRef>
+          <a:fillRef idx="1">
+            <a:schemeClr val="accent1"/>
+          </a:fillRef>
+          <a:effectRef idx="0">
+            <a:schemeClr val="accent1"/>
+          </a:effectRef>
+          <a:fontRef idx="minor">
+            <a:schemeClr val="lt1"/>
+          </a:fontRef>
+        </p:style>
+        <p:txBody>
+          <a:bodyPr rtlCol="0" anchor="ctr"/>
+          <a:lstStyle/>
+          <a:p>
+            <a:pPr algn="ctr"/>
+            <a:endParaRPr lang="de-DE"/>
+          </a:p>
+        </p:txBody>
+      </p:sp>
+      <p:sp>
+        <p:nvSpPr>
+          <p:cNvPr id="19" name="Textfeld 18"/>
+          <p:cNvSpPr txBox="1"/>
+          <p:nvPr/>
+        </p:nvSpPr>
+        <p:spPr>
+          <a:xfrm>
+            <a:off x="6989776" y="1707653"/>
+            <a:ext cx="575286" cy="369332"/>
+          </a:xfrm>
+          <a:prstGeom prst="rect">
+            <a:avLst/>
+          </a:prstGeom>
+          <a:noFill/>
+        </p:spPr>
+        <p:txBody>
+          <a:bodyPr wrap="none" rtlCol="0">
+            <a:spAutoFit/>
+          </a:bodyPr>
+          <a:lstStyle/>
+          <a:p>
+            <a:r>
+              <a:rPr lang="de-DE" smtClean="0"/>
+              <a:t>int[]</a:t>
+            </a:r>
+            <a:endParaRPr lang="de-DE"/>
+          </a:p>
+        </p:txBody>
+      </p:sp>
+      <p:sp>
+        <p:nvSpPr>
+          <p:cNvPr id="22" name="Rechteck 21"/>
+          <p:cNvSpPr/>
+          <p:nvPr/>
+        </p:nvSpPr>
+        <p:spPr>
+          <a:xfrm>
+            <a:off x="6495803" y="2207615"/>
+            <a:ext cx="950025" cy="308758"/>
+          </a:xfrm>
+          <a:prstGeom prst="rect">
+            <a:avLst/>
+          </a:prstGeom>
+        </p:spPr>
+        <p:style>
+          <a:lnRef idx="2">
+            <a:schemeClr val="accent1">
+              <a:shade val="50000"/>
+            </a:schemeClr>
+          </a:lnRef>
+          <a:fillRef idx="1">
+            <a:schemeClr val="accent1"/>
+          </a:fillRef>
+          <a:effectRef idx="0">
+            <a:schemeClr val="accent1"/>
+          </a:effectRef>
+          <a:fontRef idx="minor">
+            <a:schemeClr val="lt1"/>
+          </a:fontRef>
+        </p:style>
+        <p:txBody>
+          <a:bodyPr rtlCol="0" anchor="ctr"/>
+          <a:lstStyle/>
+          <a:p>
+            <a:pPr algn="ctr"/>
+            <a:r>
+              <a:rPr lang="de-DE" sz="1400" smtClean="0"/>
+              <a:t>0</a:t>
+            </a:r>
+            <a:endParaRPr lang="de-DE" sz="1400"/>
+          </a:p>
+        </p:txBody>
+      </p:sp>
+      <p:sp>
+        <p:nvSpPr>
+          <p:cNvPr id="23" name="Rechteck 22"/>
+          <p:cNvSpPr/>
+          <p:nvPr/>
+        </p:nvSpPr>
+        <p:spPr>
+          <a:xfrm>
+            <a:off x="6495802" y="2541322"/>
+            <a:ext cx="950025" cy="308758"/>
+          </a:xfrm>
+          <a:prstGeom prst="rect">
+            <a:avLst/>
+          </a:prstGeom>
+        </p:spPr>
+        <p:style>
+          <a:lnRef idx="2">
+            <a:schemeClr val="accent1">
+              <a:shade val="50000"/>
+            </a:schemeClr>
+          </a:lnRef>
+          <a:fillRef idx="1">
+            <a:schemeClr val="accent1"/>
+          </a:fillRef>
+          <a:effectRef idx="0">
+            <a:schemeClr val="accent1"/>
+          </a:effectRef>
+          <a:fontRef idx="minor">
+            <a:schemeClr val="lt1"/>
+          </a:fontRef>
+        </p:style>
+        <p:txBody>
+          <a:bodyPr rtlCol="0" anchor="ctr"/>
+          <a:lstStyle/>
+          <a:p>
+            <a:pPr algn="ctr"/>
+            <a:r>
+              <a:rPr lang="de-DE" sz="1400" smtClean="0"/>
+              <a:t>0</a:t>
+            </a:r>
+            <a:endParaRPr lang="de-DE" sz="1400"/>
+          </a:p>
+        </p:txBody>
+      </p:sp>
+      <p:sp>
+        <p:nvSpPr>
+          <p:cNvPr id="24" name="Textfeld 23"/>
+          <p:cNvSpPr txBox="1"/>
+          <p:nvPr/>
+        </p:nvSpPr>
+        <p:spPr>
+          <a:xfrm>
+            <a:off x="5963039" y="2147041"/>
+            <a:ext cx="380169" cy="307777"/>
+          </a:xfrm>
+          <a:prstGeom prst="rect">
+            <a:avLst/>
+          </a:prstGeom>
+          <a:noFill/>
+        </p:spPr>
+        <p:txBody>
+          <a:bodyPr wrap="none" rtlCol="0">
+            <a:spAutoFit/>
+          </a:bodyPr>
+          <a:lstStyle/>
+          <a:p>
+            <a:r>
+              <a:rPr lang="de-DE" sz="1400" smtClean="0"/>
+              <a:t>int</a:t>
+            </a:r>
+            <a:endParaRPr lang="de-DE" sz="1400"/>
+          </a:p>
+        </p:txBody>
+      </p:sp>
+      <p:sp>
+        <p:nvSpPr>
+          <p:cNvPr id="25" name="Textfeld 24"/>
+          <p:cNvSpPr txBox="1"/>
+          <p:nvPr/>
+        </p:nvSpPr>
+        <p:spPr>
+          <a:xfrm>
+            <a:off x="5963039" y="2455200"/>
+            <a:ext cx="380169" cy="307777"/>
+          </a:xfrm>
+          <a:prstGeom prst="rect">
+            <a:avLst/>
+          </a:prstGeom>
+          <a:noFill/>
+        </p:spPr>
+        <p:txBody>
+          <a:bodyPr wrap="none" rtlCol="0">
+            <a:spAutoFit/>
+          </a:bodyPr>
+          <a:lstStyle/>
+          <a:p>
+            <a:r>
+              <a:rPr lang="de-DE" sz="1400" smtClean="0"/>
+              <a:t>int</a:t>
+            </a:r>
+            <a:endParaRPr lang="de-DE" sz="1400"/>
+          </a:p>
+        </p:txBody>
+      </p:sp>
+      <p:sp>
+        <p:nvSpPr>
+          <p:cNvPr id="26" name="Rechteck 25"/>
+          <p:cNvSpPr/>
+          <p:nvPr/>
+        </p:nvSpPr>
+        <p:spPr>
+          <a:xfrm>
+            <a:off x="6495801" y="3298944"/>
+            <a:ext cx="950025" cy="308758"/>
+          </a:xfrm>
+          <a:prstGeom prst="rect">
+            <a:avLst/>
+          </a:prstGeom>
+        </p:spPr>
+        <p:style>
+          <a:lnRef idx="2">
+            <a:schemeClr val="accent1">
+              <a:shade val="50000"/>
+            </a:schemeClr>
+          </a:lnRef>
+          <a:fillRef idx="1">
+            <a:schemeClr val="accent1"/>
+          </a:fillRef>
+          <a:effectRef idx="0">
+            <a:schemeClr val="accent1"/>
+          </a:effectRef>
+          <a:fontRef idx="minor">
+            <a:schemeClr val="lt1"/>
+          </a:fontRef>
+        </p:style>
+        <p:txBody>
+          <a:bodyPr rtlCol="0" anchor="ctr"/>
+          <a:lstStyle/>
+          <a:p>
+            <a:pPr algn="ctr"/>
+            <a:r>
+              <a:rPr lang="de-DE" sz="1400"/>
+              <a:t>3</a:t>
+            </a:r>
+          </a:p>
+        </p:txBody>
+      </p:sp>
+      <p:sp>
+        <p:nvSpPr>
+          <p:cNvPr id="27" name="Textfeld 26"/>
+          <p:cNvSpPr txBox="1"/>
+          <p:nvPr/>
+        </p:nvSpPr>
+        <p:spPr>
+          <a:xfrm>
+            <a:off x="5994642" y="3238370"/>
+            <a:ext cx="380169" cy="307777"/>
+          </a:xfrm>
+          <a:prstGeom prst="rect">
+            <a:avLst/>
+          </a:prstGeom>
+          <a:noFill/>
+        </p:spPr>
+        <p:txBody>
+          <a:bodyPr wrap="none" rtlCol="0">
+            <a:spAutoFit/>
+          </a:bodyPr>
+          <a:lstStyle/>
+          <a:p>
+            <a:r>
+              <a:rPr lang="de-DE" sz="1400" smtClean="0"/>
+              <a:t>int</a:t>
+            </a:r>
+            <a:endParaRPr lang="de-DE" sz="1400"/>
+          </a:p>
+        </p:txBody>
+      </p:sp>
+      <p:sp>
+        <p:nvSpPr>
+          <p:cNvPr id="28" name="Textfeld 27"/>
+          <p:cNvSpPr txBox="1"/>
+          <p:nvPr/>
+        </p:nvSpPr>
+        <p:spPr>
+          <a:xfrm>
+            <a:off x="7452770" y="3309620"/>
+            <a:ext cx="648447" cy="307777"/>
+          </a:xfrm>
+          <a:prstGeom prst="rect">
+            <a:avLst/>
+          </a:prstGeom>
+          <a:noFill/>
+        </p:spPr>
+        <p:txBody>
+          <a:bodyPr wrap="none" rtlCol="0">
+            <a:spAutoFit/>
+          </a:bodyPr>
+          <a:lstStyle/>
+          <a:p>
+            <a:r>
+              <a:rPr lang="de-DE" sz="1400" smtClean="0"/>
+              <a:t>length</a:t>
+            </a:r>
+            <a:endParaRPr lang="de-DE" sz="1400"/>
+          </a:p>
+        </p:txBody>
+      </p:sp>
+      <p:sp>
+        <p:nvSpPr>
+          <p:cNvPr id="29" name="Textfeld 28"/>
+          <p:cNvSpPr txBox="1"/>
+          <p:nvPr/>
+        </p:nvSpPr>
+        <p:spPr>
+          <a:xfrm>
+            <a:off x="7428112" y="2202768"/>
+            <a:ext cx="276038" cy="307777"/>
+          </a:xfrm>
+          <a:prstGeom prst="rect">
+            <a:avLst/>
+          </a:prstGeom>
+          <a:noFill/>
+        </p:spPr>
+        <p:txBody>
+          <a:bodyPr wrap="none" rtlCol="0">
+            <a:spAutoFit/>
+          </a:bodyPr>
+          <a:lstStyle/>
+          <a:p>
+            <a:r>
+              <a:rPr lang="de-DE" sz="1400" smtClean="0"/>
+              <a:t>0</a:t>
+            </a:r>
+            <a:endParaRPr lang="de-DE" sz="1400"/>
+          </a:p>
+        </p:txBody>
+      </p:sp>
+      <p:sp>
+        <p:nvSpPr>
+          <p:cNvPr id="30" name="Textfeld 29"/>
+          <p:cNvSpPr txBox="1"/>
+          <p:nvPr/>
+        </p:nvSpPr>
+        <p:spPr>
+          <a:xfrm>
+            <a:off x="7428112" y="2542303"/>
+            <a:ext cx="276038" cy="307777"/>
+          </a:xfrm>
+          <a:prstGeom prst="rect">
+            <a:avLst/>
+          </a:prstGeom>
+          <a:noFill/>
+        </p:spPr>
+        <p:txBody>
+          <a:bodyPr wrap="none" rtlCol="0">
+            <a:spAutoFit/>
+          </a:bodyPr>
+          <a:lstStyle/>
+          <a:p>
+            <a:r>
+              <a:rPr lang="de-DE" sz="1400" smtClean="0"/>
+              <a:t>1</a:t>
+            </a:r>
+            <a:endParaRPr lang="de-DE" sz="1400"/>
+          </a:p>
+        </p:txBody>
+      </p:sp>
+      <p:sp>
+        <p:nvSpPr>
+          <p:cNvPr id="31" name="Rechteck 30"/>
+          <p:cNvSpPr/>
+          <p:nvPr/>
+        </p:nvSpPr>
+        <p:spPr>
+          <a:xfrm>
+            <a:off x="6502745" y="2910654"/>
+            <a:ext cx="950025" cy="308758"/>
+          </a:xfrm>
+          <a:prstGeom prst="rect">
+            <a:avLst/>
+          </a:prstGeom>
+        </p:spPr>
+        <p:style>
+          <a:lnRef idx="2">
+            <a:schemeClr val="accent1">
+              <a:shade val="50000"/>
+            </a:schemeClr>
+          </a:lnRef>
+          <a:fillRef idx="1">
+            <a:schemeClr val="accent1"/>
+          </a:fillRef>
+          <a:effectRef idx="0">
+            <a:schemeClr val="accent1"/>
+          </a:effectRef>
+          <a:fontRef idx="minor">
+            <a:schemeClr val="lt1"/>
+          </a:fontRef>
+        </p:style>
+        <p:txBody>
+          <a:bodyPr rtlCol="0" anchor="ctr"/>
+          <a:lstStyle/>
+          <a:p>
+            <a:pPr algn="ctr"/>
+            <a:r>
+              <a:rPr lang="de-DE" sz="1400" smtClean="0"/>
+              <a:t>0</a:t>
+            </a:r>
+            <a:endParaRPr lang="de-DE" sz="1400"/>
+          </a:p>
+        </p:txBody>
+      </p:sp>
+      <p:sp>
+        <p:nvSpPr>
+          <p:cNvPr id="32" name="Textfeld 31"/>
+          <p:cNvSpPr txBox="1"/>
+          <p:nvPr/>
+        </p:nvSpPr>
+        <p:spPr>
+          <a:xfrm>
+            <a:off x="5969982" y="2824532"/>
+            <a:ext cx="380169" cy="307777"/>
+          </a:xfrm>
+          <a:prstGeom prst="rect">
+            <a:avLst/>
+          </a:prstGeom>
+          <a:noFill/>
+        </p:spPr>
+        <p:txBody>
+          <a:bodyPr wrap="none" rtlCol="0">
+            <a:spAutoFit/>
+          </a:bodyPr>
+          <a:lstStyle/>
+          <a:p>
+            <a:r>
+              <a:rPr lang="de-DE" sz="1400" smtClean="0"/>
+              <a:t>int</a:t>
+            </a:r>
+            <a:endParaRPr lang="de-DE" sz="1400"/>
+          </a:p>
+        </p:txBody>
+      </p:sp>
+      <p:sp>
+        <p:nvSpPr>
+          <p:cNvPr id="33" name="Textfeld 32"/>
+          <p:cNvSpPr txBox="1"/>
+          <p:nvPr/>
+        </p:nvSpPr>
+        <p:spPr>
+          <a:xfrm>
+            <a:off x="7435055" y="2911635"/>
+            <a:ext cx="276038" cy="307777"/>
+          </a:xfrm>
+          <a:prstGeom prst="rect">
+            <a:avLst/>
+          </a:prstGeom>
+          <a:noFill/>
+        </p:spPr>
+        <p:txBody>
+          <a:bodyPr wrap="none" rtlCol="0">
+            <a:spAutoFit/>
+          </a:bodyPr>
+          <a:lstStyle/>
+          <a:p>
+            <a:r>
+              <a:rPr lang="de-DE" sz="1400" smtClean="0"/>
+              <a:t>2</a:t>
+            </a:r>
+            <a:endParaRPr lang="de-DE" sz="1400"/>
+          </a:p>
+        </p:txBody>
+      </p:sp>
+      <p:cxnSp>
+        <p:nvCxnSpPr>
+          <p:cNvPr id="34" name="Gerade Verbindung mit Pfeil 33"/>
+          <p:cNvCxnSpPr/>
+          <p:nvPr/>
+        </p:nvCxnSpPr>
+        <p:spPr>
+          <a:xfrm flipV="1">
+            <a:off x="3018731" y="2821537"/>
+            <a:ext cx="3371341" cy="1180342"/>
+          </a:xfrm>
+          <a:prstGeom prst="straightConnector1">
+            <a:avLst/>
+          </a:prstGeom>
+          <a:ln>
+            <a:solidFill>
+              <a:srgbClr val="FF0000"/>
+            </a:solidFill>
+            <a:tailEnd type="triangle"/>
+          </a:ln>
+        </p:spPr>
+        <p:style>
+          <a:lnRef idx="1">
+            <a:schemeClr val="accent1"/>
+          </a:lnRef>
+          <a:fillRef idx="0">
+            <a:schemeClr val="accent1"/>
+          </a:fillRef>
+          <a:effectRef idx="0">
+            <a:schemeClr val="accent1"/>
+          </a:effectRef>
+          <a:fontRef idx="minor">
+            <a:schemeClr val="tx1"/>
+          </a:fontRef>
+        </p:style>
+      </p:cxnSp>
+      <p:sp>
+        <p:nvSpPr>
+          <p:cNvPr id="35" name="Rechteck 34"/>
+          <p:cNvSpPr/>
+          <p:nvPr/>
+        </p:nvSpPr>
+        <p:spPr>
+          <a:xfrm>
+            <a:off x="3865036" y="407304"/>
+            <a:ext cx="1199408" cy="2352678"/>
+          </a:xfrm>
+          <a:prstGeom prst="rect">
+            <a:avLst/>
+          </a:prstGeom>
+        </p:spPr>
+        <p:style>
+          <a:lnRef idx="2">
+            <a:schemeClr val="accent1">
+              <a:shade val="50000"/>
+            </a:schemeClr>
+          </a:lnRef>
+          <a:fillRef idx="1">
+            <a:schemeClr val="accent1"/>
+          </a:fillRef>
+          <a:effectRef idx="0">
+            <a:schemeClr val="accent1"/>
+          </a:effectRef>
+          <a:fontRef idx="minor">
+            <a:schemeClr val="lt1"/>
+          </a:fontRef>
+        </p:style>
+        <p:txBody>
+          <a:bodyPr rtlCol="0" anchor="ctr"/>
+          <a:lstStyle/>
+          <a:p>
+            <a:pPr algn="ctr"/>
+            <a:endParaRPr lang="de-DE"/>
+          </a:p>
+        </p:txBody>
+      </p:sp>
+      <p:sp>
+        <p:nvSpPr>
+          <p:cNvPr id="36" name="Textfeld 35"/>
+          <p:cNvSpPr txBox="1"/>
+          <p:nvPr/>
+        </p:nvSpPr>
+        <p:spPr>
+          <a:xfrm>
+            <a:off x="4464740" y="37972"/>
+            <a:ext cx="575286" cy="369332"/>
+          </a:xfrm>
+          <a:prstGeom prst="rect">
+            <a:avLst/>
+          </a:prstGeom>
+          <a:noFill/>
+        </p:spPr>
+        <p:txBody>
+          <a:bodyPr wrap="none" rtlCol="0">
+            <a:spAutoFit/>
+          </a:bodyPr>
+          <a:lstStyle/>
+          <a:p>
+            <a:r>
+              <a:rPr lang="de-DE" smtClean="0"/>
+              <a:t>int[]</a:t>
+            </a:r>
+            <a:endParaRPr lang="de-DE"/>
+          </a:p>
+        </p:txBody>
+      </p:sp>
+      <p:sp>
+        <p:nvSpPr>
+          <p:cNvPr id="37" name="Rechteck 36"/>
+          <p:cNvSpPr/>
+          <p:nvPr/>
+        </p:nvSpPr>
+        <p:spPr>
+          <a:xfrm>
+            <a:off x="3970767" y="537934"/>
+            <a:ext cx="950025" cy="308758"/>
+          </a:xfrm>
+          <a:prstGeom prst="rect">
+            <a:avLst/>
+          </a:prstGeom>
+        </p:spPr>
+        <p:style>
+          <a:lnRef idx="2">
+            <a:schemeClr val="accent1">
+              <a:shade val="50000"/>
+            </a:schemeClr>
+          </a:lnRef>
+          <a:fillRef idx="1">
+            <a:schemeClr val="accent1"/>
+          </a:fillRef>
+          <a:effectRef idx="0">
+            <a:schemeClr val="accent1"/>
+          </a:effectRef>
+          <a:fontRef idx="minor">
+            <a:schemeClr val="lt1"/>
+          </a:fontRef>
+        </p:style>
+        <p:txBody>
+          <a:bodyPr rtlCol="0" anchor="ctr"/>
+          <a:lstStyle/>
+          <a:p>
+            <a:pPr algn="ctr"/>
+            <a:r>
+              <a:rPr lang="de-DE" sz="1400" smtClean="0"/>
+              <a:t>0</a:t>
+            </a:r>
+            <a:endParaRPr lang="de-DE" sz="1400"/>
+          </a:p>
+        </p:txBody>
+      </p:sp>
+      <p:sp>
+        <p:nvSpPr>
+          <p:cNvPr id="38" name="Rechteck 37"/>
+          <p:cNvSpPr/>
+          <p:nvPr/>
+        </p:nvSpPr>
+        <p:spPr>
+          <a:xfrm>
+            <a:off x="3970766" y="871641"/>
+            <a:ext cx="950025" cy="308758"/>
+          </a:xfrm>
+          <a:prstGeom prst="rect">
+            <a:avLst/>
+          </a:prstGeom>
+        </p:spPr>
+        <p:style>
+          <a:lnRef idx="2">
+            <a:schemeClr val="accent1">
+              <a:shade val="50000"/>
+            </a:schemeClr>
+          </a:lnRef>
+          <a:fillRef idx="1">
+            <a:schemeClr val="accent1"/>
+          </a:fillRef>
+          <a:effectRef idx="0">
+            <a:schemeClr val="accent1"/>
+          </a:effectRef>
+          <a:fontRef idx="minor">
+            <a:schemeClr val="lt1"/>
+          </a:fontRef>
+        </p:style>
+        <p:txBody>
+          <a:bodyPr rtlCol="0" anchor="ctr"/>
+          <a:lstStyle/>
+          <a:p>
+            <a:pPr algn="ctr"/>
+            <a:r>
+              <a:rPr lang="de-DE" sz="1400" smtClean="0"/>
+              <a:t>0</a:t>
+            </a:r>
+            <a:endParaRPr lang="de-DE" sz="1400"/>
+          </a:p>
+        </p:txBody>
+      </p:sp>
+      <p:sp>
+        <p:nvSpPr>
+          <p:cNvPr id="39" name="Textfeld 38"/>
+          <p:cNvSpPr txBox="1"/>
+          <p:nvPr/>
+        </p:nvSpPr>
+        <p:spPr>
+          <a:xfrm>
+            <a:off x="3438003" y="477360"/>
+            <a:ext cx="380169" cy="307777"/>
+          </a:xfrm>
+          <a:prstGeom prst="rect">
+            <a:avLst/>
+          </a:prstGeom>
+          <a:noFill/>
+        </p:spPr>
+        <p:txBody>
+          <a:bodyPr wrap="none" rtlCol="0">
+            <a:spAutoFit/>
+          </a:bodyPr>
+          <a:lstStyle/>
+          <a:p>
+            <a:r>
+              <a:rPr lang="de-DE" sz="1400" smtClean="0"/>
+              <a:t>int</a:t>
+            </a:r>
+            <a:endParaRPr lang="de-DE" sz="1400"/>
+          </a:p>
+        </p:txBody>
+      </p:sp>
+      <p:sp>
+        <p:nvSpPr>
+          <p:cNvPr id="40" name="Textfeld 39"/>
+          <p:cNvSpPr txBox="1"/>
+          <p:nvPr/>
+        </p:nvSpPr>
+        <p:spPr>
+          <a:xfrm>
+            <a:off x="3438003" y="785519"/>
+            <a:ext cx="380169" cy="307777"/>
+          </a:xfrm>
+          <a:prstGeom prst="rect">
+            <a:avLst/>
+          </a:prstGeom>
+          <a:noFill/>
+        </p:spPr>
+        <p:txBody>
+          <a:bodyPr wrap="none" rtlCol="0">
+            <a:spAutoFit/>
+          </a:bodyPr>
+          <a:lstStyle/>
+          <a:p>
+            <a:r>
+              <a:rPr lang="de-DE" sz="1400" smtClean="0"/>
+              <a:t>int</a:t>
+            </a:r>
+            <a:endParaRPr lang="de-DE" sz="1400"/>
+          </a:p>
+        </p:txBody>
+      </p:sp>
+      <p:sp>
+        <p:nvSpPr>
+          <p:cNvPr id="41" name="Rechteck 40"/>
+          <p:cNvSpPr/>
+          <p:nvPr/>
+        </p:nvSpPr>
+        <p:spPr>
+          <a:xfrm>
+            <a:off x="4005281" y="2307387"/>
+            <a:ext cx="950025" cy="308758"/>
+          </a:xfrm>
+          <a:prstGeom prst="rect">
+            <a:avLst/>
+          </a:prstGeom>
+        </p:spPr>
+        <p:style>
+          <a:lnRef idx="2">
+            <a:schemeClr val="accent1">
+              <a:shade val="50000"/>
+            </a:schemeClr>
+          </a:lnRef>
+          <a:fillRef idx="1">
+            <a:schemeClr val="accent1"/>
+          </a:fillRef>
+          <a:effectRef idx="0">
+            <a:schemeClr val="accent1"/>
+          </a:effectRef>
+          <a:fontRef idx="minor">
+            <a:schemeClr val="lt1"/>
+          </a:fontRef>
+        </p:style>
+        <p:txBody>
+          <a:bodyPr rtlCol="0" anchor="ctr"/>
+          <a:lstStyle/>
+          <a:p>
+            <a:pPr algn="ctr"/>
+            <a:r>
+              <a:rPr lang="de-DE" sz="1400" smtClean="0"/>
+              <a:t>5</a:t>
+            </a:r>
+            <a:endParaRPr lang="de-DE" sz="1400"/>
+          </a:p>
+        </p:txBody>
+      </p:sp>
+      <p:sp>
+        <p:nvSpPr>
+          <p:cNvPr id="42" name="Textfeld 41"/>
+          <p:cNvSpPr txBox="1"/>
+          <p:nvPr/>
+        </p:nvSpPr>
+        <p:spPr>
+          <a:xfrm>
+            <a:off x="3504122" y="2246813"/>
+            <a:ext cx="380169" cy="307777"/>
+          </a:xfrm>
+          <a:prstGeom prst="rect">
+            <a:avLst/>
+          </a:prstGeom>
+          <a:noFill/>
+        </p:spPr>
+        <p:txBody>
+          <a:bodyPr wrap="none" rtlCol="0">
+            <a:spAutoFit/>
+          </a:bodyPr>
+          <a:lstStyle/>
+          <a:p>
+            <a:r>
+              <a:rPr lang="de-DE" sz="1400" smtClean="0"/>
+              <a:t>int</a:t>
+            </a:r>
+            <a:endParaRPr lang="de-DE" sz="1400"/>
+          </a:p>
+        </p:txBody>
+      </p:sp>
+      <p:sp>
+        <p:nvSpPr>
+          <p:cNvPr id="43" name="Textfeld 42"/>
+          <p:cNvSpPr txBox="1"/>
+          <p:nvPr/>
+        </p:nvSpPr>
+        <p:spPr>
+          <a:xfrm>
+            <a:off x="4962250" y="2318063"/>
+            <a:ext cx="648447" cy="307777"/>
+          </a:xfrm>
+          <a:prstGeom prst="rect">
+            <a:avLst/>
+          </a:prstGeom>
+          <a:noFill/>
+        </p:spPr>
+        <p:txBody>
+          <a:bodyPr wrap="none" rtlCol="0">
+            <a:spAutoFit/>
+          </a:bodyPr>
+          <a:lstStyle/>
+          <a:p>
+            <a:r>
+              <a:rPr lang="de-DE" sz="1400" smtClean="0"/>
+              <a:t>length</a:t>
+            </a:r>
+            <a:endParaRPr lang="de-DE" sz="1400"/>
+          </a:p>
+        </p:txBody>
+      </p:sp>
+      <p:sp>
+        <p:nvSpPr>
+          <p:cNvPr id="44" name="Textfeld 43"/>
+          <p:cNvSpPr txBox="1"/>
+          <p:nvPr/>
+        </p:nvSpPr>
+        <p:spPr>
+          <a:xfrm>
+            <a:off x="4903076" y="533087"/>
+            <a:ext cx="276038" cy="307777"/>
+          </a:xfrm>
+          <a:prstGeom prst="rect">
+            <a:avLst/>
+          </a:prstGeom>
+          <a:noFill/>
+        </p:spPr>
+        <p:txBody>
+          <a:bodyPr wrap="none" rtlCol="0">
+            <a:spAutoFit/>
+          </a:bodyPr>
+          <a:lstStyle/>
+          <a:p>
+            <a:r>
+              <a:rPr lang="de-DE" sz="1400" smtClean="0"/>
+              <a:t>0</a:t>
+            </a:r>
+            <a:endParaRPr lang="de-DE" sz="1400"/>
+          </a:p>
+        </p:txBody>
+      </p:sp>
+      <p:sp>
+        <p:nvSpPr>
+          <p:cNvPr id="45" name="Textfeld 44"/>
+          <p:cNvSpPr txBox="1"/>
+          <p:nvPr/>
+        </p:nvSpPr>
+        <p:spPr>
+          <a:xfrm>
+            <a:off x="4903076" y="872622"/>
+            <a:ext cx="276038" cy="307777"/>
+          </a:xfrm>
+          <a:prstGeom prst="rect">
+            <a:avLst/>
+          </a:prstGeom>
+          <a:noFill/>
+        </p:spPr>
+        <p:txBody>
+          <a:bodyPr wrap="none" rtlCol="0">
+            <a:spAutoFit/>
+          </a:bodyPr>
+          <a:lstStyle/>
+          <a:p>
+            <a:r>
+              <a:rPr lang="de-DE" sz="1400" smtClean="0"/>
+              <a:t>1</a:t>
+            </a:r>
+            <a:endParaRPr lang="de-DE" sz="1400"/>
+          </a:p>
+        </p:txBody>
+      </p:sp>
+      <p:sp>
+        <p:nvSpPr>
+          <p:cNvPr id="46" name="Rechteck 45"/>
+          <p:cNvSpPr/>
+          <p:nvPr/>
+        </p:nvSpPr>
+        <p:spPr>
+          <a:xfrm>
+            <a:off x="3977709" y="1240973"/>
+            <a:ext cx="950025" cy="308758"/>
+          </a:xfrm>
+          <a:prstGeom prst="rect">
+            <a:avLst/>
+          </a:prstGeom>
+        </p:spPr>
+        <p:style>
+          <a:lnRef idx="2">
+            <a:schemeClr val="accent1">
+              <a:shade val="50000"/>
+            </a:schemeClr>
+          </a:lnRef>
+          <a:fillRef idx="1">
+            <a:schemeClr val="accent1"/>
+          </a:fillRef>
+          <a:effectRef idx="0">
+            <a:schemeClr val="accent1"/>
+          </a:effectRef>
+          <a:fontRef idx="minor">
+            <a:schemeClr val="lt1"/>
+          </a:fontRef>
+        </p:style>
+        <p:txBody>
+          <a:bodyPr rtlCol="0" anchor="ctr"/>
+          <a:lstStyle/>
+          <a:p>
+            <a:pPr algn="ctr"/>
+            <a:r>
+              <a:rPr lang="de-DE" sz="1400" smtClean="0"/>
+              <a:t>0</a:t>
+            </a:r>
+            <a:endParaRPr lang="de-DE" sz="1400"/>
+          </a:p>
+        </p:txBody>
+      </p:sp>
+      <p:sp>
+        <p:nvSpPr>
+          <p:cNvPr id="47" name="Textfeld 46"/>
+          <p:cNvSpPr txBox="1"/>
+          <p:nvPr/>
+        </p:nvSpPr>
+        <p:spPr>
+          <a:xfrm>
+            <a:off x="3444946" y="1154851"/>
+            <a:ext cx="380169" cy="307777"/>
+          </a:xfrm>
+          <a:prstGeom prst="rect">
+            <a:avLst/>
+          </a:prstGeom>
+          <a:noFill/>
+        </p:spPr>
+        <p:txBody>
+          <a:bodyPr wrap="none" rtlCol="0">
+            <a:spAutoFit/>
+          </a:bodyPr>
+          <a:lstStyle/>
+          <a:p>
+            <a:r>
+              <a:rPr lang="de-DE" sz="1400" smtClean="0"/>
+              <a:t>int</a:t>
+            </a:r>
+            <a:endParaRPr lang="de-DE" sz="1400"/>
+          </a:p>
+        </p:txBody>
+      </p:sp>
+      <p:sp>
+        <p:nvSpPr>
+          <p:cNvPr id="48" name="Textfeld 47"/>
+          <p:cNvSpPr txBox="1"/>
+          <p:nvPr/>
+        </p:nvSpPr>
+        <p:spPr>
+          <a:xfrm>
+            <a:off x="4910019" y="1241954"/>
+            <a:ext cx="276038" cy="307777"/>
+          </a:xfrm>
+          <a:prstGeom prst="rect">
+            <a:avLst/>
+          </a:prstGeom>
+          <a:noFill/>
+        </p:spPr>
+        <p:txBody>
+          <a:bodyPr wrap="none" rtlCol="0">
+            <a:spAutoFit/>
+          </a:bodyPr>
+          <a:lstStyle/>
+          <a:p>
+            <a:r>
+              <a:rPr lang="de-DE" sz="1400" smtClean="0"/>
+              <a:t>2</a:t>
+            </a:r>
+            <a:endParaRPr lang="de-DE" sz="1400"/>
+          </a:p>
+        </p:txBody>
+      </p:sp>
+      <p:sp>
+        <p:nvSpPr>
+          <p:cNvPr id="49" name="Rechteck 48"/>
+          <p:cNvSpPr/>
+          <p:nvPr/>
+        </p:nvSpPr>
+        <p:spPr>
+          <a:xfrm>
+            <a:off x="3953051" y="1607142"/>
+            <a:ext cx="950025" cy="308758"/>
+          </a:xfrm>
+          <a:prstGeom prst="rect">
+            <a:avLst/>
+          </a:prstGeom>
+        </p:spPr>
+        <p:style>
+          <a:lnRef idx="2">
+            <a:schemeClr val="accent1">
+              <a:shade val="50000"/>
+            </a:schemeClr>
+          </a:lnRef>
+          <a:fillRef idx="1">
+            <a:schemeClr val="accent1"/>
+          </a:fillRef>
+          <a:effectRef idx="0">
+            <a:schemeClr val="accent1"/>
+          </a:effectRef>
+          <a:fontRef idx="minor">
+            <a:schemeClr val="lt1"/>
+          </a:fontRef>
+        </p:style>
+        <p:txBody>
+          <a:bodyPr rtlCol="0" anchor="ctr"/>
+          <a:lstStyle/>
+          <a:p>
+            <a:pPr algn="ctr"/>
+            <a:r>
+              <a:rPr lang="de-DE" sz="1400" smtClean="0"/>
+              <a:t>0</a:t>
+            </a:r>
+            <a:endParaRPr lang="de-DE" sz="1400"/>
+          </a:p>
+        </p:txBody>
+      </p:sp>
+      <p:sp>
+        <p:nvSpPr>
+          <p:cNvPr id="50" name="Textfeld 49"/>
+          <p:cNvSpPr txBox="1"/>
+          <p:nvPr/>
+        </p:nvSpPr>
+        <p:spPr>
+          <a:xfrm>
+            <a:off x="3420288" y="1521020"/>
+            <a:ext cx="380169" cy="307777"/>
+          </a:xfrm>
+          <a:prstGeom prst="rect">
+            <a:avLst/>
+          </a:prstGeom>
+          <a:noFill/>
+        </p:spPr>
+        <p:txBody>
+          <a:bodyPr wrap="none" rtlCol="0">
+            <a:spAutoFit/>
+          </a:bodyPr>
+          <a:lstStyle/>
+          <a:p>
+            <a:r>
+              <a:rPr lang="de-DE" sz="1400" smtClean="0"/>
+              <a:t>int</a:t>
+            </a:r>
+            <a:endParaRPr lang="de-DE" sz="1400"/>
+          </a:p>
+        </p:txBody>
+      </p:sp>
+      <p:sp>
+        <p:nvSpPr>
+          <p:cNvPr id="51" name="Textfeld 50"/>
+          <p:cNvSpPr txBox="1"/>
+          <p:nvPr/>
+        </p:nvSpPr>
+        <p:spPr>
+          <a:xfrm>
+            <a:off x="4885361" y="1608123"/>
+            <a:ext cx="276038" cy="307777"/>
+          </a:xfrm>
+          <a:prstGeom prst="rect">
+            <a:avLst/>
+          </a:prstGeom>
+          <a:noFill/>
+        </p:spPr>
+        <p:txBody>
+          <a:bodyPr wrap="none" rtlCol="0">
+            <a:spAutoFit/>
+          </a:bodyPr>
+          <a:lstStyle/>
+          <a:p>
+            <a:r>
+              <a:rPr lang="de-DE" sz="1400" smtClean="0"/>
+              <a:t>3</a:t>
+            </a:r>
+            <a:endParaRPr lang="de-DE" sz="1400"/>
+          </a:p>
+        </p:txBody>
+      </p:sp>
+      <p:sp>
+        <p:nvSpPr>
+          <p:cNvPr id="52" name="Rechteck 51"/>
+          <p:cNvSpPr/>
+          <p:nvPr/>
+        </p:nvSpPr>
+        <p:spPr>
+          <a:xfrm>
+            <a:off x="3953051" y="1915900"/>
+            <a:ext cx="950025" cy="308758"/>
+          </a:xfrm>
+          <a:prstGeom prst="rect">
+            <a:avLst/>
+          </a:prstGeom>
+        </p:spPr>
+        <p:style>
+          <a:lnRef idx="2">
+            <a:schemeClr val="accent1">
+              <a:shade val="50000"/>
+            </a:schemeClr>
+          </a:lnRef>
+          <a:fillRef idx="1">
+            <a:schemeClr val="accent1"/>
+          </a:fillRef>
+          <a:effectRef idx="0">
+            <a:schemeClr val="accent1"/>
+          </a:effectRef>
+          <a:fontRef idx="minor">
+            <a:schemeClr val="lt1"/>
+          </a:fontRef>
+        </p:style>
+        <p:txBody>
+          <a:bodyPr rtlCol="0" anchor="ctr"/>
+          <a:lstStyle/>
+          <a:p>
+            <a:pPr algn="ctr"/>
+            <a:r>
+              <a:rPr lang="de-DE" sz="1400" smtClean="0"/>
+              <a:t>0</a:t>
+            </a:r>
+            <a:endParaRPr lang="de-DE" sz="1400"/>
+          </a:p>
+        </p:txBody>
+      </p:sp>
+      <p:sp>
+        <p:nvSpPr>
+          <p:cNvPr id="53" name="Textfeld 52"/>
+          <p:cNvSpPr txBox="1"/>
+          <p:nvPr/>
+        </p:nvSpPr>
+        <p:spPr>
+          <a:xfrm>
+            <a:off x="3420288" y="1829778"/>
+            <a:ext cx="380169" cy="307777"/>
+          </a:xfrm>
+          <a:prstGeom prst="rect">
+            <a:avLst/>
+          </a:prstGeom>
+          <a:noFill/>
+        </p:spPr>
+        <p:txBody>
+          <a:bodyPr wrap="none" rtlCol="0">
+            <a:spAutoFit/>
+          </a:bodyPr>
+          <a:lstStyle/>
+          <a:p>
+            <a:r>
+              <a:rPr lang="de-DE" sz="1400" smtClean="0"/>
+              <a:t>int</a:t>
+            </a:r>
+            <a:endParaRPr lang="de-DE" sz="1400"/>
+          </a:p>
+        </p:txBody>
+      </p:sp>
+      <p:sp>
+        <p:nvSpPr>
+          <p:cNvPr id="54" name="Textfeld 53"/>
+          <p:cNvSpPr txBox="1"/>
+          <p:nvPr/>
+        </p:nvSpPr>
+        <p:spPr>
+          <a:xfrm>
+            <a:off x="4885361" y="1916881"/>
+            <a:ext cx="276038" cy="307777"/>
+          </a:xfrm>
+          <a:prstGeom prst="rect">
+            <a:avLst/>
+          </a:prstGeom>
+          <a:noFill/>
+        </p:spPr>
+        <p:txBody>
+          <a:bodyPr wrap="none" rtlCol="0">
+            <a:spAutoFit/>
+          </a:bodyPr>
+          <a:lstStyle/>
+          <a:p>
+            <a:r>
+              <a:rPr lang="de-DE" sz="1400" smtClean="0"/>
+              <a:t>4</a:t>
+            </a:r>
+            <a:endParaRPr lang="de-DE" sz="1400"/>
+          </a:p>
+        </p:txBody>
+      </p:sp>
+      <p:sp>
+        <p:nvSpPr>
+          <p:cNvPr id="2" name="Textfeld 1"/>
+          <p:cNvSpPr txBox="1"/>
+          <p:nvPr/>
+        </p:nvSpPr>
+        <p:spPr>
+          <a:xfrm>
+            <a:off x="368135" y="1462628"/>
+            <a:ext cx="567784" cy="369332"/>
+          </a:xfrm>
+          <a:prstGeom prst="rect">
+            <a:avLst/>
+          </a:prstGeom>
+          <a:noFill/>
+        </p:spPr>
+        <p:txBody>
+          <a:bodyPr wrap="none" rtlCol="0">
+            <a:spAutoFit/>
+          </a:bodyPr>
+          <a:lstStyle/>
+          <a:p>
+            <a:r>
+              <a:rPr lang="de-DE" smtClean="0"/>
+              <a:t>tmp</a:t>
+            </a:r>
+            <a:endParaRPr lang="de-DE"/>
+          </a:p>
+        </p:txBody>
+      </p:sp>
+      <p:cxnSp>
+        <p:nvCxnSpPr>
+          <p:cNvPr id="55" name="Gerade Verbindung mit Pfeil 54"/>
+          <p:cNvCxnSpPr/>
+          <p:nvPr/>
+        </p:nvCxnSpPr>
+        <p:spPr>
+          <a:xfrm flipV="1">
+            <a:off x="886051" y="1090245"/>
+            <a:ext cx="2954948" cy="501596"/>
+          </a:xfrm>
+          <a:prstGeom prst="straightConnector1">
+            <a:avLst/>
+          </a:prstGeom>
+          <a:ln>
+            <a:tailEnd type="triangle"/>
+          </a:ln>
+        </p:spPr>
+        <p:style>
+          <a:lnRef idx="1">
+            <a:schemeClr val="accent1"/>
+          </a:lnRef>
+          <a:fillRef idx="0">
+            <a:schemeClr val="accent1"/>
+          </a:fillRef>
+          <a:effectRef idx="0">
+            <a:schemeClr val="accent1"/>
+          </a:effectRef>
+          <a:fontRef idx="minor">
+            <a:schemeClr val="tx1"/>
+          </a:fontRef>
+        </p:style>
+      </p:cxnSp>
+      <p:cxnSp>
+        <p:nvCxnSpPr>
+          <p:cNvPr id="57" name="Gerade Verbindung mit Pfeil 56"/>
+          <p:cNvCxnSpPr/>
+          <p:nvPr/>
+        </p:nvCxnSpPr>
+        <p:spPr>
+          <a:xfrm flipV="1">
+            <a:off x="3068022" y="2730124"/>
+            <a:ext cx="993965" cy="1630627"/>
+          </a:xfrm>
+          <a:prstGeom prst="straightConnector1">
+            <a:avLst/>
+          </a:prstGeom>
+          <a:ln>
+            <a:solidFill>
+              <a:srgbClr val="FF0000"/>
+            </a:solidFill>
+            <a:tailEnd type="triangle"/>
+          </a:ln>
+        </p:spPr>
+        <p:style>
+          <a:lnRef idx="1">
+            <a:schemeClr val="accent1"/>
+          </a:lnRef>
+          <a:fillRef idx="0">
+            <a:schemeClr val="accent1"/>
+          </a:fillRef>
+          <a:effectRef idx="0">
+            <a:schemeClr val="accent1"/>
+          </a:effectRef>
+          <a:fontRef idx="minor">
+            <a:schemeClr val="tx1"/>
+          </a:fontRef>
+        </p:style>
+      </p:cxnSp>
+      <p:sp>
+        <p:nvSpPr>
+          <p:cNvPr id="3" name="Textfeld 2"/>
+          <p:cNvSpPr txBox="1"/>
+          <p:nvPr/>
+        </p:nvSpPr>
+        <p:spPr>
+          <a:xfrm>
+            <a:off x="4885361" y="4057219"/>
+            <a:ext cx="4037259" cy="2308324"/>
+          </a:xfrm>
+          <a:prstGeom prst="rect">
+            <a:avLst/>
+          </a:prstGeom>
+          <a:noFill/>
+          <a:ln>
+            <a:solidFill>
+              <a:schemeClr val="tx1"/>
+            </a:solidFill>
+          </a:ln>
+        </p:spPr>
+        <p:txBody>
+          <a:bodyPr wrap="none" rtlCol="0">
+            <a:spAutoFit/>
+          </a:bodyPr>
+          <a:lstStyle/>
+          <a:p>
+            <a:endParaRPr lang="de-DE" smtClean="0"/>
+          </a:p>
+          <a:p>
+            <a:r>
+              <a:rPr lang="de-DE" smtClean="0"/>
+              <a:t>tmp hat denselben Wert wie arr[1] </a:t>
+            </a:r>
+            <a:endParaRPr lang="de-DE"/>
+          </a:p>
+          <a:p>
+            <a:endParaRPr lang="de-DE"/>
+          </a:p>
+          <a:p>
+            <a:r>
+              <a:rPr lang="de-DE" smtClean="0"/>
+              <a:t>Also sind</a:t>
+            </a:r>
+          </a:p>
+          <a:p>
+            <a:r>
+              <a:rPr lang="de-DE"/>
+              <a:t> </a:t>
+            </a:r>
+            <a:r>
+              <a:rPr lang="de-DE" smtClean="0"/>
+              <a:t>  tmp[3] </a:t>
+            </a:r>
+          </a:p>
+          <a:p>
+            <a:r>
+              <a:rPr lang="de-DE" smtClean="0"/>
+              <a:t>und</a:t>
+            </a:r>
+          </a:p>
+          <a:p>
+            <a:r>
+              <a:rPr lang="de-DE" smtClean="0"/>
+              <a:t>   arr[1][3]</a:t>
+            </a:r>
+          </a:p>
+          <a:p>
+            <a:r>
+              <a:rPr lang="de-DE" smtClean="0"/>
+              <a:t>beide Zugriffe auf dieselbe Speicherstelle</a:t>
+            </a:r>
+          </a:p>
+        </p:txBody>
+      </p:sp>
+      <p:cxnSp>
+        <p:nvCxnSpPr>
+          <p:cNvPr id="56" name="Gerade Verbindung mit Pfeil 55"/>
+          <p:cNvCxnSpPr/>
+          <p:nvPr/>
+        </p:nvCxnSpPr>
+        <p:spPr>
+          <a:xfrm flipH="1" flipV="1">
+            <a:off x="4518417" y="1758646"/>
+            <a:ext cx="3318972" cy="4285894"/>
+          </a:xfrm>
+          <a:prstGeom prst="straightConnector1">
+            <a:avLst/>
+          </a:prstGeom>
+          <a:ln>
+            <a:solidFill>
+              <a:srgbClr val="92D050"/>
+            </a:solidFill>
+            <a:tailEnd type="triangle"/>
+          </a:ln>
+        </p:spPr>
+        <p:style>
+          <a:lnRef idx="1">
+            <a:schemeClr val="accent1"/>
+          </a:lnRef>
+          <a:fillRef idx="0">
+            <a:schemeClr val="accent1"/>
+          </a:fillRef>
+          <a:effectRef idx="0">
+            <a:schemeClr val="accent1"/>
+          </a:effectRef>
+          <a:fontRef idx="minor">
+            <a:schemeClr val="tx1"/>
+          </a:fontRef>
+        </p:style>
+      </p:cxnSp>
+    </p:spTree>
+    <p:extLst>
+      <p:ext uri="{BB962C8B-B14F-4D97-AF65-F5344CB8AC3E}">
+        <p14:creationId xmlns:p14="http://schemas.microsoft.com/office/powerpoint/2010/main" val="136487537"/>
+      </p:ext>
+    </p:extLst>
+  </p:cSld>
+  <p:clrMapOvr>
+    <a:masterClrMapping/>
+  </p:clrMapOvr>
+</p:sld>
+</file>
+
 <file path=ppt/slides/slide2.xml><?xml version="1.0" encoding="utf-8"?>
 <p:sld xmlns:a="http://schemas.openxmlformats.org/drawingml/2006/main" xmlns:r="http://schemas.openxmlformats.org/officeDocument/2006/relationships" xmlns:p="http://schemas.openxmlformats.org/presentationml/2006/main">
   <p:cSld>
@@ -5351,7 +12137,7 @@
         <p:spPr>
           <a:xfrm>
             <a:off x="7908966" y="486888"/>
-            <a:ext cx="3550908" cy="3416320"/>
+            <a:ext cx="3505640" cy="4247317"/>
           </a:xfrm>
           <a:prstGeom prst="rect">
             <a:avLst/>
@@ -5411,11 +12197,7 @@
             </a:r>
             <a:r>
               <a:rPr lang="de-DE"/>
-              <a:t>Dozent d1 = new Dozent</a:t>
-            </a:r>
-            <a:r>
-              <a:rPr lang="de-DE"/>
-              <a:t>(); </a:t>
+              <a:t>Dozent d1 = new Dozent(); </a:t>
             </a:r>
             <a:endParaRPr lang="de-DE" smtClean="0"/>
           </a:p>
@@ -5454,6 +12236,29 @@
             <a:r>
               <a:rPr lang="de-DE" smtClean="0"/>
               <a:t>    System.out.println(a1[0]);</a:t>
+            </a:r>
+          </a:p>
+          <a:p>
+            <a:endParaRPr lang="de-DE"/>
+          </a:p>
+          <a:p>
+            <a:r>
+              <a:rPr lang="de-DE" smtClean="0"/>
+              <a:t>     String s = new String(„Tom“);</a:t>
+            </a:r>
+          </a:p>
+          <a:p>
+            <a:r>
+              <a:rPr lang="de-DE"/>
+              <a:t> </a:t>
+            </a:r>
+            <a:r>
+              <a:rPr lang="de-DE" smtClean="0"/>
+              <a:t>    a1[0] = </a:t>
+            </a:r>
+            <a:r>
+              <a:rPr lang="de-DE"/>
+              <a:t>new String(„Tom“);</a:t>
             </a:r>
           </a:p>
           <a:p>
@@ -5978,10 +12783,6 @@
           <a:lstStyle/>
           <a:p>
             <a:pPr algn="ctr"/>
-            <a:r>
-              <a:rPr lang="de-DE" smtClean="0"/>
-              <a:t>null</a:t>
-            </a:r>
             <a:endParaRPr lang="de-DE"/>
           </a:p>
         </p:txBody>
@@ -6289,10 +13090,902 @@
           </a:p>
         </p:txBody>
       </p:sp>
+      <p:sp>
+        <p:nvSpPr>
+          <p:cNvPr id="2" name="Textfeld 1"/>
+          <p:cNvSpPr txBox="1"/>
+          <p:nvPr/>
+        </p:nvSpPr>
+        <p:spPr>
+          <a:xfrm>
+            <a:off x="558140" y="1068779"/>
+            <a:ext cx="274434" cy="369332"/>
+          </a:xfrm>
+          <a:prstGeom prst="rect">
+            <a:avLst/>
+          </a:prstGeom>
+          <a:noFill/>
+        </p:spPr>
+        <p:txBody>
+          <a:bodyPr wrap="none" rtlCol="0">
+            <a:spAutoFit/>
+          </a:bodyPr>
+          <a:lstStyle/>
+          <a:p>
+            <a:r>
+              <a:rPr lang="de-DE" smtClean="0"/>
+              <a:t>s</a:t>
+            </a:r>
+            <a:endParaRPr lang="de-DE"/>
+          </a:p>
+        </p:txBody>
+      </p:sp>
+      <p:sp>
+        <p:nvSpPr>
+          <p:cNvPr id="3" name="Rechteck 2"/>
+          <p:cNvSpPr/>
+          <p:nvPr/>
+        </p:nvSpPr>
+        <p:spPr>
+          <a:xfrm>
+            <a:off x="6008915" y="347928"/>
+            <a:ext cx="1056904" cy="518971"/>
+          </a:xfrm>
+          <a:prstGeom prst="rect">
+            <a:avLst/>
+          </a:prstGeom>
+        </p:spPr>
+        <p:style>
+          <a:lnRef idx="2">
+            <a:schemeClr val="accent1">
+              <a:shade val="50000"/>
+            </a:schemeClr>
+          </a:lnRef>
+          <a:fillRef idx="1">
+            <a:schemeClr val="accent1"/>
+          </a:fillRef>
+          <a:effectRef idx="0">
+            <a:schemeClr val="accent1"/>
+          </a:effectRef>
+          <a:fontRef idx="minor">
+            <a:schemeClr val="lt1"/>
+          </a:fontRef>
+        </p:style>
+        <p:txBody>
+          <a:bodyPr rtlCol="0" anchor="ctr"/>
+          <a:lstStyle/>
+          <a:p>
+            <a:pPr algn="ctr"/>
+            <a:r>
+              <a:rPr lang="de-DE" smtClean="0"/>
+              <a:t>„Tom“</a:t>
+            </a:r>
+            <a:endParaRPr lang="de-DE"/>
+          </a:p>
+        </p:txBody>
+      </p:sp>
+      <p:sp>
+        <p:nvSpPr>
+          <p:cNvPr id="5" name="Textfeld 4"/>
+          <p:cNvSpPr txBox="1"/>
+          <p:nvPr/>
+        </p:nvSpPr>
+        <p:spPr>
+          <a:xfrm>
+            <a:off x="6018465" y="118753"/>
+            <a:ext cx="731290" cy="369332"/>
+          </a:xfrm>
+          <a:prstGeom prst="rect">
+            <a:avLst/>
+          </a:prstGeom>
+          <a:noFill/>
+        </p:spPr>
+        <p:txBody>
+          <a:bodyPr wrap="none" rtlCol="0">
+            <a:spAutoFit/>
+          </a:bodyPr>
+          <a:lstStyle/>
+          <a:p>
+            <a:r>
+              <a:rPr lang="de-DE" smtClean="0"/>
+              <a:t>String</a:t>
+            </a:r>
+            <a:endParaRPr lang="de-DE"/>
+          </a:p>
+        </p:txBody>
+      </p:sp>
+      <p:cxnSp>
+        <p:nvCxnSpPr>
+          <p:cNvPr id="17" name="Gerade Verbindung mit Pfeil 16"/>
+          <p:cNvCxnSpPr>
+            <a:stCxn id="2" idx="3"/>
+            <a:endCxn id="3" idx="1"/>
+          </p:cNvCxnSpPr>
+          <p:nvPr/>
+        </p:nvCxnSpPr>
+        <p:spPr>
+          <a:xfrm flipV="1">
+            <a:off x="832574" y="607414"/>
+            <a:ext cx="5176341" cy="646031"/>
+          </a:xfrm>
+          <a:prstGeom prst="straightConnector1">
+            <a:avLst/>
+          </a:prstGeom>
+          <a:ln>
+            <a:tailEnd type="triangle"/>
+          </a:ln>
+        </p:spPr>
+        <p:style>
+          <a:lnRef idx="1">
+            <a:schemeClr val="accent1"/>
+          </a:lnRef>
+          <a:fillRef idx="0">
+            <a:schemeClr val="accent1"/>
+          </a:fillRef>
+          <a:effectRef idx="0">
+            <a:schemeClr val="accent1"/>
+          </a:effectRef>
+          <a:fontRef idx="minor">
+            <a:schemeClr val="tx1"/>
+          </a:fontRef>
+        </p:style>
+      </p:cxnSp>
+      <p:sp>
+        <p:nvSpPr>
+          <p:cNvPr id="34" name="Rechteck 33"/>
+          <p:cNvSpPr/>
+          <p:nvPr/>
+        </p:nvSpPr>
+        <p:spPr>
+          <a:xfrm>
+            <a:off x="6637977" y="1626871"/>
+            <a:ext cx="1056904" cy="518971"/>
+          </a:xfrm>
+          <a:prstGeom prst="rect">
+            <a:avLst/>
+          </a:prstGeom>
+        </p:spPr>
+        <p:style>
+          <a:lnRef idx="2">
+            <a:schemeClr val="accent1">
+              <a:shade val="50000"/>
+            </a:schemeClr>
+          </a:lnRef>
+          <a:fillRef idx="1">
+            <a:schemeClr val="accent1"/>
+          </a:fillRef>
+          <a:effectRef idx="0">
+            <a:schemeClr val="accent1"/>
+          </a:effectRef>
+          <a:fontRef idx="minor">
+            <a:schemeClr val="lt1"/>
+          </a:fontRef>
+        </p:style>
+        <p:txBody>
+          <a:bodyPr rtlCol="0" anchor="ctr"/>
+          <a:lstStyle/>
+          <a:p>
+            <a:pPr algn="ctr"/>
+            <a:r>
+              <a:rPr lang="de-DE" smtClean="0"/>
+              <a:t>„Tom“</a:t>
+            </a:r>
+            <a:endParaRPr lang="de-DE"/>
+          </a:p>
+        </p:txBody>
+      </p:sp>
+      <p:sp>
+        <p:nvSpPr>
+          <p:cNvPr id="35" name="Textfeld 34"/>
+          <p:cNvSpPr txBox="1"/>
+          <p:nvPr/>
+        </p:nvSpPr>
+        <p:spPr>
+          <a:xfrm>
+            <a:off x="6647527" y="1397696"/>
+            <a:ext cx="731290" cy="369332"/>
+          </a:xfrm>
+          <a:prstGeom prst="rect">
+            <a:avLst/>
+          </a:prstGeom>
+          <a:noFill/>
+        </p:spPr>
+        <p:txBody>
+          <a:bodyPr wrap="none" rtlCol="0">
+            <a:spAutoFit/>
+          </a:bodyPr>
+          <a:lstStyle/>
+          <a:p>
+            <a:r>
+              <a:rPr lang="de-DE" smtClean="0"/>
+              <a:t>String</a:t>
+            </a:r>
+            <a:endParaRPr lang="de-DE"/>
+          </a:p>
+        </p:txBody>
+      </p:sp>
+      <p:cxnSp>
+        <p:nvCxnSpPr>
+          <p:cNvPr id="37" name="Gerade Verbindung mit Pfeil 36"/>
+          <p:cNvCxnSpPr>
+            <a:endCxn id="34" idx="1"/>
+          </p:cNvCxnSpPr>
+          <p:nvPr/>
+        </p:nvCxnSpPr>
+        <p:spPr>
+          <a:xfrm flipV="1">
+            <a:off x="4880758" y="1886357"/>
+            <a:ext cx="1757219" cy="488708"/>
+          </a:xfrm>
+          <a:prstGeom prst="straightConnector1">
+            <a:avLst/>
+          </a:prstGeom>
+          <a:ln>
+            <a:solidFill>
+              <a:srgbClr val="FF0000"/>
+            </a:solidFill>
+            <a:tailEnd type="triangle"/>
+          </a:ln>
+        </p:spPr>
+        <p:style>
+          <a:lnRef idx="1">
+            <a:schemeClr val="accent1"/>
+          </a:lnRef>
+          <a:fillRef idx="0">
+            <a:schemeClr val="accent1"/>
+          </a:fillRef>
+          <a:effectRef idx="0">
+            <a:schemeClr val="accent1"/>
+          </a:effectRef>
+          <a:fontRef idx="minor">
+            <a:schemeClr val="tx1"/>
+          </a:fontRef>
+        </p:style>
+      </p:cxnSp>
     </p:spTree>
     <p:extLst>
       <p:ext uri="{BB962C8B-B14F-4D97-AF65-F5344CB8AC3E}">
         <p14:creationId xmlns:p14="http://schemas.microsoft.com/office/powerpoint/2010/main" val="156851778"/>
+      </p:ext>
+    </p:extLst>
+  </p:cSld>
+  <p:clrMapOvr>
+    <a:masterClrMapping/>
+  </p:clrMapOvr>
+</p:sld>
+</file>
+
+<file path=ppt/slides/slide8.xml><?xml version="1.0" encoding="utf-8"?>
+<p:sld xmlns:a="http://schemas.openxmlformats.org/drawingml/2006/main" xmlns:r="http://schemas.openxmlformats.org/officeDocument/2006/relationships" xmlns:p="http://schemas.openxmlformats.org/presentationml/2006/main">
+  <p:cSld>
+    <p:spTree>
+      <p:nvGrpSpPr>
+        <p:cNvPr id="1" name=""/>
+        <p:cNvGrpSpPr/>
+        <p:nvPr/>
+      </p:nvGrpSpPr>
+      <p:grpSpPr>
+        <a:xfrm>
+          <a:off x="0" y="0"/>
+          <a:ext cx="0" cy="0"/>
+          <a:chOff x="0" y="0"/>
+          <a:chExt cx="0" cy="0"/>
+        </a:xfrm>
+      </p:grpSpPr>
+      <p:sp>
+        <p:nvSpPr>
+          <p:cNvPr id="2" name="Titel 1"/>
+          <p:cNvSpPr>
+            <a:spLocks noGrp="1"/>
+          </p:cNvSpPr>
+          <p:nvPr>
+            <p:ph type="title"/>
+          </p:nvPr>
+        </p:nvSpPr>
+        <p:spPr/>
+        <p:txBody>
+          <a:bodyPr/>
+          <a:lstStyle/>
+          <a:p>
+            <a:r>
+              <a:rPr lang="de-DE" smtClean="0"/>
+              <a:t>Mehrdimensionale Arrays</a:t>
+            </a:r>
+            <a:endParaRPr lang="de-DE"/>
+          </a:p>
+        </p:txBody>
+      </p:sp>
+      <p:sp>
+        <p:nvSpPr>
+          <p:cNvPr id="3" name="Inhaltsplatzhalter 2"/>
+          <p:cNvSpPr>
+            <a:spLocks noGrp="1"/>
+          </p:cNvSpPr>
+          <p:nvPr>
+            <p:ph idx="1"/>
+          </p:nvPr>
+        </p:nvSpPr>
+        <p:spPr/>
+        <p:txBody>
+          <a:bodyPr/>
+          <a:lstStyle/>
+          <a:p>
+            <a:r>
+              <a:rPr lang="de-DE" smtClean="0"/>
+              <a:t>new int[2][]</a:t>
+            </a:r>
+            <a:endParaRPr lang="de-DE"/>
+          </a:p>
+        </p:txBody>
+      </p:sp>
+    </p:spTree>
+    <p:extLst>
+      <p:ext uri="{BB962C8B-B14F-4D97-AF65-F5344CB8AC3E}">
+        <p14:creationId xmlns:p14="http://schemas.microsoft.com/office/powerpoint/2010/main" val="389301975"/>
+      </p:ext>
+    </p:extLst>
+  </p:cSld>
+  <p:clrMapOvr>
+    <a:masterClrMapping/>
+  </p:clrMapOvr>
+</p:sld>
+</file>
+
+<file path=ppt/slides/slide9.xml><?xml version="1.0" encoding="utf-8"?>
+<p:sld xmlns:a="http://schemas.openxmlformats.org/drawingml/2006/main" xmlns:r="http://schemas.openxmlformats.org/officeDocument/2006/relationships" xmlns:p="http://schemas.openxmlformats.org/presentationml/2006/main">
+  <p:cSld>
+    <p:spTree>
+      <p:nvGrpSpPr>
+        <p:cNvPr id="1" name=""/>
+        <p:cNvGrpSpPr/>
+        <p:nvPr/>
+      </p:nvGrpSpPr>
+      <p:grpSpPr>
+        <a:xfrm>
+          <a:off x="0" y="0"/>
+          <a:ext cx="0" cy="0"/>
+          <a:chOff x="0" y="0"/>
+          <a:chExt cx="0" cy="0"/>
+        </a:xfrm>
+      </p:grpSpPr>
+      <p:cxnSp>
+        <p:nvCxnSpPr>
+          <p:cNvPr id="5" name="Gerader Verbinder 4"/>
+          <p:cNvCxnSpPr/>
+          <p:nvPr/>
+        </p:nvCxnSpPr>
+        <p:spPr>
+          <a:xfrm>
+            <a:off x="1757548" y="368135"/>
+            <a:ext cx="0" cy="6210795"/>
+          </a:xfrm>
+          <a:prstGeom prst="line">
+            <a:avLst/>
+          </a:prstGeom>
+        </p:spPr>
+        <p:style>
+          <a:lnRef idx="1">
+            <a:schemeClr val="accent1"/>
+          </a:lnRef>
+          <a:fillRef idx="0">
+            <a:schemeClr val="accent1"/>
+          </a:fillRef>
+          <a:effectRef idx="0">
+            <a:schemeClr val="accent1"/>
+          </a:effectRef>
+          <a:fontRef idx="minor">
+            <a:schemeClr val="tx1"/>
+          </a:fontRef>
+        </p:style>
+      </p:cxnSp>
+      <p:sp>
+        <p:nvSpPr>
+          <p:cNvPr id="6" name="Textfeld 5"/>
+          <p:cNvSpPr txBox="1"/>
+          <p:nvPr/>
+        </p:nvSpPr>
+        <p:spPr>
+          <a:xfrm>
+            <a:off x="9417132" y="368135"/>
+            <a:ext cx="2497222" cy="2031325"/>
+          </a:xfrm>
+          <a:prstGeom prst="rect">
+            <a:avLst/>
+          </a:prstGeom>
+          <a:noFill/>
+        </p:spPr>
+        <p:txBody>
+          <a:bodyPr wrap="none" rtlCol="0">
+            <a:spAutoFit/>
+          </a:bodyPr>
+          <a:lstStyle/>
+          <a:p>
+            <a:r>
+              <a:rPr lang="de-DE" b="1" smtClean="0"/>
+              <a:t>int[][] arr = new int[2][];</a:t>
+            </a:r>
+          </a:p>
+          <a:p>
+            <a:endParaRPr lang="de-DE" smtClean="0"/>
+          </a:p>
+          <a:p>
+            <a:r>
+              <a:rPr lang="de-DE" smtClean="0"/>
+              <a:t>arr[0] = new int[3];</a:t>
+            </a:r>
+          </a:p>
+          <a:p>
+            <a:endParaRPr lang="de-DE"/>
+          </a:p>
+          <a:p>
+            <a:r>
+              <a:rPr lang="de-DE" smtClean="0"/>
+              <a:t>int[] tmp = new int[5];</a:t>
+            </a:r>
+          </a:p>
+          <a:p>
+            <a:endParaRPr lang="de-DE" smtClean="0"/>
+          </a:p>
+          <a:p>
+            <a:r>
+              <a:rPr lang="de-DE" smtClean="0"/>
+              <a:t>arr[1] = tmp;</a:t>
+            </a:r>
+            <a:endParaRPr lang="de-DE"/>
+          </a:p>
+        </p:txBody>
+      </p:sp>
+      <p:sp>
+        <p:nvSpPr>
+          <p:cNvPr id="7" name="Textfeld 6"/>
+          <p:cNvSpPr txBox="1"/>
+          <p:nvPr/>
+        </p:nvSpPr>
+        <p:spPr>
+          <a:xfrm>
+            <a:off x="209176" y="4754270"/>
+            <a:ext cx="455574" cy="369332"/>
+          </a:xfrm>
+          <a:prstGeom prst="rect">
+            <a:avLst/>
+          </a:prstGeom>
+          <a:noFill/>
+        </p:spPr>
+        <p:txBody>
+          <a:bodyPr wrap="none" rtlCol="0">
+            <a:spAutoFit/>
+          </a:bodyPr>
+          <a:lstStyle/>
+          <a:p>
+            <a:r>
+              <a:rPr lang="de-DE" smtClean="0"/>
+              <a:t>arr</a:t>
+            </a:r>
+            <a:endParaRPr lang="de-DE"/>
+          </a:p>
+        </p:txBody>
+      </p:sp>
+      <p:sp>
+        <p:nvSpPr>
+          <p:cNvPr id="8" name="Rechteck 7"/>
+          <p:cNvSpPr/>
+          <p:nvPr/>
+        </p:nvSpPr>
+        <p:spPr>
+          <a:xfrm>
+            <a:off x="2399963" y="3728851"/>
+            <a:ext cx="1199408" cy="1281335"/>
+          </a:xfrm>
+          <a:prstGeom prst="rect">
+            <a:avLst/>
+          </a:prstGeom>
+        </p:spPr>
+        <p:style>
+          <a:lnRef idx="2">
+            <a:schemeClr val="accent1">
+              <a:shade val="50000"/>
+            </a:schemeClr>
+          </a:lnRef>
+          <a:fillRef idx="1">
+            <a:schemeClr val="accent1"/>
+          </a:fillRef>
+          <a:effectRef idx="0">
+            <a:schemeClr val="accent1"/>
+          </a:effectRef>
+          <a:fontRef idx="minor">
+            <a:schemeClr val="lt1"/>
+          </a:fontRef>
+        </p:style>
+        <p:txBody>
+          <a:bodyPr rtlCol="0" anchor="ctr"/>
+          <a:lstStyle/>
+          <a:p>
+            <a:pPr algn="ctr"/>
+            <a:endParaRPr lang="de-DE"/>
+          </a:p>
+        </p:txBody>
+      </p:sp>
+      <p:sp>
+        <p:nvSpPr>
+          <p:cNvPr id="9" name="Textfeld 8"/>
+          <p:cNvSpPr txBox="1"/>
+          <p:nvPr/>
+        </p:nvSpPr>
+        <p:spPr>
+          <a:xfrm>
+            <a:off x="2999667" y="3359519"/>
+            <a:ext cx="716350" cy="369332"/>
+          </a:xfrm>
+          <a:prstGeom prst="rect">
+            <a:avLst/>
+          </a:prstGeom>
+          <a:noFill/>
+        </p:spPr>
+        <p:txBody>
+          <a:bodyPr wrap="none" rtlCol="0">
+            <a:spAutoFit/>
+          </a:bodyPr>
+          <a:lstStyle/>
+          <a:p>
+            <a:r>
+              <a:rPr lang="de-DE" smtClean="0"/>
+              <a:t>int[][]</a:t>
+            </a:r>
+            <a:endParaRPr lang="de-DE"/>
+          </a:p>
+        </p:txBody>
+      </p:sp>
+      <p:sp>
+        <p:nvSpPr>
+          <p:cNvPr id="10" name="Rechteck 9"/>
+          <p:cNvSpPr/>
+          <p:nvPr/>
+        </p:nvSpPr>
+        <p:spPr>
+          <a:xfrm>
+            <a:off x="2505694" y="3859481"/>
+            <a:ext cx="950025" cy="308758"/>
+          </a:xfrm>
+          <a:prstGeom prst="rect">
+            <a:avLst/>
+          </a:prstGeom>
+        </p:spPr>
+        <p:style>
+          <a:lnRef idx="2">
+            <a:schemeClr val="accent1">
+              <a:shade val="50000"/>
+            </a:schemeClr>
+          </a:lnRef>
+          <a:fillRef idx="1">
+            <a:schemeClr val="accent1"/>
+          </a:fillRef>
+          <a:effectRef idx="0">
+            <a:schemeClr val="accent1"/>
+          </a:effectRef>
+          <a:fontRef idx="minor">
+            <a:schemeClr val="lt1"/>
+          </a:fontRef>
+        </p:style>
+        <p:txBody>
+          <a:bodyPr rtlCol="0" anchor="ctr"/>
+          <a:lstStyle/>
+          <a:p>
+            <a:pPr algn="ctr"/>
+            <a:r>
+              <a:rPr lang="de-DE" sz="1400" smtClean="0"/>
+              <a:t>null</a:t>
+            </a:r>
+            <a:endParaRPr lang="de-DE" sz="1400"/>
+          </a:p>
+        </p:txBody>
+      </p:sp>
+      <p:sp>
+        <p:nvSpPr>
+          <p:cNvPr id="11" name="Rechteck 10"/>
+          <p:cNvSpPr/>
+          <p:nvPr/>
+        </p:nvSpPr>
+        <p:spPr>
+          <a:xfrm>
+            <a:off x="2505693" y="4193188"/>
+            <a:ext cx="950025" cy="308758"/>
+          </a:xfrm>
+          <a:prstGeom prst="rect">
+            <a:avLst/>
+          </a:prstGeom>
+        </p:spPr>
+        <p:style>
+          <a:lnRef idx="2">
+            <a:schemeClr val="accent1">
+              <a:shade val="50000"/>
+            </a:schemeClr>
+          </a:lnRef>
+          <a:fillRef idx="1">
+            <a:schemeClr val="accent1"/>
+          </a:fillRef>
+          <a:effectRef idx="0">
+            <a:schemeClr val="accent1"/>
+          </a:effectRef>
+          <a:fontRef idx="minor">
+            <a:schemeClr val="lt1"/>
+          </a:fontRef>
+        </p:style>
+        <p:txBody>
+          <a:bodyPr rtlCol="0" anchor="ctr"/>
+          <a:lstStyle/>
+          <a:p>
+            <a:pPr algn="ctr"/>
+            <a:r>
+              <a:rPr lang="de-DE" sz="1400" smtClean="0"/>
+              <a:t>null</a:t>
+            </a:r>
+            <a:endParaRPr lang="de-DE" sz="1400"/>
+          </a:p>
+        </p:txBody>
+      </p:sp>
+      <p:sp>
+        <p:nvSpPr>
+          <p:cNvPr id="12" name="Textfeld 11"/>
+          <p:cNvSpPr txBox="1"/>
+          <p:nvPr/>
+        </p:nvSpPr>
+        <p:spPr>
+          <a:xfrm>
+            <a:off x="1972930" y="3798907"/>
+            <a:ext cx="489173" cy="307777"/>
+          </a:xfrm>
+          <a:prstGeom prst="rect">
+            <a:avLst/>
+          </a:prstGeom>
+          <a:noFill/>
+        </p:spPr>
+        <p:txBody>
+          <a:bodyPr wrap="none" rtlCol="0">
+            <a:spAutoFit/>
+          </a:bodyPr>
+          <a:lstStyle/>
+          <a:p>
+            <a:r>
+              <a:rPr lang="de-DE" sz="1400" smtClean="0"/>
+              <a:t>int[]</a:t>
+            </a:r>
+            <a:endParaRPr lang="de-DE" sz="1400"/>
+          </a:p>
+        </p:txBody>
+      </p:sp>
+      <p:sp>
+        <p:nvSpPr>
+          <p:cNvPr id="13" name="Textfeld 12"/>
+          <p:cNvSpPr txBox="1"/>
+          <p:nvPr/>
+        </p:nvSpPr>
+        <p:spPr>
+          <a:xfrm>
+            <a:off x="1972930" y="4107066"/>
+            <a:ext cx="489173" cy="307777"/>
+          </a:xfrm>
+          <a:prstGeom prst="rect">
+            <a:avLst/>
+          </a:prstGeom>
+          <a:noFill/>
+        </p:spPr>
+        <p:txBody>
+          <a:bodyPr wrap="none" rtlCol="0">
+            <a:spAutoFit/>
+          </a:bodyPr>
+          <a:lstStyle/>
+          <a:p>
+            <a:r>
+              <a:rPr lang="de-DE" sz="1400" smtClean="0"/>
+              <a:t>int[]</a:t>
+            </a:r>
+            <a:endParaRPr lang="de-DE" sz="1400"/>
+          </a:p>
+        </p:txBody>
+      </p:sp>
+      <p:sp>
+        <p:nvSpPr>
+          <p:cNvPr id="14" name="Rechteck 13"/>
+          <p:cNvSpPr/>
+          <p:nvPr/>
+        </p:nvSpPr>
+        <p:spPr>
+          <a:xfrm>
+            <a:off x="2505692" y="4630178"/>
+            <a:ext cx="950025" cy="308758"/>
+          </a:xfrm>
+          <a:prstGeom prst="rect">
+            <a:avLst/>
+          </a:prstGeom>
+        </p:spPr>
+        <p:style>
+          <a:lnRef idx="2">
+            <a:schemeClr val="accent1">
+              <a:shade val="50000"/>
+            </a:schemeClr>
+          </a:lnRef>
+          <a:fillRef idx="1">
+            <a:schemeClr val="accent1"/>
+          </a:fillRef>
+          <a:effectRef idx="0">
+            <a:schemeClr val="accent1"/>
+          </a:effectRef>
+          <a:fontRef idx="minor">
+            <a:schemeClr val="lt1"/>
+          </a:fontRef>
+        </p:style>
+        <p:txBody>
+          <a:bodyPr rtlCol="0" anchor="ctr"/>
+          <a:lstStyle/>
+          <a:p>
+            <a:pPr algn="ctr"/>
+            <a:r>
+              <a:rPr lang="de-DE" sz="1400" smtClean="0"/>
+              <a:t>2</a:t>
+            </a:r>
+            <a:endParaRPr lang="de-DE" sz="1400"/>
+          </a:p>
+        </p:txBody>
+      </p:sp>
+      <p:sp>
+        <p:nvSpPr>
+          <p:cNvPr id="15" name="Textfeld 14"/>
+          <p:cNvSpPr txBox="1"/>
+          <p:nvPr/>
+        </p:nvSpPr>
+        <p:spPr>
+          <a:xfrm>
+            <a:off x="2004533" y="4569604"/>
+            <a:ext cx="380169" cy="307777"/>
+          </a:xfrm>
+          <a:prstGeom prst="rect">
+            <a:avLst/>
+          </a:prstGeom>
+          <a:noFill/>
+        </p:spPr>
+        <p:txBody>
+          <a:bodyPr wrap="none" rtlCol="0">
+            <a:spAutoFit/>
+          </a:bodyPr>
+          <a:lstStyle/>
+          <a:p>
+            <a:r>
+              <a:rPr lang="de-DE" sz="1400" smtClean="0"/>
+              <a:t>int</a:t>
+            </a:r>
+            <a:endParaRPr lang="de-DE" sz="1400"/>
+          </a:p>
+        </p:txBody>
+      </p:sp>
+      <p:sp>
+        <p:nvSpPr>
+          <p:cNvPr id="16" name="Textfeld 15"/>
+          <p:cNvSpPr txBox="1"/>
+          <p:nvPr/>
+        </p:nvSpPr>
+        <p:spPr>
+          <a:xfrm>
+            <a:off x="3462661" y="4640854"/>
+            <a:ext cx="648447" cy="307777"/>
+          </a:xfrm>
+          <a:prstGeom prst="rect">
+            <a:avLst/>
+          </a:prstGeom>
+          <a:noFill/>
+        </p:spPr>
+        <p:txBody>
+          <a:bodyPr wrap="none" rtlCol="0">
+            <a:spAutoFit/>
+          </a:bodyPr>
+          <a:lstStyle/>
+          <a:p>
+            <a:r>
+              <a:rPr lang="de-DE" sz="1400" smtClean="0"/>
+              <a:t>length</a:t>
+            </a:r>
+            <a:endParaRPr lang="de-DE" sz="1400"/>
+          </a:p>
+        </p:txBody>
+      </p:sp>
+      <p:cxnSp>
+        <p:nvCxnSpPr>
+          <p:cNvPr id="18" name="Gerade Verbindung mit Pfeil 17"/>
+          <p:cNvCxnSpPr>
+            <a:stCxn id="7" idx="3"/>
+          </p:cNvCxnSpPr>
+          <p:nvPr/>
+        </p:nvCxnSpPr>
+        <p:spPr>
+          <a:xfrm flipV="1">
+            <a:off x="664750" y="4501946"/>
+            <a:ext cx="1719952" cy="436990"/>
+          </a:xfrm>
+          <a:prstGeom prst="straightConnector1">
+            <a:avLst/>
+          </a:prstGeom>
+          <a:ln>
+            <a:tailEnd type="triangle"/>
+          </a:ln>
+        </p:spPr>
+        <p:style>
+          <a:lnRef idx="1">
+            <a:schemeClr val="accent1"/>
+          </a:lnRef>
+          <a:fillRef idx="0">
+            <a:schemeClr val="accent1"/>
+          </a:fillRef>
+          <a:effectRef idx="0">
+            <a:schemeClr val="accent1"/>
+          </a:effectRef>
+          <a:fontRef idx="minor">
+            <a:schemeClr val="tx1"/>
+          </a:fontRef>
+        </p:style>
+      </p:cxnSp>
+      <p:sp>
+        <p:nvSpPr>
+          <p:cNvPr id="20" name="Textfeld 19"/>
+          <p:cNvSpPr txBox="1"/>
+          <p:nvPr/>
+        </p:nvSpPr>
+        <p:spPr>
+          <a:xfrm>
+            <a:off x="3438003" y="3854634"/>
+            <a:ext cx="276038" cy="307777"/>
+          </a:xfrm>
+          <a:prstGeom prst="rect">
+            <a:avLst/>
+          </a:prstGeom>
+          <a:noFill/>
+        </p:spPr>
+        <p:txBody>
+          <a:bodyPr wrap="none" rtlCol="0">
+            <a:spAutoFit/>
+          </a:bodyPr>
+          <a:lstStyle/>
+          <a:p>
+            <a:r>
+              <a:rPr lang="de-DE" sz="1400" smtClean="0"/>
+              <a:t>0</a:t>
+            </a:r>
+            <a:endParaRPr lang="de-DE" sz="1400"/>
+          </a:p>
+        </p:txBody>
+      </p:sp>
+      <p:sp>
+        <p:nvSpPr>
+          <p:cNvPr id="21" name="Textfeld 20"/>
+          <p:cNvSpPr txBox="1"/>
+          <p:nvPr/>
+        </p:nvSpPr>
+        <p:spPr>
+          <a:xfrm>
+            <a:off x="3438003" y="4194169"/>
+            <a:ext cx="276038" cy="307777"/>
+          </a:xfrm>
+          <a:prstGeom prst="rect">
+            <a:avLst/>
+          </a:prstGeom>
+          <a:noFill/>
+        </p:spPr>
+        <p:txBody>
+          <a:bodyPr wrap="none" rtlCol="0">
+            <a:spAutoFit/>
+          </a:bodyPr>
+          <a:lstStyle/>
+          <a:p>
+            <a:r>
+              <a:rPr lang="de-DE" sz="1400" smtClean="0"/>
+              <a:t>1</a:t>
+            </a:r>
+            <a:endParaRPr lang="de-DE" sz="1400"/>
+          </a:p>
+        </p:txBody>
+      </p:sp>
+    </p:spTree>
+    <p:extLst>
+      <p:ext uri="{BB962C8B-B14F-4D97-AF65-F5344CB8AC3E}">
+        <p14:creationId xmlns:p14="http://schemas.microsoft.com/office/powerpoint/2010/main" val="3517828435"/>
       </p:ext>
     </p:extLst>
   </p:cSld>

--- a/Diagramme/Arrays.pptx
+++ b/Diagramme/Arrays.pptx
@@ -18,6 +18,12 @@
     <p:sldId id="266" r:id="rId12"/>
     <p:sldId id="267" r:id="rId13"/>
     <p:sldId id="268" r:id="rId14"/>
+    <p:sldId id="269" r:id="rId15"/>
+    <p:sldId id="270" r:id="rId16"/>
+    <p:sldId id="271" r:id="rId17"/>
+    <p:sldId id="272" r:id="rId18"/>
+    <p:sldId id="273" r:id="rId19"/>
+    <p:sldId id="274" r:id="rId20"/>
   </p:sldIdLst>
   <p:sldSz cx="12192000" cy="6858000"/>
   <p:notesSz cx="6858000" cy="9144000"/>
@@ -9724,7 +9730,7 @@
           <a:p>
             <a:r>
               <a:rPr lang="de-DE" smtClean="0"/>
-              <a:t>tmp hat denselben Wert wie arr[1] </a:t>
+              <a:t>tmp und arr[1] haben denselben Wert</a:t>
             </a:r>
             <a:endParaRPr lang="de-DE"/>
           </a:p>
@@ -9807,6 +9813,6164 @@
     <p:extLst>
       <p:ext uri="{BB962C8B-B14F-4D97-AF65-F5344CB8AC3E}">
         <p14:creationId xmlns:p14="http://schemas.microsoft.com/office/powerpoint/2010/main" val="136487537"/>
+      </p:ext>
+    </p:extLst>
+  </p:cSld>
+  <p:clrMapOvr>
+    <a:masterClrMapping/>
+  </p:clrMapOvr>
+</p:sld>
+</file>
+
+<file path=ppt/slides/slide14.xml><?xml version="1.0" encoding="utf-8"?>
+<p:sld xmlns:a="http://schemas.openxmlformats.org/drawingml/2006/main" xmlns:r="http://schemas.openxmlformats.org/officeDocument/2006/relationships" xmlns:p="http://schemas.openxmlformats.org/presentationml/2006/main">
+  <p:cSld>
+    <p:spTree>
+      <p:nvGrpSpPr>
+        <p:cNvPr id="1" name=""/>
+        <p:cNvGrpSpPr/>
+        <p:nvPr/>
+      </p:nvGrpSpPr>
+      <p:grpSpPr>
+        <a:xfrm>
+          <a:off x="0" y="0"/>
+          <a:ext cx="0" cy="0"/>
+          <a:chOff x="0" y="0"/>
+          <a:chExt cx="0" cy="0"/>
+        </a:xfrm>
+      </p:grpSpPr>
+      <p:sp>
+        <p:nvSpPr>
+          <p:cNvPr id="2" name="Titel 1"/>
+          <p:cNvSpPr>
+            <a:spLocks noGrp="1"/>
+          </p:cNvSpPr>
+          <p:nvPr>
+            <p:ph type="title"/>
+          </p:nvPr>
+        </p:nvSpPr>
+        <p:spPr/>
+        <p:txBody>
+          <a:bodyPr/>
+          <a:lstStyle/>
+          <a:p>
+            <a:r>
+              <a:rPr lang="de-DE" smtClean="0"/>
+              <a:t>Mehrdimensionale Arrays</a:t>
+            </a:r>
+            <a:endParaRPr lang="de-DE"/>
+          </a:p>
+        </p:txBody>
+      </p:sp>
+      <p:sp>
+        <p:nvSpPr>
+          <p:cNvPr id="3" name="Inhaltsplatzhalter 2"/>
+          <p:cNvSpPr>
+            <a:spLocks noGrp="1"/>
+          </p:cNvSpPr>
+          <p:nvPr>
+            <p:ph idx="1"/>
+          </p:nvPr>
+        </p:nvSpPr>
+        <p:spPr/>
+        <p:txBody>
+          <a:bodyPr/>
+          <a:lstStyle/>
+          <a:p>
+            <a:r>
+              <a:rPr lang="de-DE" smtClean="0"/>
+              <a:t>new int[2</a:t>
+            </a:r>
+            <a:r>
+              <a:rPr lang="de-DE" smtClean="0"/>
+              <a:t>][3]</a:t>
+            </a:r>
+            <a:endParaRPr lang="de-DE"/>
+          </a:p>
+        </p:txBody>
+      </p:sp>
+    </p:spTree>
+    <p:extLst>
+      <p:ext uri="{BB962C8B-B14F-4D97-AF65-F5344CB8AC3E}">
+        <p14:creationId xmlns:p14="http://schemas.microsoft.com/office/powerpoint/2010/main" val="3818320639"/>
+      </p:ext>
+    </p:extLst>
+  </p:cSld>
+  <p:clrMapOvr>
+    <a:masterClrMapping/>
+  </p:clrMapOvr>
+</p:sld>
+</file>
+
+<file path=ppt/slides/slide15.xml><?xml version="1.0" encoding="utf-8"?>
+<p:sld xmlns:a="http://schemas.openxmlformats.org/drawingml/2006/main" xmlns:r="http://schemas.openxmlformats.org/officeDocument/2006/relationships" xmlns:p="http://schemas.openxmlformats.org/presentationml/2006/main">
+  <p:cSld>
+    <p:spTree>
+      <p:nvGrpSpPr>
+        <p:cNvPr id="1" name=""/>
+        <p:cNvGrpSpPr/>
+        <p:nvPr/>
+      </p:nvGrpSpPr>
+      <p:grpSpPr>
+        <a:xfrm>
+          <a:off x="0" y="0"/>
+          <a:ext cx="0" cy="0"/>
+          <a:chOff x="0" y="0"/>
+          <a:chExt cx="0" cy="0"/>
+        </a:xfrm>
+      </p:grpSpPr>
+      <p:cxnSp>
+        <p:nvCxnSpPr>
+          <p:cNvPr id="5" name="Gerader Verbinder 4"/>
+          <p:cNvCxnSpPr/>
+          <p:nvPr/>
+        </p:nvCxnSpPr>
+        <p:spPr>
+          <a:xfrm>
+            <a:off x="1757548" y="368135"/>
+            <a:ext cx="0" cy="6210795"/>
+          </a:xfrm>
+          <a:prstGeom prst="line">
+            <a:avLst/>
+          </a:prstGeom>
+        </p:spPr>
+        <p:style>
+          <a:lnRef idx="1">
+            <a:schemeClr val="accent1"/>
+          </a:lnRef>
+          <a:fillRef idx="0">
+            <a:schemeClr val="accent1"/>
+          </a:fillRef>
+          <a:effectRef idx="0">
+            <a:schemeClr val="accent1"/>
+          </a:effectRef>
+          <a:fontRef idx="minor">
+            <a:schemeClr val="tx1"/>
+          </a:fontRef>
+        </p:style>
+      </p:cxnSp>
+      <p:sp>
+        <p:nvSpPr>
+          <p:cNvPr id="6" name="Textfeld 5"/>
+          <p:cNvSpPr txBox="1"/>
+          <p:nvPr/>
+        </p:nvSpPr>
+        <p:spPr>
+          <a:xfrm>
+            <a:off x="9417132" y="368135"/>
+            <a:ext cx="2614242" cy="1200329"/>
+          </a:xfrm>
+          <a:prstGeom prst="rect">
+            <a:avLst/>
+          </a:prstGeom>
+          <a:noFill/>
+        </p:spPr>
+        <p:txBody>
+          <a:bodyPr wrap="none" rtlCol="0">
+            <a:spAutoFit/>
+          </a:bodyPr>
+          <a:lstStyle/>
+          <a:p>
+            <a:r>
+              <a:rPr lang="de-DE" b="1" smtClean="0"/>
+              <a:t>int[][] arr = new int[2</a:t>
+            </a:r>
+            <a:r>
+              <a:rPr lang="de-DE" b="1" smtClean="0"/>
+              <a:t>][3];</a:t>
+            </a:r>
+            <a:endParaRPr lang="de-DE" b="1" smtClean="0"/>
+          </a:p>
+          <a:p>
+            <a:endParaRPr lang="de-DE" smtClean="0"/>
+          </a:p>
+          <a:p>
+            <a:r>
+              <a:rPr lang="de-DE" smtClean="0"/>
+              <a:t>arr[1][1] = 7;</a:t>
+            </a:r>
+          </a:p>
+          <a:p>
+            <a:endParaRPr lang="de-DE" smtClean="0"/>
+          </a:p>
+        </p:txBody>
+      </p:sp>
+      <p:sp>
+        <p:nvSpPr>
+          <p:cNvPr id="7" name="Textfeld 6"/>
+          <p:cNvSpPr txBox="1"/>
+          <p:nvPr/>
+        </p:nvSpPr>
+        <p:spPr>
+          <a:xfrm>
+            <a:off x="209176" y="4754270"/>
+            <a:ext cx="455574" cy="369332"/>
+          </a:xfrm>
+          <a:prstGeom prst="rect">
+            <a:avLst/>
+          </a:prstGeom>
+          <a:noFill/>
+        </p:spPr>
+        <p:txBody>
+          <a:bodyPr wrap="none" rtlCol="0">
+            <a:spAutoFit/>
+          </a:bodyPr>
+          <a:lstStyle/>
+          <a:p>
+            <a:r>
+              <a:rPr lang="de-DE" smtClean="0"/>
+              <a:t>arr</a:t>
+            </a:r>
+            <a:endParaRPr lang="de-DE"/>
+          </a:p>
+        </p:txBody>
+      </p:sp>
+      <p:sp>
+        <p:nvSpPr>
+          <p:cNvPr id="8" name="Rechteck 7"/>
+          <p:cNvSpPr/>
+          <p:nvPr/>
+        </p:nvSpPr>
+        <p:spPr>
+          <a:xfrm>
+            <a:off x="2399963" y="3728851"/>
+            <a:ext cx="1199408" cy="1281335"/>
+          </a:xfrm>
+          <a:prstGeom prst="rect">
+            <a:avLst/>
+          </a:prstGeom>
+        </p:spPr>
+        <p:style>
+          <a:lnRef idx="2">
+            <a:schemeClr val="accent1">
+              <a:shade val="50000"/>
+            </a:schemeClr>
+          </a:lnRef>
+          <a:fillRef idx="1">
+            <a:schemeClr val="accent1"/>
+          </a:fillRef>
+          <a:effectRef idx="0">
+            <a:schemeClr val="accent1"/>
+          </a:effectRef>
+          <a:fontRef idx="minor">
+            <a:schemeClr val="lt1"/>
+          </a:fontRef>
+        </p:style>
+        <p:txBody>
+          <a:bodyPr rtlCol="0" anchor="ctr"/>
+          <a:lstStyle/>
+          <a:p>
+            <a:pPr algn="ctr"/>
+            <a:endParaRPr lang="de-DE"/>
+          </a:p>
+        </p:txBody>
+      </p:sp>
+      <p:sp>
+        <p:nvSpPr>
+          <p:cNvPr id="9" name="Textfeld 8"/>
+          <p:cNvSpPr txBox="1"/>
+          <p:nvPr/>
+        </p:nvSpPr>
+        <p:spPr>
+          <a:xfrm>
+            <a:off x="2999667" y="3359519"/>
+            <a:ext cx="716350" cy="369332"/>
+          </a:xfrm>
+          <a:prstGeom prst="rect">
+            <a:avLst/>
+          </a:prstGeom>
+          <a:noFill/>
+        </p:spPr>
+        <p:txBody>
+          <a:bodyPr wrap="none" rtlCol="0">
+            <a:spAutoFit/>
+          </a:bodyPr>
+          <a:lstStyle/>
+          <a:p>
+            <a:r>
+              <a:rPr lang="de-DE" smtClean="0"/>
+              <a:t>int[][]</a:t>
+            </a:r>
+            <a:endParaRPr lang="de-DE"/>
+          </a:p>
+        </p:txBody>
+      </p:sp>
+      <p:sp>
+        <p:nvSpPr>
+          <p:cNvPr id="10" name="Rechteck 9"/>
+          <p:cNvSpPr/>
+          <p:nvPr/>
+        </p:nvSpPr>
+        <p:spPr>
+          <a:xfrm>
+            <a:off x="2505694" y="3859481"/>
+            <a:ext cx="950025" cy="308758"/>
+          </a:xfrm>
+          <a:prstGeom prst="rect">
+            <a:avLst/>
+          </a:prstGeom>
+        </p:spPr>
+        <p:style>
+          <a:lnRef idx="2">
+            <a:schemeClr val="accent1">
+              <a:shade val="50000"/>
+            </a:schemeClr>
+          </a:lnRef>
+          <a:fillRef idx="1">
+            <a:schemeClr val="accent1"/>
+          </a:fillRef>
+          <a:effectRef idx="0">
+            <a:schemeClr val="accent1"/>
+          </a:effectRef>
+          <a:fontRef idx="minor">
+            <a:schemeClr val="lt1"/>
+          </a:fontRef>
+        </p:style>
+        <p:txBody>
+          <a:bodyPr rtlCol="0" anchor="ctr"/>
+          <a:lstStyle/>
+          <a:p>
+            <a:pPr algn="ctr"/>
+            <a:endParaRPr lang="de-DE" sz="1400"/>
+          </a:p>
+        </p:txBody>
+      </p:sp>
+      <p:sp>
+        <p:nvSpPr>
+          <p:cNvPr id="11" name="Rechteck 10"/>
+          <p:cNvSpPr/>
+          <p:nvPr/>
+        </p:nvSpPr>
+        <p:spPr>
+          <a:xfrm>
+            <a:off x="2505693" y="4193188"/>
+            <a:ext cx="950025" cy="308758"/>
+          </a:xfrm>
+          <a:prstGeom prst="rect">
+            <a:avLst/>
+          </a:prstGeom>
+        </p:spPr>
+        <p:style>
+          <a:lnRef idx="2">
+            <a:schemeClr val="accent1">
+              <a:shade val="50000"/>
+            </a:schemeClr>
+          </a:lnRef>
+          <a:fillRef idx="1">
+            <a:schemeClr val="accent1"/>
+          </a:fillRef>
+          <a:effectRef idx="0">
+            <a:schemeClr val="accent1"/>
+          </a:effectRef>
+          <a:fontRef idx="minor">
+            <a:schemeClr val="lt1"/>
+          </a:fontRef>
+        </p:style>
+        <p:txBody>
+          <a:bodyPr rtlCol="0" anchor="ctr"/>
+          <a:lstStyle/>
+          <a:p>
+            <a:pPr algn="ctr"/>
+            <a:endParaRPr lang="de-DE" sz="1400"/>
+          </a:p>
+        </p:txBody>
+      </p:sp>
+      <p:sp>
+        <p:nvSpPr>
+          <p:cNvPr id="12" name="Textfeld 11"/>
+          <p:cNvSpPr txBox="1"/>
+          <p:nvPr/>
+        </p:nvSpPr>
+        <p:spPr>
+          <a:xfrm>
+            <a:off x="1972930" y="3798907"/>
+            <a:ext cx="489173" cy="307777"/>
+          </a:xfrm>
+          <a:prstGeom prst="rect">
+            <a:avLst/>
+          </a:prstGeom>
+          <a:noFill/>
+        </p:spPr>
+        <p:txBody>
+          <a:bodyPr wrap="none" rtlCol="0">
+            <a:spAutoFit/>
+          </a:bodyPr>
+          <a:lstStyle/>
+          <a:p>
+            <a:r>
+              <a:rPr lang="de-DE" sz="1400" smtClean="0"/>
+              <a:t>int[]</a:t>
+            </a:r>
+            <a:endParaRPr lang="de-DE" sz="1400"/>
+          </a:p>
+        </p:txBody>
+      </p:sp>
+      <p:sp>
+        <p:nvSpPr>
+          <p:cNvPr id="13" name="Textfeld 12"/>
+          <p:cNvSpPr txBox="1"/>
+          <p:nvPr/>
+        </p:nvSpPr>
+        <p:spPr>
+          <a:xfrm>
+            <a:off x="1972930" y="4107066"/>
+            <a:ext cx="489173" cy="307777"/>
+          </a:xfrm>
+          <a:prstGeom prst="rect">
+            <a:avLst/>
+          </a:prstGeom>
+          <a:noFill/>
+        </p:spPr>
+        <p:txBody>
+          <a:bodyPr wrap="none" rtlCol="0">
+            <a:spAutoFit/>
+          </a:bodyPr>
+          <a:lstStyle/>
+          <a:p>
+            <a:r>
+              <a:rPr lang="de-DE" sz="1400" smtClean="0"/>
+              <a:t>int[]</a:t>
+            </a:r>
+            <a:endParaRPr lang="de-DE" sz="1400"/>
+          </a:p>
+        </p:txBody>
+      </p:sp>
+      <p:sp>
+        <p:nvSpPr>
+          <p:cNvPr id="14" name="Rechteck 13"/>
+          <p:cNvSpPr/>
+          <p:nvPr/>
+        </p:nvSpPr>
+        <p:spPr>
+          <a:xfrm>
+            <a:off x="2505692" y="4630178"/>
+            <a:ext cx="950025" cy="308758"/>
+          </a:xfrm>
+          <a:prstGeom prst="rect">
+            <a:avLst/>
+          </a:prstGeom>
+        </p:spPr>
+        <p:style>
+          <a:lnRef idx="2">
+            <a:schemeClr val="accent1">
+              <a:shade val="50000"/>
+            </a:schemeClr>
+          </a:lnRef>
+          <a:fillRef idx="1">
+            <a:schemeClr val="accent1"/>
+          </a:fillRef>
+          <a:effectRef idx="0">
+            <a:schemeClr val="accent1"/>
+          </a:effectRef>
+          <a:fontRef idx="minor">
+            <a:schemeClr val="lt1"/>
+          </a:fontRef>
+        </p:style>
+        <p:txBody>
+          <a:bodyPr rtlCol="0" anchor="ctr"/>
+          <a:lstStyle/>
+          <a:p>
+            <a:pPr algn="ctr"/>
+            <a:r>
+              <a:rPr lang="de-DE" sz="1400" smtClean="0"/>
+              <a:t>2</a:t>
+            </a:r>
+            <a:endParaRPr lang="de-DE" sz="1400"/>
+          </a:p>
+        </p:txBody>
+      </p:sp>
+      <p:sp>
+        <p:nvSpPr>
+          <p:cNvPr id="15" name="Textfeld 14"/>
+          <p:cNvSpPr txBox="1"/>
+          <p:nvPr/>
+        </p:nvSpPr>
+        <p:spPr>
+          <a:xfrm>
+            <a:off x="2004533" y="4569604"/>
+            <a:ext cx="380169" cy="307777"/>
+          </a:xfrm>
+          <a:prstGeom prst="rect">
+            <a:avLst/>
+          </a:prstGeom>
+          <a:noFill/>
+        </p:spPr>
+        <p:txBody>
+          <a:bodyPr wrap="none" rtlCol="0">
+            <a:spAutoFit/>
+          </a:bodyPr>
+          <a:lstStyle/>
+          <a:p>
+            <a:r>
+              <a:rPr lang="de-DE" sz="1400" smtClean="0"/>
+              <a:t>int</a:t>
+            </a:r>
+            <a:endParaRPr lang="de-DE" sz="1400"/>
+          </a:p>
+        </p:txBody>
+      </p:sp>
+      <p:sp>
+        <p:nvSpPr>
+          <p:cNvPr id="16" name="Textfeld 15"/>
+          <p:cNvSpPr txBox="1"/>
+          <p:nvPr/>
+        </p:nvSpPr>
+        <p:spPr>
+          <a:xfrm>
+            <a:off x="3462661" y="4640854"/>
+            <a:ext cx="648447" cy="307777"/>
+          </a:xfrm>
+          <a:prstGeom prst="rect">
+            <a:avLst/>
+          </a:prstGeom>
+          <a:noFill/>
+        </p:spPr>
+        <p:txBody>
+          <a:bodyPr wrap="none" rtlCol="0">
+            <a:spAutoFit/>
+          </a:bodyPr>
+          <a:lstStyle/>
+          <a:p>
+            <a:r>
+              <a:rPr lang="de-DE" sz="1400" smtClean="0"/>
+              <a:t>length</a:t>
+            </a:r>
+            <a:endParaRPr lang="de-DE" sz="1400"/>
+          </a:p>
+        </p:txBody>
+      </p:sp>
+      <p:cxnSp>
+        <p:nvCxnSpPr>
+          <p:cNvPr id="18" name="Gerade Verbindung mit Pfeil 17"/>
+          <p:cNvCxnSpPr>
+            <a:stCxn id="7" idx="3"/>
+          </p:cNvCxnSpPr>
+          <p:nvPr/>
+        </p:nvCxnSpPr>
+        <p:spPr>
+          <a:xfrm flipV="1">
+            <a:off x="664750" y="4501946"/>
+            <a:ext cx="1719952" cy="436990"/>
+          </a:xfrm>
+          <a:prstGeom prst="straightConnector1">
+            <a:avLst/>
+          </a:prstGeom>
+          <a:ln>
+            <a:tailEnd type="triangle"/>
+          </a:ln>
+        </p:spPr>
+        <p:style>
+          <a:lnRef idx="1">
+            <a:schemeClr val="accent1"/>
+          </a:lnRef>
+          <a:fillRef idx="0">
+            <a:schemeClr val="accent1"/>
+          </a:fillRef>
+          <a:effectRef idx="0">
+            <a:schemeClr val="accent1"/>
+          </a:effectRef>
+          <a:fontRef idx="minor">
+            <a:schemeClr val="tx1"/>
+          </a:fontRef>
+        </p:style>
+      </p:cxnSp>
+      <p:sp>
+        <p:nvSpPr>
+          <p:cNvPr id="20" name="Textfeld 19"/>
+          <p:cNvSpPr txBox="1"/>
+          <p:nvPr/>
+        </p:nvSpPr>
+        <p:spPr>
+          <a:xfrm>
+            <a:off x="3438003" y="3854634"/>
+            <a:ext cx="276038" cy="307777"/>
+          </a:xfrm>
+          <a:prstGeom prst="rect">
+            <a:avLst/>
+          </a:prstGeom>
+          <a:noFill/>
+        </p:spPr>
+        <p:txBody>
+          <a:bodyPr wrap="none" rtlCol="0">
+            <a:spAutoFit/>
+          </a:bodyPr>
+          <a:lstStyle/>
+          <a:p>
+            <a:r>
+              <a:rPr lang="de-DE" sz="1400" smtClean="0"/>
+              <a:t>0</a:t>
+            </a:r>
+            <a:endParaRPr lang="de-DE" sz="1400"/>
+          </a:p>
+        </p:txBody>
+      </p:sp>
+      <p:sp>
+        <p:nvSpPr>
+          <p:cNvPr id="21" name="Textfeld 20"/>
+          <p:cNvSpPr txBox="1"/>
+          <p:nvPr/>
+        </p:nvSpPr>
+        <p:spPr>
+          <a:xfrm>
+            <a:off x="3438003" y="4194169"/>
+            <a:ext cx="276038" cy="307777"/>
+          </a:xfrm>
+          <a:prstGeom prst="rect">
+            <a:avLst/>
+          </a:prstGeom>
+          <a:noFill/>
+        </p:spPr>
+        <p:txBody>
+          <a:bodyPr wrap="none" rtlCol="0">
+            <a:spAutoFit/>
+          </a:bodyPr>
+          <a:lstStyle/>
+          <a:p>
+            <a:r>
+              <a:rPr lang="de-DE" sz="1400" smtClean="0"/>
+              <a:t>1</a:t>
+            </a:r>
+            <a:endParaRPr lang="de-DE" sz="1400"/>
+          </a:p>
+        </p:txBody>
+      </p:sp>
+      <p:sp>
+        <p:nvSpPr>
+          <p:cNvPr id="17" name="Rechteck 16"/>
+          <p:cNvSpPr/>
+          <p:nvPr/>
+        </p:nvSpPr>
+        <p:spPr>
+          <a:xfrm>
+            <a:off x="5083786" y="1423842"/>
+            <a:ext cx="1199408" cy="1721922"/>
+          </a:xfrm>
+          <a:prstGeom prst="rect">
+            <a:avLst/>
+          </a:prstGeom>
+        </p:spPr>
+        <p:style>
+          <a:lnRef idx="2">
+            <a:schemeClr val="accent1">
+              <a:shade val="50000"/>
+            </a:schemeClr>
+          </a:lnRef>
+          <a:fillRef idx="1">
+            <a:schemeClr val="accent1"/>
+          </a:fillRef>
+          <a:effectRef idx="0">
+            <a:schemeClr val="accent1"/>
+          </a:effectRef>
+          <a:fontRef idx="minor">
+            <a:schemeClr val="lt1"/>
+          </a:fontRef>
+        </p:style>
+        <p:txBody>
+          <a:bodyPr rtlCol="0" anchor="ctr"/>
+          <a:lstStyle/>
+          <a:p>
+            <a:pPr algn="ctr"/>
+            <a:endParaRPr lang="de-DE"/>
+          </a:p>
+        </p:txBody>
+      </p:sp>
+      <p:sp>
+        <p:nvSpPr>
+          <p:cNvPr id="19" name="Textfeld 18"/>
+          <p:cNvSpPr txBox="1"/>
+          <p:nvPr/>
+        </p:nvSpPr>
+        <p:spPr>
+          <a:xfrm>
+            <a:off x="5683490" y="1054510"/>
+            <a:ext cx="575286" cy="369332"/>
+          </a:xfrm>
+          <a:prstGeom prst="rect">
+            <a:avLst/>
+          </a:prstGeom>
+          <a:noFill/>
+        </p:spPr>
+        <p:txBody>
+          <a:bodyPr wrap="none" rtlCol="0">
+            <a:spAutoFit/>
+          </a:bodyPr>
+          <a:lstStyle/>
+          <a:p>
+            <a:r>
+              <a:rPr lang="de-DE" smtClean="0"/>
+              <a:t>int[]</a:t>
+            </a:r>
+            <a:endParaRPr lang="de-DE"/>
+          </a:p>
+        </p:txBody>
+      </p:sp>
+      <p:sp>
+        <p:nvSpPr>
+          <p:cNvPr id="22" name="Rechteck 21"/>
+          <p:cNvSpPr/>
+          <p:nvPr/>
+        </p:nvSpPr>
+        <p:spPr>
+          <a:xfrm>
+            <a:off x="5189517" y="1554472"/>
+            <a:ext cx="950025" cy="308758"/>
+          </a:xfrm>
+          <a:prstGeom prst="rect">
+            <a:avLst/>
+          </a:prstGeom>
+        </p:spPr>
+        <p:style>
+          <a:lnRef idx="2">
+            <a:schemeClr val="accent1">
+              <a:shade val="50000"/>
+            </a:schemeClr>
+          </a:lnRef>
+          <a:fillRef idx="1">
+            <a:schemeClr val="accent1"/>
+          </a:fillRef>
+          <a:effectRef idx="0">
+            <a:schemeClr val="accent1"/>
+          </a:effectRef>
+          <a:fontRef idx="minor">
+            <a:schemeClr val="lt1"/>
+          </a:fontRef>
+        </p:style>
+        <p:txBody>
+          <a:bodyPr rtlCol="0" anchor="ctr"/>
+          <a:lstStyle/>
+          <a:p>
+            <a:pPr algn="ctr"/>
+            <a:r>
+              <a:rPr lang="de-DE" sz="1400" smtClean="0"/>
+              <a:t>0</a:t>
+            </a:r>
+            <a:endParaRPr lang="de-DE" sz="1400"/>
+          </a:p>
+        </p:txBody>
+      </p:sp>
+      <p:sp>
+        <p:nvSpPr>
+          <p:cNvPr id="23" name="Rechteck 22"/>
+          <p:cNvSpPr/>
+          <p:nvPr/>
+        </p:nvSpPr>
+        <p:spPr>
+          <a:xfrm>
+            <a:off x="5189516" y="1888179"/>
+            <a:ext cx="950025" cy="308758"/>
+          </a:xfrm>
+          <a:prstGeom prst="rect">
+            <a:avLst/>
+          </a:prstGeom>
+        </p:spPr>
+        <p:style>
+          <a:lnRef idx="2">
+            <a:schemeClr val="accent1">
+              <a:shade val="50000"/>
+            </a:schemeClr>
+          </a:lnRef>
+          <a:fillRef idx="1">
+            <a:schemeClr val="accent1"/>
+          </a:fillRef>
+          <a:effectRef idx="0">
+            <a:schemeClr val="accent1"/>
+          </a:effectRef>
+          <a:fontRef idx="minor">
+            <a:schemeClr val="lt1"/>
+          </a:fontRef>
+        </p:style>
+        <p:txBody>
+          <a:bodyPr rtlCol="0" anchor="ctr"/>
+          <a:lstStyle/>
+          <a:p>
+            <a:pPr algn="ctr"/>
+            <a:r>
+              <a:rPr lang="de-DE" sz="1400" smtClean="0"/>
+              <a:t>0</a:t>
+            </a:r>
+            <a:endParaRPr lang="de-DE" sz="1400"/>
+          </a:p>
+        </p:txBody>
+      </p:sp>
+      <p:sp>
+        <p:nvSpPr>
+          <p:cNvPr id="24" name="Textfeld 23"/>
+          <p:cNvSpPr txBox="1"/>
+          <p:nvPr/>
+        </p:nvSpPr>
+        <p:spPr>
+          <a:xfrm>
+            <a:off x="4656753" y="1493898"/>
+            <a:ext cx="380169" cy="307777"/>
+          </a:xfrm>
+          <a:prstGeom prst="rect">
+            <a:avLst/>
+          </a:prstGeom>
+          <a:noFill/>
+        </p:spPr>
+        <p:txBody>
+          <a:bodyPr wrap="none" rtlCol="0">
+            <a:spAutoFit/>
+          </a:bodyPr>
+          <a:lstStyle/>
+          <a:p>
+            <a:r>
+              <a:rPr lang="de-DE" sz="1400" smtClean="0"/>
+              <a:t>int</a:t>
+            </a:r>
+            <a:endParaRPr lang="de-DE" sz="1400"/>
+          </a:p>
+        </p:txBody>
+      </p:sp>
+      <p:sp>
+        <p:nvSpPr>
+          <p:cNvPr id="25" name="Textfeld 24"/>
+          <p:cNvSpPr txBox="1"/>
+          <p:nvPr/>
+        </p:nvSpPr>
+        <p:spPr>
+          <a:xfrm>
+            <a:off x="4656753" y="1802057"/>
+            <a:ext cx="380169" cy="307777"/>
+          </a:xfrm>
+          <a:prstGeom prst="rect">
+            <a:avLst/>
+          </a:prstGeom>
+          <a:noFill/>
+        </p:spPr>
+        <p:txBody>
+          <a:bodyPr wrap="none" rtlCol="0">
+            <a:spAutoFit/>
+          </a:bodyPr>
+          <a:lstStyle/>
+          <a:p>
+            <a:r>
+              <a:rPr lang="de-DE" sz="1400" smtClean="0"/>
+              <a:t>int</a:t>
+            </a:r>
+            <a:endParaRPr lang="de-DE" sz="1400"/>
+          </a:p>
+        </p:txBody>
+      </p:sp>
+      <p:sp>
+        <p:nvSpPr>
+          <p:cNvPr id="26" name="Rechteck 25"/>
+          <p:cNvSpPr/>
+          <p:nvPr/>
+        </p:nvSpPr>
+        <p:spPr>
+          <a:xfrm>
+            <a:off x="5189515" y="2645801"/>
+            <a:ext cx="950025" cy="308758"/>
+          </a:xfrm>
+          <a:prstGeom prst="rect">
+            <a:avLst/>
+          </a:prstGeom>
+        </p:spPr>
+        <p:style>
+          <a:lnRef idx="2">
+            <a:schemeClr val="accent1">
+              <a:shade val="50000"/>
+            </a:schemeClr>
+          </a:lnRef>
+          <a:fillRef idx="1">
+            <a:schemeClr val="accent1"/>
+          </a:fillRef>
+          <a:effectRef idx="0">
+            <a:schemeClr val="accent1"/>
+          </a:effectRef>
+          <a:fontRef idx="minor">
+            <a:schemeClr val="lt1"/>
+          </a:fontRef>
+        </p:style>
+        <p:txBody>
+          <a:bodyPr rtlCol="0" anchor="ctr"/>
+          <a:lstStyle/>
+          <a:p>
+            <a:pPr algn="ctr"/>
+            <a:r>
+              <a:rPr lang="de-DE" sz="1400"/>
+              <a:t>3</a:t>
+            </a:r>
+          </a:p>
+        </p:txBody>
+      </p:sp>
+      <p:sp>
+        <p:nvSpPr>
+          <p:cNvPr id="27" name="Textfeld 26"/>
+          <p:cNvSpPr txBox="1"/>
+          <p:nvPr/>
+        </p:nvSpPr>
+        <p:spPr>
+          <a:xfrm>
+            <a:off x="4688356" y="2585227"/>
+            <a:ext cx="380169" cy="307777"/>
+          </a:xfrm>
+          <a:prstGeom prst="rect">
+            <a:avLst/>
+          </a:prstGeom>
+          <a:noFill/>
+        </p:spPr>
+        <p:txBody>
+          <a:bodyPr wrap="none" rtlCol="0">
+            <a:spAutoFit/>
+          </a:bodyPr>
+          <a:lstStyle/>
+          <a:p>
+            <a:r>
+              <a:rPr lang="de-DE" sz="1400" smtClean="0"/>
+              <a:t>int</a:t>
+            </a:r>
+            <a:endParaRPr lang="de-DE" sz="1400"/>
+          </a:p>
+        </p:txBody>
+      </p:sp>
+      <p:sp>
+        <p:nvSpPr>
+          <p:cNvPr id="28" name="Textfeld 27"/>
+          <p:cNvSpPr txBox="1"/>
+          <p:nvPr/>
+        </p:nvSpPr>
+        <p:spPr>
+          <a:xfrm>
+            <a:off x="6146484" y="2656477"/>
+            <a:ext cx="648447" cy="307777"/>
+          </a:xfrm>
+          <a:prstGeom prst="rect">
+            <a:avLst/>
+          </a:prstGeom>
+          <a:noFill/>
+        </p:spPr>
+        <p:txBody>
+          <a:bodyPr wrap="none" rtlCol="0">
+            <a:spAutoFit/>
+          </a:bodyPr>
+          <a:lstStyle/>
+          <a:p>
+            <a:r>
+              <a:rPr lang="de-DE" sz="1400" smtClean="0"/>
+              <a:t>length</a:t>
+            </a:r>
+            <a:endParaRPr lang="de-DE" sz="1400"/>
+          </a:p>
+        </p:txBody>
+      </p:sp>
+      <p:sp>
+        <p:nvSpPr>
+          <p:cNvPr id="29" name="Textfeld 28"/>
+          <p:cNvSpPr txBox="1"/>
+          <p:nvPr/>
+        </p:nvSpPr>
+        <p:spPr>
+          <a:xfrm>
+            <a:off x="6121826" y="1549625"/>
+            <a:ext cx="276038" cy="307777"/>
+          </a:xfrm>
+          <a:prstGeom prst="rect">
+            <a:avLst/>
+          </a:prstGeom>
+          <a:noFill/>
+        </p:spPr>
+        <p:txBody>
+          <a:bodyPr wrap="none" rtlCol="0">
+            <a:spAutoFit/>
+          </a:bodyPr>
+          <a:lstStyle/>
+          <a:p>
+            <a:r>
+              <a:rPr lang="de-DE" sz="1400" smtClean="0"/>
+              <a:t>0</a:t>
+            </a:r>
+            <a:endParaRPr lang="de-DE" sz="1400"/>
+          </a:p>
+        </p:txBody>
+      </p:sp>
+      <p:sp>
+        <p:nvSpPr>
+          <p:cNvPr id="30" name="Textfeld 29"/>
+          <p:cNvSpPr txBox="1"/>
+          <p:nvPr/>
+        </p:nvSpPr>
+        <p:spPr>
+          <a:xfrm>
+            <a:off x="6121826" y="1889160"/>
+            <a:ext cx="276038" cy="307777"/>
+          </a:xfrm>
+          <a:prstGeom prst="rect">
+            <a:avLst/>
+          </a:prstGeom>
+          <a:noFill/>
+        </p:spPr>
+        <p:txBody>
+          <a:bodyPr wrap="none" rtlCol="0">
+            <a:spAutoFit/>
+          </a:bodyPr>
+          <a:lstStyle/>
+          <a:p>
+            <a:r>
+              <a:rPr lang="de-DE" sz="1400" smtClean="0"/>
+              <a:t>1</a:t>
+            </a:r>
+            <a:endParaRPr lang="de-DE" sz="1400"/>
+          </a:p>
+        </p:txBody>
+      </p:sp>
+      <p:sp>
+        <p:nvSpPr>
+          <p:cNvPr id="31" name="Rechteck 30"/>
+          <p:cNvSpPr/>
+          <p:nvPr/>
+        </p:nvSpPr>
+        <p:spPr>
+          <a:xfrm>
+            <a:off x="5196459" y="2257511"/>
+            <a:ext cx="950025" cy="308758"/>
+          </a:xfrm>
+          <a:prstGeom prst="rect">
+            <a:avLst/>
+          </a:prstGeom>
+        </p:spPr>
+        <p:style>
+          <a:lnRef idx="2">
+            <a:schemeClr val="accent1">
+              <a:shade val="50000"/>
+            </a:schemeClr>
+          </a:lnRef>
+          <a:fillRef idx="1">
+            <a:schemeClr val="accent1"/>
+          </a:fillRef>
+          <a:effectRef idx="0">
+            <a:schemeClr val="accent1"/>
+          </a:effectRef>
+          <a:fontRef idx="minor">
+            <a:schemeClr val="lt1"/>
+          </a:fontRef>
+        </p:style>
+        <p:txBody>
+          <a:bodyPr rtlCol="0" anchor="ctr"/>
+          <a:lstStyle/>
+          <a:p>
+            <a:pPr algn="ctr"/>
+            <a:r>
+              <a:rPr lang="de-DE" sz="1400" smtClean="0"/>
+              <a:t>0</a:t>
+            </a:r>
+            <a:endParaRPr lang="de-DE" sz="1400"/>
+          </a:p>
+        </p:txBody>
+      </p:sp>
+      <p:sp>
+        <p:nvSpPr>
+          <p:cNvPr id="32" name="Textfeld 31"/>
+          <p:cNvSpPr txBox="1"/>
+          <p:nvPr/>
+        </p:nvSpPr>
+        <p:spPr>
+          <a:xfrm>
+            <a:off x="4663696" y="2171389"/>
+            <a:ext cx="380169" cy="307777"/>
+          </a:xfrm>
+          <a:prstGeom prst="rect">
+            <a:avLst/>
+          </a:prstGeom>
+          <a:noFill/>
+        </p:spPr>
+        <p:txBody>
+          <a:bodyPr wrap="none" rtlCol="0">
+            <a:spAutoFit/>
+          </a:bodyPr>
+          <a:lstStyle/>
+          <a:p>
+            <a:r>
+              <a:rPr lang="de-DE" sz="1400" smtClean="0"/>
+              <a:t>int</a:t>
+            </a:r>
+            <a:endParaRPr lang="de-DE" sz="1400"/>
+          </a:p>
+        </p:txBody>
+      </p:sp>
+      <p:sp>
+        <p:nvSpPr>
+          <p:cNvPr id="33" name="Textfeld 32"/>
+          <p:cNvSpPr txBox="1"/>
+          <p:nvPr/>
+        </p:nvSpPr>
+        <p:spPr>
+          <a:xfrm>
+            <a:off x="6128769" y="2258492"/>
+            <a:ext cx="276038" cy="307777"/>
+          </a:xfrm>
+          <a:prstGeom prst="rect">
+            <a:avLst/>
+          </a:prstGeom>
+          <a:noFill/>
+        </p:spPr>
+        <p:txBody>
+          <a:bodyPr wrap="none" rtlCol="0">
+            <a:spAutoFit/>
+          </a:bodyPr>
+          <a:lstStyle/>
+          <a:p>
+            <a:r>
+              <a:rPr lang="de-DE" sz="1400" smtClean="0"/>
+              <a:t>2</a:t>
+            </a:r>
+            <a:endParaRPr lang="de-DE" sz="1400"/>
+          </a:p>
+        </p:txBody>
+      </p:sp>
+      <p:sp>
+        <p:nvSpPr>
+          <p:cNvPr id="34" name="Rechteck 33"/>
+          <p:cNvSpPr/>
+          <p:nvPr/>
+        </p:nvSpPr>
+        <p:spPr>
+          <a:xfrm>
+            <a:off x="5115389" y="4070457"/>
+            <a:ext cx="1199408" cy="1721922"/>
+          </a:xfrm>
+          <a:prstGeom prst="rect">
+            <a:avLst/>
+          </a:prstGeom>
+        </p:spPr>
+        <p:style>
+          <a:lnRef idx="2">
+            <a:schemeClr val="accent1">
+              <a:shade val="50000"/>
+            </a:schemeClr>
+          </a:lnRef>
+          <a:fillRef idx="1">
+            <a:schemeClr val="accent1"/>
+          </a:fillRef>
+          <a:effectRef idx="0">
+            <a:schemeClr val="accent1"/>
+          </a:effectRef>
+          <a:fontRef idx="minor">
+            <a:schemeClr val="lt1"/>
+          </a:fontRef>
+        </p:style>
+        <p:txBody>
+          <a:bodyPr rtlCol="0" anchor="ctr"/>
+          <a:lstStyle/>
+          <a:p>
+            <a:pPr algn="ctr"/>
+            <a:endParaRPr lang="de-DE"/>
+          </a:p>
+        </p:txBody>
+      </p:sp>
+      <p:sp>
+        <p:nvSpPr>
+          <p:cNvPr id="35" name="Textfeld 34"/>
+          <p:cNvSpPr txBox="1"/>
+          <p:nvPr/>
+        </p:nvSpPr>
+        <p:spPr>
+          <a:xfrm>
+            <a:off x="5715093" y="3701125"/>
+            <a:ext cx="575286" cy="369332"/>
+          </a:xfrm>
+          <a:prstGeom prst="rect">
+            <a:avLst/>
+          </a:prstGeom>
+          <a:noFill/>
+        </p:spPr>
+        <p:txBody>
+          <a:bodyPr wrap="none" rtlCol="0">
+            <a:spAutoFit/>
+          </a:bodyPr>
+          <a:lstStyle/>
+          <a:p>
+            <a:r>
+              <a:rPr lang="de-DE" smtClean="0"/>
+              <a:t>int[]</a:t>
+            </a:r>
+            <a:endParaRPr lang="de-DE"/>
+          </a:p>
+        </p:txBody>
+      </p:sp>
+      <p:sp>
+        <p:nvSpPr>
+          <p:cNvPr id="36" name="Rechteck 35"/>
+          <p:cNvSpPr/>
+          <p:nvPr/>
+        </p:nvSpPr>
+        <p:spPr>
+          <a:xfrm>
+            <a:off x="5221120" y="4201087"/>
+            <a:ext cx="950025" cy="308758"/>
+          </a:xfrm>
+          <a:prstGeom prst="rect">
+            <a:avLst/>
+          </a:prstGeom>
+        </p:spPr>
+        <p:style>
+          <a:lnRef idx="2">
+            <a:schemeClr val="accent1">
+              <a:shade val="50000"/>
+            </a:schemeClr>
+          </a:lnRef>
+          <a:fillRef idx="1">
+            <a:schemeClr val="accent1"/>
+          </a:fillRef>
+          <a:effectRef idx="0">
+            <a:schemeClr val="accent1"/>
+          </a:effectRef>
+          <a:fontRef idx="minor">
+            <a:schemeClr val="lt1"/>
+          </a:fontRef>
+        </p:style>
+        <p:txBody>
+          <a:bodyPr rtlCol="0" anchor="ctr"/>
+          <a:lstStyle/>
+          <a:p>
+            <a:pPr algn="ctr"/>
+            <a:r>
+              <a:rPr lang="de-DE" sz="1400" smtClean="0"/>
+              <a:t>0</a:t>
+            </a:r>
+            <a:endParaRPr lang="de-DE" sz="1400"/>
+          </a:p>
+        </p:txBody>
+      </p:sp>
+      <p:sp>
+        <p:nvSpPr>
+          <p:cNvPr id="37" name="Rechteck 36"/>
+          <p:cNvSpPr/>
+          <p:nvPr/>
+        </p:nvSpPr>
+        <p:spPr>
+          <a:xfrm>
+            <a:off x="5221119" y="4534794"/>
+            <a:ext cx="950025" cy="308758"/>
+          </a:xfrm>
+          <a:prstGeom prst="rect">
+            <a:avLst/>
+          </a:prstGeom>
+        </p:spPr>
+        <p:style>
+          <a:lnRef idx="2">
+            <a:schemeClr val="accent1">
+              <a:shade val="50000"/>
+            </a:schemeClr>
+          </a:lnRef>
+          <a:fillRef idx="1">
+            <a:schemeClr val="accent1"/>
+          </a:fillRef>
+          <a:effectRef idx="0">
+            <a:schemeClr val="accent1"/>
+          </a:effectRef>
+          <a:fontRef idx="minor">
+            <a:schemeClr val="lt1"/>
+          </a:fontRef>
+        </p:style>
+        <p:txBody>
+          <a:bodyPr rtlCol="0" anchor="ctr"/>
+          <a:lstStyle/>
+          <a:p>
+            <a:pPr algn="ctr"/>
+            <a:r>
+              <a:rPr lang="de-DE" sz="1400" smtClean="0"/>
+              <a:t>0</a:t>
+            </a:r>
+            <a:endParaRPr lang="de-DE" sz="1400"/>
+          </a:p>
+        </p:txBody>
+      </p:sp>
+      <p:sp>
+        <p:nvSpPr>
+          <p:cNvPr id="38" name="Textfeld 37"/>
+          <p:cNvSpPr txBox="1"/>
+          <p:nvPr/>
+        </p:nvSpPr>
+        <p:spPr>
+          <a:xfrm>
+            <a:off x="4688356" y="4140513"/>
+            <a:ext cx="380169" cy="307777"/>
+          </a:xfrm>
+          <a:prstGeom prst="rect">
+            <a:avLst/>
+          </a:prstGeom>
+          <a:noFill/>
+        </p:spPr>
+        <p:txBody>
+          <a:bodyPr wrap="none" rtlCol="0">
+            <a:spAutoFit/>
+          </a:bodyPr>
+          <a:lstStyle/>
+          <a:p>
+            <a:r>
+              <a:rPr lang="de-DE" sz="1400" smtClean="0"/>
+              <a:t>int</a:t>
+            </a:r>
+            <a:endParaRPr lang="de-DE" sz="1400"/>
+          </a:p>
+        </p:txBody>
+      </p:sp>
+      <p:sp>
+        <p:nvSpPr>
+          <p:cNvPr id="39" name="Textfeld 38"/>
+          <p:cNvSpPr txBox="1"/>
+          <p:nvPr/>
+        </p:nvSpPr>
+        <p:spPr>
+          <a:xfrm>
+            <a:off x="4688356" y="4448672"/>
+            <a:ext cx="380169" cy="307777"/>
+          </a:xfrm>
+          <a:prstGeom prst="rect">
+            <a:avLst/>
+          </a:prstGeom>
+          <a:noFill/>
+        </p:spPr>
+        <p:txBody>
+          <a:bodyPr wrap="none" rtlCol="0">
+            <a:spAutoFit/>
+          </a:bodyPr>
+          <a:lstStyle/>
+          <a:p>
+            <a:r>
+              <a:rPr lang="de-DE" sz="1400" smtClean="0"/>
+              <a:t>int</a:t>
+            </a:r>
+            <a:endParaRPr lang="de-DE" sz="1400"/>
+          </a:p>
+        </p:txBody>
+      </p:sp>
+      <p:sp>
+        <p:nvSpPr>
+          <p:cNvPr id="40" name="Rechteck 39"/>
+          <p:cNvSpPr/>
+          <p:nvPr/>
+        </p:nvSpPr>
+        <p:spPr>
+          <a:xfrm>
+            <a:off x="5221118" y="5292416"/>
+            <a:ext cx="950025" cy="308758"/>
+          </a:xfrm>
+          <a:prstGeom prst="rect">
+            <a:avLst/>
+          </a:prstGeom>
+        </p:spPr>
+        <p:style>
+          <a:lnRef idx="2">
+            <a:schemeClr val="accent1">
+              <a:shade val="50000"/>
+            </a:schemeClr>
+          </a:lnRef>
+          <a:fillRef idx="1">
+            <a:schemeClr val="accent1"/>
+          </a:fillRef>
+          <a:effectRef idx="0">
+            <a:schemeClr val="accent1"/>
+          </a:effectRef>
+          <a:fontRef idx="minor">
+            <a:schemeClr val="lt1"/>
+          </a:fontRef>
+        </p:style>
+        <p:txBody>
+          <a:bodyPr rtlCol="0" anchor="ctr"/>
+          <a:lstStyle/>
+          <a:p>
+            <a:pPr algn="ctr"/>
+            <a:r>
+              <a:rPr lang="de-DE" sz="1400"/>
+              <a:t>3</a:t>
+            </a:r>
+          </a:p>
+        </p:txBody>
+      </p:sp>
+      <p:sp>
+        <p:nvSpPr>
+          <p:cNvPr id="41" name="Textfeld 40"/>
+          <p:cNvSpPr txBox="1"/>
+          <p:nvPr/>
+        </p:nvSpPr>
+        <p:spPr>
+          <a:xfrm>
+            <a:off x="4719959" y="5231842"/>
+            <a:ext cx="380169" cy="307777"/>
+          </a:xfrm>
+          <a:prstGeom prst="rect">
+            <a:avLst/>
+          </a:prstGeom>
+          <a:noFill/>
+        </p:spPr>
+        <p:txBody>
+          <a:bodyPr wrap="none" rtlCol="0">
+            <a:spAutoFit/>
+          </a:bodyPr>
+          <a:lstStyle/>
+          <a:p>
+            <a:r>
+              <a:rPr lang="de-DE" sz="1400" smtClean="0"/>
+              <a:t>int</a:t>
+            </a:r>
+            <a:endParaRPr lang="de-DE" sz="1400"/>
+          </a:p>
+        </p:txBody>
+      </p:sp>
+      <p:sp>
+        <p:nvSpPr>
+          <p:cNvPr id="42" name="Textfeld 41"/>
+          <p:cNvSpPr txBox="1"/>
+          <p:nvPr/>
+        </p:nvSpPr>
+        <p:spPr>
+          <a:xfrm>
+            <a:off x="6178087" y="5303092"/>
+            <a:ext cx="648447" cy="307777"/>
+          </a:xfrm>
+          <a:prstGeom prst="rect">
+            <a:avLst/>
+          </a:prstGeom>
+          <a:noFill/>
+        </p:spPr>
+        <p:txBody>
+          <a:bodyPr wrap="none" rtlCol="0">
+            <a:spAutoFit/>
+          </a:bodyPr>
+          <a:lstStyle/>
+          <a:p>
+            <a:r>
+              <a:rPr lang="de-DE" sz="1400" smtClean="0"/>
+              <a:t>length</a:t>
+            </a:r>
+            <a:endParaRPr lang="de-DE" sz="1400"/>
+          </a:p>
+        </p:txBody>
+      </p:sp>
+      <p:sp>
+        <p:nvSpPr>
+          <p:cNvPr id="43" name="Textfeld 42"/>
+          <p:cNvSpPr txBox="1"/>
+          <p:nvPr/>
+        </p:nvSpPr>
+        <p:spPr>
+          <a:xfrm>
+            <a:off x="6153429" y="4196240"/>
+            <a:ext cx="276038" cy="307777"/>
+          </a:xfrm>
+          <a:prstGeom prst="rect">
+            <a:avLst/>
+          </a:prstGeom>
+          <a:noFill/>
+        </p:spPr>
+        <p:txBody>
+          <a:bodyPr wrap="none" rtlCol="0">
+            <a:spAutoFit/>
+          </a:bodyPr>
+          <a:lstStyle/>
+          <a:p>
+            <a:r>
+              <a:rPr lang="de-DE" sz="1400" smtClean="0"/>
+              <a:t>0</a:t>
+            </a:r>
+            <a:endParaRPr lang="de-DE" sz="1400"/>
+          </a:p>
+        </p:txBody>
+      </p:sp>
+      <p:sp>
+        <p:nvSpPr>
+          <p:cNvPr id="44" name="Textfeld 43"/>
+          <p:cNvSpPr txBox="1"/>
+          <p:nvPr/>
+        </p:nvSpPr>
+        <p:spPr>
+          <a:xfrm>
+            <a:off x="6153429" y="4535775"/>
+            <a:ext cx="276038" cy="307777"/>
+          </a:xfrm>
+          <a:prstGeom prst="rect">
+            <a:avLst/>
+          </a:prstGeom>
+          <a:noFill/>
+        </p:spPr>
+        <p:txBody>
+          <a:bodyPr wrap="none" rtlCol="0">
+            <a:spAutoFit/>
+          </a:bodyPr>
+          <a:lstStyle/>
+          <a:p>
+            <a:r>
+              <a:rPr lang="de-DE" sz="1400" smtClean="0"/>
+              <a:t>1</a:t>
+            </a:r>
+            <a:endParaRPr lang="de-DE" sz="1400"/>
+          </a:p>
+        </p:txBody>
+      </p:sp>
+      <p:sp>
+        <p:nvSpPr>
+          <p:cNvPr id="45" name="Rechteck 44"/>
+          <p:cNvSpPr/>
+          <p:nvPr/>
+        </p:nvSpPr>
+        <p:spPr>
+          <a:xfrm>
+            <a:off x="5228062" y="4904126"/>
+            <a:ext cx="950025" cy="308758"/>
+          </a:xfrm>
+          <a:prstGeom prst="rect">
+            <a:avLst/>
+          </a:prstGeom>
+        </p:spPr>
+        <p:style>
+          <a:lnRef idx="2">
+            <a:schemeClr val="accent1">
+              <a:shade val="50000"/>
+            </a:schemeClr>
+          </a:lnRef>
+          <a:fillRef idx="1">
+            <a:schemeClr val="accent1"/>
+          </a:fillRef>
+          <a:effectRef idx="0">
+            <a:schemeClr val="accent1"/>
+          </a:effectRef>
+          <a:fontRef idx="minor">
+            <a:schemeClr val="lt1"/>
+          </a:fontRef>
+        </p:style>
+        <p:txBody>
+          <a:bodyPr rtlCol="0" anchor="ctr"/>
+          <a:lstStyle/>
+          <a:p>
+            <a:pPr algn="ctr"/>
+            <a:r>
+              <a:rPr lang="de-DE" sz="1400" smtClean="0"/>
+              <a:t>0</a:t>
+            </a:r>
+            <a:endParaRPr lang="de-DE" sz="1400"/>
+          </a:p>
+        </p:txBody>
+      </p:sp>
+      <p:sp>
+        <p:nvSpPr>
+          <p:cNvPr id="46" name="Textfeld 45"/>
+          <p:cNvSpPr txBox="1"/>
+          <p:nvPr/>
+        </p:nvSpPr>
+        <p:spPr>
+          <a:xfrm>
+            <a:off x="4695299" y="4818004"/>
+            <a:ext cx="380169" cy="307777"/>
+          </a:xfrm>
+          <a:prstGeom prst="rect">
+            <a:avLst/>
+          </a:prstGeom>
+          <a:noFill/>
+        </p:spPr>
+        <p:txBody>
+          <a:bodyPr wrap="none" rtlCol="0">
+            <a:spAutoFit/>
+          </a:bodyPr>
+          <a:lstStyle/>
+          <a:p>
+            <a:r>
+              <a:rPr lang="de-DE" sz="1400" smtClean="0"/>
+              <a:t>int</a:t>
+            </a:r>
+            <a:endParaRPr lang="de-DE" sz="1400"/>
+          </a:p>
+        </p:txBody>
+      </p:sp>
+      <p:sp>
+        <p:nvSpPr>
+          <p:cNvPr id="47" name="Textfeld 46"/>
+          <p:cNvSpPr txBox="1"/>
+          <p:nvPr/>
+        </p:nvSpPr>
+        <p:spPr>
+          <a:xfrm>
+            <a:off x="6160372" y="4905107"/>
+            <a:ext cx="276038" cy="307777"/>
+          </a:xfrm>
+          <a:prstGeom prst="rect">
+            <a:avLst/>
+          </a:prstGeom>
+          <a:noFill/>
+        </p:spPr>
+        <p:txBody>
+          <a:bodyPr wrap="none" rtlCol="0">
+            <a:spAutoFit/>
+          </a:bodyPr>
+          <a:lstStyle/>
+          <a:p>
+            <a:r>
+              <a:rPr lang="de-DE" sz="1400" smtClean="0"/>
+              <a:t>2</a:t>
+            </a:r>
+            <a:endParaRPr lang="de-DE" sz="1400"/>
+          </a:p>
+        </p:txBody>
+      </p:sp>
+      <p:cxnSp>
+        <p:nvCxnSpPr>
+          <p:cNvPr id="3" name="Gerade Verbindung mit Pfeil 2"/>
+          <p:cNvCxnSpPr/>
+          <p:nvPr/>
+        </p:nvCxnSpPr>
+        <p:spPr>
+          <a:xfrm flipV="1">
+            <a:off x="2937116" y="3051959"/>
+            <a:ext cx="2163012" cy="989301"/>
+          </a:xfrm>
+          <a:prstGeom prst="straightConnector1">
+            <a:avLst/>
+          </a:prstGeom>
+          <a:ln>
+            <a:solidFill>
+              <a:srgbClr val="FF0000"/>
+            </a:solidFill>
+            <a:tailEnd type="triangle"/>
+          </a:ln>
+        </p:spPr>
+        <p:style>
+          <a:lnRef idx="1">
+            <a:schemeClr val="accent1"/>
+          </a:lnRef>
+          <a:fillRef idx="0">
+            <a:schemeClr val="accent1"/>
+          </a:fillRef>
+          <a:effectRef idx="0">
+            <a:schemeClr val="accent1"/>
+          </a:effectRef>
+          <a:fontRef idx="minor">
+            <a:schemeClr val="tx1"/>
+          </a:fontRef>
+        </p:style>
+      </p:cxnSp>
+      <p:cxnSp>
+        <p:nvCxnSpPr>
+          <p:cNvPr id="48" name="Gerade Verbindung mit Pfeil 47"/>
+          <p:cNvCxnSpPr/>
+          <p:nvPr/>
+        </p:nvCxnSpPr>
+        <p:spPr>
+          <a:xfrm>
+            <a:off x="2997923" y="4362410"/>
+            <a:ext cx="2117466" cy="321148"/>
+          </a:xfrm>
+          <a:prstGeom prst="straightConnector1">
+            <a:avLst/>
+          </a:prstGeom>
+          <a:ln>
+            <a:solidFill>
+              <a:srgbClr val="FF0000"/>
+            </a:solidFill>
+            <a:tailEnd type="triangle"/>
+          </a:ln>
+        </p:spPr>
+        <p:style>
+          <a:lnRef idx="1">
+            <a:schemeClr val="accent1"/>
+          </a:lnRef>
+          <a:fillRef idx="0">
+            <a:schemeClr val="accent1"/>
+          </a:fillRef>
+          <a:effectRef idx="0">
+            <a:schemeClr val="accent1"/>
+          </a:effectRef>
+          <a:fontRef idx="minor">
+            <a:schemeClr val="tx1"/>
+          </a:fontRef>
+        </p:style>
+      </p:cxnSp>
+    </p:spTree>
+    <p:extLst>
+      <p:ext uri="{BB962C8B-B14F-4D97-AF65-F5344CB8AC3E}">
+        <p14:creationId xmlns:p14="http://schemas.microsoft.com/office/powerpoint/2010/main" val="292241700"/>
+      </p:ext>
+    </p:extLst>
+  </p:cSld>
+  <p:clrMapOvr>
+    <a:masterClrMapping/>
+  </p:clrMapOvr>
+</p:sld>
+</file>
+
+<file path=ppt/slides/slide16.xml><?xml version="1.0" encoding="utf-8"?>
+<p:sld xmlns:a="http://schemas.openxmlformats.org/drawingml/2006/main" xmlns:r="http://schemas.openxmlformats.org/officeDocument/2006/relationships" xmlns:p="http://schemas.openxmlformats.org/presentationml/2006/main">
+  <p:cSld>
+    <p:spTree>
+      <p:nvGrpSpPr>
+        <p:cNvPr id="1" name=""/>
+        <p:cNvGrpSpPr/>
+        <p:nvPr/>
+      </p:nvGrpSpPr>
+      <p:grpSpPr>
+        <a:xfrm>
+          <a:off x="0" y="0"/>
+          <a:ext cx="0" cy="0"/>
+          <a:chOff x="0" y="0"/>
+          <a:chExt cx="0" cy="0"/>
+        </a:xfrm>
+      </p:grpSpPr>
+      <p:cxnSp>
+        <p:nvCxnSpPr>
+          <p:cNvPr id="5" name="Gerader Verbinder 4"/>
+          <p:cNvCxnSpPr/>
+          <p:nvPr/>
+        </p:nvCxnSpPr>
+        <p:spPr>
+          <a:xfrm>
+            <a:off x="1757548" y="368135"/>
+            <a:ext cx="0" cy="6210795"/>
+          </a:xfrm>
+          <a:prstGeom prst="line">
+            <a:avLst/>
+          </a:prstGeom>
+        </p:spPr>
+        <p:style>
+          <a:lnRef idx="1">
+            <a:schemeClr val="accent1"/>
+          </a:lnRef>
+          <a:fillRef idx="0">
+            <a:schemeClr val="accent1"/>
+          </a:fillRef>
+          <a:effectRef idx="0">
+            <a:schemeClr val="accent1"/>
+          </a:effectRef>
+          <a:fontRef idx="minor">
+            <a:schemeClr val="tx1"/>
+          </a:fontRef>
+        </p:style>
+      </p:cxnSp>
+      <p:sp>
+        <p:nvSpPr>
+          <p:cNvPr id="6" name="Textfeld 5"/>
+          <p:cNvSpPr txBox="1"/>
+          <p:nvPr/>
+        </p:nvSpPr>
+        <p:spPr>
+          <a:xfrm>
+            <a:off x="9417132" y="368135"/>
+            <a:ext cx="2614242" cy="1200329"/>
+          </a:xfrm>
+          <a:prstGeom prst="rect">
+            <a:avLst/>
+          </a:prstGeom>
+          <a:noFill/>
+        </p:spPr>
+        <p:txBody>
+          <a:bodyPr wrap="none" rtlCol="0">
+            <a:spAutoFit/>
+          </a:bodyPr>
+          <a:lstStyle/>
+          <a:p>
+            <a:r>
+              <a:rPr lang="de-DE" smtClean="0"/>
+              <a:t>int[][] arr = new int[2</a:t>
+            </a:r>
+            <a:r>
+              <a:rPr lang="de-DE" smtClean="0"/>
+              <a:t>][3];</a:t>
+            </a:r>
+            <a:endParaRPr lang="de-DE" smtClean="0"/>
+          </a:p>
+          <a:p>
+            <a:endParaRPr lang="de-DE" smtClean="0"/>
+          </a:p>
+          <a:p>
+            <a:r>
+              <a:rPr lang="de-DE" b="1" smtClean="0"/>
+              <a:t>arr[1][1] = 7;</a:t>
+            </a:r>
+          </a:p>
+          <a:p>
+            <a:endParaRPr lang="de-DE" smtClean="0"/>
+          </a:p>
+        </p:txBody>
+      </p:sp>
+      <p:sp>
+        <p:nvSpPr>
+          <p:cNvPr id="7" name="Textfeld 6"/>
+          <p:cNvSpPr txBox="1"/>
+          <p:nvPr/>
+        </p:nvSpPr>
+        <p:spPr>
+          <a:xfrm>
+            <a:off x="209176" y="4754270"/>
+            <a:ext cx="455574" cy="369332"/>
+          </a:xfrm>
+          <a:prstGeom prst="rect">
+            <a:avLst/>
+          </a:prstGeom>
+          <a:noFill/>
+        </p:spPr>
+        <p:txBody>
+          <a:bodyPr wrap="none" rtlCol="0">
+            <a:spAutoFit/>
+          </a:bodyPr>
+          <a:lstStyle/>
+          <a:p>
+            <a:r>
+              <a:rPr lang="de-DE" smtClean="0"/>
+              <a:t>arr</a:t>
+            </a:r>
+            <a:endParaRPr lang="de-DE"/>
+          </a:p>
+        </p:txBody>
+      </p:sp>
+      <p:sp>
+        <p:nvSpPr>
+          <p:cNvPr id="8" name="Rechteck 7"/>
+          <p:cNvSpPr/>
+          <p:nvPr/>
+        </p:nvSpPr>
+        <p:spPr>
+          <a:xfrm>
+            <a:off x="2399963" y="3728851"/>
+            <a:ext cx="1199408" cy="1281335"/>
+          </a:xfrm>
+          <a:prstGeom prst="rect">
+            <a:avLst/>
+          </a:prstGeom>
+        </p:spPr>
+        <p:style>
+          <a:lnRef idx="2">
+            <a:schemeClr val="accent1">
+              <a:shade val="50000"/>
+            </a:schemeClr>
+          </a:lnRef>
+          <a:fillRef idx="1">
+            <a:schemeClr val="accent1"/>
+          </a:fillRef>
+          <a:effectRef idx="0">
+            <a:schemeClr val="accent1"/>
+          </a:effectRef>
+          <a:fontRef idx="minor">
+            <a:schemeClr val="lt1"/>
+          </a:fontRef>
+        </p:style>
+        <p:txBody>
+          <a:bodyPr rtlCol="0" anchor="ctr"/>
+          <a:lstStyle/>
+          <a:p>
+            <a:pPr algn="ctr"/>
+            <a:endParaRPr lang="de-DE"/>
+          </a:p>
+        </p:txBody>
+      </p:sp>
+      <p:sp>
+        <p:nvSpPr>
+          <p:cNvPr id="9" name="Textfeld 8"/>
+          <p:cNvSpPr txBox="1"/>
+          <p:nvPr/>
+        </p:nvSpPr>
+        <p:spPr>
+          <a:xfrm>
+            <a:off x="2999667" y="3359519"/>
+            <a:ext cx="716350" cy="369332"/>
+          </a:xfrm>
+          <a:prstGeom prst="rect">
+            <a:avLst/>
+          </a:prstGeom>
+          <a:noFill/>
+        </p:spPr>
+        <p:txBody>
+          <a:bodyPr wrap="none" rtlCol="0">
+            <a:spAutoFit/>
+          </a:bodyPr>
+          <a:lstStyle/>
+          <a:p>
+            <a:r>
+              <a:rPr lang="de-DE" smtClean="0"/>
+              <a:t>int[][]</a:t>
+            </a:r>
+            <a:endParaRPr lang="de-DE"/>
+          </a:p>
+        </p:txBody>
+      </p:sp>
+      <p:sp>
+        <p:nvSpPr>
+          <p:cNvPr id="10" name="Rechteck 9"/>
+          <p:cNvSpPr/>
+          <p:nvPr/>
+        </p:nvSpPr>
+        <p:spPr>
+          <a:xfrm>
+            <a:off x="2505694" y="3859481"/>
+            <a:ext cx="950025" cy="308758"/>
+          </a:xfrm>
+          <a:prstGeom prst="rect">
+            <a:avLst/>
+          </a:prstGeom>
+        </p:spPr>
+        <p:style>
+          <a:lnRef idx="2">
+            <a:schemeClr val="accent1">
+              <a:shade val="50000"/>
+            </a:schemeClr>
+          </a:lnRef>
+          <a:fillRef idx="1">
+            <a:schemeClr val="accent1"/>
+          </a:fillRef>
+          <a:effectRef idx="0">
+            <a:schemeClr val="accent1"/>
+          </a:effectRef>
+          <a:fontRef idx="minor">
+            <a:schemeClr val="lt1"/>
+          </a:fontRef>
+        </p:style>
+        <p:txBody>
+          <a:bodyPr rtlCol="0" anchor="ctr"/>
+          <a:lstStyle/>
+          <a:p>
+            <a:pPr algn="ctr"/>
+            <a:endParaRPr lang="de-DE" sz="1400"/>
+          </a:p>
+        </p:txBody>
+      </p:sp>
+      <p:sp>
+        <p:nvSpPr>
+          <p:cNvPr id="11" name="Rechteck 10"/>
+          <p:cNvSpPr/>
+          <p:nvPr/>
+        </p:nvSpPr>
+        <p:spPr>
+          <a:xfrm>
+            <a:off x="2505693" y="4193188"/>
+            <a:ext cx="950025" cy="308758"/>
+          </a:xfrm>
+          <a:prstGeom prst="rect">
+            <a:avLst/>
+          </a:prstGeom>
+        </p:spPr>
+        <p:style>
+          <a:lnRef idx="2">
+            <a:schemeClr val="accent1">
+              <a:shade val="50000"/>
+            </a:schemeClr>
+          </a:lnRef>
+          <a:fillRef idx="1">
+            <a:schemeClr val="accent1"/>
+          </a:fillRef>
+          <a:effectRef idx="0">
+            <a:schemeClr val="accent1"/>
+          </a:effectRef>
+          <a:fontRef idx="minor">
+            <a:schemeClr val="lt1"/>
+          </a:fontRef>
+        </p:style>
+        <p:txBody>
+          <a:bodyPr rtlCol="0" anchor="ctr"/>
+          <a:lstStyle/>
+          <a:p>
+            <a:pPr algn="ctr"/>
+            <a:endParaRPr lang="de-DE" sz="1400"/>
+          </a:p>
+        </p:txBody>
+      </p:sp>
+      <p:sp>
+        <p:nvSpPr>
+          <p:cNvPr id="12" name="Textfeld 11"/>
+          <p:cNvSpPr txBox="1"/>
+          <p:nvPr/>
+        </p:nvSpPr>
+        <p:spPr>
+          <a:xfrm>
+            <a:off x="1972930" y="3798907"/>
+            <a:ext cx="489173" cy="307777"/>
+          </a:xfrm>
+          <a:prstGeom prst="rect">
+            <a:avLst/>
+          </a:prstGeom>
+          <a:noFill/>
+        </p:spPr>
+        <p:txBody>
+          <a:bodyPr wrap="none" rtlCol="0">
+            <a:spAutoFit/>
+          </a:bodyPr>
+          <a:lstStyle/>
+          <a:p>
+            <a:r>
+              <a:rPr lang="de-DE" sz="1400" smtClean="0"/>
+              <a:t>int[]</a:t>
+            </a:r>
+            <a:endParaRPr lang="de-DE" sz="1400"/>
+          </a:p>
+        </p:txBody>
+      </p:sp>
+      <p:sp>
+        <p:nvSpPr>
+          <p:cNvPr id="13" name="Textfeld 12"/>
+          <p:cNvSpPr txBox="1"/>
+          <p:nvPr/>
+        </p:nvSpPr>
+        <p:spPr>
+          <a:xfrm>
+            <a:off x="1972930" y="4107066"/>
+            <a:ext cx="489173" cy="307777"/>
+          </a:xfrm>
+          <a:prstGeom prst="rect">
+            <a:avLst/>
+          </a:prstGeom>
+          <a:noFill/>
+        </p:spPr>
+        <p:txBody>
+          <a:bodyPr wrap="none" rtlCol="0">
+            <a:spAutoFit/>
+          </a:bodyPr>
+          <a:lstStyle/>
+          <a:p>
+            <a:r>
+              <a:rPr lang="de-DE" sz="1400" smtClean="0"/>
+              <a:t>int[]</a:t>
+            </a:r>
+            <a:endParaRPr lang="de-DE" sz="1400"/>
+          </a:p>
+        </p:txBody>
+      </p:sp>
+      <p:sp>
+        <p:nvSpPr>
+          <p:cNvPr id="14" name="Rechteck 13"/>
+          <p:cNvSpPr/>
+          <p:nvPr/>
+        </p:nvSpPr>
+        <p:spPr>
+          <a:xfrm>
+            <a:off x="2505692" y="4630178"/>
+            <a:ext cx="950025" cy="308758"/>
+          </a:xfrm>
+          <a:prstGeom prst="rect">
+            <a:avLst/>
+          </a:prstGeom>
+        </p:spPr>
+        <p:style>
+          <a:lnRef idx="2">
+            <a:schemeClr val="accent1">
+              <a:shade val="50000"/>
+            </a:schemeClr>
+          </a:lnRef>
+          <a:fillRef idx="1">
+            <a:schemeClr val="accent1"/>
+          </a:fillRef>
+          <a:effectRef idx="0">
+            <a:schemeClr val="accent1"/>
+          </a:effectRef>
+          <a:fontRef idx="minor">
+            <a:schemeClr val="lt1"/>
+          </a:fontRef>
+        </p:style>
+        <p:txBody>
+          <a:bodyPr rtlCol="0" anchor="ctr"/>
+          <a:lstStyle/>
+          <a:p>
+            <a:pPr algn="ctr"/>
+            <a:r>
+              <a:rPr lang="de-DE" sz="1400" smtClean="0"/>
+              <a:t>2</a:t>
+            </a:r>
+            <a:endParaRPr lang="de-DE" sz="1400"/>
+          </a:p>
+        </p:txBody>
+      </p:sp>
+      <p:sp>
+        <p:nvSpPr>
+          <p:cNvPr id="15" name="Textfeld 14"/>
+          <p:cNvSpPr txBox="1"/>
+          <p:nvPr/>
+        </p:nvSpPr>
+        <p:spPr>
+          <a:xfrm>
+            <a:off x="2004533" y="4569604"/>
+            <a:ext cx="380169" cy="307777"/>
+          </a:xfrm>
+          <a:prstGeom prst="rect">
+            <a:avLst/>
+          </a:prstGeom>
+          <a:noFill/>
+        </p:spPr>
+        <p:txBody>
+          <a:bodyPr wrap="none" rtlCol="0">
+            <a:spAutoFit/>
+          </a:bodyPr>
+          <a:lstStyle/>
+          <a:p>
+            <a:r>
+              <a:rPr lang="de-DE" sz="1400" smtClean="0"/>
+              <a:t>int</a:t>
+            </a:r>
+            <a:endParaRPr lang="de-DE" sz="1400"/>
+          </a:p>
+        </p:txBody>
+      </p:sp>
+      <p:sp>
+        <p:nvSpPr>
+          <p:cNvPr id="16" name="Textfeld 15"/>
+          <p:cNvSpPr txBox="1"/>
+          <p:nvPr/>
+        </p:nvSpPr>
+        <p:spPr>
+          <a:xfrm>
+            <a:off x="3462661" y="4640854"/>
+            <a:ext cx="648447" cy="307777"/>
+          </a:xfrm>
+          <a:prstGeom prst="rect">
+            <a:avLst/>
+          </a:prstGeom>
+          <a:noFill/>
+        </p:spPr>
+        <p:txBody>
+          <a:bodyPr wrap="none" rtlCol="0">
+            <a:spAutoFit/>
+          </a:bodyPr>
+          <a:lstStyle/>
+          <a:p>
+            <a:r>
+              <a:rPr lang="de-DE" sz="1400" smtClean="0"/>
+              <a:t>length</a:t>
+            </a:r>
+            <a:endParaRPr lang="de-DE" sz="1400"/>
+          </a:p>
+        </p:txBody>
+      </p:sp>
+      <p:cxnSp>
+        <p:nvCxnSpPr>
+          <p:cNvPr id="18" name="Gerade Verbindung mit Pfeil 17"/>
+          <p:cNvCxnSpPr>
+            <a:stCxn id="7" idx="3"/>
+          </p:cNvCxnSpPr>
+          <p:nvPr/>
+        </p:nvCxnSpPr>
+        <p:spPr>
+          <a:xfrm flipV="1">
+            <a:off x="664750" y="4501946"/>
+            <a:ext cx="1719952" cy="436990"/>
+          </a:xfrm>
+          <a:prstGeom prst="straightConnector1">
+            <a:avLst/>
+          </a:prstGeom>
+          <a:ln>
+            <a:tailEnd type="triangle"/>
+          </a:ln>
+        </p:spPr>
+        <p:style>
+          <a:lnRef idx="1">
+            <a:schemeClr val="accent1"/>
+          </a:lnRef>
+          <a:fillRef idx="0">
+            <a:schemeClr val="accent1"/>
+          </a:fillRef>
+          <a:effectRef idx="0">
+            <a:schemeClr val="accent1"/>
+          </a:effectRef>
+          <a:fontRef idx="minor">
+            <a:schemeClr val="tx1"/>
+          </a:fontRef>
+        </p:style>
+      </p:cxnSp>
+      <p:sp>
+        <p:nvSpPr>
+          <p:cNvPr id="20" name="Textfeld 19"/>
+          <p:cNvSpPr txBox="1"/>
+          <p:nvPr/>
+        </p:nvSpPr>
+        <p:spPr>
+          <a:xfrm>
+            <a:off x="3438003" y="3854634"/>
+            <a:ext cx="276038" cy="307777"/>
+          </a:xfrm>
+          <a:prstGeom prst="rect">
+            <a:avLst/>
+          </a:prstGeom>
+          <a:noFill/>
+        </p:spPr>
+        <p:txBody>
+          <a:bodyPr wrap="none" rtlCol="0">
+            <a:spAutoFit/>
+          </a:bodyPr>
+          <a:lstStyle/>
+          <a:p>
+            <a:r>
+              <a:rPr lang="de-DE" sz="1400" smtClean="0"/>
+              <a:t>0</a:t>
+            </a:r>
+            <a:endParaRPr lang="de-DE" sz="1400"/>
+          </a:p>
+        </p:txBody>
+      </p:sp>
+      <p:sp>
+        <p:nvSpPr>
+          <p:cNvPr id="21" name="Textfeld 20"/>
+          <p:cNvSpPr txBox="1"/>
+          <p:nvPr/>
+        </p:nvSpPr>
+        <p:spPr>
+          <a:xfrm>
+            <a:off x="3438003" y="4194169"/>
+            <a:ext cx="276038" cy="307777"/>
+          </a:xfrm>
+          <a:prstGeom prst="rect">
+            <a:avLst/>
+          </a:prstGeom>
+          <a:noFill/>
+        </p:spPr>
+        <p:txBody>
+          <a:bodyPr wrap="none" rtlCol="0">
+            <a:spAutoFit/>
+          </a:bodyPr>
+          <a:lstStyle/>
+          <a:p>
+            <a:r>
+              <a:rPr lang="de-DE" sz="1400" smtClean="0"/>
+              <a:t>1</a:t>
+            </a:r>
+            <a:endParaRPr lang="de-DE" sz="1400"/>
+          </a:p>
+        </p:txBody>
+      </p:sp>
+      <p:sp>
+        <p:nvSpPr>
+          <p:cNvPr id="17" name="Rechteck 16"/>
+          <p:cNvSpPr/>
+          <p:nvPr/>
+        </p:nvSpPr>
+        <p:spPr>
+          <a:xfrm>
+            <a:off x="5083786" y="1423842"/>
+            <a:ext cx="1199408" cy="1721922"/>
+          </a:xfrm>
+          <a:prstGeom prst="rect">
+            <a:avLst/>
+          </a:prstGeom>
+        </p:spPr>
+        <p:style>
+          <a:lnRef idx="2">
+            <a:schemeClr val="accent1">
+              <a:shade val="50000"/>
+            </a:schemeClr>
+          </a:lnRef>
+          <a:fillRef idx="1">
+            <a:schemeClr val="accent1"/>
+          </a:fillRef>
+          <a:effectRef idx="0">
+            <a:schemeClr val="accent1"/>
+          </a:effectRef>
+          <a:fontRef idx="minor">
+            <a:schemeClr val="lt1"/>
+          </a:fontRef>
+        </p:style>
+        <p:txBody>
+          <a:bodyPr rtlCol="0" anchor="ctr"/>
+          <a:lstStyle/>
+          <a:p>
+            <a:pPr algn="ctr"/>
+            <a:endParaRPr lang="de-DE"/>
+          </a:p>
+        </p:txBody>
+      </p:sp>
+      <p:sp>
+        <p:nvSpPr>
+          <p:cNvPr id="19" name="Textfeld 18"/>
+          <p:cNvSpPr txBox="1"/>
+          <p:nvPr/>
+        </p:nvSpPr>
+        <p:spPr>
+          <a:xfrm>
+            <a:off x="5683490" y="1054510"/>
+            <a:ext cx="575286" cy="369332"/>
+          </a:xfrm>
+          <a:prstGeom prst="rect">
+            <a:avLst/>
+          </a:prstGeom>
+          <a:noFill/>
+        </p:spPr>
+        <p:txBody>
+          <a:bodyPr wrap="none" rtlCol="0">
+            <a:spAutoFit/>
+          </a:bodyPr>
+          <a:lstStyle/>
+          <a:p>
+            <a:r>
+              <a:rPr lang="de-DE" smtClean="0"/>
+              <a:t>int[]</a:t>
+            </a:r>
+            <a:endParaRPr lang="de-DE"/>
+          </a:p>
+        </p:txBody>
+      </p:sp>
+      <p:sp>
+        <p:nvSpPr>
+          <p:cNvPr id="22" name="Rechteck 21"/>
+          <p:cNvSpPr/>
+          <p:nvPr/>
+        </p:nvSpPr>
+        <p:spPr>
+          <a:xfrm>
+            <a:off x="5189517" y="1554472"/>
+            <a:ext cx="950025" cy="308758"/>
+          </a:xfrm>
+          <a:prstGeom prst="rect">
+            <a:avLst/>
+          </a:prstGeom>
+        </p:spPr>
+        <p:style>
+          <a:lnRef idx="2">
+            <a:schemeClr val="accent1">
+              <a:shade val="50000"/>
+            </a:schemeClr>
+          </a:lnRef>
+          <a:fillRef idx="1">
+            <a:schemeClr val="accent1"/>
+          </a:fillRef>
+          <a:effectRef idx="0">
+            <a:schemeClr val="accent1"/>
+          </a:effectRef>
+          <a:fontRef idx="minor">
+            <a:schemeClr val="lt1"/>
+          </a:fontRef>
+        </p:style>
+        <p:txBody>
+          <a:bodyPr rtlCol="0" anchor="ctr"/>
+          <a:lstStyle/>
+          <a:p>
+            <a:pPr algn="ctr"/>
+            <a:r>
+              <a:rPr lang="de-DE" sz="1400" smtClean="0"/>
+              <a:t>0</a:t>
+            </a:r>
+            <a:endParaRPr lang="de-DE" sz="1400"/>
+          </a:p>
+        </p:txBody>
+      </p:sp>
+      <p:sp>
+        <p:nvSpPr>
+          <p:cNvPr id="23" name="Rechteck 22"/>
+          <p:cNvSpPr/>
+          <p:nvPr/>
+        </p:nvSpPr>
+        <p:spPr>
+          <a:xfrm>
+            <a:off x="5189516" y="1888179"/>
+            <a:ext cx="950025" cy="308758"/>
+          </a:xfrm>
+          <a:prstGeom prst="rect">
+            <a:avLst/>
+          </a:prstGeom>
+        </p:spPr>
+        <p:style>
+          <a:lnRef idx="2">
+            <a:schemeClr val="accent1">
+              <a:shade val="50000"/>
+            </a:schemeClr>
+          </a:lnRef>
+          <a:fillRef idx="1">
+            <a:schemeClr val="accent1"/>
+          </a:fillRef>
+          <a:effectRef idx="0">
+            <a:schemeClr val="accent1"/>
+          </a:effectRef>
+          <a:fontRef idx="minor">
+            <a:schemeClr val="lt1"/>
+          </a:fontRef>
+        </p:style>
+        <p:txBody>
+          <a:bodyPr rtlCol="0" anchor="ctr"/>
+          <a:lstStyle/>
+          <a:p>
+            <a:pPr algn="ctr"/>
+            <a:r>
+              <a:rPr lang="de-DE" sz="1400" smtClean="0"/>
+              <a:t>0</a:t>
+            </a:r>
+            <a:endParaRPr lang="de-DE" sz="1400"/>
+          </a:p>
+        </p:txBody>
+      </p:sp>
+      <p:sp>
+        <p:nvSpPr>
+          <p:cNvPr id="24" name="Textfeld 23"/>
+          <p:cNvSpPr txBox="1"/>
+          <p:nvPr/>
+        </p:nvSpPr>
+        <p:spPr>
+          <a:xfrm>
+            <a:off x="4656753" y="1493898"/>
+            <a:ext cx="380169" cy="307777"/>
+          </a:xfrm>
+          <a:prstGeom prst="rect">
+            <a:avLst/>
+          </a:prstGeom>
+          <a:noFill/>
+        </p:spPr>
+        <p:txBody>
+          <a:bodyPr wrap="none" rtlCol="0">
+            <a:spAutoFit/>
+          </a:bodyPr>
+          <a:lstStyle/>
+          <a:p>
+            <a:r>
+              <a:rPr lang="de-DE" sz="1400" smtClean="0"/>
+              <a:t>int</a:t>
+            </a:r>
+            <a:endParaRPr lang="de-DE" sz="1400"/>
+          </a:p>
+        </p:txBody>
+      </p:sp>
+      <p:sp>
+        <p:nvSpPr>
+          <p:cNvPr id="25" name="Textfeld 24"/>
+          <p:cNvSpPr txBox="1"/>
+          <p:nvPr/>
+        </p:nvSpPr>
+        <p:spPr>
+          <a:xfrm>
+            <a:off x="4656753" y="1802057"/>
+            <a:ext cx="380169" cy="307777"/>
+          </a:xfrm>
+          <a:prstGeom prst="rect">
+            <a:avLst/>
+          </a:prstGeom>
+          <a:noFill/>
+        </p:spPr>
+        <p:txBody>
+          <a:bodyPr wrap="none" rtlCol="0">
+            <a:spAutoFit/>
+          </a:bodyPr>
+          <a:lstStyle/>
+          <a:p>
+            <a:r>
+              <a:rPr lang="de-DE" sz="1400" smtClean="0"/>
+              <a:t>int</a:t>
+            </a:r>
+            <a:endParaRPr lang="de-DE" sz="1400"/>
+          </a:p>
+        </p:txBody>
+      </p:sp>
+      <p:sp>
+        <p:nvSpPr>
+          <p:cNvPr id="26" name="Rechteck 25"/>
+          <p:cNvSpPr/>
+          <p:nvPr/>
+        </p:nvSpPr>
+        <p:spPr>
+          <a:xfrm>
+            <a:off x="5189515" y="2645801"/>
+            <a:ext cx="950025" cy="308758"/>
+          </a:xfrm>
+          <a:prstGeom prst="rect">
+            <a:avLst/>
+          </a:prstGeom>
+        </p:spPr>
+        <p:style>
+          <a:lnRef idx="2">
+            <a:schemeClr val="accent1">
+              <a:shade val="50000"/>
+            </a:schemeClr>
+          </a:lnRef>
+          <a:fillRef idx="1">
+            <a:schemeClr val="accent1"/>
+          </a:fillRef>
+          <a:effectRef idx="0">
+            <a:schemeClr val="accent1"/>
+          </a:effectRef>
+          <a:fontRef idx="minor">
+            <a:schemeClr val="lt1"/>
+          </a:fontRef>
+        </p:style>
+        <p:txBody>
+          <a:bodyPr rtlCol="0" anchor="ctr"/>
+          <a:lstStyle/>
+          <a:p>
+            <a:pPr algn="ctr"/>
+            <a:r>
+              <a:rPr lang="de-DE" sz="1400"/>
+              <a:t>3</a:t>
+            </a:r>
+          </a:p>
+        </p:txBody>
+      </p:sp>
+      <p:sp>
+        <p:nvSpPr>
+          <p:cNvPr id="27" name="Textfeld 26"/>
+          <p:cNvSpPr txBox="1"/>
+          <p:nvPr/>
+        </p:nvSpPr>
+        <p:spPr>
+          <a:xfrm>
+            <a:off x="4688356" y="2585227"/>
+            <a:ext cx="380169" cy="307777"/>
+          </a:xfrm>
+          <a:prstGeom prst="rect">
+            <a:avLst/>
+          </a:prstGeom>
+          <a:noFill/>
+        </p:spPr>
+        <p:txBody>
+          <a:bodyPr wrap="none" rtlCol="0">
+            <a:spAutoFit/>
+          </a:bodyPr>
+          <a:lstStyle/>
+          <a:p>
+            <a:r>
+              <a:rPr lang="de-DE" sz="1400" smtClean="0"/>
+              <a:t>int</a:t>
+            </a:r>
+            <a:endParaRPr lang="de-DE" sz="1400"/>
+          </a:p>
+        </p:txBody>
+      </p:sp>
+      <p:sp>
+        <p:nvSpPr>
+          <p:cNvPr id="28" name="Textfeld 27"/>
+          <p:cNvSpPr txBox="1"/>
+          <p:nvPr/>
+        </p:nvSpPr>
+        <p:spPr>
+          <a:xfrm>
+            <a:off x="6146484" y="2656477"/>
+            <a:ext cx="648447" cy="307777"/>
+          </a:xfrm>
+          <a:prstGeom prst="rect">
+            <a:avLst/>
+          </a:prstGeom>
+          <a:noFill/>
+        </p:spPr>
+        <p:txBody>
+          <a:bodyPr wrap="none" rtlCol="0">
+            <a:spAutoFit/>
+          </a:bodyPr>
+          <a:lstStyle/>
+          <a:p>
+            <a:r>
+              <a:rPr lang="de-DE" sz="1400" smtClean="0"/>
+              <a:t>length</a:t>
+            </a:r>
+            <a:endParaRPr lang="de-DE" sz="1400"/>
+          </a:p>
+        </p:txBody>
+      </p:sp>
+      <p:sp>
+        <p:nvSpPr>
+          <p:cNvPr id="29" name="Textfeld 28"/>
+          <p:cNvSpPr txBox="1"/>
+          <p:nvPr/>
+        </p:nvSpPr>
+        <p:spPr>
+          <a:xfrm>
+            <a:off x="6121826" y="1549625"/>
+            <a:ext cx="276038" cy="307777"/>
+          </a:xfrm>
+          <a:prstGeom prst="rect">
+            <a:avLst/>
+          </a:prstGeom>
+          <a:noFill/>
+        </p:spPr>
+        <p:txBody>
+          <a:bodyPr wrap="none" rtlCol="0">
+            <a:spAutoFit/>
+          </a:bodyPr>
+          <a:lstStyle/>
+          <a:p>
+            <a:r>
+              <a:rPr lang="de-DE" sz="1400" smtClean="0"/>
+              <a:t>0</a:t>
+            </a:r>
+            <a:endParaRPr lang="de-DE" sz="1400"/>
+          </a:p>
+        </p:txBody>
+      </p:sp>
+      <p:sp>
+        <p:nvSpPr>
+          <p:cNvPr id="30" name="Textfeld 29"/>
+          <p:cNvSpPr txBox="1"/>
+          <p:nvPr/>
+        </p:nvSpPr>
+        <p:spPr>
+          <a:xfrm>
+            <a:off x="6121826" y="1889160"/>
+            <a:ext cx="276038" cy="307777"/>
+          </a:xfrm>
+          <a:prstGeom prst="rect">
+            <a:avLst/>
+          </a:prstGeom>
+          <a:noFill/>
+        </p:spPr>
+        <p:txBody>
+          <a:bodyPr wrap="none" rtlCol="0">
+            <a:spAutoFit/>
+          </a:bodyPr>
+          <a:lstStyle/>
+          <a:p>
+            <a:r>
+              <a:rPr lang="de-DE" sz="1400" smtClean="0"/>
+              <a:t>1</a:t>
+            </a:r>
+            <a:endParaRPr lang="de-DE" sz="1400"/>
+          </a:p>
+        </p:txBody>
+      </p:sp>
+      <p:sp>
+        <p:nvSpPr>
+          <p:cNvPr id="31" name="Rechteck 30"/>
+          <p:cNvSpPr/>
+          <p:nvPr/>
+        </p:nvSpPr>
+        <p:spPr>
+          <a:xfrm>
+            <a:off x="5196459" y="2257511"/>
+            <a:ext cx="950025" cy="308758"/>
+          </a:xfrm>
+          <a:prstGeom prst="rect">
+            <a:avLst/>
+          </a:prstGeom>
+        </p:spPr>
+        <p:style>
+          <a:lnRef idx="2">
+            <a:schemeClr val="accent1">
+              <a:shade val="50000"/>
+            </a:schemeClr>
+          </a:lnRef>
+          <a:fillRef idx="1">
+            <a:schemeClr val="accent1"/>
+          </a:fillRef>
+          <a:effectRef idx="0">
+            <a:schemeClr val="accent1"/>
+          </a:effectRef>
+          <a:fontRef idx="minor">
+            <a:schemeClr val="lt1"/>
+          </a:fontRef>
+        </p:style>
+        <p:txBody>
+          <a:bodyPr rtlCol="0" anchor="ctr"/>
+          <a:lstStyle/>
+          <a:p>
+            <a:pPr algn="ctr"/>
+            <a:r>
+              <a:rPr lang="de-DE" sz="1400" smtClean="0"/>
+              <a:t>0</a:t>
+            </a:r>
+            <a:endParaRPr lang="de-DE" sz="1400"/>
+          </a:p>
+        </p:txBody>
+      </p:sp>
+      <p:sp>
+        <p:nvSpPr>
+          <p:cNvPr id="32" name="Textfeld 31"/>
+          <p:cNvSpPr txBox="1"/>
+          <p:nvPr/>
+        </p:nvSpPr>
+        <p:spPr>
+          <a:xfrm>
+            <a:off x="4663696" y="2171389"/>
+            <a:ext cx="380169" cy="307777"/>
+          </a:xfrm>
+          <a:prstGeom prst="rect">
+            <a:avLst/>
+          </a:prstGeom>
+          <a:noFill/>
+        </p:spPr>
+        <p:txBody>
+          <a:bodyPr wrap="none" rtlCol="0">
+            <a:spAutoFit/>
+          </a:bodyPr>
+          <a:lstStyle/>
+          <a:p>
+            <a:r>
+              <a:rPr lang="de-DE" sz="1400" smtClean="0"/>
+              <a:t>int</a:t>
+            </a:r>
+            <a:endParaRPr lang="de-DE" sz="1400"/>
+          </a:p>
+        </p:txBody>
+      </p:sp>
+      <p:sp>
+        <p:nvSpPr>
+          <p:cNvPr id="33" name="Textfeld 32"/>
+          <p:cNvSpPr txBox="1"/>
+          <p:nvPr/>
+        </p:nvSpPr>
+        <p:spPr>
+          <a:xfrm>
+            <a:off x="6128769" y="2258492"/>
+            <a:ext cx="276038" cy="307777"/>
+          </a:xfrm>
+          <a:prstGeom prst="rect">
+            <a:avLst/>
+          </a:prstGeom>
+          <a:noFill/>
+        </p:spPr>
+        <p:txBody>
+          <a:bodyPr wrap="none" rtlCol="0">
+            <a:spAutoFit/>
+          </a:bodyPr>
+          <a:lstStyle/>
+          <a:p>
+            <a:r>
+              <a:rPr lang="de-DE" sz="1400" smtClean="0"/>
+              <a:t>2</a:t>
+            </a:r>
+            <a:endParaRPr lang="de-DE" sz="1400"/>
+          </a:p>
+        </p:txBody>
+      </p:sp>
+      <p:sp>
+        <p:nvSpPr>
+          <p:cNvPr id="34" name="Rechteck 33"/>
+          <p:cNvSpPr/>
+          <p:nvPr/>
+        </p:nvSpPr>
+        <p:spPr>
+          <a:xfrm>
+            <a:off x="5115389" y="4070457"/>
+            <a:ext cx="1199408" cy="1721922"/>
+          </a:xfrm>
+          <a:prstGeom prst="rect">
+            <a:avLst/>
+          </a:prstGeom>
+        </p:spPr>
+        <p:style>
+          <a:lnRef idx="2">
+            <a:schemeClr val="accent1">
+              <a:shade val="50000"/>
+            </a:schemeClr>
+          </a:lnRef>
+          <a:fillRef idx="1">
+            <a:schemeClr val="accent1"/>
+          </a:fillRef>
+          <a:effectRef idx="0">
+            <a:schemeClr val="accent1"/>
+          </a:effectRef>
+          <a:fontRef idx="minor">
+            <a:schemeClr val="lt1"/>
+          </a:fontRef>
+        </p:style>
+        <p:txBody>
+          <a:bodyPr rtlCol="0" anchor="ctr"/>
+          <a:lstStyle/>
+          <a:p>
+            <a:pPr algn="ctr"/>
+            <a:endParaRPr lang="de-DE"/>
+          </a:p>
+        </p:txBody>
+      </p:sp>
+      <p:sp>
+        <p:nvSpPr>
+          <p:cNvPr id="35" name="Textfeld 34"/>
+          <p:cNvSpPr txBox="1"/>
+          <p:nvPr/>
+        </p:nvSpPr>
+        <p:spPr>
+          <a:xfrm>
+            <a:off x="5715093" y="3701125"/>
+            <a:ext cx="575286" cy="369332"/>
+          </a:xfrm>
+          <a:prstGeom prst="rect">
+            <a:avLst/>
+          </a:prstGeom>
+          <a:noFill/>
+        </p:spPr>
+        <p:txBody>
+          <a:bodyPr wrap="none" rtlCol="0">
+            <a:spAutoFit/>
+          </a:bodyPr>
+          <a:lstStyle/>
+          <a:p>
+            <a:r>
+              <a:rPr lang="de-DE" smtClean="0"/>
+              <a:t>int[]</a:t>
+            </a:r>
+            <a:endParaRPr lang="de-DE"/>
+          </a:p>
+        </p:txBody>
+      </p:sp>
+      <p:sp>
+        <p:nvSpPr>
+          <p:cNvPr id="36" name="Rechteck 35"/>
+          <p:cNvSpPr/>
+          <p:nvPr/>
+        </p:nvSpPr>
+        <p:spPr>
+          <a:xfrm>
+            <a:off x="5221120" y="4201087"/>
+            <a:ext cx="950025" cy="308758"/>
+          </a:xfrm>
+          <a:prstGeom prst="rect">
+            <a:avLst/>
+          </a:prstGeom>
+        </p:spPr>
+        <p:style>
+          <a:lnRef idx="2">
+            <a:schemeClr val="accent1">
+              <a:shade val="50000"/>
+            </a:schemeClr>
+          </a:lnRef>
+          <a:fillRef idx="1">
+            <a:schemeClr val="accent1"/>
+          </a:fillRef>
+          <a:effectRef idx="0">
+            <a:schemeClr val="accent1"/>
+          </a:effectRef>
+          <a:fontRef idx="minor">
+            <a:schemeClr val="lt1"/>
+          </a:fontRef>
+        </p:style>
+        <p:txBody>
+          <a:bodyPr rtlCol="0" anchor="ctr"/>
+          <a:lstStyle/>
+          <a:p>
+            <a:pPr algn="ctr"/>
+            <a:r>
+              <a:rPr lang="de-DE" sz="1400" smtClean="0"/>
+              <a:t>0</a:t>
+            </a:r>
+            <a:endParaRPr lang="de-DE" sz="1400"/>
+          </a:p>
+        </p:txBody>
+      </p:sp>
+      <p:sp>
+        <p:nvSpPr>
+          <p:cNvPr id="37" name="Rechteck 36"/>
+          <p:cNvSpPr/>
+          <p:nvPr/>
+        </p:nvSpPr>
+        <p:spPr>
+          <a:xfrm>
+            <a:off x="5221119" y="4534794"/>
+            <a:ext cx="950025" cy="308758"/>
+          </a:xfrm>
+          <a:prstGeom prst="rect">
+            <a:avLst/>
+          </a:prstGeom>
+        </p:spPr>
+        <p:style>
+          <a:lnRef idx="2">
+            <a:schemeClr val="accent1">
+              <a:shade val="50000"/>
+            </a:schemeClr>
+          </a:lnRef>
+          <a:fillRef idx="1">
+            <a:schemeClr val="accent1"/>
+          </a:fillRef>
+          <a:effectRef idx="0">
+            <a:schemeClr val="accent1"/>
+          </a:effectRef>
+          <a:fontRef idx="minor">
+            <a:schemeClr val="lt1"/>
+          </a:fontRef>
+        </p:style>
+        <p:txBody>
+          <a:bodyPr rtlCol="0" anchor="ctr"/>
+          <a:lstStyle/>
+          <a:p>
+            <a:pPr algn="ctr"/>
+            <a:r>
+              <a:rPr lang="de-DE" sz="1400">
+                <a:solidFill>
+                  <a:srgbClr val="FF0000"/>
+                </a:solidFill>
+              </a:rPr>
+              <a:t>7</a:t>
+            </a:r>
+            <a:endParaRPr lang="de-DE" sz="1400">
+              <a:solidFill>
+                <a:srgbClr val="FF0000"/>
+              </a:solidFill>
+            </a:endParaRPr>
+          </a:p>
+        </p:txBody>
+      </p:sp>
+      <p:sp>
+        <p:nvSpPr>
+          <p:cNvPr id="38" name="Textfeld 37"/>
+          <p:cNvSpPr txBox="1"/>
+          <p:nvPr/>
+        </p:nvSpPr>
+        <p:spPr>
+          <a:xfrm>
+            <a:off x="4688356" y="4140513"/>
+            <a:ext cx="380169" cy="307777"/>
+          </a:xfrm>
+          <a:prstGeom prst="rect">
+            <a:avLst/>
+          </a:prstGeom>
+          <a:noFill/>
+        </p:spPr>
+        <p:txBody>
+          <a:bodyPr wrap="none" rtlCol="0">
+            <a:spAutoFit/>
+          </a:bodyPr>
+          <a:lstStyle/>
+          <a:p>
+            <a:r>
+              <a:rPr lang="de-DE" sz="1400" smtClean="0"/>
+              <a:t>int</a:t>
+            </a:r>
+            <a:endParaRPr lang="de-DE" sz="1400"/>
+          </a:p>
+        </p:txBody>
+      </p:sp>
+      <p:sp>
+        <p:nvSpPr>
+          <p:cNvPr id="39" name="Textfeld 38"/>
+          <p:cNvSpPr txBox="1"/>
+          <p:nvPr/>
+        </p:nvSpPr>
+        <p:spPr>
+          <a:xfrm>
+            <a:off x="4688356" y="4448672"/>
+            <a:ext cx="380169" cy="307777"/>
+          </a:xfrm>
+          <a:prstGeom prst="rect">
+            <a:avLst/>
+          </a:prstGeom>
+          <a:noFill/>
+        </p:spPr>
+        <p:txBody>
+          <a:bodyPr wrap="none" rtlCol="0">
+            <a:spAutoFit/>
+          </a:bodyPr>
+          <a:lstStyle/>
+          <a:p>
+            <a:r>
+              <a:rPr lang="de-DE" sz="1400" smtClean="0"/>
+              <a:t>int</a:t>
+            </a:r>
+            <a:endParaRPr lang="de-DE" sz="1400"/>
+          </a:p>
+        </p:txBody>
+      </p:sp>
+      <p:sp>
+        <p:nvSpPr>
+          <p:cNvPr id="40" name="Rechteck 39"/>
+          <p:cNvSpPr/>
+          <p:nvPr/>
+        </p:nvSpPr>
+        <p:spPr>
+          <a:xfrm>
+            <a:off x="5221118" y="5292416"/>
+            <a:ext cx="950025" cy="308758"/>
+          </a:xfrm>
+          <a:prstGeom prst="rect">
+            <a:avLst/>
+          </a:prstGeom>
+        </p:spPr>
+        <p:style>
+          <a:lnRef idx="2">
+            <a:schemeClr val="accent1">
+              <a:shade val="50000"/>
+            </a:schemeClr>
+          </a:lnRef>
+          <a:fillRef idx="1">
+            <a:schemeClr val="accent1"/>
+          </a:fillRef>
+          <a:effectRef idx="0">
+            <a:schemeClr val="accent1"/>
+          </a:effectRef>
+          <a:fontRef idx="minor">
+            <a:schemeClr val="lt1"/>
+          </a:fontRef>
+        </p:style>
+        <p:txBody>
+          <a:bodyPr rtlCol="0" anchor="ctr"/>
+          <a:lstStyle/>
+          <a:p>
+            <a:pPr algn="ctr"/>
+            <a:r>
+              <a:rPr lang="de-DE" sz="1400"/>
+              <a:t>3</a:t>
+            </a:r>
+          </a:p>
+        </p:txBody>
+      </p:sp>
+      <p:sp>
+        <p:nvSpPr>
+          <p:cNvPr id="41" name="Textfeld 40"/>
+          <p:cNvSpPr txBox="1"/>
+          <p:nvPr/>
+        </p:nvSpPr>
+        <p:spPr>
+          <a:xfrm>
+            <a:off x="4719959" y="5231842"/>
+            <a:ext cx="380169" cy="307777"/>
+          </a:xfrm>
+          <a:prstGeom prst="rect">
+            <a:avLst/>
+          </a:prstGeom>
+          <a:noFill/>
+        </p:spPr>
+        <p:txBody>
+          <a:bodyPr wrap="none" rtlCol="0">
+            <a:spAutoFit/>
+          </a:bodyPr>
+          <a:lstStyle/>
+          <a:p>
+            <a:r>
+              <a:rPr lang="de-DE" sz="1400" smtClean="0"/>
+              <a:t>int</a:t>
+            </a:r>
+            <a:endParaRPr lang="de-DE" sz="1400"/>
+          </a:p>
+        </p:txBody>
+      </p:sp>
+      <p:sp>
+        <p:nvSpPr>
+          <p:cNvPr id="42" name="Textfeld 41"/>
+          <p:cNvSpPr txBox="1"/>
+          <p:nvPr/>
+        </p:nvSpPr>
+        <p:spPr>
+          <a:xfrm>
+            <a:off x="6178087" y="5303092"/>
+            <a:ext cx="648447" cy="307777"/>
+          </a:xfrm>
+          <a:prstGeom prst="rect">
+            <a:avLst/>
+          </a:prstGeom>
+          <a:noFill/>
+        </p:spPr>
+        <p:txBody>
+          <a:bodyPr wrap="none" rtlCol="0">
+            <a:spAutoFit/>
+          </a:bodyPr>
+          <a:lstStyle/>
+          <a:p>
+            <a:r>
+              <a:rPr lang="de-DE" sz="1400" smtClean="0"/>
+              <a:t>length</a:t>
+            </a:r>
+            <a:endParaRPr lang="de-DE" sz="1400"/>
+          </a:p>
+        </p:txBody>
+      </p:sp>
+      <p:sp>
+        <p:nvSpPr>
+          <p:cNvPr id="43" name="Textfeld 42"/>
+          <p:cNvSpPr txBox="1"/>
+          <p:nvPr/>
+        </p:nvSpPr>
+        <p:spPr>
+          <a:xfrm>
+            <a:off x="6153429" y="4196240"/>
+            <a:ext cx="276038" cy="307777"/>
+          </a:xfrm>
+          <a:prstGeom prst="rect">
+            <a:avLst/>
+          </a:prstGeom>
+          <a:noFill/>
+        </p:spPr>
+        <p:txBody>
+          <a:bodyPr wrap="none" rtlCol="0">
+            <a:spAutoFit/>
+          </a:bodyPr>
+          <a:lstStyle/>
+          <a:p>
+            <a:r>
+              <a:rPr lang="de-DE" sz="1400" smtClean="0"/>
+              <a:t>0</a:t>
+            </a:r>
+            <a:endParaRPr lang="de-DE" sz="1400"/>
+          </a:p>
+        </p:txBody>
+      </p:sp>
+      <p:sp>
+        <p:nvSpPr>
+          <p:cNvPr id="44" name="Textfeld 43"/>
+          <p:cNvSpPr txBox="1"/>
+          <p:nvPr/>
+        </p:nvSpPr>
+        <p:spPr>
+          <a:xfrm>
+            <a:off x="6153429" y="4535775"/>
+            <a:ext cx="276038" cy="307777"/>
+          </a:xfrm>
+          <a:prstGeom prst="rect">
+            <a:avLst/>
+          </a:prstGeom>
+          <a:noFill/>
+        </p:spPr>
+        <p:txBody>
+          <a:bodyPr wrap="none" rtlCol="0">
+            <a:spAutoFit/>
+          </a:bodyPr>
+          <a:lstStyle/>
+          <a:p>
+            <a:r>
+              <a:rPr lang="de-DE" sz="1400" smtClean="0"/>
+              <a:t>1</a:t>
+            </a:r>
+            <a:endParaRPr lang="de-DE" sz="1400"/>
+          </a:p>
+        </p:txBody>
+      </p:sp>
+      <p:sp>
+        <p:nvSpPr>
+          <p:cNvPr id="45" name="Rechteck 44"/>
+          <p:cNvSpPr/>
+          <p:nvPr/>
+        </p:nvSpPr>
+        <p:spPr>
+          <a:xfrm>
+            <a:off x="5228062" y="4904126"/>
+            <a:ext cx="950025" cy="308758"/>
+          </a:xfrm>
+          <a:prstGeom prst="rect">
+            <a:avLst/>
+          </a:prstGeom>
+        </p:spPr>
+        <p:style>
+          <a:lnRef idx="2">
+            <a:schemeClr val="accent1">
+              <a:shade val="50000"/>
+            </a:schemeClr>
+          </a:lnRef>
+          <a:fillRef idx="1">
+            <a:schemeClr val="accent1"/>
+          </a:fillRef>
+          <a:effectRef idx="0">
+            <a:schemeClr val="accent1"/>
+          </a:effectRef>
+          <a:fontRef idx="minor">
+            <a:schemeClr val="lt1"/>
+          </a:fontRef>
+        </p:style>
+        <p:txBody>
+          <a:bodyPr rtlCol="0" anchor="ctr"/>
+          <a:lstStyle/>
+          <a:p>
+            <a:pPr algn="ctr"/>
+            <a:r>
+              <a:rPr lang="de-DE" sz="1400" smtClean="0"/>
+              <a:t>0</a:t>
+            </a:r>
+            <a:endParaRPr lang="de-DE" sz="1400"/>
+          </a:p>
+        </p:txBody>
+      </p:sp>
+      <p:sp>
+        <p:nvSpPr>
+          <p:cNvPr id="46" name="Textfeld 45"/>
+          <p:cNvSpPr txBox="1"/>
+          <p:nvPr/>
+        </p:nvSpPr>
+        <p:spPr>
+          <a:xfrm>
+            <a:off x="4695299" y="4818004"/>
+            <a:ext cx="380169" cy="307777"/>
+          </a:xfrm>
+          <a:prstGeom prst="rect">
+            <a:avLst/>
+          </a:prstGeom>
+          <a:noFill/>
+        </p:spPr>
+        <p:txBody>
+          <a:bodyPr wrap="none" rtlCol="0">
+            <a:spAutoFit/>
+          </a:bodyPr>
+          <a:lstStyle/>
+          <a:p>
+            <a:r>
+              <a:rPr lang="de-DE" sz="1400" smtClean="0"/>
+              <a:t>int</a:t>
+            </a:r>
+            <a:endParaRPr lang="de-DE" sz="1400"/>
+          </a:p>
+        </p:txBody>
+      </p:sp>
+      <p:sp>
+        <p:nvSpPr>
+          <p:cNvPr id="47" name="Textfeld 46"/>
+          <p:cNvSpPr txBox="1"/>
+          <p:nvPr/>
+        </p:nvSpPr>
+        <p:spPr>
+          <a:xfrm>
+            <a:off x="6160372" y="4905107"/>
+            <a:ext cx="276038" cy="307777"/>
+          </a:xfrm>
+          <a:prstGeom prst="rect">
+            <a:avLst/>
+          </a:prstGeom>
+          <a:noFill/>
+        </p:spPr>
+        <p:txBody>
+          <a:bodyPr wrap="none" rtlCol="0">
+            <a:spAutoFit/>
+          </a:bodyPr>
+          <a:lstStyle/>
+          <a:p>
+            <a:r>
+              <a:rPr lang="de-DE" sz="1400" smtClean="0"/>
+              <a:t>2</a:t>
+            </a:r>
+            <a:endParaRPr lang="de-DE" sz="1400"/>
+          </a:p>
+        </p:txBody>
+      </p:sp>
+      <p:cxnSp>
+        <p:nvCxnSpPr>
+          <p:cNvPr id="3" name="Gerade Verbindung mit Pfeil 2"/>
+          <p:cNvCxnSpPr/>
+          <p:nvPr/>
+        </p:nvCxnSpPr>
+        <p:spPr>
+          <a:xfrm flipV="1">
+            <a:off x="2937116" y="3051959"/>
+            <a:ext cx="2163012" cy="989301"/>
+          </a:xfrm>
+          <a:prstGeom prst="straightConnector1">
+            <a:avLst/>
+          </a:prstGeom>
+          <a:ln>
+            <a:solidFill>
+              <a:srgbClr val="FF0000"/>
+            </a:solidFill>
+            <a:tailEnd type="triangle"/>
+          </a:ln>
+        </p:spPr>
+        <p:style>
+          <a:lnRef idx="1">
+            <a:schemeClr val="accent1"/>
+          </a:lnRef>
+          <a:fillRef idx="0">
+            <a:schemeClr val="accent1"/>
+          </a:fillRef>
+          <a:effectRef idx="0">
+            <a:schemeClr val="accent1"/>
+          </a:effectRef>
+          <a:fontRef idx="minor">
+            <a:schemeClr val="tx1"/>
+          </a:fontRef>
+        </p:style>
+      </p:cxnSp>
+      <p:cxnSp>
+        <p:nvCxnSpPr>
+          <p:cNvPr id="48" name="Gerade Verbindung mit Pfeil 47"/>
+          <p:cNvCxnSpPr/>
+          <p:nvPr/>
+        </p:nvCxnSpPr>
+        <p:spPr>
+          <a:xfrm>
+            <a:off x="2997923" y="4362410"/>
+            <a:ext cx="2117466" cy="321148"/>
+          </a:xfrm>
+          <a:prstGeom prst="straightConnector1">
+            <a:avLst/>
+          </a:prstGeom>
+          <a:ln>
+            <a:solidFill>
+              <a:srgbClr val="FF0000"/>
+            </a:solidFill>
+            <a:tailEnd type="triangle"/>
+          </a:ln>
+        </p:spPr>
+        <p:style>
+          <a:lnRef idx="1">
+            <a:schemeClr val="accent1"/>
+          </a:lnRef>
+          <a:fillRef idx="0">
+            <a:schemeClr val="accent1"/>
+          </a:fillRef>
+          <a:effectRef idx="0">
+            <a:schemeClr val="accent1"/>
+          </a:effectRef>
+          <a:fontRef idx="minor">
+            <a:schemeClr val="tx1"/>
+          </a:fontRef>
+        </p:style>
+      </p:cxnSp>
+    </p:spTree>
+    <p:extLst>
+      <p:ext uri="{BB962C8B-B14F-4D97-AF65-F5344CB8AC3E}">
+        <p14:creationId xmlns:p14="http://schemas.microsoft.com/office/powerpoint/2010/main" val="2223603453"/>
+      </p:ext>
+    </p:extLst>
+  </p:cSld>
+  <p:clrMapOvr>
+    <a:masterClrMapping/>
+  </p:clrMapOvr>
+</p:sld>
+</file>
+
+<file path=ppt/slides/slide17.xml><?xml version="1.0" encoding="utf-8"?>
+<p:sld xmlns:a="http://schemas.openxmlformats.org/drawingml/2006/main" xmlns:r="http://schemas.openxmlformats.org/officeDocument/2006/relationships" xmlns:p="http://schemas.openxmlformats.org/presentationml/2006/main">
+  <p:cSld>
+    <p:spTree>
+      <p:nvGrpSpPr>
+        <p:cNvPr id="1" name=""/>
+        <p:cNvGrpSpPr/>
+        <p:nvPr/>
+      </p:nvGrpSpPr>
+      <p:grpSpPr>
+        <a:xfrm>
+          <a:off x="0" y="0"/>
+          <a:ext cx="0" cy="0"/>
+          <a:chOff x="0" y="0"/>
+          <a:chExt cx="0" cy="0"/>
+        </a:xfrm>
+      </p:grpSpPr>
+      <p:sp>
+        <p:nvSpPr>
+          <p:cNvPr id="4" name="Rechteck 3"/>
+          <p:cNvSpPr/>
+          <p:nvPr/>
+        </p:nvSpPr>
+        <p:spPr>
+          <a:xfrm>
+            <a:off x="4878814" y="2291939"/>
+            <a:ext cx="3612043" cy="1562696"/>
+          </a:xfrm>
+          <a:prstGeom prst="rect">
+            <a:avLst/>
+          </a:prstGeom>
+        </p:spPr>
+        <p:style>
+          <a:lnRef idx="2">
+            <a:schemeClr val="accent1">
+              <a:shade val="50000"/>
+            </a:schemeClr>
+          </a:lnRef>
+          <a:fillRef idx="1">
+            <a:schemeClr val="accent1"/>
+          </a:fillRef>
+          <a:effectRef idx="0">
+            <a:schemeClr val="accent1"/>
+          </a:effectRef>
+          <a:fontRef idx="minor">
+            <a:schemeClr val="lt1"/>
+          </a:fontRef>
+        </p:style>
+        <p:txBody>
+          <a:bodyPr rtlCol="0" anchor="ctr"/>
+          <a:lstStyle/>
+          <a:p>
+            <a:pPr algn="ctr"/>
+            <a:endParaRPr lang="de-DE"/>
+          </a:p>
+        </p:txBody>
+      </p:sp>
+      <p:cxnSp>
+        <p:nvCxnSpPr>
+          <p:cNvPr id="5" name="Gerader Verbinder 4"/>
+          <p:cNvCxnSpPr/>
+          <p:nvPr/>
+        </p:nvCxnSpPr>
+        <p:spPr>
+          <a:xfrm>
+            <a:off x="1757548" y="368135"/>
+            <a:ext cx="0" cy="6210795"/>
+          </a:xfrm>
+          <a:prstGeom prst="line">
+            <a:avLst/>
+          </a:prstGeom>
+        </p:spPr>
+        <p:style>
+          <a:lnRef idx="1">
+            <a:schemeClr val="accent1"/>
+          </a:lnRef>
+          <a:fillRef idx="0">
+            <a:schemeClr val="accent1"/>
+          </a:fillRef>
+          <a:effectRef idx="0">
+            <a:schemeClr val="accent1"/>
+          </a:effectRef>
+          <a:fontRef idx="minor">
+            <a:schemeClr val="tx1"/>
+          </a:fontRef>
+        </p:style>
+      </p:cxnSp>
+      <p:sp>
+        <p:nvSpPr>
+          <p:cNvPr id="6" name="Textfeld 5"/>
+          <p:cNvSpPr txBox="1"/>
+          <p:nvPr/>
+        </p:nvSpPr>
+        <p:spPr>
+          <a:xfrm>
+            <a:off x="9417132" y="368135"/>
+            <a:ext cx="2614242" cy="1200329"/>
+          </a:xfrm>
+          <a:prstGeom prst="rect">
+            <a:avLst/>
+          </a:prstGeom>
+          <a:noFill/>
+        </p:spPr>
+        <p:txBody>
+          <a:bodyPr wrap="none" rtlCol="0">
+            <a:spAutoFit/>
+          </a:bodyPr>
+          <a:lstStyle/>
+          <a:p>
+            <a:r>
+              <a:rPr lang="de-DE" smtClean="0"/>
+              <a:t>int[][] arr = new int[2</a:t>
+            </a:r>
+            <a:r>
+              <a:rPr lang="de-DE" smtClean="0"/>
+              <a:t>][3];</a:t>
+            </a:r>
+            <a:endParaRPr lang="de-DE" smtClean="0"/>
+          </a:p>
+          <a:p>
+            <a:endParaRPr lang="de-DE" smtClean="0"/>
+          </a:p>
+          <a:p>
+            <a:r>
+              <a:rPr lang="de-DE" smtClean="0"/>
+              <a:t>arr[1][1] = 7;</a:t>
+            </a:r>
+          </a:p>
+          <a:p>
+            <a:endParaRPr lang="de-DE" smtClean="0"/>
+          </a:p>
+        </p:txBody>
+      </p:sp>
+      <p:sp>
+        <p:nvSpPr>
+          <p:cNvPr id="7" name="Textfeld 6"/>
+          <p:cNvSpPr txBox="1"/>
+          <p:nvPr/>
+        </p:nvSpPr>
+        <p:spPr>
+          <a:xfrm>
+            <a:off x="209176" y="4754270"/>
+            <a:ext cx="455574" cy="369332"/>
+          </a:xfrm>
+          <a:prstGeom prst="rect">
+            <a:avLst/>
+          </a:prstGeom>
+          <a:noFill/>
+        </p:spPr>
+        <p:txBody>
+          <a:bodyPr wrap="none" rtlCol="0">
+            <a:spAutoFit/>
+          </a:bodyPr>
+          <a:lstStyle/>
+          <a:p>
+            <a:r>
+              <a:rPr lang="de-DE" smtClean="0"/>
+              <a:t>arr</a:t>
+            </a:r>
+            <a:endParaRPr lang="de-DE"/>
+          </a:p>
+        </p:txBody>
+      </p:sp>
+      <p:sp>
+        <p:nvSpPr>
+          <p:cNvPr id="8" name="Rechteck 7"/>
+          <p:cNvSpPr/>
+          <p:nvPr/>
+        </p:nvSpPr>
+        <p:spPr>
+          <a:xfrm>
+            <a:off x="2399963" y="3728851"/>
+            <a:ext cx="1199408" cy="1281335"/>
+          </a:xfrm>
+          <a:prstGeom prst="rect">
+            <a:avLst/>
+          </a:prstGeom>
+        </p:spPr>
+        <p:style>
+          <a:lnRef idx="2">
+            <a:schemeClr val="accent1">
+              <a:shade val="50000"/>
+            </a:schemeClr>
+          </a:lnRef>
+          <a:fillRef idx="1">
+            <a:schemeClr val="accent1"/>
+          </a:fillRef>
+          <a:effectRef idx="0">
+            <a:schemeClr val="accent1"/>
+          </a:effectRef>
+          <a:fontRef idx="minor">
+            <a:schemeClr val="lt1"/>
+          </a:fontRef>
+        </p:style>
+        <p:txBody>
+          <a:bodyPr rtlCol="0" anchor="ctr"/>
+          <a:lstStyle/>
+          <a:p>
+            <a:pPr algn="ctr"/>
+            <a:endParaRPr lang="de-DE"/>
+          </a:p>
+        </p:txBody>
+      </p:sp>
+      <p:sp>
+        <p:nvSpPr>
+          <p:cNvPr id="9" name="Textfeld 8"/>
+          <p:cNvSpPr txBox="1"/>
+          <p:nvPr/>
+        </p:nvSpPr>
+        <p:spPr>
+          <a:xfrm>
+            <a:off x="2999667" y="3359519"/>
+            <a:ext cx="716350" cy="369332"/>
+          </a:xfrm>
+          <a:prstGeom prst="rect">
+            <a:avLst/>
+          </a:prstGeom>
+          <a:noFill/>
+        </p:spPr>
+        <p:txBody>
+          <a:bodyPr wrap="none" rtlCol="0">
+            <a:spAutoFit/>
+          </a:bodyPr>
+          <a:lstStyle/>
+          <a:p>
+            <a:r>
+              <a:rPr lang="de-DE" smtClean="0"/>
+              <a:t>int[][]</a:t>
+            </a:r>
+            <a:endParaRPr lang="de-DE"/>
+          </a:p>
+        </p:txBody>
+      </p:sp>
+      <p:sp>
+        <p:nvSpPr>
+          <p:cNvPr id="10" name="Rechteck 9"/>
+          <p:cNvSpPr/>
+          <p:nvPr/>
+        </p:nvSpPr>
+        <p:spPr>
+          <a:xfrm>
+            <a:off x="2505694" y="3859481"/>
+            <a:ext cx="950025" cy="308758"/>
+          </a:xfrm>
+          <a:prstGeom prst="rect">
+            <a:avLst/>
+          </a:prstGeom>
+        </p:spPr>
+        <p:style>
+          <a:lnRef idx="2">
+            <a:schemeClr val="accent1">
+              <a:shade val="50000"/>
+            </a:schemeClr>
+          </a:lnRef>
+          <a:fillRef idx="1">
+            <a:schemeClr val="accent1"/>
+          </a:fillRef>
+          <a:effectRef idx="0">
+            <a:schemeClr val="accent1"/>
+          </a:effectRef>
+          <a:fontRef idx="minor">
+            <a:schemeClr val="lt1"/>
+          </a:fontRef>
+        </p:style>
+        <p:txBody>
+          <a:bodyPr rtlCol="0" anchor="ctr"/>
+          <a:lstStyle/>
+          <a:p>
+            <a:pPr algn="ctr"/>
+            <a:endParaRPr lang="de-DE" sz="1400"/>
+          </a:p>
+        </p:txBody>
+      </p:sp>
+      <p:sp>
+        <p:nvSpPr>
+          <p:cNvPr id="11" name="Rechteck 10"/>
+          <p:cNvSpPr/>
+          <p:nvPr/>
+        </p:nvSpPr>
+        <p:spPr>
+          <a:xfrm>
+            <a:off x="2505693" y="4193188"/>
+            <a:ext cx="950025" cy="308758"/>
+          </a:xfrm>
+          <a:prstGeom prst="rect">
+            <a:avLst/>
+          </a:prstGeom>
+        </p:spPr>
+        <p:style>
+          <a:lnRef idx="2">
+            <a:schemeClr val="accent1">
+              <a:shade val="50000"/>
+            </a:schemeClr>
+          </a:lnRef>
+          <a:fillRef idx="1">
+            <a:schemeClr val="accent1"/>
+          </a:fillRef>
+          <a:effectRef idx="0">
+            <a:schemeClr val="accent1"/>
+          </a:effectRef>
+          <a:fontRef idx="minor">
+            <a:schemeClr val="lt1"/>
+          </a:fontRef>
+        </p:style>
+        <p:txBody>
+          <a:bodyPr rtlCol="0" anchor="ctr"/>
+          <a:lstStyle/>
+          <a:p>
+            <a:pPr algn="ctr"/>
+            <a:endParaRPr lang="de-DE" sz="1400"/>
+          </a:p>
+        </p:txBody>
+      </p:sp>
+      <p:sp>
+        <p:nvSpPr>
+          <p:cNvPr id="12" name="Textfeld 11"/>
+          <p:cNvSpPr txBox="1"/>
+          <p:nvPr/>
+        </p:nvSpPr>
+        <p:spPr>
+          <a:xfrm>
+            <a:off x="1972930" y="3798907"/>
+            <a:ext cx="489173" cy="307777"/>
+          </a:xfrm>
+          <a:prstGeom prst="rect">
+            <a:avLst/>
+          </a:prstGeom>
+          <a:noFill/>
+        </p:spPr>
+        <p:txBody>
+          <a:bodyPr wrap="none" rtlCol="0">
+            <a:spAutoFit/>
+          </a:bodyPr>
+          <a:lstStyle/>
+          <a:p>
+            <a:r>
+              <a:rPr lang="de-DE" sz="1400" smtClean="0"/>
+              <a:t>int[]</a:t>
+            </a:r>
+            <a:endParaRPr lang="de-DE" sz="1400"/>
+          </a:p>
+        </p:txBody>
+      </p:sp>
+      <p:sp>
+        <p:nvSpPr>
+          <p:cNvPr id="13" name="Textfeld 12"/>
+          <p:cNvSpPr txBox="1"/>
+          <p:nvPr/>
+        </p:nvSpPr>
+        <p:spPr>
+          <a:xfrm>
+            <a:off x="1972930" y="4107066"/>
+            <a:ext cx="489173" cy="307777"/>
+          </a:xfrm>
+          <a:prstGeom prst="rect">
+            <a:avLst/>
+          </a:prstGeom>
+          <a:noFill/>
+        </p:spPr>
+        <p:txBody>
+          <a:bodyPr wrap="none" rtlCol="0">
+            <a:spAutoFit/>
+          </a:bodyPr>
+          <a:lstStyle/>
+          <a:p>
+            <a:r>
+              <a:rPr lang="de-DE" sz="1400" smtClean="0"/>
+              <a:t>int[]</a:t>
+            </a:r>
+            <a:endParaRPr lang="de-DE" sz="1400"/>
+          </a:p>
+        </p:txBody>
+      </p:sp>
+      <p:sp>
+        <p:nvSpPr>
+          <p:cNvPr id="14" name="Rechteck 13"/>
+          <p:cNvSpPr/>
+          <p:nvPr/>
+        </p:nvSpPr>
+        <p:spPr>
+          <a:xfrm>
+            <a:off x="2505692" y="4630178"/>
+            <a:ext cx="950025" cy="308758"/>
+          </a:xfrm>
+          <a:prstGeom prst="rect">
+            <a:avLst/>
+          </a:prstGeom>
+        </p:spPr>
+        <p:style>
+          <a:lnRef idx="2">
+            <a:schemeClr val="accent1">
+              <a:shade val="50000"/>
+            </a:schemeClr>
+          </a:lnRef>
+          <a:fillRef idx="1">
+            <a:schemeClr val="accent1"/>
+          </a:fillRef>
+          <a:effectRef idx="0">
+            <a:schemeClr val="accent1"/>
+          </a:effectRef>
+          <a:fontRef idx="minor">
+            <a:schemeClr val="lt1"/>
+          </a:fontRef>
+        </p:style>
+        <p:txBody>
+          <a:bodyPr rtlCol="0" anchor="ctr"/>
+          <a:lstStyle/>
+          <a:p>
+            <a:pPr algn="ctr"/>
+            <a:r>
+              <a:rPr lang="de-DE" sz="1400" smtClean="0"/>
+              <a:t>2</a:t>
+            </a:r>
+            <a:endParaRPr lang="de-DE" sz="1400"/>
+          </a:p>
+        </p:txBody>
+      </p:sp>
+      <p:sp>
+        <p:nvSpPr>
+          <p:cNvPr id="15" name="Textfeld 14"/>
+          <p:cNvSpPr txBox="1"/>
+          <p:nvPr/>
+        </p:nvSpPr>
+        <p:spPr>
+          <a:xfrm>
+            <a:off x="2004533" y="4569604"/>
+            <a:ext cx="380169" cy="307777"/>
+          </a:xfrm>
+          <a:prstGeom prst="rect">
+            <a:avLst/>
+          </a:prstGeom>
+          <a:noFill/>
+        </p:spPr>
+        <p:txBody>
+          <a:bodyPr wrap="none" rtlCol="0">
+            <a:spAutoFit/>
+          </a:bodyPr>
+          <a:lstStyle/>
+          <a:p>
+            <a:r>
+              <a:rPr lang="de-DE" sz="1400" smtClean="0"/>
+              <a:t>int</a:t>
+            </a:r>
+            <a:endParaRPr lang="de-DE" sz="1400"/>
+          </a:p>
+        </p:txBody>
+      </p:sp>
+      <p:sp>
+        <p:nvSpPr>
+          <p:cNvPr id="16" name="Textfeld 15"/>
+          <p:cNvSpPr txBox="1"/>
+          <p:nvPr/>
+        </p:nvSpPr>
+        <p:spPr>
+          <a:xfrm>
+            <a:off x="3462661" y="4640854"/>
+            <a:ext cx="648447" cy="307777"/>
+          </a:xfrm>
+          <a:prstGeom prst="rect">
+            <a:avLst/>
+          </a:prstGeom>
+          <a:noFill/>
+        </p:spPr>
+        <p:txBody>
+          <a:bodyPr wrap="none" rtlCol="0">
+            <a:spAutoFit/>
+          </a:bodyPr>
+          <a:lstStyle/>
+          <a:p>
+            <a:r>
+              <a:rPr lang="de-DE" sz="1400" smtClean="0"/>
+              <a:t>length</a:t>
+            </a:r>
+            <a:endParaRPr lang="de-DE" sz="1400"/>
+          </a:p>
+        </p:txBody>
+      </p:sp>
+      <p:cxnSp>
+        <p:nvCxnSpPr>
+          <p:cNvPr id="18" name="Gerade Verbindung mit Pfeil 17"/>
+          <p:cNvCxnSpPr>
+            <a:stCxn id="7" idx="3"/>
+          </p:cNvCxnSpPr>
+          <p:nvPr/>
+        </p:nvCxnSpPr>
+        <p:spPr>
+          <a:xfrm flipV="1">
+            <a:off x="664750" y="4501946"/>
+            <a:ext cx="1719952" cy="436990"/>
+          </a:xfrm>
+          <a:prstGeom prst="straightConnector1">
+            <a:avLst/>
+          </a:prstGeom>
+          <a:ln>
+            <a:tailEnd type="triangle"/>
+          </a:ln>
+        </p:spPr>
+        <p:style>
+          <a:lnRef idx="1">
+            <a:schemeClr val="accent1"/>
+          </a:lnRef>
+          <a:fillRef idx="0">
+            <a:schemeClr val="accent1"/>
+          </a:fillRef>
+          <a:effectRef idx="0">
+            <a:schemeClr val="accent1"/>
+          </a:effectRef>
+          <a:fontRef idx="minor">
+            <a:schemeClr val="tx1"/>
+          </a:fontRef>
+        </p:style>
+      </p:cxnSp>
+      <p:sp>
+        <p:nvSpPr>
+          <p:cNvPr id="20" name="Textfeld 19"/>
+          <p:cNvSpPr txBox="1"/>
+          <p:nvPr/>
+        </p:nvSpPr>
+        <p:spPr>
+          <a:xfrm>
+            <a:off x="5063822" y="2898070"/>
+            <a:ext cx="276038" cy="307777"/>
+          </a:xfrm>
+          <a:prstGeom prst="rect">
+            <a:avLst/>
+          </a:prstGeom>
+          <a:noFill/>
+        </p:spPr>
+        <p:txBody>
+          <a:bodyPr wrap="none" rtlCol="0">
+            <a:spAutoFit/>
+          </a:bodyPr>
+          <a:lstStyle/>
+          <a:p>
+            <a:r>
+              <a:rPr lang="de-DE" sz="1400" smtClean="0"/>
+              <a:t>0</a:t>
+            </a:r>
+            <a:endParaRPr lang="de-DE" sz="1400"/>
+          </a:p>
+        </p:txBody>
+      </p:sp>
+      <p:sp>
+        <p:nvSpPr>
+          <p:cNvPr id="21" name="Textfeld 20"/>
+          <p:cNvSpPr txBox="1"/>
+          <p:nvPr/>
+        </p:nvSpPr>
+        <p:spPr>
+          <a:xfrm>
+            <a:off x="5093608" y="3305846"/>
+            <a:ext cx="276038" cy="307777"/>
+          </a:xfrm>
+          <a:prstGeom prst="rect">
+            <a:avLst/>
+          </a:prstGeom>
+          <a:noFill/>
+        </p:spPr>
+        <p:txBody>
+          <a:bodyPr wrap="none" rtlCol="0">
+            <a:spAutoFit/>
+          </a:bodyPr>
+          <a:lstStyle/>
+          <a:p>
+            <a:r>
+              <a:rPr lang="de-DE" sz="1400" smtClean="0"/>
+              <a:t>1</a:t>
+            </a:r>
+            <a:endParaRPr lang="de-DE" sz="1400"/>
+          </a:p>
+        </p:txBody>
+      </p:sp>
+      <p:sp>
+        <p:nvSpPr>
+          <p:cNvPr id="22" name="Rechteck 21"/>
+          <p:cNvSpPr/>
+          <p:nvPr/>
+        </p:nvSpPr>
+        <p:spPr>
+          <a:xfrm>
+            <a:off x="5469238" y="2818940"/>
+            <a:ext cx="950025" cy="308758"/>
+          </a:xfrm>
+          <a:prstGeom prst="rect">
+            <a:avLst/>
+          </a:prstGeom>
+        </p:spPr>
+        <p:style>
+          <a:lnRef idx="2">
+            <a:schemeClr val="accent1">
+              <a:shade val="50000"/>
+            </a:schemeClr>
+          </a:lnRef>
+          <a:fillRef idx="1">
+            <a:schemeClr val="accent1"/>
+          </a:fillRef>
+          <a:effectRef idx="0">
+            <a:schemeClr val="accent1"/>
+          </a:effectRef>
+          <a:fontRef idx="minor">
+            <a:schemeClr val="lt1"/>
+          </a:fontRef>
+        </p:style>
+        <p:txBody>
+          <a:bodyPr rtlCol="0" anchor="ctr"/>
+          <a:lstStyle/>
+          <a:p>
+            <a:pPr algn="ctr"/>
+            <a:r>
+              <a:rPr lang="de-DE" sz="1400" smtClean="0"/>
+              <a:t>0</a:t>
+            </a:r>
+            <a:endParaRPr lang="de-DE" sz="1400"/>
+          </a:p>
+        </p:txBody>
+      </p:sp>
+      <p:sp>
+        <p:nvSpPr>
+          <p:cNvPr id="23" name="Rechteck 22"/>
+          <p:cNvSpPr/>
+          <p:nvPr/>
+        </p:nvSpPr>
+        <p:spPr>
+          <a:xfrm>
+            <a:off x="6461751" y="2812379"/>
+            <a:ext cx="950025" cy="308758"/>
+          </a:xfrm>
+          <a:prstGeom prst="rect">
+            <a:avLst/>
+          </a:prstGeom>
+        </p:spPr>
+        <p:style>
+          <a:lnRef idx="2">
+            <a:schemeClr val="accent1">
+              <a:shade val="50000"/>
+            </a:schemeClr>
+          </a:lnRef>
+          <a:fillRef idx="1">
+            <a:schemeClr val="accent1"/>
+          </a:fillRef>
+          <a:effectRef idx="0">
+            <a:schemeClr val="accent1"/>
+          </a:effectRef>
+          <a:fontRef idx="minor">
+            <a:schemeClr val="lt1"/>
+          </a:fontRef>
+        </p:style>
+        <p:txBody>
+          <a:bodyPr rtlCol="0" anchor="ctr"/>
+          <a:lstStyle/>
+          <a:p>
+            <a:pPr algn="ctr"/>
+            <a:r>
+              <a:rPr lang="de-DE" sz="1400" smtClean="0"/>
+              <a:t>0</a:t>
+            </a:r>
+            <a:endParaRPr lang="de-DE" sz="1400"/>
+          </a:p>
+        </p:txBody>
+      </p:sp>
+      <p:sp>
+        <p:nvSpPr>
+          <p:cNvPr id="26" name="Rechteck 25"/>
+          <p:cNvSpPr/>
+          <p:nvPr/>
+        </p:nvSpPr>
+        <p:spPr>
+          <a:xfrm>
+            <a:off x="8576549" y="2837571"/>
+            <a:ext cx="950025" cy="308758"/>
+          </a:xfrm>
+          <a:prstGeom prst="rect">
+            <a:avLst/>
+          </a:prstGeom>
+        </p:spPr>
+        <p:style>
+          <a:lnRef idx="2">
+            <a:schemeClr val="accent1">
+              <a:shade val="50000"/>
+            </a:schemeClr>
+          </a:lnRef>
+          <a:fillRef idx="1">
+            <a:schemeClr val="accent1"/>
+          </a:fillRef>
+          <a:effectRef idx="0">
+            <a:schemeClr val="accent1"/>
+          </a:effectRef>
+          <a:fontRef idx="minor">
+            <a:schemeClr val="lt1"/>
+          </a:fontRef>
+        </p:style>
+        <p:txBody>
+          <a:bodyPr rtlCol="0" anchor="ctr"/>
+          <a:lstStyle/>
+          <a:p>
+            <a:pPr algn="ctr"/>
+            <a:r>
+              <a:rPr lang="de-DE" sz="1400"/>
+              <a:t>3</a:t>
+            </a:r>
+          </a:p>
+        </p:txBody>
+      </p:sp>
+      <p:sp>
+        <p:nvSpPr>
+          <p:cNvPr id="28" name="Textfeld 27"/>
+          <p:cNvSpPr txBox="1"/>
+          <p:nvPr/>
+        </p:nvSpPr>
+        <p:spPr>
+          <a:xfrm>
+            <a:off x="8780154" y="2484875"/>
+            <a:ext cx="648447" cy="307777"/>
+          </a:xfrm>
+          <a:prstGeom prst="rect">
+            <a:avLst/>
+          </a:prstGeom>
+          <a:noFill/>
+        </p:spPr>
+        <p:txBody>
+          <a:bodyPr wrap="none" rtlCol="0">
+            <a:spAutoFit/>
+          </a:bodyPr>
+          <a:lstStyle/>
+          <a:p>
+            <a:r>
+              <a:rPr lang="de-DE" sz="1400" smtClean="0"/>
+              <a:t>length</a:t>
+            </a:r>
+            <a:endParaRPr lang="de-DE" sz="1400"/>
+          </a:p>
+        </p:txBody>
+      </p:sp>
+      <p:sp>
+        <p:nvSpPr>
+          <p:cNvPr id="29" name="Textfeld 28"/>
+          <p:cNvSpPr txBox="1"/>
+          <p:nvPr/>
+        </p:nvSpPr>
+        <p:spPr>
+          <a:xfrm>
+            <a:off x="5842956" y="2498688"/>
+            <a:ext cx="276038" cy="307777"/>
+          </a:xfrm>
+          <a:prstGeom prst="rect">
+            <a:avLst/>
+          </a:prstGeom>
+          <a:noFill/>
+        </p:spPr>
+        <p:txBody>
+          <a:bodyPr wrap="none" rtlCol="0">
+            <a:spAutoFit/>
+          </a:bodyPr>
+          <a:lstStyle/>
+          <a:p>
+            <a:r>
+              <a:rPr lang="de-DE" sz="1400" smtClean="0"/>
+              <a:t>0</a:t>
+            </a:r>
+            <a:endParaRPr lang="de-DE" sz="1400"/>
+          </a:p>
+        </p:txBody>
+      </p:sp>
+      <p:sp>
+        <p:nvSpPr>
+          <p:cNvPr id="30" name="Textfeld 29"/>
+          <p:cNvSpPr txBox="1"/>
+          <p:nvPr/>
+        </p:nvSpPr>
+        <p:spPr>
+          <a:xfrm>
+            <a:off x="6835469" y="2504620"/>
+            <a:ext cx="276038" cy="307777"/>
+          </a:xfrm>
+          <a:prstGeom prst="rect">
+            <a:avLst/>
+          </a:prstGeom>
+          <a:noFill/>
+        </p:spPr>
+        <p:txBody>
+          <a:bodyPr wrap="none" rtlCol="0">
+            <a:spAutoFit/>
+          </a:bodyPr>
+          <a:lstStyle/>
+          <a:p>
+            <a:r>
+              <a:rPr lang="de-DE" sz="1400" smtClean="0"/>
+              <a:t>1</a:t>
+            </a:r>
+            <a:endParaRPr lang="de-DE" sz="1400"/>
+          </a:p>
+        </p:txBody>
+      </p:sp>
+      <p:sp>
+        <p:nvSpPr>
+          <p:cNvPr id="31" name="Rechteck 30"/>
+          <p:cNvSpPr/>
+          <p:nvPr/>
+        </p:nvSpPr>
+        <p:spPr>
+          <a:xfrm>
+            <a:off x="7442389" y="2811424"/>
+            <a:ext cx="950025" cy="308758"/>
+          </a:xfrm>
+          <a:prstGeom prst="rect">
+            <a:avLst/>
+          </a:prstGeom>
+        </p:spPr>
+        <p:style>
+          <a:lnRef idx="2">
+            <a:schemeClr val="accent1">
+              <a:shade val="50000"/>
+            </a:schemeClr>
+          </a:lnRef>
+          <a:fillRef idx="1">
+            <a:schemeClr val="accent1"/>
+          </a:fillRef>
+          <a:effectRef idx="0">
+            <a:schemeClr val="accent1"/>
+          </a:effectRef>
+          <a:fontRef idx="minor">
+            <a:schemeClr val="lt1"/>
+          </a:fontRef>
+        </p:style>
+        <p:txBody>
+          <a:bodyPr rtlCol="0" anchor="ctr"/>
+          <a:lstStyle/>
+          <a:p>
+            <a:pPr algn="ctr"/>
+            <a:r>
+              <a:rPr lang="de-DE" sz="1400" smtClean="0"/>
+              <a:t>0</a:t>
+            </a:r>
+            <a:endParaRPr lang="de-DE" sz="1400"/>
+          </a:p>
+        </p:txBody>
+      </p:sp>
+      <p:sp>
+        <p:nvSpPr>
+          <p:cNvPr id="33" name="Textfeld 32"/>
+          <p:cNvSpPr txBox="1"/>
+          <p:nvPr/>
+        </p:nvSpPr>
+        <p:spPr>
+          <a:xfrm>
+            <a:off x="7779382" y="2465596"/>
+            <a:ext cx="276038" cy="307777"/>
+          </a:xfrm>
+          <a:prstGeom prst="rect">
+            <a:avLst/>
+          </a:prstGeom>
+          <a:noFill/>
+        </p:spPr>
+        <p:txBody>
+          <a:bodyPr wrap="none" rtlCol="0">
+            <a:spAutoFit/>
+          </a:bodyPr>
+          <a:lstStyle/>
+          <a:p>
+            <a:r>
+              <a:rPr lang="de-DE" sz="1400" smtClean="0"/>
+              <a:t>2</a:t>
+            </a:r>
+            <a:endParaRPr lang="de-DE" sz="1400"/>
+          </a:p>
+        </p:txBody>
+      </p:sp>
+      <p:cxnSp>
+        <p:nvCxnSpPr>
+          <p:cNvPr id="3" name="Gerade Verbindung mit Pfeil 2"/>
+          <p:cNvCxnSpPr/>
+          <p:nvPr/>
+        </p:nvCxnSpPr>
+        <p:spPr>
+          <a:xfrm flipV="1">
+            <a:off x="2937116" y="3051959"/>
+            <a:ext cx="2163012" cy="989301"/>
+          </a:xfrm>
+          <a:prstGeom prst="straightConnector1">
+            <a:avLst/>
+          </a:prstGeom>
+          <a:ln>
+            <a:solidFill>
+              <a:srgbClr val="FF0000"/>
+            </a:solidFill>
+            <a:tailEnd type="triangle"/>
+          </a:ln>
+        </p:spPr>
+        <p:style>
+          <a:lnRef idx="1">
+            <a:schemeClr val="accent1"/>
+          </a:lnRef>
+          <a:fillRef idx="0">
+            <a:schemeClr val="accent1"/>
+          </a:fillRef>
+          <a:effectRef idx="0">
+            <a:schemeClr val="accent1"/>
+          </a:effectRef>
+          <a:fontRef idx="minor">
+            <a:schemeClr val="tx1"/>
+          </a:fontRef>
+        </p:style>
+      </p:cxnSp>
+      <p:cxnSp>
+        <p:nvCxnSpPr>
+          <p:cNvPr id="48" name="Gerade Verbindung mit Pfeil 47"/>
+          <p:cNvCxnSpPr/>
+          <p:nvPr/>
+        </p:nvCxnSpPr>
+        <p:spPr>
+          <a:xfrm flipV="1">
+            <a:off x="2997923" y="3502962"/>
+            <a:ext cx="2065899" cy="859448"/>
+          </a:xfrm>
+          <a:prstGeom prst="straightConnector1">
+            <a:avLst/>
+          </a:prstGeom>
+          <a:ln>
+            <a:solidFill>
+              <a:srgbClr val="FF0000"/>
+            </a:solidFill>
+            <a:tailEnd type="triangle"/>
+          </a:ln>
+        </p:spPr>
+        <p:style>
+          <a:lnRef idx="1">
+            <a:schemeClr val="accent1"/>
+          </a:lnRef>
+          <a:fillRef idx="0">
+            <a:schemeClr val="accent1"/>
+          </a:fillRef>
+          <a:effectRef idx="0">
+            <a:schemeClr val="accent1"/>
+          </a:effectRef>
+          <a:fontRef idx="minor">
+            <a:schemeClr val="tx1"/>
+          </a:fontRef>
+        </p:style>
+      </p:cxnSp>
+      <p:sp>
+        <p:nvSpPr>
+          <p:cNvPr id="2" name="Textfeld 1"/>
+          <p:cNvSpPr txBox="1"/>
+          <p:nvPr/>
+        </p:nvSpPr>
+        <p:spPr>
+          <a:xfrm>
+            <a:off x="2384702" y="166255"/>
+            <a:ext cx="2629759" cy="1200329"/>
+          </a:xfrm>
+          <a:prstGeom prst="rect">
+            <a:avLst/>
+          </a:prstGeom>
+          <a:noFill/>
+        </p:spPr>
+        <p:txBody>
+          <a:bodyPr wrap="none" rtlCol="0">
+            <a:spAutoFit/>
+          </a:bodyPr>
+          <a:lstStyle/>
+          <a:p>
+            <a:r>
+              <a:rPr lang="de-DE" i="1" smtClean="0"/>
+              <a:t>Änders dargestellt</a:t>
+            </a:r>
+          </a:p>
+          <a:p>
+            <a:endParaRPr lang="de-DE" i="1" smtClean="0"/>
+          </a:p>
+          <a:p>
+            <a:r>
+              <a:rPr lang="de-DE" i="1" smtClean="0"/>
+              <a:t>2d-Array als Zahlentabelle</a:t>
+            </a:r>
+            <a:endParaRPr lang="de-DE" i="1"/>
+          </a:p>
+          <a:p>
+            <a:endParaRPr lang="de-DE" i="1"/>
+          </a:p>
+        </p:txBody>
+      </p:sp>
+      <p:sp>
+        <p:nvSpPr>
+          <p:cNvPr id="49" name="Rechteck 48"/>
+          <p:cNvSpPr/>
+          <p:nvPr/>
+        </p:nvSpPr>
+        <p:spPr>
+          <a:xfrm>
+            <a:off x="5469238" y="3280123"/>
+            <a:ext cx="950025" cy="308758"/>
+          </a:xfrm>
+          <a:prstGeom prst="rect">
+            <a:avLst/>
+          </a:prstGeom>
+        </p:spPr>
+        <p:style>
+          <a:lnRef idx="2">
+            <a:schemeClr val="accent1">
+              <a:shade val="50000"/>
+            </a:schemeClr>
+          </a:lnRef>
+          <a:fillRef idx="1">
+            <a:schemeClr val="accent1"/>
+          </a:fillRef>
+          <a:effectRef idx="0">
+            <a:schemeClr val="accent1"/>
+          </a:effectRef>
+          <a:fontRef idx="minor">
+            <a:schemeClr val="lt1"/>
+          </a:fontRef>
+        </p:style>
+        <p:txBody>
+          <a:bodyPr rtlCol="0" anchor="ctr"/>
+          <a:lstStyle/>
+          <a:p>
+            <a:pPr algn="ctr"/>
+            <a:r>
+              <a:rPr lang="de-DE" sz="1400" smtClean="0"/>
+              <a:t>0</a:t>
+            </a:r>
+            <a:endParaRPr lang="de-DE" sz="1400"/>
+          </a:p>
+        </p:txBody>
+      </p:sp>
+      <p:sp>
+        <p:nvSpPr>
+          <p:cNvPr id="50" name="Rechteck 49"/>
+          <p:cNvSpPr/>
+          <p:nvPr/>
+        </p:nvSpPr>
+        <p:spPr>
+          <a:xfrm>
+            <a:off x="6461751" y="3273562"/>
+            <a:ext cx="950025" cy="308758"/>
+          </a:xfrm>
+          <a:prstGeom prst="rect">
+            <a:avLst/>
+          </a:prstGeom>
+        </p:spPr>
+        <p:style>
+          <a:lnRef idx="2">
+            <a:schemeClr val="accent1">
+              <a:shade val="50000"/>
+            </a:schemeClr>
+          </a:lnRef>
+          <a:fillRef idx="1">
+            <a:schemeClr val="accent1"/>
+          </a:fillRef>
+          <a:effectRef idx="0">
+            <a:schemeClr val="accent1"/>
+          </a:effectRef>
+          <a:fontRef idx="minor">
+            <a:schemeClr val="lt1"/>
+          </a:fontRef>
+        </p:style>
+        <p:txBody>
+          <a:bodyPr rtlCol="0" anchor="ctr"/>
+          <a:lstStyle/>
+          <a:p>
+            <a:pPr algn="ctr"/>
+            <a:r>
+              <a:rPr lang="de-DE" sz="1400" smtClean="0">
+                <a:solidFill>
+                  <a:srgbClr val="FF0000"/>
+                </a:solidFill>
+              </a:rPr>
+              <a:t>7</a:t>
+            </a:r>
+            <a:endParaRPr lang="de-DE" sz="1400">
+              <a:solidFill>
+                <a:srgbClr val="FF0000"/>
+              </a:solidFill>
+            </a:endParaRPr>
+          </a:p>
+        </p:txBody>
+      </p:sp>
+      <p:sp>
+        <p:nvSpPr>
+          <p:cNvPr id="51" name="Rechteck 50"/>
+          <p:cNvSpPr/>
+          <p:nvPr/>
+        </p:nvSpPr>
+        <p:spPr>
+          <a:xfrm>
+            <a:off x="8576549" y="3298754"/>
+            <a:ext cx="950025" cy="308758"/>
+          </a:xfrm>
+          <a:prstGeom prst="rect">
+            <a:avLst/>
+          </a:prstGeom>
+        </p:spPr>
+        <p:style>
+          <a:lnRef idx="2">
+            <a:schemeClr val="accent1">
+              <a:shade val="50000"/>
+            </a:schemeClr>
+          </a:lnRef>
+          <a:fillRef idx="1">
+            <a:schemeClr val="accent1"/>
+          </a:fillRef>
+          <a:effectRef idx="0">
+            <a:schemeClr val="accent1"/>
+          </a:effectRef>
+          <a:fontRef idx="minor">
+            <a:schemeClr val="lt1"/>
+          </a:fontRef>
+        </p:style>
+        <p:txBody>
+          <a:bodyPr rtlCol="0" anchor="ctr"/>
+          <a:lstStyle/>
+          <a:p>
+            <a:pPr algn="ctr"/>
+            <a:r>
+              <a:rPr lang="de-DE" sz="1400"/>
+              <a:t>3</a:t>
+            </a:r>
+          </a:p>
+        </p:txBody>
+      </p:sp>
+      <p:sp>
+        <p:nvSpPr>
+          <p:cNvPr id="52" name="Textfeld 51"/>
+          <p:cNvSpPr txBox="1"/>
+          <p:nvPr/>
+        </p:nvSpPr>
+        <p:spPr>
+          <a:xfrm>
+            <a:off x="8804770" y="3709063"/>
+            <a:ext cx="648447" cy="307777"/>
+          </a:xfrm>
+          <a:prstGeom prst="rect">
+            <a:avLst/>
+          </a:prstGeom>
+          <a:noFill/>
+        </p:spPr>
+        <p:txBody>
+          <a:bodyPr wrap="none" rtlCol="0">
+            <a:spAutoFit/>
+          </a:bodyPr>
+          <a:lstStyle/>
+          <a:p>
+            <a:r>
+              <a:rPr lang="de-DE" sz="1400" smtClean="0"/>
+              <a:t>length</a:t>
+            </a:r>
+            <a:endParaRPr lang="de-DE" sz="1400"/>
+          </a:p>
+        </p:txBody>
+      </p:sp>
+      <p:sp>
+        <p:nvSpPr>
+          <p:cNvPr id="55" name="Rechteck 54"/>
+          <p:cNvSpPr/>
+          <p:nvPr/>
+        </p:nvSpPr>
+        <p:spPr>
+          <a:xfrm>
+            <a:off x="7442389" y="3272607"/>
+            <a:ext cx="950025" cy="308758"/>
+          </a:xfrm>
+          <a:prstGeom prst="rect">
+            <a:avLst/>
+          </a:prstGeom>
+        </p:spPr>
+        <p:style>
+          <a:lnRef idx="2">
+            <a:schemeClr val="accent1">
+              <a:shade val="50000"/>
+            </a:schemeClr>
+          </a:lnRef>
+          <a:fillRef idx="1">
+            <a:schemeClr val="accent1"/>
+          </a:fillRef>
+          <a:effectRef idx="0">
+            <a:schemeClr val="accent1"/>
+          </a:effectRef>
+          <a:fontRef idx="minor">
+            <a:schemeClr val="lt1"/>
+          </a:fontRef>
+        </p:style>
+        <p:txBody>
+          <a:bodyPr rtlCol="0" anchor="ctr"/>
+          <a:lstStyle/>
+          <a:p>
+            <a:pPr algn="ctr"/>
+            <a:r>
+              <a:rPr lang="de-DE" sz="1400" smtClean="0"/>
+              <a:t>0</a:t>
+            </a:r>
+            <a:endParaRPr lang="de-DE" sz="1400"/>
+          </a:p>
+        </p:txBody>
+      </p:sp>
+    </p:spTree>
+    <p:extLst>
+      <p:ext uri="{BB962C8B-B14F-4D97-AF65-F5344CB8AC3E}">
+        <p14:creationId xmlns:p14="http://schemas.microsoft.com/office/powerpoint/2010/main" val="140602823"/>
+      </p:ext>
+    </p:extLst>
+  </p:cSld>
+  <p:clrMapOvr>
+    <a:masterClrMapping/>
+  </p:clrMapOvr>
+</p:sld>
+</file>
+
+<file path=ppt/slides/slide18.xml><?xml version="1.0" encoding="utf-8"?>
+<p:sld xmlns:a="http://schemas.openxmlformats.org/drawingml/2006/main" xmlns:r="http://schemas.openxmlformats.org/officeDocument/2006/relationships" xmlns:p="http://schemas.openxmlformats.org/presentationml/2006/main">
+  <p:cSld>
+    <p:spTree>
+      <p:nvGrpSpPr>
+        <p:cNvPr id="1" name=""/>
+        <p:cNvGrpSpPr/>
+        <p:nvPr/>
+      </p:nvGrpSpPr>
+      <p:grpSpPr>
+        <a:xfrm>
+          <a:off x="0" y="0"/>
+          <a:ext cx="0" cy="0"/>
+          <a:chOff x="0" y="0"/>
+          <a:chExt cx="0" cy="0"/>
+        </a:xfrm>
+      </p:grpSpPr>
+      <p:sp>
+        <p:nvSpPr>
+          <p:cNvPr id="2" name="Titel 1"/>
+          <p:cNvSpPr>
+            <a:spLocks noGrp="1"/>
+          </p:cNvSpPr>
+          <p:nvPr>
+            <p:ph type="title"/>
+          </p:nvPr>
+        </p:nvSpPr>
+        <p:spPr/>
+        <p:txBody>
+          <a:bodyPr/>
+          <a:lstStyle/>
+          <a:p>
+            <a:r>
+              <a:rPr lang="de-DE" smtClean="0"/>
+              <a:t>Mehrdimensionale Arrays</a:t>
+            </a:r>
+            <a:endParaRPr lang="de-DE"/>
+          </a:p>
+        </p:txBody>
+      </p:sp>
+      <p:sp>
+        <p:nvSpPr>
+          <p:cNvPr id="3" name="Inhaltsplatzhalter 2"/>
+          <p:cNvSpPr>
+            <a:spLocks noGrp="1"/>
+          </p:cNvSpPr>
+          <p:nvPr>
+            <p:ph idx="1"/>
+          </p:nvPr>
+        </p:nvSpPr>
+        <p:spPr/>
+        <p:txBody>
+          <a:bodyPr/>
+          <a:lstStyle/>
+          <a:p>
+            <a:r>
+              <a:rPr lang="de-DE" smtClean="0"/>
+              <a:t>new int[2</a:t>
+            </a:r>
+            <a:r>
+              <a:rPr lang="de-DE" smtClean="0"/>
+              <a:t>][3][]</a:t>
+            </a:r>
+            <a:endParaRPr lang="de-DE"/>
+          </a:p>
+        </p:txBody>
+      </p:sp>
+    </p:spTree>
+    <p:extLst>
+      <p:ext uri="{BB962C8B-B14F-4D97-AF65-F5344CB8AC3E}">
+        <p14:creationId xmlns:p14="http://schemas.microsoft.com/office/powerpoint/2010/main" val="1940510344"/>
+      </p:ext>
+    </p:extLst>
+  </p:cSld>
+  <p:clrMapOvr>
+    <a:masterClrMapping/>
+  </p:clrMapOvr>
+</p:sld>
+</file>
+
+<file path=ppt/slides/slide19.xml><?xml version="1.0" encoding="utf-8"?>
+<p:sld xmlns:a="http://schemas.openxmlformats.org/drawingml/2006/main" xmlns:r="http://schemas.openxmlformats.org/officeDocument/2006/relationships" xmlns:p="http://schemas.openxmlformats.org/presentationml/2006/main">
+  <p:cSld>
+    <p:spTree>
+      <p:nvGrpSpPr>
+        <p:cNvPr id="1" name=""/>
+        <p:cNvGrpSpPr/>
+        <p:nvPr/>
+      </p:nvGrpSpPr>
+      <p:grpSpPr>
+        <a:xfrm>
+          <a:off x="0" y="0"/>
+          <a:ext cx="0" cy="0"/>
+          <a:chOff x="0" y="0"/>
+          <a:chExt cx="0" cy="0"/>
+        </a:xfrm>
+      </p:grpSpPr>
+      <p:cxnSp>
+        <p:nvCxnSpPr>
+          <p:cNvPr id="5" name="Gerader Verbinder 4"/>
+          <p:cNvCxnSpPr/>
+          <p:nvPr/>
+        </p:nvCxnSpPr>
+        <p:spPr>
+          <a:xfrm>
+            <a:off x="1757548" y="368135"/>
+            <a:ext cx="0" cy="6210795"/>
+          </a:xfrm>
+          <a:prstGeom prst="line">
+            <a:avLst/>
+          </a:prstGeom>
+        </p:spPr>
+        <p:style>
+          <a:lnRef idx="1">
+            <a:schemeClr val="accent1"/>
+          </a:lnRef>
+          <a:fillRef idx="0">
+            <a:schemeClr val="accent1"/>
+          </a:fillRef>
+          <a:effectRef idx="0">
+            <a:schemeClr val="accent1"/>
+          </a:effectRef>
+          <a:fontRef idx="minor">
+            <a:schemeClr val="tx1"/>
+          </a:fontRef>
+        </p:style>
+      </p:cxnSp>
+      <p:sp>
+        <p:nvSpPr>
+          <p:cNvPr id="6" name="Textfeld 5"/>
+          <p:cNvSpPr txBox="1"/>
+          <p:nvPr/>
+        </p:nvSpPr>
+        <p:spPr>
+          <a:xfrm>
+            <a:off x="9215251" y="293569"/>
+            <a:ext cx="2825838" cy="923330"/>
+          </a:xfrm>
+          <a:prstGeom prst="rect">
+            <a:avLst/>
+          </a:prstGeom>
+          <a:noFill/>
+        </p:spPr>
+        <p:txBody>
+          <a:bodyPr wrap="none" rtlCol="0">
+            <a:spAutoFit/>
+          </a:bodyPr>
+          <a:lstStyle/>
+          <a:p>
+            <a:r>
+              <a:rPr lang="de-DE" smtClean="0"/>
+              <a:t>int</a:t>
+            </a:r>
+            <a:r>
+              <a:rPr lang="de-DE" smtClean="0"/>
+              <a:t>[][][] </a:t>
+            </a:r>
+            <a:r>
+              <a:rPr lang="de-DE" smtClean="0"/>
+              <a:t>arr = new int[2</a:t>
+            </a:r>
+            <a:r>
+              <a:rPr lang="de-DE" smtClean="0"/>
+              <a:t>][3][];</a:t>
+            </a:r>
+            <a:endParaRPr lang="de-DE" smtClean="0"/>
+          </a:p>
+          <a:p>
+            <a:endParaRPr lang="de-DE" smtClean="0"/>
+          </a:p>
+          <a:p>
+            <a:endParaRPr lang="de-DE" smtClean="0"/>
+          </a:p>
+        </p:txBody>
+      </p:sp>
+      <p:sp>
+        <p:nvSpPr>
+          <p:cNvPr id="7" name="Textfeld 6"/>
+          <p:cNvSpPr txBox="1"/>
+          <p:nvPr/>
+        </p:nvSpPr>
+        <p:spPr>
+          <a:xfrm>
+            <a:off x="209176" y="4754270"/>
+            <a:ext cx="455574" cy="369332"/>
+          </a:xfrm>
+          <a:prstGeom prst="rect">
+            <a:avLst/>
+          </a:prstGeom>
+          <a:noFill/>
+        </p:spPr>
+        <p:txBody>
+          <a:bodyPr wrap="none" rtlCol="0">
+            <a:spAutoFit/>
+          </a:bodyPr>
+          <a:lstStyle/>
+          <a:p>
+            <a:r>
+              <a:rPr lang="de-DE" smtClean="0"/>
+              <a:t>arr</a:t>
+            </a:r>
+            <a:endParaRPr lang="de-DE"/>
+          </a:p>
+        </p:txBody>
+      </p:sp>
+      <p:sp>
+        <p:nvSpPr>
+          <p:cNvPr id="8" name="Rechteck 7"/>
+          <p:cNvSpPr/>
+          <p:nvPr/>
+        </p:nvSpPr>
+        <p:spPr>
+          <a:xfrm>
+            <a:off x="2399963" y="3728851"/>
+            <a:ext cx="1199408" cy="1281335"/>
+          </a:xfrm>
+          <a:prstGeom prst="rect">
+            <a:avLst/>
+          </a:prstGeom>
+        </p:spPr>
+        <p:style>
+          <a:lnRef idx="2">
+            <a:schemeClr val="accent1">
+              <a:shade val="50000"/>
+            </a:schemeClr>
+          </a:lnRef>
+          <a:fillRef idx="1">
+            <a:schemeClr val="accent1"/>
+          </a:fillRef>
+          <a:effectRef idx="0">
+            <a:schemeClr val="accent1"/>
+          </a:effectRef>
+          <a:fontRef idx="minor">
+            <a:schemeClr val="lt1"/>
+          </a:fontRef>
+        </p:style>
+        <p:txBody>
+          <a:bodyPr rtlCol="0" anchor="ctr"/>
+          <a:lstStyle/>
+          <a:p>
+            <a:pPr algn="ctr"/>
+            <a:endParaRPr lang="de-DE"/>
+          </a:p>
+        </p:txBody>
+      </p:sp>
+      <p:sp>
+        <p:nvSpPr>
+          <p:cNvPr id="9" name="Textfeld 8"/>
+          <p:cNvSpPr txBox="1"/>
+          <p:nvPr/>
+        </p:nvSpPr>
+        <p:spPr>
+          <a:xfrm>
+            <a:off x="2999667" y="3359519"/>
+            <a:ext cx="857414" cy="369332"/>
+          </a:xfrm>
+          <a:prstGeom prst="rect">
+            <a:avLst/>
+          </a:prstGeom>
+          <a:noFill/>
+        </p:spPr>
+        <p:txBody>
+          <a:bodyPr wrap="none" rtlCol="0">
+            <a:spAutoFit/>
+          </a:bodyPr>
+          <a:lstStyle/>
+          <a:p>
+            <a:r>
+              <a:rPr lang="de-DE" smtClean="0"/>
+              <a:t>int</a:t>
+            </a:r>
+            <a:r>
+              <a:rPr lang="de-DE" smtClean="0"/>
+              <a:t>[][][]</a:t>
+            </a:r>
+            <a:endParaRPr lang="de-DE"/>
+          </a:p>
+        </p:txBody>
+      </p:sp>
+      <p:sp>
+        <p:nvSpPr>
+          <p:cNvPr id="10" name="Rechteck 9"/>
+          <p:cNvSpPr/>
+          <p:nvPr/>
+        </p:nvSpPr>
+        <p:spPr>
+          <a:xfrm>
+            <a:off x="2505694" y="3859481"/>
+            <a:ext cx="950025" cy="308758"/>
+          </a:xfrm>
+          <a:prstGeom prst="rect">
+            <a:avLst/>
+          </a:prstGeom>
+        </p:spPr>
+        <p:style>
+          <a:lnRef idx="2">
+            <a:schemeClr val="accent1">
+              <a:shade val="50000"/>
+            </a:schemeClr>
+          </a:lnRef>
+          <a:fillRef idx="1">
+            <a:schemeClr val="accent1"/>
+          </a:fillRef>
+          <a:effectRef idx="0">
+            <a:schemeClr val="accent1"/>
+          </a:effectRef>
+          <a:fontRef idx="minor">
+            <a:schemeClr val="lt1"/>
+          </a:fontRef>
+        </p:style>
+        <p:txBody>
+          <a:bodyPr rtlCol="0" anchor="ctr"/>
+          <a:lstStyle/>
+          <a:p>
+            <a:pPr algn="ctr"/>
+            <a:endParaRPr lang="de-DE" sz="1400"/>
+          </a:p>
+        </p:txBody>
+      </p:sp>
+      <p:sp>
+        <p:nvSpPr>
+          <p:cNvPr id="11" name="Rechteck 10"/>
+          <p:cNvSpPr/>
+          <p:nvPr/>
+        </p:nvSpPr>
+        <p:spPr>
+          <a:xfrm>
+            <a:off x="2505693" y="4193188"/>
+            <a:ext cx="950025" cy="308758"/>
+          </a:xfrm>
+          <a:prstGeom prst="rect">
+            <a:avLst/>
+          </a:prstGeom>
+        </p:spPr>
+        <p:style>
+          <a:lnRef idx="2">
+            <a:schemeClr val="accent1">
+              <a:shade val="50000"/>
+            </a:schemeClr>
+          </a:lnRef>
+          <a:fillRef idx="1">
+            <a:schemeClr val="accent1"/>
+          </a:fillRef>
+          <a:effectRef idx="0">
+            <a:schemeClr val="accent1"/>
+          </a:effectRef>
+          <a:fontRef idx="minor">
+            <a:schemeClr val="lt1"/>
+          </a:fontRef>
+        </p:style>
+        <p:txBody>
+          <a:bodyPr rtlCol="0" anchor="ctr"/>
+          <a:lstStyle/>
+          <a:p>
+            <a:pPr algn="ctr"/>
+            <a:endParaRPr lang="de-DE" sz="1400"/>
+          </a:p>
+        </p:txBody>
+      </p:sp>
+      <p:sp>
+        <p:nvSpPr>
+          <p:cNvPr id="12" name="Textfeld 11"/>
+          <p:cNvSpPr txBox="1"/>
+          <p:nvPr/>
+        </p:nvSpPr>
+        <p:spPr>
+          <a:xfrm>
+            <a:off x="1972930" y="3798907"/>
+            <a:ext cx="598177" cy="307777"/>
+          </a:xfrm>
+          <a:prstGeom prst="rect">
+            <a:avLst/>
+          </a:prstGeom>
+          <a:noFill/>
+        </p:spPr>
+        <p:txBody>
+          <a:bodyPr wrap="none" rtlCol="0">
+            <a:spAutoFit/>
+          </a:bodyPr>
+          <a:lstStyle/>
+          <a:p>
+            <a:r>
+              <a:rPr lang="de-DE" sz="1400" smtClean="0"/>
+              <a:t>int</a:t>
+            </a:r>
+            <a:r>
+              <a:rPr lang="de-DE" sz="1400" smtClean="0"/>
+              <a:t>[][]</a:t>
+            </a:r>
+            <a:endParaRPr lang="de-DE" sz="1400"/>
+          </a:p>
+        </p:txBody>
+      </p:sp>
+      <p:sp>
+        <p:nvSpPr>
+          <p:cNvPr id="13" name="Textfeld 12"/>
+          <p:cNvSpPr txBox="1"/>
+          <p:nvPr/>
+        </p:nvSpPr>
+        <p:spPr>
+          <a:xfrm>
+            <a:off x="1972930" y="4107066"/>
+            <a:ext cx="598177" cy="307777"/>
+          </a:xfrm>
+          <a:prstGeom prst="rect">
+            <a:avLst/>
+          </a:prstGeom>
+          <a:noFill/>
+        </p:spPr>
+        <p:txBody>
+          <a:bodyPr wrap="none" rtlCol="0">
+            <a:spAutoFit/>
+          </a:bodyPr>
+          <a:lstStyle/>
+          <a:p>
+            <a:r>
+              <a:rPr lang="de-DE" sz="1400" smtClean="0"/>
+              <a:t>int</a:t>
+            </a:r>
+            <a:r>
+              <a:rPr lang="de-DE" sz="1400" smtClean="0"/>
+              <a:t>[][]</a:t>
+            </a:r>
+            <a:endParaRPr lang="de-DE" sz="1400"/>
+          </a:p>
+        </p:txBody>
+      </p:sp>
+      <p:sp>
+        <p:nvSpPr>
+          <p:cNvPr id="14" name="Rechteck 13"/>
+          <p:cNvSpPr/>
+          <p:nvPr/>
+        </p:nvSpPr>
+        <p:spPr>
+          <a:xfrm>
+            <a:off x="2505692" y="4630178"/>
+            <a:ext cx="950025" cy="308758"/>
+          </a:xfrm>
+          <a:prstGeom prst="rect">
+            <a:avLst/>
+          </a:prstGeom>
+        </p:spPr>
+        <p:style>
+          <a:lnRef idx="2">
+            <a:schemeClr val="accent1">
+              <a:shade val="50000"/>
+            </a:schemeClr>
+          </a:lnRef>
+          <a:fillRef idx="1">
+            <a:schemeClr val="accent1"/>
+          </a:fillRef>
+          <a:effectRef idx="0">
+            <a:schemeClr val="accent1"/>
+          </a:effectRef>
+          <a:fontRef idx="minor">
+            <a:schemeClr val="lt1"/>
+          </a:fontRef>
+        </p:style>
+        <p:txBody>
+          <a:bodyPr rtlCol="0" anchor="ctr"/>
+          <a:lstStyle/>
+          <a:p>
+            <a:pPr algn="ctr"/>
+            <a:r>
+              <a:rPr lang="de-DE" sz="1400" smtClean="0"/>
+              <a:t>2</a:t>
+            </a:r>
+            <a:endParaRPr lang="de-DE" sz="1400"/>
+          </a:p>
+        </p:txBody>
+      </p:sp>
+      <p:sp>
+        <p:nvSpPr>
+          <p:cNvPr id="15" name="Textfeld 14"/>
+          <p:cNvSpPr txBox="1"/>
+          <p:nvPr/>
+        </p:nvSpPr>
+        <p:spPr>
+          <a:xfrm>
+            <a:off x="2004533" y="4569604"/>
+            <a:ext cx="380169" cy="307777"/>
+          </a:xfrm>
+          <a:prstGeom prst="rect">
+            <a:avLst/>
+          </a:prstGeom>
+          <a:noFill/>
+        </p:spPr>
+        <p:txBody>
+          <a:bodyPr wrap="none" rtlCol="0">
+            <a:spAutoFit/>
+          </a:bodyPr>
+          <a:lstStyle/>
+          <a:p>
+            <a:r>
+              <a:rPr lang="de-DE" sz="1400" smtClean="0"/>
+              <a:t>int</a:t>
+            </a:r>
+            <a:endParaRPr lang="de-DE" sz="1400"/>
+          </a:p>
+        </p:txBody>
+      </p:sp>
+      <p:sp>
+        <p:nvSpPr>
+          <p:cNvPr id="16" name="Textfeld 15"/>
+          <p:cNvSpPr txBox="1"/>
+          <p:nvPr/>
+        </p:nvSpPr>
+        <p:spPr>
+          <a:xfrm>
+            <a:off x="3462661" y="4640854"/>
+            <a:ext cx="648447" cy="307777"/>
+          </a:xfrm>
+          <a:prstGeom prst="rect">
+            <a:avLst/>
+          </a:prstGeom>
+          <a:noFill/>
+        </p:spPr>
+        <p:txBody>
+          <a:bodyPr wrap="none" rtlCol="0">
+            <a:spAutoFit/>
+          </a:bodyPr>
+          <a:lstStyle/>
+          <a:p>
+            <a:r>
+              <a:rPr lang="de-DE" sz="1400" smtClean="0"/>
+              <a:t>length</a:t>
+            </a:r>
+            <a:endParaRPr lang="de-DE" sz="1400"/>
+          </a:p>
+        </p:txBody>
+      </p:sp>
+      <p:cxnSp>
+        <p:nvCxnSpPr>
+          <p:cNvPr id="18" name="Gerade Verbindung mit Pfeil 17"/>
+          <p:cNvCxnSpPr>
+            <a:stCxn id="7" idx="3"/>
+          </p:cNvCxnSpPr>
+          <p:nvPr/>
+        </p:nvCxnSpPr>
+        <p:spPr>
+          <a:xfrm flipV="1">
+            <a:off x="664750" y="4501946"/>
+            <a:ext cx="1719952" cy="436990"/>
+          </a:xfrm>
+          <a:prstGeom prst="straightConnector1">
+            <a:avLst/>
+          </a:prstGeom>
+          <a:ln>
+            <a:tailEnd type="triangle"/>
+          </a:ln>
+        </p:spPr>
+        <p:style>
+          <a:lnRef idx="1">
+            <a:schemeClr val="accent1"/>
+          </a:lnRef>
+          <a:fillRef idx="0">
+            <a:schemeClr val="accent1"/>
+          </a:fillRef>
+          <a:effectRef idx="0">
+            <a:schemeClr val="accent1"/>
+          </a:effectRef>
+          <a:fontRef idx="minor">
+            <a:schemeClr val="tx1"/>
+          </a:fontRef>
+        </p:style>
+      </p:cxnSp>
+      <p:sp>
+        <p:nvSpPr>
+          <p:cNvPr id="20" name="Textfeld 19"/>
+          <p:cNvSpPr txBox="1"/>
+          <p:nvPr/>
+        </p:nvSpPr>
+        <p:spPr>
+          <a:xfrm>
+            <a:off x="3438003" y="3854634"/>
+            <a:ext cx="276038" cy="307777"/>
+          </a:xfrm>
+          <a:prstGeom prst="rect">
+            <a:avLst/>
+          </a:prstGeom>
+          <a:noFill/>
+        </p:spPr>
+        <p:txBody>
+          <a:bodyPr wrap="none" rtlCol="0">
+            <a:spAutoFit/>
+          </a:bodyPr>
+          <a:lstStyle/>
+          <a:p>
+            <a:r>
+              <a:rPr lang="de-DE" sz="1400" smtClean="0"/>
+              <a:t>0</a:t>
+            </a:r>
+            <a:endParaRPr lang="de-DE" sz="1400"/>
+          </a:p>
+        </p:txBody>
+      </p:sp>
+      <p:sp>
+        <p:nvSpPr>
+          <p:cNvPr id="21" name="Textfeld 20"/>
+          <p:cNvSpPr txBox="1"/>
+          <p:nvPr/>
+        </p:nvSpPr>
+        <p:spPr>
+          <a:xfrm>
+            <a:off x="3438003" y="4194169"/>
+            <a:ext cx="276038" cy="307777"/>
+          </a:xfrm>
+          <a:prstGeom prst="rect">
+            <a:avLst/>
+          </a:prstGeom>
+          <a:noFill/>
+        </p:spPr>
+        <p:txBody>
+          <a:bodyPr wrap="none" rtlCol="0">
+            <a:spAutoFit/>
+          </a:bodyPr>
+          <a:lstStyle/>
+          <a:p>
+            <a:r>
+              <a:rPr lang="de-DE" sz="1400" smtClean="0"/>
+              <a:t>1</a:t>
+            </a:r>
+            <a:endParaRPr lang="de-DE" sz="1400"/>
+          </a:p>
+        </p:txBody>
+      </p:sp>
+      <p:sp>
+        <p:nvSpPr>
+          <p:cNvPr id="17" name="Rechteck 16"/>
+          <p:cNvSpPr/>
+          <p:nvPr/>
+        </p:nvSpPr>
+        <p:spPr>
+          <a:xfrm>
+            <a:off x="5083786" y="1423842"/>
+            <a:ext cx="1199408" cy="1721922"/>
+          </a:xfrm>
+          <a:prstGeom prst="rect">
+            <a:avLst/>
+          </a:prstGeom>
+        </p:spPr>
+        <p:style>
+          <a:lnRef idx="2">
+            <a:schemeClr val="accent1">
+              <a:shade val="50000"/>
+            </a:schemeClr>
+          </a:lnRef>
+          <a:fillRef idx="1">
+            <a:schemeClr val="accent1"/>
+          </a:fillRef>
+          <a:effectRef idx="0">
+            <a:schemeClr val="accent1"/>
+          </a:effectRef>
+          <a:fontRef idx="minor">
+            <a:schemeClr val="lt1"/>
+          </a:fontRef>
+        </p:style>
+        <p:txBody>
+          <a:bodyPr rtlCol="0" anchor="ctr"/>
+          <a:lstStyle/>
+          <a:p>
+            <a:pPr algn="ctr"/>
+            <a:endParaRPr lang="de-DE"/>
+          </a:p>
+        </p:txBody>
+      </p:sp>
+      <p:sp>
+        <p:nvSpPr>
+          <p:cNvPr id="19" name="Textfeld 18"/>
+          <p:cNvSpPr txBox="1"/>
+          <p:nvPr/>
+        </p:nvSpPr>
+        <p:spPr>
+          <a:xfrm>
+            <a:off x="5683490" y="1054510"/>
+            <a:ext cx="716350" cy="369332"/>
+          </a:xfrm>
+          <a:prstGeom prst="rect">
+            <a:avLst/>
+          </a:prstGeom>
+          <a:noFill/>
+        </p:spPr>
+        <p:txBody>
+          <a:bodyPr wrap="none" rtlCol="0">
+            <a:spAutoFit/>
+          </a:bodyPr>
+          <a:lstStyle/>
+          <a:p>
+            <a:r>
+              <a:rPr lang="de-DE" smtClean="0"/>
+              <a:t>int</a:t>
+            </a:r>
+            <a:r>
+              <a:rPr lang="de-DE" smtClean="0"/>
+              <a:t>[][]</a:t>
+            </a:r>
+            <a:endParaRPr lang="de-DE"/>
+          </a:p>
+        </p:txBody>
+      </p:sp>
+      <p:sp>
+        <p:nvSpPr>
+          <p:cNvPr id="22" name="Rechteck 21"/>
+          <p:cNvSpPr/>
+          <p:nvPr/>
+        </p:nvSpPr>
+        <p:spPr>
+          <a:xfrm>
+            <a:off x="5189517" y="1554472"/>
+            <a:ext cx="950025" cy="308758"/>
+          </a:xfrm>
+          <a:prstGeom prst="rect">
+            <a:avLst/>
+          </a:prstGeom>
+        </p:spPr>
+        <p:style>
+          <a:lnRef idx="2">
+            <a:schemeClr val="accent1">
+              <a:shade val="50000"/>
+            </a:schemeClr>
+          </a:lnRef>
+          <a:fillRef idx="1">
+            <a:schemeClr val="accent1"/>
+          </a:fillRef>
+          <a:effectRef idx="0">
+            <a:schemeClr val="accent1"/>
+          </a:effectRef>
+          <a:fontRef idx="minor">
+            <a:schemeClr val="lt1"/>
+          </a:fontRef>
+        </p:style>
+        <p:txBody>
+          <a:bodyPr rtlCol="0" anchor="ctr"/>
+          <a:lstStyle/>
+          <a:p>
+            <a:pPr algn="ctr"/>
+            <a:r>
+              <a:rPr lang="de-DE" sz="1400" smtClean="0"/>
+              <a:t>null</a:t>
+            </a:r>
+            <a:endParaRPr lang="de-DE" sz="1400"/>
+          </a:p>
+        </p:txBody>
+      </p:sp>
+      <p:sp>
+        <p:nvSpPr>
+          <p:cNvPr id="23" name="Rechteck 22"/>
+          <p:cNvSpPr/>
+          <p:nvPr/>
+        </p:nvSpPr>
+        <p:spPr>
+          <a:xfrm>
+            <a:off x="5189516" y="1888179"/>
+            <a:ext cx="950025" cy="308758"/>
+          </a:xfrm>
+          <a:prstGeom prst="rect">
+            <a:avLst/>
+          </a:prstGeom>
+        </p:spPr>
+        <p:style>
+          <a:lnRef idx="2">
+            <a:schemeClr val="accent1">
+              <a:shade val="50000"/>
+            </a:schemeClr>
+          </a:lnRef>
+          <a:fillRef idx="1">
+            <a:schemeClr val="accent1"/>
+          </a:fillRef>
+          <a:effectRef idx="0">
+            <a:schemeClr val="accent1"/>
+          </a:effectRef>
+          <a:fontRef idx="minor">
+            <a:schemeClr val="lt1"/>
+          </a:fontRef>
+        </p:style>
+        <p:txBody>
+          <a:bodyPr rtlCol="0" anchor="ctr"/>
+          <a:lstStyle/>
+          <a:p>
+            <a:pPr algn="ctr"/>
+            <a:r>
+              <a:rPr lang="de-DE" sz="1400" smtClean="0"/>
+              <a:t>null</a:t>
+            </a:r>
+            <a:endParaRPr lang="de-DE" sz="1400"/>
+          </a:p>
+        </p:txBody>
+      </p:sp>
+      <p:sp>
+        <p:nvSpPr>
+          <p:cNvPr id="24" name="Textfeld 23"/>
+          <p:cNvSpPr txBox="1"/>
+          <p:nvPr/>
+        </p:nvSpPr>
+        <p:spPr>
+          <a:xfrm>
+            <a:off x="4656753" y="1493898"/>
+            <a:ext cx="489173" cy="307777"/>
+          </a:xfrm>
+          <a:prstGeom prst="rect">
+            <a:avLst/>
+          </a:prstGeom>
+          <a:noFill/>
+        </p:spPr>
+        <p:txBody>
+          <a:bodyPr wrap="none" rtlCol="0">
+            <a:spAutoFit/>
+          </a:bodyPr>
+          <a:lstStyle/>
+          <a:p>
+            <a:r>
+              <a:rPr lang="de-DE" sz="1400" smtClean="0"/>
+              <a:t>int[]</a:t>
+            </a:r>
+            <a:endParaRPr lang="de-DE" sz="1400"/>
+          </a:p>
+        </p:txBody>
+      </p:sp>
+      <p:sp>
+        <p:nvSpPr>
+          <p:cNvPr id="25" name="Textfeld 24"/>
+          <p:cNvSpPr txBox="1"/>
+          <p:nvPr/>
+        </p:nvSpPr>
+        <p:spPr>
+          <a:xfrm>
+            <a:off x="4656753" y="1802057"/>
+            <a:ext cx="489173" cy="307777"/>
+          </a:xfrm>
+          <a:prstGeom prst="rect">
+            <a:avLst/>
+          </a:prstGeom>
+          <a:noFill/>
+        </p:spPr>
+        <p:txBody>
+          <a:bodyPr wrap="none" rtlCol="0">
+            <a:spAutoFit/>
+          </a:bodyPr>
+          <a:lstStyle/>
+          <a:p>
+            <a:r>
+              <a:rPr lang="de-DE" sz="1400" smtClean="0"/>
+              <a:t>int[]</a:t>
+            </a:r>
+            <a:endParaRPr lang="de-DE" sz="1400"/>
+          </a:p>
+        </p:txBody>
+      </p:sp>
+      <p:sp>
+        <p:nvSpPr>
+          <p:cNvPr id="26" name="Rechteck 25"/>
+          <p:cNvSpPr/>
+          <p:nvPr/>
+        </p:nvSpPr>
+        <p:spPr>
+          <a:xfrm>
+            <a:off x="5189515" y="2645801"/>
+            <a:ext cx="950025" cy="308758"/>
+          </a:xfrm>
+          <a:prstGeom prst="rect">
+            <a:avLst/>
+          </a:prstGeom>
+        </p:spPr>
+        <p:style>
+          <a:lnRef idx="2">
+            <a:schemeClr val="accent1">
+              <a:shade val="50000"/>
+            </a:schemeClr>
+          </a:lnRef>
+          <a:fillRef idx="1">
+            <a:schemeClr val="accent1"/>
+          </a:fillRef>
+          <a:effectRef idx="0">
+            <a:schemeClr val="accent1"/>
+          </a:effectRef>
+          <a:fontRef idx="minor">
+            <a:schemeClr val="lt1"/>
+          </a:fontRef>
+        </p:style>
+        <p:txBody>
+          <a:bodyPr rtlCol="0" anchor="ctr"/>
+          <a:lstStyle/>
+          <a:p>
+            <a:pPr algn="ctr"/>
+            <a:r>
+              <a:rPr lang="de-DE" sz="1400"/>
+              <a:t>3</a:t>
+            </a:r>
+          </a:p>
+        </p:txBody>
+      </p:sp>
+      <p:sp>
+        <p:nvSpPr>
+          <p:cNvPr id="27" name="Textfeld 26"/>
+          <p:cNvSpPr txBox="1"/>
+          <p:nvPr/>
+        </p:nvSpPr>
+        <p:spPr>
+          <a:xfrm>
+            <a:off x="4688356" y="2585227"/>
+            <a:ext cx="380169" cy="307777"/>
+          </a:xfrm>
+          <a:prstGeom prst="rect">
+            <a:avLst/>
+          </a:prstGeom>
+          <a:noFill/>
+        </p:spPr>
+        <p:txBody>
+          <a:bodyPr wrap="none" rtlCol="0">
+            <a:spAutoFit/>
+          </a:bodyPr>
+          <a:lstStyle/>
+          <a:p>
+            <a:r>
+              <a:rPr lang="de-DE" sz="1400" smtClean="0"/>
+              <a:t>int</a:t>
+            </a:r>
+            <a:endParaRPr lang="de-DE" sz="1400"/>
+          </a:p>
+        </p:txBody>
+      </p:sp>
+      <p:sp>
+        <p:nvSpPr>
+          <p:cNvPr id="28" name="Textfeld 27"/>
+          <p:cNvSpPr txBox="1"/>
+          <p:nvPr/>
+        </p:nvSpPr>
+        <p:spPr>
+          <a:xfrm>
+            <a:off x="6146484" y="2656477"/>
+            <a:ext cx="648447" cy="307777"/>
+          </a:xfrm>
+          <a:prstGeom prst="rect">
+            <a:avLst/>
+          </a:prstGeom>
+          <a:noFill/>
+        </p:spPr>
+        <p:txBody>
+          <a:bodyPr wrap="none" rtlCol="0">
+            <a:spAutoFit/>
+          </a:bodyPr>
+          <a:lstStyle/>
+          <a:p>
+            <a:r>
+              <a:rPr lang="de-DE" sz="1400" smtClean="0"/>
+              <a:t>length</a:t>
+            </a:r>
+            <a:endParaRPr lang="de-DE" sz="1400"/>
+          </a:p>
+        </p:txBody>
+      </p:sp>
+      <p:sp>
+        <p:nvSpPr>
+          <p:cNvPr id="29" name="Textfeld 28"/>
+          <p:cNvSpPr txBox="1"/>
+          <p:nvPr/>
+        </p:nvSpPr>
+        <p:spPr>
+          <a:xfrm>
+            <a:off x="6121826" y="1549625"/>
+            <a:ext cx="276038" cy="307777"/>
+          </a:xfrm>
+          <a:prstGeom prst="rect">
+            <a:avLst/>
+          </a:prstGeom>
+          <a:noFill/>
+        </p:spPr>
+        <p:txBody>
+          <a:bodyPr wrap="none" rtlCol="0">
+            <a:spAutoFit/>
+          </a:bodyPr>
+          <a:lstStyle/>
+          <a:p>
+            <a:r>
+              <a:rPr lang="de-DE" sz="1400" smtClean="0"/>
+              <a:t>0</a:t>
+            </a:r>
+            <a:endParaRPr lang="de-DE" sz="1400"/>
+          </a:p>
+        </p:txBody>
+      </p:sp>
+      <p:sp>
+        <p:nvSpPr>
+          <p:cNvPr id="30" name="Textfeld 29"/>
+          <p:cNvSpPr txBox="1"/>
+          <p:nvPr/>
+        </p:nvSpPr>
+        <p:spPr>
+          <a:xfrm>
+            <a:off x="6121826" y="1889160"/>
+            <a:ext cx="276038" cy="307777"/>
+          </a:xfrm>
+          <a:prstGeom prst="rect">
+            <a:avLst/>
+          </a:prstGeom>
+          <a:noFill/>
+        </p:spPr>
+        <p:txBody>
+          <a:bodyPr wrap="none" rtlCol="0">
+            <a:spAutoFit/>
+          </a:bodyPr>
+          <a:lstStyle/>
+          <a:p>
+            <a:r>
+              <a:rPr lang="de-DE" sz="1400" smtClean="0"/>
+              <a:t>1</a:t>
+            </a:r>
+            <a:endParaRPr lang="de-DE" sz="1400"/>
+          </a:p>
+        </p:txBody>
+      </p:sp>
+      <p:sp>
+        <p:nvSpPr>
+          <p:cNvPr id="31" name="Rechteck 30"/>
+          <p:cNvSpPr/>
+          <p:nvPr/>
+        </p:nvSpPr>
+        <p:spPr>
+          <a:xfrm>
+            <a:off x="5196459" y="2257511"/>
+            <a:ext cx="950025" cy="308758"/>
+          </a:xfrm>
+          <a:prstGeom prst="rect">
+            <a:avLst/>
+          </a:prstGeom>
+        </p:spPr>
+        <p:style>
+          <a:lnRef idx="2">
+            <a:schemeClr val="accent1">
+              <a:shade val="50000"/>
+            </a:schemeClr>
+          </a:lnRef>
+          <a:fillRef idx="1">
+            <a:schemeClr val="accent1"/>
+          </a:fillRef>
+          <a:effectRef idx="0">
+            <a:schemeClr val="accent1"/>
+          </a:effectRef>
+          <a:fontRef idx="minor">
+            <a:schemeClr val="lt1"/>
+          </a:fontRef>
+        </p:style>
+        <p:txBody>
+          <a:bodyPr rtlCol="0" anchor="ctr"/>
+          <a:lstStyle/>
+          <a:p>
+            <a:pPr algn="ctr"/>
+            <a:r>
+              <a:rPr lang="de-DE" sz="1400" smtClean="0"/>
+              <a:t>null</a:t>
+            </a:r>
+            <a:endParaRPr lang="de-DE" sz="1400"/>
+          </a:p>
+        </p:txBody>
+      </p:sp>
+      <p:sp>
+        <p:nvSpPr>
+          <p:cNvPr id="32" name="Textfeld 31"/>
+          <p:cNvSpPr txBox="1"/>
+          <p:nvPr/>
+        </p:nvSpPr>
+        <p:spPr>
+          <a:xfrm>
+            <a:off x="4663696" y="2171389"/>
+            <a:ext cx="489173" cy="307777"/>
+          </a:xfrm>
+          <a:prstGeom prst="rect">
+            <a:avLst/>
+          </a:prstGeom>
+          <a:noFill/>
+        </p:spPr>
+        <p:txBody>
+          <a:bodyPr wrap="none" rtlCol="0">
+            <a:spAutoFit/>
+          </a:bodyPr>
+          <a:lstStyle/>
+          <a:p>
+            <a:r>
+              <a:rPr lang="de-DE" sz="1400" smtClean="0"/>
+              <a:t>int[]</a:t>
+            </a:r>
+            <a:endParaRPr lang="de-DE" sz="1400"/>
+          </a:p>
+        </p:txBody>
+      </p:sp>
+      <p:sp>
+        <p:nvSpPr>
+          <p:cNvPr id="33" name="Textfeld 32"/>
+          <p:cNvSpPr txBox="1"/>
+          <p:nvPr/>
+        </p:nvSpPr>
+        <p:spPr>
+          <a:xfrm>
+            <a:off x="6128769" y="2258492"/>
+            <a:ext cx="276038" cy="307777"/>
+          </a:xfrm>
+          <a:prstGeom prst="rect">
+            <a:avLst/>
+          </a:prstGeom>
+          <a:noFill/>
+        </p:spPr>
+        <p:txBody>
+          <a:bodyPr wrap="none" rtlCol="0">
+            <a:spAutoFit/>
+          </a:bodyPr>
+          <a:lstStyle/>
+          <a:p>
+            <a:r>
+              <a:rPr lang="de-DE" sz="1400" smtClean="0"/>
+              <a:t>2</a:t>
+            </a:r>
+            <a:endParaRPr lang="de-DE" sz="1400"/>
+          </a:p>
+        </p:txBody>
+      </p:sp>
+      <p:cxnSp>
+        <p:nvCxnSpPr>
+          <p:cNvPr id="3" name="Gerade Verbindung mit Pfeil 2"/>
+          <p:cNvCxnSpPr/>
+          <p:nvPr/>
+        </p:nvCxnSpPr>
+        <p:spPr>
+          <a:xfrm flipV="1">
+            <a:off x="2937116" y="3051959"/>
+            <a:ext cx="2163012" cy="989301"/>
+          </a:xfrm>
+          <a:prstGeom prst="straightConnector1">
+            <a:avLst/>
+          </a:prstGeom>
+          <a:ln>
+            <a:solidFill>
+              <a:srgbClr val="FF0000"/>
+            </a:solidFill>
+            <a:tailEnd type="triangle"/>
+          </a:ln>
+        </p:spPr>
+        <p:style>
+          <a:lnRef idx="1">
+            <a:schemeClr val="accent1"/>
+          </a:lnRef>
+          <a:fillRef idx="0">
+            <a:schemeClr val="accent1"/>
+          </a:fillRef>
+          <a:effectRef idx="0">
+            <a:schemeClr val="accent1"/>
+          </a:effectRef>
+          <a:fontRef idx="minor">
+            <a:schemeClr val="tx1"/>
+          </a:fontRef>
+        </p:style>
+      </p:cxnSp>
+      <p:cxnSp>
+        <p:nvCxnSpPr>
+          <p:cNvPr id="48" name="Gerade Verbindung mit Pfeil 47"/>
+          <p:cNvCxnSpPr/>
+          <p:nvPr/>
+        </p:nvCxnSpPr>
+        <p:spPr>
+          <a:xfrm>
+            <a:off x="2997923" y="4362410"/>
+            <a:ext cx="2117466" cy="321148"/>
+          </a:xfrm>
+          <a:prstGeom prst="straightConnector1">
+            <a:avLst/>
+          </a:prstGeom>
+          <a:ln>
+            <a:solidFill>
+              <a:srgbClr val="FF0000"/>
+            </a:solidFill>
+            <a:tailEnd type="triangle"/>
+          </a:ln>
+        </p:spPr>
+        <p:style>
+          <a:lnRef idx="1">
+            <a:schemeClr val="accent1"/>
+          </a:lnRef>
+          <a:fillRef idx="0">
+            <a:schemeClr val="accent1"/>
+          </a:fillRef>
+          <a:effectRef idx="0">
+            <a:schemeClr val="accent1"/>
+          </a:effectRef>
+          <a:fontRef idx="minor">
+            <a:schemeClr val="tx1"/>
+          </a:fontRef>
+        </p:style>
+      </p:cxnSp>
+      <p:sp>
+        <p:nvSpPr>
+          <p:cNvPr id="49" name="Rechteck 48"/>
+          <p:cNvSpPr/>
+          <p:nvPr/>
+        </p:nvSpPr>
+        <p:spPr>
+          <a:xfrm>
+            <a:off x="5158746" y="3916186"/>
+            <a:ext cx="1199408" cy="1721922"/>
+          </a:xfrm>
+          <a:prstGeom prst="rect">
+            <a:avLst/>
+          </a:prstGeom>
+        </p:spPr>
+        <p:style>
+          <a:lnRef idx="2">
+            <a:schemeClr val="accent1">
+              <a:shade val="50000"/>
+            </a:schemeClr>
+          </a:lnRef>
+          <a:fillRef idx="1">
+            <a:schemeClr val="accent1"/>
+          </a:fillRef>
+          <a:effectRef idx="0">
+            <a:schemeClr val="accent1"/>
+          </a:effectRef>
+          <a:fontRef idx="minor">
+            <a:schemeClr val="lt1"/>
+          </a:fontRef>
+        </p:style>
+        <p:txBody>
+          <a:bodyPr rtlCol="0" anchor="ctr"/>
+          <a:lstStyle/>
+          <a:p>
+            <a:pPr algn="ctr"/>
+            <a:endParaRPr lang="de-DE"/>
+          </a:p>
+        </p:txBody>
+      </p:sp>
+      <p:sp>
+        <p:nvSpPr>
+          <p:cNvPr id="50" name="Textfeld 49"/>
+          <p:cNvSpPr txBox="1"/>
+          <p:nvPr/>
+        </p:nvSpPr>
+        <p:spPr>
+          <a:xfrm>
+            <a:off x="5758450" y="3546854"/>
+            <a:ext cx="716350" cy="369332"/>
+          </a:xfrm>
+          <a:prstGeom prst="rect">
+            <a:avLst/>
+          </a:prstGeom>
+          <a:noFill/>
+        </p:spPr>
+        <p:txBody>
+          <a:bodyPr wrap="none" rtlCol="0">
+            <a:spAutoFit/>
+          </a:bodyPr>
+          <a:lstStyle/>
+          <a:p>
+            <a:r>
+              <a:rPr lang="de-DE" smtClean="0"/>
+              <a:t>int</a:t>
+            </a:r>
+            <a:r>
+              <a:rPr lang="de-DE" smtClean="0"/>
+              <a:t>[][]</a:t>
+            </a:r>
+            <a:endParaRPr lang="de-DE"/>
+          </a:p>
+        </p:txBody>
+      </p:sp>
+      <p:sp>
+        <p:nvSpPr>
+          <p:cNvPr id="51" name="Rechteck 50"/>
+          <p:cNvSpPr/>
+          <p:nvPr/>
+        </p:nvSpPr>
+        <p:spPr>
+          <a:xfrm>
+            <a:off x="5264477" y="4046816"/>
+            <a:ext cx="950025" cy="308758"/>
+          </a:xfrm>
+          <a:prstGeom prst="rect">
+            <a:avLst/>
+          </a:prstGeom>
+        </p:spPr>
+        <p:style>
+          <a:lnRef idx="2">
+            <a:schemeClr val="accent1">
+              <a:shade val="50000"/>
+            </a:schemeClr>
+          </a:lnRef>
+          <a:fillRef idx="1">
+            <a:schemeClr val="accent1"/>
+          </a:fillRef>
+          <a:effectRef idx="0">
+            <a:schemeClr val="accent1"/>
+          </a:effectRef>
+          <a:fontRef idx="minor">
+            <a:schemeClr val="lt1"/>
+          </a:fontRef>
+        </p:style>
+        <p:txBody>
+          <a:bodyPr rtlCol="0" anchor="ctr"/>
+          <a:lstStyle/>
+          <a:p>
+            <a:pPr algn="ctr"/>
+            <a:r>
+              <a:rPr lang="de-DE" sz="1400" smtClean="0"/>
+              <a:t>null</a:t>
+            </a:r>
+            <a:endParaRPr lang="de-DE" sz="1400"/>
+          </a:p>
+        </p:txBody>
+      </p:sp>
+      <p:sp>
+        <p:nvSpPr>
+          <p:cNvPr id="52" name="Rechteck 51"/>
+          <p:cNvSpPr/>
+          <p:nvPr/>
+        </p:nvSpPr>
+        <p:spPr>
+          <a:xfrm>
+            <a:off x="5264476" y="4380523"/>
+            <a:ext cx="950025" cy="308758"/>
+          </a:xfrm>
+          <a:prstGeom prst="rect">
+            <a:avLst/>
+          </a:prstGeom>
+        </p:spPr>
+        <p:style>
+          <a:lnRef idx="2">
+            <a:schemeClr val="accent1">
+              <a:shade val="50000"/>
+            </a:schemeClr>
+          </a:lnRef>
+          <a:fillRef idx="1">
+            <a:schemeClr val="accent1"/>
+          </a:fillRef>
+          <a:effectRef idx="0">
+            <a:schemeClr val="accent1"/>
+          </a:effectRef>
+          <a:fontRef idx="minor">
+            <a:schemeClr val="lt1"/>
+          </a:fontRef>
+        </p:style>
+        <p:txBody>
+          <a:bodyPr rtlCol="0" anchor="ctr"/>
+          <a:lstStyle/>
+          <a:p>
+            <a:pPr algn="ctr"/>
+            <a:r>
+              <a:rPr lang="de-DE" sz="1400" smtClean="0"/>
+              <a:t>null</a:t>
+            </a:r>
+            <a:endParaRPr lang="de-DE" sz="1400"/>
+          </a:p>
+        </p:txBody>
+      </p:sp>
+      <p:sp>
+        <p:nvSpPr>
+          <p:cNvPr id="53" name="Textfeld 52"/>
+          <p:cNvSpPr txBox="1"/>
+          <p:nvPr/>
+        </p:nvSpPr>
+        <p:spPr>
+          <a:xfrm>
+            <a:off x="4731713" y="3986242"/>
+            <a:ext cx="489173" cy="307777"/>
+          </a:xfrm>
+          <a:prstGeom prst="rect">
+            <a:avLst/>
+          </a:prstGeom>
+          <a:noFill/>
+        </p:spPr>
+        <p:txBody>
+          <a:bodyPr wrap="none" rtlCol="0">
+            <a:spAutoFit/>
+          </a:bodyPr>
+          <a:lstStyle/>
+          <a:p>
+            <a:r>
+              <a:rPr lang="de-DE" sz="1400" smtClean="0"/>
+              <a:t>int[]</a:t>
+            </a:r>
+            <a:endParaRPr lang="de-DE" sz="1400"/>
+          </a:p>
+        </p:txBody>
+      </p:sp>
+      <p:sp>
+        <p:nvSpPr>
+          <p:cNvPr id="54" name="Textfeld 53"/>
+          <p:cNvSpPr txBox="1"/>
+          <p:nvPr/>
+        </p:nvSpPr>
+        <p:spPr>
+          <a:xfrm>
+            <a:off x="4731713" y="4294401"/>
+            <a:ext cx="489173" cy="307777"/>
+          </a:xfrm>
+          <a:prstGeom prst="rect">
+            <a:avLst/>
+          </a:prstGeom>
+          <a:noFill/>
+        </p:spPr>
+        <p:txBody>
+          <a:bodyPr wrap="none" rtlCol="0">
+            <a:spAutoFit/>
+          </a:bodyPr>
+          <a:lstStyle/>
+          <a:p>
+            <a:r>
+              <a:rPr lang="de-DE" sz="1400" smtClean="0"/>
+              <a:t>int[]</a:t>
+            </a:r>
+            <a:endParaRPr lang="de-DE" sz="1400"/>
+          </a:p>
+        </p:txBody>
+      </p:sp>
+      <p:sp>
+        <p:nvSpPr>
+          <p:cNvPr id="55" name="Rechteck 54"/>
+          <p:cNvSpPr/>
+          <p:nvPr/>
+        </p:nvSpPr>
+        <p:spPr>
+          <a:xfrm>
+            <a:off x="5264475" y="5138145"/>
+            <a:ext cx="950025" cy="308758"/>
+          </a:xfrm>
+          <a:prstGeom prst="rect">
+            <a:avLst/>
+          </a:prstGeom>
+        </p:spPr>
+        <p:style>
+          <a:lnRef idx="2">
+            <a:schemeClr val="accent1">
+              <a:shade val="50000"/>
+            </a:schemeClr>
+          </a:lnRef>
+          <a:fillRef idx="1">
+            <a:schemeClr val="accent1"/>
+          </a:fillRef>
+          <a:effectRef idx="0">
+            <a:schemeClr val="accent1"/>
+          </a:effectRef>
+          <a:fontRef idx="minor">
+            <a:schemeClr val="lt1"/>
+          </a:fontRef>
+        </p:style>
+        <p:txBody>
+          <a:bodyPr rtlCol="0" anchor="ctr"/>
+          <a:lstStyle/>
+          <a:p>
+            <a:pPr algn="ctr"/>
+            <a:r>
+              <a:rPr lang="de-DE" sz="1400"/>
+              <a:t>3</a:t>
+            </a:r>
+          </a:p>
+        </p:txBody>
+      </p:sp>
+      <p:sp>
+        <p:nvSpPr>
+          <p:cNvPr id="56" name="Textfeld 55"/>
+          <p:cNvSpPr txBox="1"/>
+          <p:nvPr/>
+        </p:nvSpPr>
+        <p:spPr>
+          <a:xfrm>
+            <a:off x="4763316" y="5077571"/>
+            <a:ext cx="380169" cy="307777"/>
+          </a:xfrm>
+          <a:prstGeom prst="rect">
+            <a:avLst/>
+          </a:prstGeom>
+          <a:noFill/>
+        </p:spPr>
+        <p:txBody>
+          <a:bodyPr wrap="none" rtlCol="0">
+            <a:spAutoFit/>
+          </a:bodyPr>
+          <a:lstStyle/>
+          <a:p>
+            <a:r>
+              <a:rPr lang="de-DE" sz="1400" smtClean="0"/>
+              <a:t>int</a:t>
+            </a:r>
+            <a:endParaRPr lang="de-DE" sz="1400"/>
+          </a:p>
+        </p:txBody>
+      </p:sp>
+      <p:sp>
+        <p:nvSpPr>
+          <p:cNvPr id="57" name="Textfeld 56"/>
+          <p:cNvSpPr txBox="1"/>
+          <p:nvPr/>
+        </p:nvSpPr>
+        <p:spPr>
+          <a:xfrm>
+            <a:off x="6221444" y="5148821"/>
+            <a:ext cx="648447" cy="307777"/>
+          </a:xfrm>
+          <a:prstGeom prst="rect">
+            <a:avLst/>
+          </a:prstGeom>
+          <a:noFill/>
+        </p:spPr>
+        <p:txBody>
+          <a:bodyPr wrap="none" rtlCol="0">
+            <a:spAutoFit/>
+          </a:bodyPr>
+          <a:lstStyle/>
+          <a:p>
+            <a:r>
+              <a:rPr lang="de-DE" sz="1400" smtClean="0"/>
+              <a:t>length</a:t>
+            </a:r>
+            <a:endParaRPr lang="de-DE" sz="1400"/>
+          </a:p>
+        </p:txBody>
+      </p:sp>
+      <p:sp>
+        <p:nvSpPr>
+          <p:cNvPr id="58" name="Textfeld 57"/>
+          <p:cNvSpPr txBox="1"/>
+          <p:nvPr/>
+        </p:nvSpPr>
+        <p:spPr>
+          <a:xfrm>
+            <a:off x="6196786" y="4041969"/>
+            <a:ext cx="276038" cy="307777"/>
+          </a:xfrm>
+          <a:prstGeom prst="rect">
+            <a:avLst/>
+          </a:prstGeom>
+          <a:noFill/>
+        </p:spPr>
+        <p:txBody>
+          <a:bodyPr wrap="none" rtlCol="0">
+            <a:spAutoFit/>
+          </a:bodyPr>
+          <a:lstStyle/>
+          <a:p>
+            <a:r>
+              <a:rPr lang="de-DE" sz="1400" smtClean="0"/>
+              <a:t>0</a:t>
+            </a:r>
+            <a:endParaRPr lang="de-DE" sz="1400"/>
+          </a:p>
+        </p:txBody>
+      </p:sp>
+      <p:sp>
+        <p:nvSpPr>
+          <p:cNvPr id="59" name="Textfeld 58"/>
+          <p:cNvSpPr txBox="1"/>
+          <p:nvPr/>
+        </p:nvSpPr>
+        <p:spPr>
+          <a:xfrm>
+            <a:off x="6196786" y="4381504"/>
+            <a:ext cx="276038" cy="307777"/>
+          </a:xfrm>
+          <a:prstGeom prst="rect">
+            <a:avLst/>
+          </a:prstGeom>
+          <a:noFill/>
+        </p:spPr>
+        <p:txBody>
+          <a:bodyPr wrap="none" rtlCol="0">
+            <a:spAutoFit/>
+          </a:bodyPr>
+          <a:lstStyle/>
+          <a:p>
+            <a:r>
+              <a:rPr lang="de-DE" sz="1400" smtClean="0"/>
+              <a:t>1</a:t>
+            </a:r>
+            <a:endParaRPr lang="de-DE" sz="1400"/>
+          </a:p>
+        </p:txBody>
+      </p:sp>
+      <p:sp>
+        <p:nvSpPr>
+          <p:cNvPr id="60" name="Rechteck 59"/>
+          <p:cNvSpPr/>
+          <p:nvPr/>
+        </p:nvSpPr>
+        <p:spPr>
+          <a:xfrm>
+            <a:off x="5271419" y="4749855"/>
+            <a:ext cx="950025" cy="308758"/>
+          </a:xfrm>
+          <a:prstGeom prst="rect">
+            <a:avLst/>
+          </a:prstGeom>
+        </p:spPr>
+        <p:style>
+          <a:lnRef idx="2">
+            <a:schemeClr val="accent1">
+              <a:shade val="50000"/>
+            </a:schemeClr>
+          </a:lnRef>
+          <a:fillRef idx="1">
+            <a:schemeClr val="accent1"/>
+          </a:fillRef>
+          <a:effectRef idx="0">
+            <a:schemeClr val="accent1"/>
+          </a:effectRef>
+          <a:fontRef idx="minor">
+            <a:schemeClr val="lt1"/>
+          </a:fontRef>
+        </p:style>
+        <p:txBody>
+          <a:bodyPr rtlCol="0" anchor="ctr"/>
+          <a:lstStyle/>
+          <a:p>
+            <a:pPr algn="ctr"/>
+            <a:r>
+              <a:rPr lang="de-DE" sz="1400" smtClean="0"/>
+              <a:t>null</a:t>
+            </a:r>
+            <a:endParaRPr lang="de-DE" sz="1400"/>
+          </a:p>
+        </p:txBody>
+      </p:sp>
+      <p:sp>
+        <p:nvSpPr>
+          <p:cNvPr id="61" name="Textfeld 60"/>
+          <p:cNvSpPr txBox="1"/>
+          <p:nvPr/>
+        </p:nvSpPr>
+        <p:spPr>
+          <a:xfrm>
+            <a:off x="4738656" y="4663733"/>
+            <a:ext cx="489173" cy="307777"/>
+          </a:xfrm>
+          <a:prstGeom prst="rect">
+            <a:avLst/>
+          </a:prstGeom>
+          <a:noFill/>
+        </p:spPr>
+        <p:txBody>
+          <a:bodyPr wrap="none" rtlCol="0">
+            <a:spAutoFit/>
+          </a:bodyPr>
+          <a:lstStyle/>
+          <a:p>
+            <a:r>
+              <a:rPr lang="de-DE" sz="1400" smtClean="0"/>
+              <a:t>int[]</a:t>
+            </a:r>
+            <a:endParaRPr lang="de-DE" sz="1400"/>
+          </a:p>
+        </p:txBody>
+      </p:sp>
+      <p:sp>
+        <p:nvSpPr>
+          <p:cNvPr id="62" name="Textfeld 61"/>
+          <p:cNvSpPr txBox="1"/>
+          <p:nvPr/>
+        </p:nvSpPr>
+        <p:spPr>
+          <a:xfrm>
+            <a:off x="6203729" y="4750836"/>
+            <a:ext cx="276038" cy="307777"/>
+          </a:xfrm>
+          <a:prstGeom prst="rect">
+            <a:avLst/>
+          </a:prstGeom>
+          <a:noFill/>
+        </p:spPr>
+        <p:txBody>
+          <a:bodyPr wrap="none" rtlCol="0">
+            <a:spAutoFit/>
+          </a:bodyPr>
+          <a:lstStyle/>
+          <a:p>
+            <a:r>
+              <a:rPr lang="de-DE" sz="1400" smtClean="0"/>
+              <a:t>2</a:t>
+            </a:r>
+            <a:endParaRPr lang="de-DE" sz="1400"/>
+          </a:p>
+        </p:txBody>
+      </p:sp>
+    </p:spTree>
+    <p:extLst>
+      <p:ext uri="{BB962C8B-B14F-4D97-AF65-F5344CB8AC3E}">
+        <p14:creationId xmlns:p14="http://schemas.microsoft.com/office/powerpoint/2010/main" val="24628198"/>
       </p:ext>
     </p:extLst>
   </p:cSld>
